--- a/slides/lec2-7-lambdas.pptx
+++ b/slides/lec2-7-lambdas.pptx
@@ -50,20 +50,30 @@
     <p:sldId id="292" r:id="rId44"/>
     <p:sldId id="278" r:id="rId45"/>
     <p:sldId id="317" r:id="rId46"/>
-    <p:sldId id="274" r:id="rId47"/>
-    <p:sldId id="275" r:id="rId48"/>
-    <p:sldId id="276" r:id="rId49"/>
-    <p:sldId id="279" r:id="rId50"/>
-    <p:sldId id="280" r:id="rId51"/>
-    <p:sldId id="281" r:id="rId52"/>
-    <p:sldId id="282" r:id="rId53"/>
-    <p:sldId id="284" r:id="rId54"/>
-    <p:sldId id="283" r:id="rId55"/>
-    <p:sldId id="285" r:id="rId56"/>
-    <p:sldId id="286" r:id="rId57"/>
-    <p:sldId id="287" r:id="rId58"/>
-    <p:sldId id="293" r:id="rId59"/>
-    <p:sldId id="290" r:id="rId60"/>
+    <p:sldId id="320" r:id="rId47"/>
+    <p:sldId id="274" r:id="rId48"/>
+    <p:sldId id="275" r:id="rId49"/>
+    <p:sldId id="276" r:id="rId50"/>
+    <p:sldId id="279" r:id="rId51"/>
+    <p:sldId id="280" r:id="rId52"/>
+    <p:sldId id="321" r:id="rId53"/>
+    <p:sldId id="281" r:id="rId54"/>
+    <p:sldId id="282" r:id="rId55"/>
+    <p:sldId id="284" r:id="rId56"/>
+    <p:sldId id="283" r:id="rId57"/>
+    <p:sldId id="285" r:id="rId58"/>
+    <p:sldId id="322" r:id="rId59"/>
+    <p:sldId id="286" r:id="rId60"/>
+    <p:sldId id="287" r:id="rId61"/>
+    <p:sldId id="293" r:id="rId62"/>
+    <p:sldId id="319" r:id="rId63"/>
+    <p:sldId id="323" r:id="rId64"/>
+    <p:sldId id="324" r:id="rId65"/>
+    <p:sldId id="325" r:id="rId66"/>
+    <p:sldId id="326" r:id="rId67"/>
+    <p:sldId id="327" r:id="rId68"/>
+    <p:sldId id="328" r:id="rId69"/>
+    <p:sldId id="290" r:id="rId70"/>
   </p:sldIdLst>
   <p:sldSz cx="12192000" cy="6858000"/>
   <p:notesSz cx="6858000" cy="9144000"/>
@@ -212,19 +222,29 @@
             <p14:sldId id="292"/>
             <p14:sldId id="278"/>
             <p14:sldId id="317"/>
+            <p14:sldId id="320"/>
             <p14:sldId id="274"/>
             <p14:sldId id="275"/>
             <p14:sldId id="276"/>
             <p14:sldId id="279"/>
             <p14:sldId id="280"/>
+            <p14:sldId id="321"/>
             <p14:sldId id="281"/>
             <p14:sldId id="282"/>
             <p14:sldId id="284"/>
             <p14:sldId id="283"/>
             <p14:sldId id="285"/>
+            <p14:sldId id="322"/>
             <p14:sldId id="286"/>
             <p14:sldId id="287"/>
             <p14:sldId id="293"/>
+            <p14:sldId id="319"/>
+            <p14:sldId id="323"/>
+            <p14:sldId id="324"/>
+            <p14:sldId id="325"/>
+            <p14:sldId id="326"/>
+            <p14:sldId id="327"/>
+            <p14:sldId id="328"/>
             <p14:sldId id="290"/>
           </p14:sldIdLst>
         </p14:section>
@@ -1374,6 +1394,465 @@
       <dsp:cNvGrpSpPr/>
     </dsp:nvGrpSpPr>
     <dsp:grpSpPr/>
+    <dsp:sp modelId="{1147361A-DDDF-4CED-8C10-FB823EDBB715}">
+      <dsp:nvSpPr>
+        <dsp:cNvPr id="0" name=""/>
+        <dsp:cNvSpPr/>
+      </dsp:nvSpPr>
+      <dsp:spPr>
+        <a:xfrm rot="21168489">
+          <a:off x="1498480" y="1479998"/>
+          <a:ext cx="2783529" cy="2849528"/>
+        </a:xfrm>
+        <a:prstGeom prst="gear9">
+          <a:avLst/>
+        </a:prstGeom>
+        <a:solidFill>
+          <a:schemeClr val="accent1">
+            <a:hueOff val="0"/>
+            <a:satOff val="0"/>
+            <a:lumOff val="0"/>
+            <a:alphaOff val="0"/>
+          </a:schemeClr>
+        </a:solidFill>
+        <a:ln>
+          <a:solidFill>
+            <a:schemeClr val="accent1"/>
+          </a:solidFill>
+        </a:ln>
+        <a:effectLst>
+          <a:outerShdw blurRad="38100" dist="25400" dir="5400000" rotWithShape="0">
+            <a:srgbClr val="000000">
+              <a:alpha val="45000"/>
+            </a:srgbClr>
+          </a:outerShdw>
+        </a:effectLst>
+        <a:scene3d>
+          <a:camera prst="orthographicFront">
+            <a:rot lat="0" lon="0" rev="0"/>
+          </a:camera>
+          <a:lightRig rig="contrasting" dir="t">
+            <a:rot lat="0" lon="0" rev="1200000"/>
+          </a:lightRig>
+        </a:scene3d>
+        <a:sp3d contourW="19050" prstMaterial="metal">
+          <a:bevelT w="88900" h="203200"/>
+          <a:bevelB w="165100" h="254000"/>
+        </a:sp3d>
+      </dsp:spPr>
+      <dsp:style>
+        <a:lnRef idx="0">
+          <a:scrgbClr r="0" g="0" b="0"/>
+        </a:lnRef>
+        <a:fillRef idx="1">
+          <a:scrgbClr r="0" g="0" b="0"/>
+        </a:fillRef>
+        <a:effectRef idx="2">
+          <a:scrgbClr r="0" g="0" b="0"/>
+        </a:effectRef>
+        <a:fontRef idx="minor">
+          <a:schemeClr val="lt1"/>
+        </a:fontRef>
+      </dsp:style>
+      <dsp:txBody>
+        <a:bodyPr spcFirstLastPara="0" vert="horz" wrap="square" lIns="27940" tIns="27940" rIns="27940" bIns="27940" numCol="1" spcCol="1270" anchor="ctr" anchorCtr="0">
+          <a:noAutofit/>
+        </a:bodyPr>
+        <a:lstStyle/>
+        <a:p>
+          <a:pPr lvl="0" algn="ctr" defTabSz="977900">
+            <a:lnSpc>
+              <a:spcPct val="90000"/>
+            </a:lnSpc>
+            <a:spcBef>
+              <a:spcPct val="0"/>
+            </a:spcBef>
+            <a:spcAft>
+              <a:spcPct val="35000"/>
+            </a:spcAft>
+          </a:pPr>
+          <a:r>
+            <a:rPr lang="en-US" sz="2200" kern="1200" smtClean="0">
+              <a:latin typeface="Consolas" panose="020B0609020204030204" pitchFamily="49" charset="0"/>
+            </a:rPr>
+            <a:t>forward&lt;T&gt;</a:t>
+          </a:r>
+          <a:endParaRPr lang="en-US" sz="2200" kern="1200">
+            <a:latin typeface="Consolas" panose="020B0609020204030204" pitchFamily="49" charset="0"/>
+          </a:endParaRPr>
+        </a:p>
+      </dsp:txBody>
+      <dsp:txXfrm>
+        <a:off x="2054955" y="2143298"/>
+        <a:ext cx="1664303" cy="1473198"/>
+      </dsp:txXfrm>
+    </dsp:sp>
+    <dsp:sp modelId="{033F420A-68A8-467A-A6A3-A77018ACC816}">
+      <dsp:nvSpPr>
+        <dsp:cNvPr id="0" name=""/>
+        <dsp:cNvSpPr/>
+      </dsp:nvSpPr>
+      <dsp:spPr>
+        <a:xfrm>
+          <a:off x="581533" y="1408768"/>
+          <a:ext cx="1265814" cy="1225909"/>
+        </a:xfrm>
+        <a:prstGeom prst="gear6">
+          <a:avLst/>
+        </a:prstGeom>
+        <a:solidFill>
+          <a:schemeClr val="accent1">
+            <a:hueOff val="0"/>
+            <a:satOff val="0"/>
+            <a:lumOff val="0"/>
+            <a:alphaOff val="0"/>
+          </a:schemeClr>
+        </a:solidFill>
+        <a:ln>
+          <a:solidFill>
+            <a:schemeClr val="accent1"/>
+          </a:solidFill>
+        </a:ln>
+        <a:effectLst>
+          <a:outerShdw blurRad="38100" dist="25400" dir="5400000" rotWithShape="0">
+            <a:srgbClr val="000000">
+              <a:alpha val="45000"/>
+            </a:srgbClr>
+          </a:outerShdw>
+        </a:effectLst>
+        <a:scene3d>
+          <a:camera prst="orthographicFront">
+            <a:rot lat="0" lon="0" rev="0"/>
+          </a:camera>
+          <a:lightRig rig="contrasting" dir="t">
+            <a:rot lat="0" lon="0" rev="1200000"/>
+          </a:lightRig>
+        </a:scene3d>
+        <a:sp3d contourW="19050" prstMaterial="metal">
+          <a:bevelT w="88900" h="203200"/>
+          <a:bevelB w="165100" h="254000"/>
+        </a:sp3d>
+      </dsp:spPr>
+      <dsp:style>
+        <a:lnRef idx="0">
+          <a:scrgbClr r="0" g="0" b="0"/>
+        </a:lnRef>
+        <a:fillRef idx="1">
+          <a:scrgbClr r="0" g="0" b="0"/>
+        </a:fillRef>
+        <a:effectRef idx="2">
+          <a:scrgbClr r="0" g="0" b="0"/>
+        </a:effectRef>
+        <a:fontRef idx="minor">
+          <a:schemeClr val="lt1"/>
+        </a:fontRef>
+      </dsp:style>
+      <dsp:txBody>
+        <a:bodyPr spcFirstLastPara="0" vert="horz" wrap="square" lIns="27940" tIns="27940" rIns="27940" bIns="27940" numCol="1" spcCol="1270" anchor="ctr" anchorCtr="0">
+          <a:noAutofit/>
+        </a:bodyPr>
+        <a:lstStyle/>
+        <a:p>
+          <a:pPr lvl="0" algn="ctr" defTabSz="977900">
+            <a:lnSpc>
+              <a:spcPct val="90000"/>
+            </a:lnSpc>
+            <a:spcBef>
+              <a:spcPct val="0"/>
+            </a:spcBef>
+            <a:spcAft>
+              <a:spcPct val="35000"/>
+            </a:spcAft>
+          </a:pPr>
+          <a:r>
+            <a:rPr lang="en-US" sz="2200" kern="1200" smtClean="0">
+              <a:latin typeface="Consolas" panose="020B0609020204030204" pitchFamily="49" charset="0"/>
+            </a:rPr>
+            <a:t>T&amp;&amp;</a:t>
+          </a:r>
+          <a:endParaRPr lang="en-US" sz="2200" kern="1200">
+            <a:latin typeface="Consolas" panose="020B0609020204030204" pitchFamily="49" charset="0"/>
+          </a:endParaRPr>
+        </a:p>
+      </dsp:txBody>
+      <dsp:txXfrm>
+        <a:off x="895960" y="1719260"/>
+        <a:ext cx="636960" cy="604925"/>
+      </dsp:txXfrm>
+    </dsp:sp>
+    <dsp:sp modelId="{0B5017A3-596B-4037-873B-6769E4C82131}">
+      <dsp:nvSpPr>
+        <dsp:cNvPr id="0" name=""/>
+        <dsp:cNvSpPr/>
+      </dsp:nvSpPr>
+      <dsp:spPr>
+        <a:xfrm rot="20700000">
+          <a:off x="1385289" y="591146"/>
+          <a:ext cx="1106189" cy="1134172"/>
+        </a:xfrm>
+        <a:prstGeom prst="gear6">
+          <a:avLst/>
+        </a:prstGeom>
+        <a:solidFill>
+          <a:schemeClr val="accent1">
+            <a:hueOff val="0"/>
+            <a:satOff val="0"/>
+            <a:lumOff val="0"/>
+            <a:alphaOff val="0"/>
+          </a:schemeClr>
+        </a:solidFill>
+        <a:ln>
+          <a:solidFill>
+            <a:schemeClr val="accent1"/>
+          </a:solidFill>
+        </a:ln>
+        <a:effectLst>
+          <a:outerShdw blurRad="38100" dist="25400" dir="5400000" rotWithShape="0">
+            <a:srgbClr val="000000">
+              <a:alpha val="45000"/>
+            </a:srgbClr>
+          </a:outerShdw>
+        </a:effectLst>
+        <a:scene3d>
+          <a:camera prst="orthographicFront">
+            <a:rot lat="0" lon="0" rev="0"/>
+          </a:camera>
+          <a:lightRig rig="contrasting" dir="t">
+            <a:rot lat="0" lon="0" rev="1200000"/>
+          </a:lightRig>
+        </a:scene3d>
+        <a:sp3d contourW="19050" prstMaterial="metal">
+          <a:bevelT w="88900" h="203200"/>
+          <a:bevelB w="165100" h="254000"/>
+        </a:sp3d>
+      </dsp:spPr>
+      <dsp:style>
+        <a:lnRef idx="0">
+          <a:scrgbClr r="0" g="0" b="0"/>
+        </a:lnRef>
+        <a:fillRef idx="1">
+          <a:scrgbClr r="0" g="0" b="0"/>
+        </a:fillRef>
+        <a:effectRef idx="2">
+          <a:scrgbClr r="0" g="0" b="0"/>
+        </a:effectRef>
+        <a:fontRef idx="minor">
+          <a:schemeClr val="lt1"/>
+        </a:fontRef>
+      </dsp:style>
+      <dsp:txBody>
+        <a:bodyPr spcFirstLastPara="0" vert="horz" wrap="square" lIns="27940" tIns="27940" rIns="27940" bIns="27940" numCol="1" spcCol="1270" anchor="ctr" anchorCtr="0">
+          <a:noAutofit/>
+        </a:bodyPr>
+        <a:lstStyle/>
+        <a:p>
+          <a:pPr lvl="0" algn="ctr" defTabSz="977900">
+            <a:lnSpc>
+              <a:spcPct val="90000"/>
+            </a:lnSpc>
+            <a:spcBef>
+              <a:spcPct val="0"/>
+            </a:spcBef>
+            <a:spcAft>
+              <a:spcPct val="35000"/>
+            </a:spcAft>
+          </a:pPr>
+          <a:r>
+            <a:rPr lang="en-US" sz="2200" kern="1200" smtClean="0">
+              <a:latin typeface="Consolas" panose="020B0609020204030204" pitchFamily="49" charset="0"/>
+            </a:rPr>
+            <a:t>&lt;T&gt;</a:t>
+          </a:r>
+          <a:endParaRPr lang="en-US" sz="2200" kern="1200">
+            <a:latin typeface="Consolas" panose="020B0609020204030204" pitchFamily="49" charset="0"/>
+          </a:endParaRPr>
+        </a:p>
+      </dsp:txBody>
+      <dsp:txXfrm rot="-20700000">
+        <a:off x="1626249" y="841563"/>
+        <a:ext cx="624269" cy="633338"/>
+      </dsp:txXfrm>
+    </dsp:sp>
+    <dsp:sp modelId="{F7A6F3B2-D09A-4FD5-A9DE-8C59D6C97C08}">
+      <dsp:nvSpPr>
+        <dsp:cNvPr id="0" name=""/>
+        <dsp:cNvSpPr/>
+      </dsp:nvSpPr>
+      <dsp:spPr>
+        <a:xfrm>
+          <a:off x="1787724" y="1312757"/>
+          <a:ext cx="2937350" cy="2937350"/>
+        </a:xfrm>
+        <a:prstGeom prst="circularArrow">
+          <a:avLst>
+            <a:gd name="adj1" fmla="val 4687"/>
+            <a:gd name="adj2" fmla="val 299029"/>
+            <a:gd name="adj3" fmla="val 2515725"/>
+            <a:gd name="adj4" fmla="val 15862225"/>
+            <a:gd name="adj5" fmla="val 5469"/>
+          </a:avLst>
+        </a:prstGeom>
+        <a:solidFill>
+          <a:schemeClr val="accent1">
+            <a:tint val="60000"/>
+            <a:hueOff val="0"/>
+            <a:satOff val="0"/>
+            <a:lumOff val="0"/>
+            <a:alphaOff val="0"/>
+          </a:schemeClr>
+        </a:solidFill>
+        <a:ln>
+          <a:noFill/>
+        </a:ln>
+        <a:effectLst/>
+        <a:scene3d>
+          <a:camera prst="orthographicFront">
+            <a:rot lat="0" lon="0" rev="0"/>
+          </a:camera>
+          <a:lightRig rig="contrasting" dir="t">
+            <a:rot lat="0" lon="0" rev="1200000"/>
+          </a:lightRig>
+        </a:scene3d>
+        <a:sp3d z="-182000" contourW="19050" prstMaterial="metal">
+          <a:bevelT w="88900" h="203200"/>
+          <a:bevelB w="165100" h="254000"/>
+        </a:sp3d>
+      </dsp:spPr>
+      <dsp:style>
+        <a:lnRef idx="0">
+          <a:scrgbClr r="0" g="0" b="0"/>
+        </a:lnRef>
+        <a:fillRef idx="1">
+          <a:scrgbClr r="0" g="0" b="0"/>
+        </a:fillRef>
+        <a:effectRef idx="0">
+          <a:scrgbClr r="0" g="0" b="0"/>
+        </a:effectRef>
+        <a:fontRef idx="minor">
+          <a:schemeClr val="lt1"/>
+        </a:fontRef>
+      </dsp:style>
+    </dsp:sp>
+    <dsp:sp modelId="{F774AABA-E20F-4464-B0D6-5FE0D5812C80}">
+      <dsp:nvSpPr>
+        <dsp:cNvPr id="0" name=""/>
+        <dsp:cNvSpPr/>
+      </dsp:nvSpPr>
+      <dsp:spPr>
+        <a:xfrm>
+          <a:off x="176691" y="827297"/>
+          <a:ext cx="2134168" cy="2134168"/>
+        </a:xfrm>
+        <a:prstGeom prst="leftCircularArrow">
+          <a:avLst>
+            <a:gd name="adj1" fmla="val 6452"/>
+            <a:gd name="adj2" fmla="val 429999"/>
+            <a:gd name="adj3" fmla="val 10489124"/>
+            <a:gd name="adj4" fmla="val 14837806"/>
+            <a:gd name="adj5" fmla="val 7527"/>
+          </a:avLst>
+        </a:prstGeom>
+        <a:solidFill>
+          <a:schemeClr val="accent1">
+            <a:tint val="60000"/>
+            <a:hueOff val="0"/>
+            <a:satOff val="0"/>
+            <a:lumOff val="0"/>
+            <a:alphaOff val="0"/>
+          </a:schemeClr>
+        </a:solidFill>
+        <a:ln>
+          <a:noFill/>
+        </a:ln>
+        <a:effectLst/>
+        <a:scene3d>
+          <a:camera prst="orthographicFront">
+            <a:rot lat="0" lon="0" rev="0"/>
+          </a:camera>
+          <a:lightRig rig="contrasting" dir="t">
+            <a:rot lat="0" lon="0" rev="1200000"/>
+          </a:lightRig>
+        </a:scene3d>
+        <a:sp3d z="-182000" contourW="19050" prstMaterial="metal">
+          <a:bevelT w="88900" h="203200"/>
+          <a:bevelB w="165100" h="254000"/>
+        </a:sp3d>
+      </dsp:spPr>
+      <dsp:style>
+        <a:lnRef idx="0">
+          <a:scrgbClr r="0" g="0" b="0"/>
+        </a:lnRef>
+        <a:fillRef idx="1">
+          <a:scrgbClr r="0" g="0" b="0"/>
+        </a:fillRef>
+        <a:effectRef idx="0">
+          <a:scrgbClr r="0" g="0" b="0"/>
+        </a:effectRef>
+        <a:fontRef idx="minor">
+          <a:schemeClr val="lt1"/>
+        </a:fontRef>
+      </dsp:style>
+    </dsp:sp>
+    <dsp:sp modelId="{BE5D2B03-5DC9-43D2-82FE-CCC9458C6DD6}">
+      <dsp:nvSpPr>
+        <dsp:cNvPr id="0" name=""/>
+        <dsp:cNvSpPr/>
+      </dsp:nvSpPr>
+      <dsp:spPr>
+        <a:xfrm>
+          <a:off x="1084204" y="28630"/>
+          <a:ext cx="2301063" cy="2301063"/>
+        </a:xfrm>
+        <a:prstGeom prst="circularArrow">
+          <a:avLst>
+            <a:gd name="adj1" fmla="val 5984"/>
+            <a:gd name="adj2" fmla="val 394124"/>
+            <a:gd name="adj3" fmla="val 13313824"/>
+            <a:gd name="adj4" fmla="val 10508221"/>
+            <a:gd name="adj5" fmla="val 6981"/>
+          </a:avLst>
+        </a:prstGeom>
+        <a:solidFill>
+          <a:schemeClr val="accent1">
+            <a:tint val="60000"/>
+            <a:hueOff val="0"/>
+            <a:satOff val="0"/>
+            <a:lumOff val="0"/>
+            <a:alphaOff val="0"/>
+          </a:schemeClr>
+        </a:solidFill>
+        <a:ln>
+          <a:noFill/>
+        </a:ln>
+        <a:effectLst/>
+        <a:scene3d>
+          <a:camera prst="orthographicFront">
+            <a:rot lat="0" lon="0" rev="0"/>
+          </a:camera>
+          <a:lightRig rig="contrasting" dir="t">
+            <a:rot lat="0" lon="0" rev="1200000"/>
+          </a:lightRig>
+        </a:scene3d>
+        <a:sp3d z="-182000" contourW="19050" prstMaterial="metal">
+          <a:bevelT w="88900" h="203200"/>
+          <a:bevelB w="165100" h="254000"/>
+        </a:sp3d>
+      </dsp:spPr>
+      <dsp:style>
+        <a:lnRef idx="0">
+          <a:scrgbClr r="0" g="0" b="0"/>
+        </a:lnRef>
+        <a:fillRef idx="1">
+          <a:scrgbClr r="0" g="0" b="0"/>
+        </a:fillRef>
+        <a:effectRef idx="0">
+          <a:scrgbClr r="0" g="0" b="0"/>
+        </a:effectRef>
+        <a:fontRef idx="minor">
+          <a:schemeClr val="lt1"/>
+        </a:fontRef>
+      </dsp:style>
+    </dsp:sp>
   </dsp:spTree>
 </dsp:drawing>
 </file>
@@ -3378,7 +3857,7 @@
             <a:fld id="{96DFF08F-DC6B-4601-B491-B0F83F6DD2DA}" type="datetimeFigureOut">
               <a:rPr lang="en-US" dirty="0"/>
               <a:pPr/>
-              <a:t>3/19/2017</a:t>
+              <a:t>3/23/2017</a:t>
             </a:fld>
             <a:endParaRPr lang="en-US" dirty="0"/>
           </a:p>
@@ -3595,7 +4074,7 @@
           <a:p>
             <a:fld id="{96DFF08F-DC6B-4601-B491-B0F83F6DD2DA}" type="datetimeFigureOut">
               <a:rPr lang="en-US" dirty="0"/>
-              <a:t>3/19/2017</a:t>
+              <a:t>3/23/2017</a:t>
             </a:fld>
             <a:endParaRPr lang="en-US" dirty="0"/>
           </a:p>
@@ -3770,7 +4249,7 @@
           <a:p>
             <a:fld id="{96DFF08F-DC6B-4601-B491-B0F83F6DD2DA}" type="datetimeFigureOut">
               <a:rPr lang="en-US" dirty="0"/>
-              <a:t>3/19/2017</a:t>
+              <a:t>3/23/2017</a:t>
             </a:fld>
             <a:endParaRPr lang="en-US" dirty="0"/>
           </a:p>
@@ -3935,7 +4414,7 @@
           <a:p>
             <a:fld id="{96DFF08F-DC6B-4601-B491-B0F83F6DD2DA}" type="datetimeFigureOut">
               <a:rPr lang="en-US" dirty="0"/>
-              <a:t>3/19/2017</a:t>
+              <a:t>3/23/2017</a:t>
             </a:fld>
             <a:endParaRPr lang="en-US" dirty="0"/>
           </a:p>
@@ -4181,7 +4660,7 @@
           <a:p>
             <a:fld id="{96DFF08F-DC6B-4601-B491-B0F83F6DD2DA}" type="datetimeFigureOut">
               <a:rPr lang="en-US" dirty="0"/>
-              <a:t>3/19/2017</a:t>
+              <a:t>3/23/2017</a:t>
             </a:fld>
             <a:endParaRPr lang="en-US" dirty="0"/>
           </a:p>
@@ -4499,7 +4978,7 @@
           <a:p>
             <a:fld id="{96DFF08F-DC6B-4601-B491-B0F83F6DD2DA}" type="datetimeFigureOut">
               <a:rPr lang="en-US" dirty="0"/>
-              <a:t>3/19/2017</a:t>
+              <a:t>3/23/2017</a:t>
             </a:fld>
             <a:endParaRPr lang="en-US" dirty="0"/>
           </a:p>
@@ -4918,7 +5397,7 @@
           <a:p>
             <a:fld id="{96DFF08F-DC6B-4601-B491-B0F83F6DD2DA}" type="datetimeFigureOut">
               <a:rPr lang="en-US" dirty="0"/>
-              <a:t>3/19/2017</a:t>
+              <a:t>3/23/2017</a:t>
             </a:fld>
             <a:endParaRPr lang="en-US" dirty="0"/>
           </a:p>
@@ -5031,7 +5510,7 @@
           <a:p>
             <a:fld id="{96DFF08F-DC6B-4601-B491-B0F83F6DD2DA}" type="datetimeFigureOut">
               <a:rPr lang="en-US" dirty="0"/>
-              <a:t>3/19/2017</a:t>
+              <a:t>3/23/2017</a:t>
             </a:fld>
             <a:endParaRPr lang="en-US" dirty="0"/>
           </a:p>
@@ -5121,7 +5600,7 @@
           <a:p>
             <a:fld id="{96DFF08F-DC6B-4601-B491-B0F83F6DD2DA}" type="datetimeFigureOut">
               <a:rPr lang="en-US" dirty="0"/>
-              <a:t>3/19/2017</a:t>
+              <a:t>3/23/2017</a:t>
             </a:fld>
             <a:endParaRPr lang="en-US" dirty="0"/>
           </a:p>
@@ -5406,7 +5885,7 @@
           <a:p>
             <a:fld id="{96DFF08F-DC6B-4601-B491-B0F83F6DD2DA}" type="datetimeFigureOut">
               <a:rPr lang="en-US" dirty="0"/>
-              <a:t>3/19/2017</a:t>
+              <a:t>3/23/2017</a:t>
             </a:fld>
             <a:endParaRPr lang="en-US" dirty="0"/>
           </a:p>
@@ -5673,7 +6152,7 @@
           <a:p>
             <a:fld id="{96DFF08F-DC6B-4601-B491-B0F83F6DD2DA}" type="datetimeFigureOut">
               <a:rPr lang="en-US" dirty="0"/>
-              <a:t>3/19/2017</a:t>
+              <a:t>3/23/2017</a:t>
             </a:fld>
             <a:endParaRPr lang="en-US" dirty="0"/>
           </a:p>
@@ -5922,7 +6401,7 @@
             <a:fld id="{96DFF08F-DC6B-4601-B491-B0F83F6DD2DA}" type="datetimeFigureOut">
               <a:rPr lang="en-US" dirty="0"/>
               <a:pPr/>
-              <a:t>3/19/2017</a:t>
+              <a:t>3/23/2017</a:t>
             </a:fld>
             <a:endParaRPr lang="en-US" dirty="0"/>
           </a:p>
@@ -9717,13 +10196,8 @@
             </a:pPr>
             <a:r>
               <a:rPr lang="ru-RU" sz="4800" smtClean="0"/>
-              <a:t> </a:t>
-            </a:r>
-            <a:r>
-              <a:rPr lang="ru-RU" sz="4800" smtClean="0"/>
-              <a:t>Типизация и связывание</a:t>
-            </a:r>
-            <a:endParaRPr lang="ru-RU" sz="4800" smtClean="0"/>
+              <a:t> Типизация и связывание</a:t>
+            </a:r>
           </a:p>
           <a:p>
             <a:pPr>
@@ -10632,11 +11106,7 @@
           <a:p>
             <a:r>
               <a:rPr lang="ru-RU" smtClean="0"/>
-              <a:t>Интересно, что "рекурсия" раскрытий завершается </a:t>
-            </a:r>
-            <a:r>
-              <a:rPr lang="ru-RU" smtClean="0"/>
-              <a:t>специализацией</a:t>
+              <a:t>Интересно, что "рекурсия" раскрытий завершается специализацией</a:t>
             </a:r>
             <a:endParaRPr lang="en-US"/>
           </a:p>
@@ -10928,70 +11398,58 @@
               <a:rPr lang="ru-RU">
                 <a:sym typeface="Symbol" panose="05050102010706020507" pitchFamily="18" charset="2"/>
               </a:rPr>
-              <a:t></a:t>
+              <a:t>-</a:t>
+            </a:r>
+            <a:r>
+              <a:rPr lang="ru-RU" smtClean="0">
+                <a:sym typeface="Symbol" panose="05050102010706020507" pitchFamily="18" charset="2"/>
+              </a:rPr>
+              <a:t>выражений против шаблонных функций является невозможность явно указать параметры</a:t>
+            </a:r>
+          </a:p>
+          <a:p>
+            <a:pPr marL="45720" indent="0">
+              <a:buNone/>
+            </a:pPr>
+            <a:r>
+              <a:rPr lang="en-US" smtClean="0">
+                <a:latin typeface="Consolas" panose="020B0609020204030204" pitchFamily="49" charset="0"/>
+                <a:sym typeface="Symbol" panose="05050102010706020507" pitchFamily="18" charset="2"/>
+              </a:rPr>
+              <a:t>template &lt;typename T&gt; T idf (T x) { return x; }</a:t>
+            </a:r>
+          </a:p>
+          <a:p>
+            <a:pPr marL="45720" indent="0">
+              <a:buNone/>
+            </a:pPr>
+            <a:r>
+              <a:rPr lang="en-US" smtClean="0">
+                <a:latin typeface="Consolas" panose="020B0609020204030204" pitchFamily="49" charset="0"/>
+                <a:sym typeface="Symbol" panose="05050102010706020507" pitchFamily="18" charset="2"/>
+              </a:rPr>
+              <a:t>auto result = idf &lt;double&gt; (1); // result == 1.0</a:t>
+            </a:r>
+          </a:p>
+          <a:p>
+            <a:pPr marL="45720" indent="0">
+              <a:buNone/>
+            </a:pPr>
+            <a:r>
+              <a:rPr lang="ru-RU" smtClean="0">
+                <a:sym typeface="Symbol" panose="05050102010706020507" pitchFamily="18" charset="2"/>
+              </a:rPr>
+              <a:t>В случае </a:t>
+            </a:r>
+            <a:r>
+              <a:rPr lang="ru-RU"/>
+              <a:t>обобщённых </a:t>
             </a:r>
             <a:r>
               <a:rPr lang="ru-RU">
                 <a:sym typeface="Symbol" panose="05050102010706020507" pitchFamily="18" charset="2"/>
               </a:rPr>
-              <a:t>-</a:t>
-            </a:r>
-            <a:r>
-              <a:rPr lang="ru-RU" smtClean="0">
-                <a:sym typeface="Symbol" panose="05050102010706020507" pitchFamily="18" charset="2"/>
-              </a:rPr>
-              <a:t>выражений против шаблонных функций является невозможность явно указать параметры</a:t>
-            </a:r>
-          </a:p>
-          <a:p>
-            <a:pPr marL="45720" indent="0">
-              <a:buNone/>
-            </a:pPr>
-            <a:r>
-              <a:rPr lang="en-US" smtClean="0">
-                <a:latin typeface="Consolas" panose="020B0609020204030204" pitchFamily="49" charset="0"/>
-                <a:sym typeface="Symbol" panose="05050102010706020507" pitchFamily="18" charset="2"/>
-              </a:rPr>
-              <a:t>template &lt;typename T&gt; T idf (T x) { return x; }</a:t>
-            </a:r>
-          </a:p>
-          <a:p>
-            <a:pPr marL="45720" indent="0">
-              <a:buNone/>
-            </a:pPr>
-            <a:r>
-              <a:rPr lang="en-US" smtClean="0">
-                <a:latin typeface="Consolas" panose="020B0609020204030204" pitchFamily="49" charset="0"/>
-                <a:sym typeface="Symbol" panose="05050102010706020507" pitchFamily="18" charset="2"/>
-              </a:rPr>
-              <a:t>auto result = idf &lt;double&gt; (1); // result == 1.0</a:t>
-            </a:r>
-          </a:p>
-          <a:p>
-            <a:pPr marL="45720" indent="0">
-              <a:buNone/>
-            </a:pPr>
-            <a:r>
-              <a:rPr lang="ru-RU" smtClean="0">
-                <a:sym typeface="Symbol" panose="05050102010706020507" pitchFamily="18" charset="2"/>
-              </a:rPr>
-              <a:t>В случае </a:t>
-            </a:r>
-            <a:r>
-              <a:rPr lang="ru-RU"/>
-              <a:t>обобщённых </a:t>
-            </a:r>
-            <a:r>
-              <a:rPr lang="ru-RU">
-                <a:sym typeface="Symbol" panose="05050102010706020507" pitchFamily="18" charset="2"/>
-              </a:rPr>
-              <a:t></a:t>
-            </a:r>
-            <a:r>
-              <a:rPr lang="ru-RU">
-                <a:sym typeface="Symbol" panose="05050102010706020507" pitchFamily="18" charset="2"/>
-              </a:rPr>
-              <a:t>-</a:t>
+              <a:t>-</a:t>
             </a:r>
             <a:r>
               <a:rPr lang="ru-RU" smtClean="0">
@@ -11114,11 +11572,7 @@
             </a:r>
             <a:r>
               <a:rPr lang="en-US" sz="3600"/>
-              <a:t>now legal </a:t>
-            </a:r>
-            <a:r>
-              <a:rPr lang="en-US" sz="3600"/>
-              <a:t>C</a:t>
+              <a:t>now legal C</a:t>
             </a:r>
             <a:r>
               <a:rPr lang="en-US" sz="3600" smtClean="0"/>
@@ -11455,7 +11909,6 @@
               <a:rPr lang="ru-RU" sz="4800" smtClean="0"/>
               <a:t> Типизация и связывание</a:t>
             </a:r>
-            <a:endParaRPr lang="ru-RU" sz="4800" smtClean="0"/>
           </a:p>
           <a:p>
             <a:pPr>
@@ -12868,15 +13321,7 @@
           <a:p>
             <a:r>
               <a:rPr lang="ru-RU" sz="2000" smtClean="0"/>
-              <a:t>Частичная </a:t>
-            </a:r>
-            <a:r>
-              <a:rPr lang="ru-RU" sz="2000" smtClean="0"/>
-              <a:t>подстановка </a:t>
-            </a:r>
-            <a:r>
-              <a:rPr lang="ru-RU" sz="2000" smtClean="0"/>
-              <a:t>аргументов</a:t>
+              <a:t>Частичная подстановка аргументов</a:t>
             </a:r>
             <a:r>
               <a:rPr lang="en-US" sz="2000" smtClean="0"/>
@@ -12896,19 +13341,7 @@
               <a:rPr lang="en-US" sz="2000" smtClean="0">
                 <a:latin typeface="Consolas" panose="020B0609020204030204" pitchFamily="49" charset="0"/>
               </a:rPr>
-              <a:t>auto </a:t>
-            </a:r>
-            <a:r>
-              <a:rPr lang="en-US" sz="2000" smtClean="0">
-                <a:latin typeface="Consolas" panose="020B0609020204030204" pitchFamily="49" charset="0"/>
-              </a:rPr>
-              <a:t>fam </a:t>
-            </a:r>
-            <a:r>
-              <a:rPr lang="en-US" sz="2000" smtClean="0">
-                <a:latin typeface="Consolas" panose="020B0609020204030204" pitchFamily="49" charset="0"/>
-              </a:rPr>
-              <a:t>= [](auto </a:t>
+              <a:t>auto fam = [](auto </a:t>
             </a:r>
             <a:r>
               <a:rPr lang="en-US" sz="2000">
@@ -12946,66 +13379,54 @@
               <a:rPr lang="en-US" sz="2000" smtClean="0">
                 <a:latin typeface="Consolas" panose="020B0609020204030204" pitchFamily="49" charset="0"/>
               </a:rPr>
+              <a:t>auto fam3 </a:t>
+            </a:r>
+            <a:r>
+              <a:rPr lang="en-US" sz="2000">
+                <a:latin typeface="Consolas" panose="020B0609020204030204" pitchFamily="49" charset="0"/>
+              </a:rPr>
+              <a:t>= </a:t>
+            </a:r>
+            <a:r>
+              <a:rPr lang="en-US" sz="2000" smtClean="0">
+                <a:latin typeface="Consolas" panose="020B0609020204030204" pitchFamily="49" charset="0"/>
+              </a:rPr>
+              <a:t>curry(fam, </a:t>
+            </a:r>
+            <a:r>
+              <a:rPr lang="ru-RU" sz="2000" smtClean="0">
+                <a:latin typeface="Consolas" panose="020B0609020204030204" pitchFamily="49" charset="0"/>
+              </a:rPr>
+              <a:t>3</a:t>
+            </a:r>
+            <a:r>
+              <a:rPr lang="en-US" sz="2000" smtClean="0">
+                <a:latin typeface="Consolas" panose="020B0609020204030204" pitchFamily="49" charset="0"/>
+              </a:rPr>
+              <a:t>); // 3 * (y + z)</a:t>
+            </a:r>
+          </a:p>
+          <a:p>
+            <a:pPr marL="45720" indent="0">
+              <a:buNone/>
+            </a:pPr>
+            <a:r>
+              <a:rPr lang="en-US" sz="2000">
+                <a:latin typeface="Consolas" panose="020B0609020204030204" pitchFamily="49" charset="0"/>
+              </a:rPr>
               <a:t>auto </a:t>
             </a:r>
             <a:r>
               <a:rPr lang="en-US" sz="2000" smtClean="0">
                 <a:latin typeface="Consolas" panose="020B0609020204030204" pitchFamily="49" charset="0"/>
               </a:rPr>
-              <a:t>fam3 </a:t>
+              <a:t>fa2m3 </a:t>
             </a:r>
             <a:r>
               <a:rPr lang="en-US" sz="2000">
                 <a:latin typeface="Consolas" panose="020B0609020204030204" pitchFamily="49" charset="0"/>
               </a:rPr>
-              <a:t>= </a:t>
-            </a:r>
-            <a:r>
-              <a:rPr lang="en-US" sz="2000" smtClean="0">
-                <a:latin typeface="Consolas" panose="020B0609020204030204" pitchFamily="49" charset="0"/>
-              </a:rPr>
-              <a:t>curry(fam, </a:t>
-            </a:r>
-            <a:r>
-              <a:rPr lang="ru-RU" sz="2000" smtClean="0">
-                <a:latin typeface="Consolas" panose="020B0609020204030204" pitchFamily="49" charset="0"/>
-              </a:rPr>
-              <a:t>3</a:t>
-            </a:r>
-            <a:r>
-              <a:rPr lang="en-US" sz="2000" smtClean="0">
-                <a:latin typeface="Consolas" panose="020B0609020204030204" pitchFamily="49" charset="0"/>
-              </a:rPr>
-              <a:t>); // 3 * (y + z)</a:t>
-            </a:r>
-          </a:p>
-          <a:p>
-            <a:pPr marL="45720" indent="0">
-              <a:buNone/>
-            </a:pPr>
-            <a:r>
-              <a:rPr lang="en-US" sz="2000">
-                <a:latin typeface="Consolas" panose="020B0609020204030204" pitchFamily="49" charset="0"/>
-              </a:rPr>
-              <a:t>auto </a:t>
-            </a:r>
-            <a:r>
-              <a:rPr lang="en-US" sz="2000" smtClean="0">
-                <a:latin typeface="Consolas" panose="020B0609020204030204" pitchFamily="49" charset="0"/>
-              </a:rPr>
-              <a:t>fa2m3 </a:t>
-            </a:r>
-            <a:r>
-              <a:rPr lang="en-US" sz="2000">
-                <a:latin typeface="Consolas" panose="020B0609020204030204" pitchFamily="49" charset="0"/>
-              </a:rPr>
-              <a:t>= curry(fam</a:t>
-            </a:r>
-            <a:r>
-              <a:rPr lang="en-US" sz="2000">
-                <a:latin typeface="Consolas" panose="020B0609020204030204" pitchFamily="49" charset="0"/>
-              </a:rPr>
-              <a:t>, </a:t>
+              <a:t>= curry(fam, </a:t>
             </a:r>
             <a:r>
               <a:rPr lang="en-US" sz="2000" smtClean="0">
@@ -13535,11 +13956,7 @@
           <a:p>
             <a:r>
               <a:rPr lang="ru-RU" smtClean="0"/>
-              <a:t>Захват по </a:t>
-            </a:r>
-            <a:r>
-              <a:rPr lang="ru-RU" smtClean="0"/>
-              <a:t>значению</a:t>
+              <a:t>Захват по значению</a:t>
             </a:r>
             <a:r>
               <a:rPr lang="en-US" smtClean="0"/>
@@ -13549,7 +13966,6 @@
               <a:rPr lang="ru-RU" smtClean="0"/>
               <a:t>по ссылке)</a:t>
             </a:r>
-            <a:endParaRPr lang="ru-RU" smtClean="0"/>
           </a:p>
           <a:p>
             <a:pPr marL="45720" indent="0">
@@ -13559,19 +13975,7 @@
               <a:rPr lang="en-US" smtClean="0">
                 <a:latin typeface="Consolas" panose="020B0609020204030204" pitchFamily="49" charset="0"/>
               </a:rPr>
-              <a:t>auto fval </a:t>
-            </a:r>
-            <a:r>
-              <a:rPr lang="en-US" smtClean="0">
-                <a:latin typeface="Consolas" panose="020B0609020204030204" pitchFamily="49" charset="0"/>
-              </a:rPr>
-              <a:t>= </a:t>
-            </a:r>
-            <a:r>
-              <a:rPr lang="en-US" smtClean="0">
-                <a:latin typeface="Consolas" panose="020B0609020204030204" pitchFamily="49" charset="0"/>
-              </a:rPr>
-              <a:t>[</a:t>
+              <a:t>auto fval = [</a:t>
             </a:r>
             <a:r>
               <a:rPr lang="en-US">
@@ -13595,25 +13999,7 @@
               <a:rPr lang="en-US" smtClean="0">
                 <a:latin typeface="Consolas" panose="020B0609020204030204" pitchFamily="49" charset="0"/>
               </a:rPr>
-              <a:t>](</a:t>
-            </a:r>
-            <a:r>
-              <a:rPr lang="en-US" smtClean="0">
-                <a:latin typeface="Consolas" panose="020B0609020204030204" pitchFamily="49" charset="0"/>
-              </a:rPr>
-              <a:t>int </a:t>
-            </a:r>
-            <a:r>
-              <a:rPr lang="en-US" smtClean="0">
-                <a:latin typeface="Consolas" panose="020B0609020204030204" pitchFamily="49" charset="0"/>
-              </a:rPr>
-              <a:t>x) </a:t>
-            </a:r>
-            <a:r>
-              <a:rPr lang="en-US" smtClean="0">
-                <a:latin typeface="Consolas" panose="020B0609020204030204" pitchFamily="49" charset="0"/>
-              </a:rPr>
-              <a:t>{ return </a:t>
+              <a:t>](int x) { return </a:t>
             </a:r>
             <a:r>
               <a:rPr lang="en-US" smtClean="0">
@@ -13628,13 +14014,7 @@
               <a:rPr lang="en-US" smtClean="0">
                 <a:latin typeface="Consolas" panose="020B0609020204030204" pitchFamily="49" charset="0"/>
               </a:rPr>
-              <a:t> </a:t>
-            </a:r>
-            <a:r>
-              <a:rPr lang="en-US" smtClean="0">
-                <a:latin typeface="Consolas" panose="020B0609020204030204" pitchFamily="49" charset="0"/>
-              </a:rPr>
-              <a:t>+ </a:t>
+              <a:t> + </a:t>
             </a:r>
             <a:r>
               <a:rPr lang="en-US" smtClean="0">
@@ -13649,13 +14029,7 @@
               <a:rPr lang="en-US" smtClean="0">
                 <a:latin typeface="Consolas" panose="020B0609020204030204" pitchFamily="49" charset="0"/>
               </a:rPr>
-              <a:t>*x; </a:t>
-            </a:r>
-            <a:r>
-              <a:rPr lang="en-US" smtClean="0">
-                <a:latin typeface="Consolas" panose="020B0609020204030204" pitchFamily="49" charset="0"/>
-              </a:rPr>
-              <a:t>}; </a:t>
+              <a:t>*x; }; </a:t>
             </a:r>
             <a:endParaRPr lang="ru-RU" smtClean="0">
               <a:latin typeface="Consolas" panose="020B0609020204030204" pitchFamily="49" charset="0"/>
@@ -13760,12 +14134,6 @@
                 <a:latin typeface="Consolas" panose="020B0609020204030204" pitchFamily="49" charset="0"/>
               </a:rPr>
               <a:t>*x; };</a:t>
-            </a:r>
-            <a:r>
-              <a:rPr lang="en-US">
-                <a:latin typeface="Consolas" panose="020B0609020204030204" pitchFamily="49" charset="0"/>
-              </a:rPr>
-              <a:t/>
             </a:r>
             <a:br>
               <a:rPr lang="en-US">
@@ -13848,11 +14216,7 @@
           <a:p>
             <a:r>
               <a:rPr lang="ru-RU" smtClean="0"/>
-              <a:t>Захват по </a:t>
-            </a:r>
-            <a:r>
-              <a:rPr lang="ru-RU" smtClean="0"/>
-              <a:t>значению (по ссылке)</a:t>
+              <a:t>Захват по значению (по ссылке)</a:t>
             </a:r>
           </a:p>
           <a:p>
@@ -13868,7 +14232,6 @@
               <a:rPr lang="ru-RU" smtClean="0"/>
               <a:t>по изменяемой ссылке)</a:t>
             </a:r>
-            <a:endParaRPr lang="ru-RU" smtClean="0"/>
           </a:p>
           <a:p>
             <a:pPr marL="45720" indent="0">
@@ -13878,19 +14241,7 @@
               <a:rPr lang="en-US" smtClean="0">
                 <a:latin typeface="Consolas" panose="020B0609020204030204" pitchFamily="49" charset="0"/>
               </a:rPr>
-              <a:t>auto fmval </a:t>
-            </a:r>
-            <a:r>
-              <a:rPr lang="en-US" smtClean="0">
-                <a:latin typeface="Consolas" panose="020B0609020204030204" pitchFamily="49" charset="0"/>
-              </a:rPr>
-              <a:t>= </a:t>
-            </a:r>
-            <a:r>
-              <a:rPr lang="en-US" smtClean="0">
-                <a:latin typeface="Consolas" panose="020B0609020204030204" pitchFamily="49" charset="0"/>
-              </a:rPr>
-              <a:t>[</a:t>
+              <a:t>auto fmval = [</a:t>
             </a:r>
             <a:r>
               <a:rPr lang="en-US">
@@ -13905,19 +14256,7 @@
               <a:rPr lang="en-US" smtClean="0">
                 <a:latin typeface="Consolas" panose="020B0609020204030204" pitchFamily="49" charset="0"/>
               </a:rPr>
-              <a:t>](</a:t>
-            </a:r>
-            <a:r>
-              <a:rPr lang="en-US" smtClean="0">
-                <a:latin typeface="Consolas" panose="020B0609020204030204" pitchFamily="49" charset="0"/>
-              </a:rPr>
-              <a:t>int </a:t>
-            </a:r>
-            <a:r>
-              <a:rPr lang="en-US" smtClean="0">
-                <a:latin typeface="Consolas" panose="020B0609020204030204" pitchFamily="49" charset="0"/>
-              </a:rPr>
-              <a:t>x) </a:t>
+              <a:t>](int x) </a:t>
             </a:r>
             <a:r>
               <a:rPr lang="en-US" smtClean="0">
@@ -13932,13 +14271,7 @@
               <a:rPr lang="en-US" smtClean="0">
                 <a:latin typeface="Consolas" panose="020B0609020204030204" pitchFamily="49" charset="0"/>
               </a:rPr>
-              <a:t> </a:t>
-            </a:r>
-            <a:r>
-              <a:rPr lang="en-US" smtClean="0">
-                <a:latin typeface="Consolas" panose="020B0609020204030204" pitchFamily="49" charset="0"/>
-              </a:rPr>
-              <a:t>{ </a:t>
+              <a:t> { </a:t>
             </a:r>
             <a:r>
               <a:rPr lang="en-US" smtClean="0">
@@ -13953,13 +14286,7 @@
               <a:rPr lang="en-US" smtClean="0">
                 <a:latin typeface="Consolas" panose="020B0609020204030204" pitchFamily="49" charset="0"/>
               </a:rPr>
-              <a:t> += x; </a:t>
-            </a:r>
-            <a:r>
-              <a:rPr lang="en-US" smtClean="0">
-                <a:latin typeface="Consolas" panose="020B0609020204030204" pitchFamily="49" charset="0"/>
-              </a:rPr>
-              <a:t>}; </a:t>
+              <a:t> += x; }; </a:t>
             </a:r>
             <a:endParaRPr lang="ru-RU" smtClean="0">
               <a:latin typeface="Consolas" panose="020B0609020204030204" pitchFamily="49" charset="0"/>
@@ -14052,12 +14379,6 @@
                 <a:latin typeface="Consolas" panose="020B0609020204030204" pitchFamily="49" charset="0"/>
               </a:rPr>
               <a:t> += x; };</a:t>
-            </a:r>
-            <a:r>
-              <a:rPr lang="en-US">
-                <a:latin typeface="Consolas" panose="020B0609020204030204" pitchFamily="49" charset="0"/>
-              </a:rPr>
-              <a:t/>
             </a:r>
             <a:br>
               <a:rPr lang="en-US">
@@ -14140,7 +14461,25 @@
           <a:p>
             <a:r>
               <a:rPr lang="ru-RU" smtClean="0"/>
-              <a:t>Захват по </a:t>
+              <a:t>Захват по значению</a:t>
+            </a:r>
+            <a:r>
+              <a:rPr lang="en-US" smtClean="0"/>
+              <a:t> </a:t>
+            </a:r>
+            <a:r>
+              <a:rPr lang="ru-RU"/>
+              <a:t>(по ссылке</a:t>
+            </a:r>
+            <a:r>
+              <a:rPr lang="ru-RU" smtClean="0"/>
+              <a:t>)</a:t>
+            </a:r>
+          </a:p>
+          <a:p>
+            <a:r>
+              <a:rPr lang="ru-RU"/>
+              <a:t>Захват по изменяемому </a:t>
             </a:r>
             <a:r>
               <a:rPr lang="ru-RU" smtClean="0"/>
@@ -14148,37 +14487,6 @@
             </a:r>
             <a:r>
               <a:rPr lang="en-US" smtClean="0"/>
-              <a:t> </a:t>
-            </a:r>
-            <a:r>
-              <a:rPr lang="ru-RU"/>
-              <a:t>(по </a:t>
-            </a:r>
-            <a:r>
-              <a:rPr lang="ru-RU"/>
-              <a:t>ссылке</a:t>
-            </a:r>
-            <a:r>
-              <a:rPr lang="ru-RU" smtClean="0"/>
-              <a:t>)</a:t>
-            </a:r>
-            <a:endParaRPr lang="ru-RU" smtClean="0"/>
-          </a:p>
-          <a:p>
-            <a:r>
-              <a:rPr lang="ru-RU"/>
-              <a:t>Захват по </a:t>
-            </a:r>
-            <a:r>
-              <a:rPr lang="ru-RU"/>
-              <a:t>изменяемому </a:t>
-            </a:r>
-            <a:r>
-              <a:rPr lang="ru-RU" smtClean="0"/>
-              <a:t>значению</a:t>
-            </a:r>
-            <a:r>
-              <a:rPr lang="en-US" smtClean="0"/>
               <a:t> (</a:t>
             </a:r>
             <a:r>
@@ -14201,31 +14509,7 @@
               <a:rPr lang="en-US" smtClean="0">
                 <a:latin typeface="Consolas" panose="020B0609020204030204" pitchFamily="49" charset="0"/>
               </a:rPr>
-              <a:t>auto f</a:t>
-            </a:r>
-            <a:r>
-              <a:rPr lang="en-US" smtClean="0">
-                <a:latin typeface="Consolas" panose="020B0609020204030204" pitchFamily="49" charset="0"/>
-              </a:rPr>
-              <a:t>aval</a:t>
-            </a:r>
-            <a:r>
-              <a:rPr lang="en-US" smtClean="0">
-                <a:latin typeface="Consolas" panose="020B0609020204030204" pitchFamily="49" charset="0"/>
-              </a:rPr>
-              <a:t> </a:t>
-            </a:r>
-            <a:r>
-              <a:rPr lang="en-US" smtClean="0">
-                <a:latin typeface="Consolas" panose="020B0609020204030204" pitchFamily="49" charset="0"/>
-              </a:rPr>
-              <a:t>= </a:t>
-            </a:r>
-            <a:r>
-              <a:rPr lang="en-US" smtClean="0">
-                <a:latin typeface="Consolas" panose="020B0609020204030204" pitchFamily="49" charset="0"/>
-              </a:rPr>
-              <a:t>[</a:t>
+              <a:t>auto faval = [</a:t>
             </a:r>
             <a:r>
               <a:rPr lang="ru-RU" smtClean="0">
@@ -14240,25 +14524,7 @@
               <a:rPr lang="en-US" smtClean="0">
                 <a:latin typeface="Consolas" panose="020B0609020204030204" pitchFamily="49" charset="0"/>
               </a:rPr>
-              <a:t>](</a:t>
-            </a:r>
-            <a:r>
-              <a:rPr lang="en-US" smtClean="0">
-                <a:latin typeface="Consolas" panose="020B0609020204030204" pitchFamily="49" charset="0"/>
-              </a:rPr>
-              <a:t>int </a:t>
-            </a:r>
-            <a:r>
-              <a:rPr lang="en-US" smtClean="0">
-                <a:latin typeface="Consolas" panose="020B0609020204030204" pitchFamily="49" charset="0"/>
-              </a:rPr>
-              <a:t>x) </a:t>
-            </a:r>
-            <a:r>
-              <a:rPr lang="en-US" smtClean="0">
-                <a:latin typeface="Consolas" panose="020B0609020204030204" pitchFamily="49" charset="0"/>
-              </a:rPr>
-              <a:t>{ return </a:t>
+              <a:t>](int x) { return </a:t>
             </a:r>
             <a:r>
               <a:rPr lang="en-US" smtClean="0">
@@ -14273,13 +14539,7 @@
               <a:rPr lang="en-US" smtClean="0">
                 <a:latin typeface="Consolas" panose="020B0609020204030204" pitchFamily="49" charset="0"/>
               </a:rPr>
-              <a:t> </a:t>
-            </a:r>
-            <a:r>
-              <a:rPr lang="en-US" smtClean="0">
-                <a:latin typeface="Consolas" panose="020B0609020204030204" pitchFamily="49" charset="0"/>
-              </a:rPr>
-              <a:t>+ </a:t>
+              <a:t> + </a:t>
             </a:r>
             <a:r>
               <a:rPr lang="en-US" smtClean="0">
@@ -14294,17 +14554,8 @@
               <a:rPr lang="en-US" smtClean="0">
                 <a:latin typeface="Consolas" panose="020B0609020204030204" pitchFamily="49" charset="0"/>
               </a:rPr>
-              <a:t>*x; </a:t>
-            </a:r>
-            <a:r>
-              <a:rPr lang="en-US" smtClean="0">
-                <a:latin typeface="Consolas" panose="020B0609020204030204" pitchFamily="49" charset="0"/>
-              </a:rPr>
-              <a:t>}; </a:t>
-            </a:r>
-            <a:endParaRPr lang="en-US" smtClean="0">
-              <a:latin typeface="Consolas" panose="020B0609020204030204" pitchFamily="49" charset="0"/>
-            </a:endParaRPr>
+              <a:t>*x; }; </a:t>
+            </a:r>
           </a:p>
           <a:p>
             <a:pPr marL="45720" indent="0">
@@ -14362,13 +14613,7 @@
               <a:rPr lang="en-US">
                 <a:latin typeface="Consolas" panose="020B0609020204030204" pitchFamily="49" charset="0"/>
               </a:rPr>
-              <a:t> </a:t>
-            </a:r>
-            <a:r>
-              <a:rPr lang="en-US">
-                <a:latin typeface="Consolas" panose="020B0609020204030204" pitchFamily="49" charset="0"/>
-              </a:rPr>
-              <a:t>+ </a:t>
+              <a:t> + </a:t>
             </a:r>
             <a:r>
               <a:rPr lang="en-US" smtClean="0">
@@ -14409,13 +14654,7 @@
               <a:rPr lang="en-US">
                 <a:latin typeface="Consolas" panose="020B0609020204030204" pitchFamily="49" charset="0"/>
               </a:rPr>
-              <a:t>](int </a:t>
-            </a:r>
-            <a:r>
-              <a:rPr lang="en-US">
-                <a:latin typeface="Consolas" panose="020B0609020204030204" pitchFamily="49" charset="0"/>
-              </a:rPr>
-              <a:t>x</a:t>
+              <a:t>](int x</a:t>
             </a:r>
             <a:r>
               <a:rPr lang="en-US" smtClean="0">
@@ -14537,13 +14776,7 @@
               <a:rPr lang="en-US">
                 <a:latin typeface="Consolas" panose="020B0609020204030204" pitchFamily="49" charset="0"/>
               </a:rPr>
-              <a:t> </a:t>
-            </a:r>
-            <a:r>
-              <a:rPr lang="en-US">
-                <a:latin typeface="Consolas" panose="020B0609020204030204" pitchFamily="49" charset="0"/>
-              </a:rPr>
-              <a:t>{ </a:t>
+              <a:t> { </a:t>
             </a:r>
             <a:r>
               <a:rPr lang="en-US" smtClean="0">
@@ -14706,31 +14939,7 @@
               <a:rPr lang="en-US" smtClean="0">
                 <a:latin typeface="Consolas" panose="020B0609020204030204" pitchFamily="49" charset="0"/>
               </a:rPr>
-              <a:t>auto f</a:t>
-            </a:r>
-            <a:r>
-              <a:rPr lang="en-US" smtClean="0">
-                <a:latin typeface="Consolas" panose="020B0609020204030204" pitchFamily="49" charset="0"/>
-              </a:rPr>
-              <a:t>reval</a:t>
-            </a:r>
-            <a:r>
-              <a:rPr lang="en-US" smtClean="0">
-                <a:latin typeface="Consolas" panose="020B0609020204030204" pitchFamily="49" charset="0"/>
-              </a:rPr>
-              <a:t> </a:t>
-            </a:r>
-            <a:r>
-              <a:rPr lang="en-US" smtClean="0">
-                <a:latin typeface="Consolas" panose="020B0609020204030204" pitchFamily="49" charset="0"/>
-              </a:rPr>
-              <a:t>= </a:t>
-            </a:r>
-            <a:r>
-              <a:rPr lang="en-US" smtClean="0">
-                <a:latin typeface="Consolas" panose="020B0609020204030204" pitchFamily="49" charset="0"/>
-              </a:rPr>
-              <a:t>[</a:t>
+              <a:t>auto freval = [</a:t>
             </a:r>
             <a:r>
               <a:rPr lang="en-US" smtClean="0">
@@ -14745,25 +14954,7 @@
               <a:rPr lang="en-US" smtClean="0">
                 <a:latin typeface="Consolas" panose="020B0609020204030204" pitchFamily="49" charset="0"/>
               </a:rPr>
-              <a:t>](</a:t>
-            </a:r>
-            <a:r>
-              <a:rPr lang="en-US" smtClean="0">
-                <a:latin typeface="Consolas" panose="020B0609020204030204" pitchFamily="49" charset="0"/>
-              </a:rPr>
-              <a:t>int </a:t>
-            </a:r>
-            <a:r>
-              <a:rPr lang="en-US" smtClean="0">
-                <a:latin typeface="Consolas" panose="020B0609020204030204" pitchFamily="49" charset="0"/>
-              </a:rPr>
-              <a:t>x) </a:t>
-            </a:r>
-            <a:r>
-              <a:rPr lang="en-US" smtClean="0">
-                <a:latin typeface="Consolas" panose="020B0609020204030204" pitchFamily="49" charset="0"/>
-              </a:rPr>
-              <a:t>{ return </a:t>
+              <a:t>](int x) { return </a:t>
             </a:r>
             <a:r>
               <a:rPr lang="en-US" smtClean="0">
@@ -14778,29 +14969,8 @@
               <a:rPr lang="en-US" smtClean="0">
                 <a:latin typeface="Consolas" panose="020B0609020204030204" pitchFamily="49" charset="0"/>
               </a:rPr>
-              <a:t> </a:t>
-            </a:r>
-            <a:r>
-              <a:rPr lang="en-US" smtClean="0">
-                <a:latin typeface="Consolas" panose="020B0609020204030204" pitchFamily="49" charset="0"/>
-              </a:rPr>
-              <a:t>+ </a:t>
-            </a:r>
-            <a:r>
-              <a:rPr lang="en-US" smtClean="0">
-                <a:latin typeface="Consolas" panose="020B0609020204030204" pitchFamily="49" charset="0"/>
-              </a:rPr>
-              <a:t>x; </a:t>
-            </a:r>
-            <a:r>
-              <a:rPr lang="en-US" smtClean="0">
-                <a:latin typeface="Consolas" panose="020B0609020204030204" pitchFamily="49" charset="0"/>
-              </a:rPr>
-              <a:t>}; </a:t>
-            </a:r>
-            <a:endParaRPr lang="en-US" smtClean="0">
-              <a:latin typeface="Consolas" panose="020B0609020204030204" pitchFamily="49" charset="0"/>
-            </a:endParaRPr>
+              <a:t> + x; }; </a:t>
+            </a:r>
           </a:p>
           <a:p>
             <a:pPr marL="45720" indent="0">
@@ -14852,13 +15022,7 @@
               <a:rPr lang="en-US">
                 <a:latin typeface="Consolas" panose="020B0609020204030204" pitchFamily="49" charset="0"/>
               </a:rPr>
-              <a:t>](int x) </a:t>
-            </a:r>
-            <a:r>
-              <a:rPr lang="en-US">
-                <a:latin typeface="Consolas" panose="020B0609020204030204" pitchFamily="49" charset="0"/>
-              </a:rPr>
-              <a:t>{ </a:t>
+              <a:t>](int x) { </a:t>
             </a:r>
             <a:r>
               <a:rPr lang="en-US" smtClean="0">
@@ -14880,12 +15044,6 @@
                 <a:latin typeface="Consolas" panose="020B0609020204030204" pitchFamily="49" charset="0"/>
               </a:rPr>
               <a:t>x; };</a:t>
-            </a:r>
-            <a:r>
-              <a:rPr lang="en-US">
-                <a:latin typeface="Consolas" panose="020B0609020204030204" pitchFamily="49" charset="0"/>
-              </a:rPr>
-              <a:t/>
             </a:r>
             <a:br>
               <a:rPr lang="en-US">
@@ -15030,31 +15188,7 @@
               <a:rPr lang="en-US" smtClean="0">
                 <a:latin typeface="Consolas" panose="020B0609020204030204" pitchFamily="49" charset="0"/>
               </a:rPr>
-              <a:t>auto f</a:t>
-            </a:r>
-            <a:r>
-              <a:rPr lang="en-US" smtClean="0">
-                <a:latin typeface="Consolas" panose="020B0609020204030204" pitchFamily="49" charset="0"/>
-              </a:rPr>
-              <a:t>mixcap</a:t>
-            </a:r>
-            <a:r>
-              <a:rPr lang="en-US" smtClean="0">
-                <a:latin typeface="Consolas" panose="020B0609020204030204" pitchFamily="49" charset="0"/>
-              </a:rPr>
-              <a:t> </a:t>
-            </a:r>
-            <a:r>
-              <a:rPr lang="en-US" smtClean="0">
-                <a:latin typeface="Consolas" panose="020B0609020204030204" pitchFamily="49" charset="0"/>
-              </a:rPr>
-              <a:t>= </a:t>
-            </a:r>
-            <a:r>
-              <a:rPr lang="en-US" smtClean="0">
-                <a:latin typeface="Consolas" panose="020B0609020204030204" pitchFamily="49" charset="0"/>
-              </a:rPr>
-              <a:t>[</a:t>
+              <a:t>auto fmixcap = [</a:t>
             </a:r>
             <a:r>
               <a:rPr lang="en-US" smtClean="0">
@@ -15078,25 +15212,7 @@
               <a:rPr lang="en-US" smtClean="0">
                 <a:latin typeface="Consolas" panose="020B0609020204030204" pitchFamily="49" charset="0"/>
               </a:rPr>
-              <a:t>](</a:t>
-            </a:r>
-            <a:r>
-              <a:rPr lang="en-US" smtClean="0">
-                <a:latin typeface="Consolas" panose="020B0609020204030204" pitchFamily="49" charset="0"/>
-              </a:rPr>
-              <a:t>int </a:t>
-            </a:r>
-            <a:r>
-              <a:rPr lang="en-US" smtClean="0">
-                <a:latin typeface="Consolas" panose="020B0609020204030204" pitchFamily="49" charset="0"/>
-              </a:rPr>
-              <a:t>x) </a:t>
-            </a:r>
-            <a:r>
-              <a:rPr lang="en-US" smtClean="0">
-                <a:latin typeface="Consolas" panose="020B0609020204030204" pitchFamily="49" charset="0"/>
-              </a:rPr>
-              <a:t>{ </a:t>
+              <a:t>](int x) { </a:t>
             </a:r>
             <a:r>
               <a:rPr lang="en-US" smtClean="0">
@@ -15643,9 +15759,6 @@
               </a:rPr>
               <a:t>.</a:t>
             </a:r>
-            <a:endParaRPr lang="en-US" smtClean="0">
-              <a:latin typeface="Consolas" panose="020B0609020204030204" pitchFamily="49" charset="0"/>
-            </a:endParaRPr>
           </a:p>
         </p:txBody>
       </p:sp>
@@ -17483,13 +17596,8 @@
             </a:pPr>
             <a:r>
               <a:rPr lang="ru-RU" sz="4800" smtClean="0"/>
-              <a:t> </a:t>
-            </a:r>
-            <a:r>
-              <a:rPr lang="ru-RU" sz="4800" smtClean="0"/>
-              <a:t>Типизация и связывание</a:t>
-            </a:r>
-            <a:endParaRPr lang="ru-RU" sz="4800" smtClean="0"/>
+              <a:t> Типизация и связывание</a:t>
+            </a:r>
           </a:p>
           <a:p>
             <a:pPr>
@@ -17576,19 +17684,7 @@
           <a:p>
             <a:r>
               <a:rPr lang="ru-RU" smtClean="0"/>
-              <a:t>Лямбда без захвата </a:t>
-            </a:r>
-            <a:r>
-              <a:rPr lang="ru-RU" smtClean="0"/>
-              <a:t>деградирует к указателю </a:t>
-            </a:r>
-            <a:r>
-              <a:rPr lang="ru-RU" smtClean="0"/>
-              <a:t>на </a:t>
-            </a:r>
-            <a:r>
-              <a:rPr lang="ru-RU" smtClean="0"/>
-              <a:t>функцию</a:t>
+              <a:t>Лямбда без захвата деградирует к указателю на функцию</a:t>
             </a:r>
           </a:p>
           <a:p>
@@ -17605,13 +17701,7 @@
               <a:rPr lang="en-US">
                 <a:latin typeface="Consolas" panose="020B0609020204030204" pitchFamily="49" charset="0"/>
               </a:rPr>
-              <a:t>int (*</a:t>
-            </a:r>
-            <a:r>
-              <a:rPr lang="en-US">
-                <a:latin typeface="Consolas" panose="020B0609020204030204" pitchFamily="49" charset="0"/>
-              </a:rPr>
-              <a:t>fptr_t</a:t>
+              <a:t>int (*fptr_t</a:t>
             </a:r>
             <a:r>
               <a:rPr lang="en-US" smtClean="0">
@@ -17672,13 +17762,7 @@
               <a:rPr lang="en-US">
                 <a:latin typeface="Consolas" panose="020B0609020204030204" pitchFamily="49" charset="0"/>
               </a:rPr>
-              <a:t>fptr = [] { return 2</a:t>
-            </a:r>
-            <a:r>
-              <a:rPr lang="en-US">
-                <a:latin typeface="Consolas" panose="020B0609020204030204" pitchFamily="49" charset="0"/>
-              </a:rPr>
-              <a:t>; </a:t>
+              <a:t>fptr = [] { return 2; </a:t>
             </a:r>
             <a:r>
               <a:rPr lang="en-US" smtClean="0">
@@ -17707,13 +17791,7 @@
               <a:rPr lang="en-US">
                 <a:latin typeface="Consolas" panose="020B0609020204030204" pitchFamily="49" charset="0"/>
               </a:rPr>
-              <a:t>return </a:t>
-            </a:r>
-            <a:r>
-              <a:rPr lang="en-US">
-                <a:latin typeface="Consolas" panose="020B0609020204030204" pitchFamily="49" charset="0"/>
-              </a:rPr>
-              <a:t>fptr</a:t>
+              <a:t>return fptr</a:t>
             </a:r>
             <a:r>
               <a:rPr lang="en-US" smtClean="0">
@@ -17758,7 +17836,7 @@
               <a:rPr lang="en-US" smtClean="0">
                 <a:latin typeface="Consolas" panose="020B0609020204030204" pitchFamily="49" charset="0"/>
               </a:rPr>
-              <a:t>int apply (fptr_t f) { return f(); }</a:t>
+              <a:t>template&lt;typename T&gt; T apply (T (*f)()) { return f(); }</a:t>
             </a:r>
           </a:p>
           <a:p>
@@ -17775,13 +17853,7 @@
               <a:rPr lang="en-US">
                 <a:latin typeface="Consolas" panose="020B0609020204030204" pitchFamily="49" charset="0"/>
               </a:rPr>
-              <a:t>[] { return 2</a:t>
-            </a:r>
-            <a:r>
-              <a:rPr lang="en-US">
-                <a:latin typeface="Consolas" panose="020B0609020204030204" pitchFamily="49" charset="0"/>
-              </a:rPr>
-              <a:t>; </a:t>
+              <a:t>[] { return 2; </a:t>
             </a:r>
             <a:r>
               <a:rPr lang="en-US" smtClean="0">
@@ -17877,19 +17949,7 @@
           <a:p>
             <a:r>
               <a:rPr lang="ru-RU" smtClean="0"/>
-              <a:t>Лямбда без захвата </a:t>
-            </a:r>
-            <a:r>
-              <a:rPr lang="ru-RU" smtClean="0"/>
-              <a:t>деградирует к указателю </a:t>
-            </a:r>
-            <a:r>
-              <a:rPr lang="ru-RU" smtClean="0"/>
-              <a:t>на </a:t>
-            </a:r>
-            <a:r>
-              <a:rPr lang="ru-RU" smtClean="0"/>
-              <a:t>функцию</a:t>
+              <a:t>Лямбда без захвата деградирует к указателю на функцию</a:t>
             </a:r>
           </a:p>
           <a:p>
@@ -17906,13 +17966,7 @@
               <a:rPr lang="en-US">
                 <a:latin typeface="Consolas" panose="020B0609020204030204" pitchFamily="49" charset="0"/>
               </a:rPr>
-              <a:t>int (*</a:t>
-            </a:r>
-            <a:r>
-              <a:rPr lang="en-US">
-                <a:latin typeface="Consolas" panose="020B0609020204030204" pitchFamily="49" charset="0"/>
-              </a:rPr>
-              <a:t>fptr_t</a:t>
+              <a:t>int (*fptr_t</a:t>
             </a:r>
             <a:r>
               <a:rPr lang="en-US" smtClean="0">
@@ -17973,13 +18027,7 @@
               <a:rPr lang="en-US">
                 <a:latin typeface="Consolas" panose="020B0609020204030204" pitchFamily="49" charset="0"/>
               </a:rPr>
-              <a:t>fptr = [] { return 2</a:t>
-            </a:r>
-            <a:r>
-              <a:rPr lang="en-US">
-                <a:latin typeface="Consolas" panose="020B0609020204030204" pitchFamily="49" charset="0"/>
-              </a:rPr>
-              <a:t>; </a:t>
+              <a:t>fptr = [] { return 2; </a:t>
             </a:r>
             <a:r>
               <a:rPr lang="en-US" smtClean="0">
@@ -18008,13 +18056,7 @@
               <a:rPr lang="en-US">
                 <a:latin typeface="Consolas" panose="020B0609020204030204" pitchFamily="49" charset="0"/>
               </a:rPr>
-              <a:t>return </a:t>
-            </a:r>
-            <a:r>
-              <a:rPr lang="en-US">
-                <a:latin typeface="Consolas" panose="020B0609020204030204" pitchFamily="49" charset="0"/>
-              </a:rPr>
-              <a:t>fptr</a:t>
+              <a:t>return fptr</a:t>
             </a:r>
             <a:r>
               <a:rPr lang="en-US" smtClean="0">
@@ -18091,13 +18133,7 @@
               <a:rPr lang="en-US">
                 <a:latin typeface="Consolas" panose="020B0609020204030204" pitchFamily="49" charset="0"/>
               </a:rPr>
-              <a:t>{ return 2</a:t>
-            </a:r>
-            <a:r>
-              <a:rPr lang="en-US">
-                <a:latin typeface="Consolas" panose="020B0609020204030204" pitchFamily="49" charset="0"/>
-              </a:rPr>
-              <a:t>; </a:t>
+              <a:t>{ return 2; </a:t>
             </a:r>
             <a:r>
               <a:rPr lang="en-US" smtClean="0">
@@ -18269,85 +18305,12 @@
               <a:t>auto.</a:t>
             </a:r>
           </a:p>
-          <a:p>
-            <a:pPr marL="45720" indent="0">
-              <a:buNone/>
-            </a:pPr>
-            <a:r>
-              <a:rPr lang="en-US">
-                <a:latin typeface="Consolas" panose="020B0609020204030204" pitchFamily="49" charset="0"/>
-              </a:rPr>
-              <a:t>function&lt;int ()&gt; harder_test(int x, int y</a:t>
-            </a:r>
-            <a:r>
-              <a:rPr lang="en-US" smtClean="0">
-                <a:latin typeface="Consolas" panose="020B0609020204030204" pitchFamily="49" charset="0"/>
-              </a:rPr>
-              <a:t>){</a:t>
-            </a:r>
-            <a:br>
-              <a:rPr lang="en-US" smtClean="0">
-                <a:latin typeface="Consolas" panose="020B0609020204030204" pitchFamily="49" charset="0"/>
-              </a:rPr>
-            </a:br>
-            <a:r>
-              <a:rPr lang="en-US" smtClean="0">
-                <a:latin typeface="Consolas" panose="020B0609020204030204" pitchFamily="49" charset="0"/>
-              </a:rPr>
-              <a:t>  </a:t>
-            </a:r>
-            <a:r>
-              <a:rPr lang="en-US">
-                <a:latin typeface="Consolas" panose="020B0609020204030204" pitchFamily="49" charset="0"/>
-              </a:rPr>
-              <a:t>return [&amp;x, &amp;y] { return x + y; </a:t>
-            </a:r>
-            <a:r>
-              <a:rPr lang="en-US" smtClean="0">
-                <a:latin typeface="Consolas" panose="020B0609020204030204" pitchFamily="49" charset="0"/>
-              </a:rPr>
-              <a:t>};</a:t>
-            </a:r>
-            <a:br>
-              <a:rPr lang="en-US" smtClean="0">
-                <a:latin typeface="Consolas" panose="020B0609020204030204" pitchFamily="49" charset="0"/>
-              </a:rPr>
-            </a:br>
-            <a:r>
-              <a:rPr lang="en-US" smtClean="0">
-                <a:latin typeface="Consolas" panose="020B0609020204030204" pitchFamily="49" charset="0"/>
-              </a:rPr>
-              <a:t>}</a:t>
-            </a:r>
-          </a:p>
-          <a:p>
-            <a:pPr marL="45720" indent="0">
-              <a:buNone/>
-            </a:pPr>
-            <a:r>
-              <a:rPr lang="en-US" smtClean="0"/>
-              <a:t>std::function&lt;</a:t>
-            </a:r>
-            <a:r>
-              <a:rPr lang="ru-RU" smtClean="0"/>
-              <a:t> сигнатура </a:t>
-            </a:r>
-            <a:r>
-              <a:rPr lang="en-US" smtClean="0"/>
-              <a:t>&gt; </a:t>
-            </a:r>
-            <a:r>
-              <a:rPr lang="ru-RU" smtClean="0"/>
-              <a:t>это единый тип для всех замыканий с данной сигнатурой</a:t>
-            </a:r>
-            <a:endParaRPr lang="en-US"/>
-          </a:p>
         </p:txBody>
       </p:sp>
     </p:spTree>
     <p:extLst>
       <p:ext uri="{BB962C8B-B14F-4D97-AF65-F5344CB8AC3E}">
-        <p14:creationId xmlns:p14="http://schemas.microsoft.com/office/powerpoint/2010/main" val="1527820153"/>
+        <p14:creationId xmlns:p14="http://schemas.microsoft.com/office/powerpoint/2010/main" val="655744526"/>
       </p:ext>
     </p:extLst>
   </p:cSld>
@@ -18391,11 +18354,7 @@
           <a:p>
             <a:r>
               <a:rPr lang="ru-RU" smtClean="0"/>
-              <a:t>Применение </a:t>
-            </a:r>
-            <a:r>
-              <a:rPr lang="en-US" smtClean="0"/>
-              <a:t>std::function</a:t>
+              <a:t>Единая типизация замыканий</a:t>
             </a:r>
             <a:endParaRPr lang="en-US"/>
           </a:p>
@@ -18420,8 +18379,69 @@
               <a:buNone/>
             </a:pPr>
             <a:r>
+              <a:rPr lang="en-US" smtClean="0">
+                <a:latin typeface="Consolas" panose="020B0609020204030204" pitchFamily="49" charset="0"/>
+              </a:rPr>
+              <a:t>auto </a:t>
+            </a:r>
+            <a:r>
+              <a:rPr lang="en-US">
+                <a:latin typeface="Consolas" panose="020B0609020204030204" pitchFamily="49" charset="0"/>
+              </a:rPr>
+              <a:t>harder_test(int x, int y</a:t>
+            </a:r>
+            <a:r>
+              <a:rPr lang="en-US" smtClean="0">
+                <a:latin typeface="Consolas" panose="020B0609020204030204" pitchFamily="49" charset="0"/>
+              </a:rPr>
+              <a:t>){</a:t>
+            </a:r>
+            <a:br>
+              <a:rPr lang="en-US" smtClean="0">
+                <a:latin typeface="Consolas" panose="020B0609020204030204" pitchFamily="49" charset="0"/>
+              </a:rPr>
+            </a:br>
+            <a:r>
+              <a:rPr lang="en-US" smtClean="0">
+                <a:latin typeface="Consolas" panose="020B0609020204030204" pitchFamily="49" charset="0"/>
+              </a:rPr>
+              <a:t>  </a:t>
+            </a:r>
+            <a:r>
+              <a:rPr lang="en-US">
+                <a:latin typeface="Consolas" panose="020B0609020204030204" pitchFamily="49" charset="0"/>
+              </a:rPr>
+              <a:t>return [&amp;x, &amp;y] { return x + y; </a:t>
+            </a:r>
+            <a:r>
+              <a:rPr lang="en-US" smtClean="0">
+                <a:latin typeface="Consolas" panose="020B0609020204030204" pitchFamily="49" charset="0"/>
+              </a:rPr>
+              <a:t>};</a:t>
+            </a:r>
+            <a:br>
+              <a:rPr lang="en-US" smtClean="0">
+                <a:latin typeface="Consolas" panose="020B0609020204030204" pitchFamily="49" charset="0"/>
+              </a:rPr>
+            </a:br>
+            <a:r>
+              <a:rPr lang="en-US" smtClean="0">
+                <a:latin typeface="Consolas" panose="020B0609020204030204" pitchFamily="49" charset="0"/>
+              </a:rPr>
+              <a:t>}</a:t>
+            </a:r>
+          </a:p>
+          <a:p>
+            <a:pPr marL="45720" indent="0">
+              <a:buNone/>
+            </a:pPr>
+            <a:r>
               <a:rPr lang="ru-RU" smtClean="0"/>
-              <a:t>Рекурсия для лямбд:</a:t>
+              <a:t>Тут не вполне ясно что такое </a:t>
+            </a:r>
+            <a:r>
+              <a:rPr lang="en-US" smtClean="0"/>
+              <a:t>auto.</a:t>
             </a:r>
           </a:p>
           <a:p>
@@ -18429,22 +18449,16 @@
               <a:buNone/>
             </a:pPr>
             <a:r>
-              <a:rPr lang="en-US" smtClean="0">
-                <a:latin typeface="Consolas" panose="020B0609020204030204" pitchFamily="49" charset="0"/>
-              </a:rPr>
-              <a:t>function&lt;int </a:t>
-            </a:r>
-            <a:r>
               <a:rPr lang="en-US">
                 <a:latin typeface="Consolas" panose="020B0609020204030204" pitchFamily="49" charset="0"/>
               </a:rPr>
-              <a:t>(int)&gt; factorial = [&amp;] (int i) { </a:t>
-            </a:r>
-            <a:r>
-              <a:rPr lang="en-US" smtClean="0">
-                <a:latin typeface="Consolas" panose="020B0609020204030204" pitchFamily="49" charset="0"/>
-              </a:rPr>
-              <a:t/>
+              <a:t>function&lt;int ()&gt; harder_test(int x, int y</a:t>
+            </a:r>
+            <a:r>
+              <a:rPr lang="en-US" smtClean="0">
+                <a:latin typeface="Consolas" panose="020B0609020204030204" pitchFamily="49" charset="0"/>
+              </a:rPr>
+              <a:t>){</a:t>
             </a:r>
             <a:br>
               <a:rPr lang="en-US" smtClean="0">
@@ -18461,13 +18475,13 @@
               <a:rPr lang="en-US">
                 <a:latin typeface="Consolas" panose="020B0609020204030204" pitchFamily="49" charset="0"/>
               </a:rPr>
-              <a:t>return (i == 1) ? 1 : i * factorial(i - 1); </a:t>
-            </a:r>
-            <a:r>
-              <a:rPr lang="en-US" smtClean="0">
-                <a:latin typeface="Consolas" panose="020B0609020204030204" pitchFamily="49" charset="0"/>
-              </a:rPr>
-              <a:t/>
+              <a:t>return [&amp;x, &amp;y] { return x + y; </a:t>
+            </a:r>
+            <a:r>
+              <a:rPr lang="en-US" smtClean="0">
+                <a:latin typeface="Consolas" panose="020B0609020204030204" pitchFamily="49" charset="0"/>
+              </a:rPr>
+              <a:t>};</a:t>
             </a:r>
             <a:br>
               <a:rPr lang="en-US" smtClean="0">
@@ -18478,31 +18492,37 @@
               <a:rPr lang="en-US" smtClean="0">
                 <a:latin typeface="Consolas" panose="020B0609020204030204" pitchFamily="49" charset="0"/>
               </a:rPr>
-              <a:t>};</a:t>
-            </a:r>
-            <a:endParaRPr lang="ru-RU" smtClean="0">
-              <a:latin typeface="Consolas" panose="020B0609020204030204" pitchFamily="49" charset="0"/>
-            </a:endParaRPr>
+              <a:t>}</a:t>
+            </a:r>
           </a:p>
           <a:p>
             <a:pPr marL="45720" indent="0">
               <a:buNone/>
             </a:pPr>
             <a:r>
+              <a:rPr lang="en-US" smtClean="0"/>
+              <a:t>std::function&lt;</a:t>
+            </a:r>
+            <a:r>
               <a:rPr lang="ru-RU" smtClean="0"/>
-              <a:t>Вопрос: почему тут не сработает </a:t>
+              <a:t> сигнатура </a:t>
             </a:r>
             <a:r>
               <a:rPr lang="en-US" smtClean="0"/>
-              <a:t>auto?</a:t>
-            </a:r>
+              <a:t>&gt; </a:t>
+            </a:r>
+            <a:r>
+              <a:rPr lang="ru-RU" smtClean="0"/>
+              <a:t>это единый тип для всех замыканий с данной сигнатурой</a:t>
+            </a:r>
+            <a:endParaRPr lang="en-US"/>
           </a:p>
         </p:txBody>
       </p:sp>
     </p:spTree>
     <p:extLst>
       <p:ext uri="{BB962C8B-B14F-4D97-AF65-F5344CB8AC3E}">
-        <p14:creationId xmlns:p14="http://schemas.microsoft.com/office/powerpoint/2010/main" val="3617039667"/>
+        <p14:creationId xmlns:p14="http://schemas.microsoft.com/office/powerpoint/2010/main" val="1527820153"/>
       </p:ext>
     </p:extLst>
   </p:cSld>
@@ -18546,7 +18566,11 @@
           <a:p>
             <a:r>
               <a:rPr lang="ru-RU" smtClean="0"/>
-              <a:t>Информация о конкретном типе</a:t>
+              <a:t>Применение </a:t>
+            </a:r>
+            <a:r>
+              <a:rPr lang="en-US" smtClean="0"/>
+              <a:t>std::function</a:t>
             </a:r>
             <a:endParaRPr lang="en-US"/>
           </a:p>
@@ -18571,25 +18595,34 @@
               <a:buNone/>
             </a:pPr>
             <a:r>
+              <a:rPr lang="ru-RU" smtClean="0"/>
+              <a:t>Рекурсия для лямбд:</a:t>
+            </a:r>
+          </a:p>
+          <a:p>
+            <a:pPr marL="45720" indent="0">
+              <a:buNone/>
+            </a:pPr>
+            <a:r>
+              <a:rPr lang="en-US" smtClean="0">
+                <a:latin typeface="Consolas" panose="020B0609020204030204" pitchFamily="49" charset="0"/>
+              </a:rPr>
+              <a:t>function&lt;int </a:t>
+            </a:r>
+            <a:r>
               <a:rPr lang="en-US">
                 <a:latin typeface="Consolas" panose="020B0609020204030204" pitchFamily="49" charset="0"/>
               </a:rPr>
-              <a:t>function&lt;int(int)&gt; fn1(f</a:t>
-            </a:r>
-            <a:r>
-              <a:rPr lang="en-US" smtClean="0">
-                <a:latin typeface="Consolas" panose="020B0609020204030204" pitchFamily="49" charset="0"/>
-              </a:rPr>
-              <a:t>),</a:t>
-            </a:r>
-            <a:r>
-              <a:rPr lang="ru-RU" smtClean="0">
+              <a:t>(int)&gt; factorial = [&amp;] (int i) { </a:t>
+            </a:r>
+            <a:r>
+              <a:rPr lang="en-US" smtClean="0">
                 <a:latin typeface="Consolas" panose="020B0609020204030204" pitchFamily="49" charset="0"/>
               </a:rPr>
               <a:t/>
             </a:r>
             <a:br>
-              <a:rPr lang="ru-RU" smtClean="0">
+              <a:rPr lang="en-US" smtClean="0">
                 <a:latin typeface="Consolas" panose="020B0609020204030204" pitchFamily="49" charset="0"/>
               </a:rPr>
             </a:br>
@@ -18597,34 +18630,22 @@
               <a:rPr lang="en-US" smtClean="0">
                 <a:latin typeface="Consolas" panose="020B0609020204030204" pitchFamily="49" charset="0"/>
               </a:rPr>
-              <a:t>                   </a:t>
-            </a:r>
-            <a:r>
-              <a:rPr lang="en-US" smtClean="0">
-                <a:latin typeface="Consolas" panose="020B0609020204030204" pitchFamily="49" charset="0"/>
-              </a:rPr>
-              <a:t>fn2 </a:t>
+              <a:t>  </a:t>
             </a:r>
             <a:r>
               <a:rPr lang="en-US">
                 <a:latin typeface="Consolas" panose="020B0609020204030204" pitchFamily="49" charset="0"/>
               </a:rPr>
-              <a:t>([](int a) {return -a</a:t>
-            </a:r>
-            <a:r>
-              <a:rPr lang="en-US" smtClean="0">
-                <a:latin typeface="Consolas" panose="020B0609020204030204" pitchFamily="49" charset="0"/>
-              </a:rPr>
-              <a:t>;}),</a:t>
-            </a:r>
-            <a:r>
-              <a:rPr lang="ru-RU" smtClean="0">
+              <a:t>return (i == 1) ? 1 : i * factorial(i - 1); </a:t>
+            </a:r>
+            <a:r>
+              <a:rPr lang="en-US" smtClean="0">
                 <a:latin typeface="Consolas" panose="020B0609020204030204" pitchFamily="49" charset="0"/>
               </a:rPr>
               <a:t/>
             </a:r>
             <a:br>
-              <a:rPr lang="ru-RU" smtClean="0">
+              <a:rPr lang="en-US" smtClean="0">
                 <a:latin typeface="Consolas" panose="020B0609020204030204" pitchFamily="49" charset="0"/>
               </a:rPr>
             </a:br>
@@ -18632,123 +18653,80 @@
               <a:rPr lang="en-US" smtClean="0">
                 <a:latin typeface="Consolas" panose="020B0609020204030204" pitchFamily="49" charset="0"/>
               </a:rPr>
-              <a:t>                   </a:t>
-            </a:r>
-            <a:r>
-              <a:rPr lang="en-US" smtClean="0">
-                <a:latin typeface="Consolas" panose="020B0609020204030204" pitchFamily="49" charset="0"/>
-              </a:rPr>
-              <a:t>fn3 </a:t>
-            </a:r>
-            <a:r>
-              <a:rPr lang="en-US">
-                <a:latin typeface="Consolas" panose="020B0609020204030204" pitchFamily="49" charset="0"/>
-              </a:rPr>
-              <a:t>([x](int a) {return x-a</a:t>
-            </a:r>
-            <a:r>
-              <a:rPr lang="en-US" smtClean="0">
-                <a:latin typeface="Consolas" panose="020B0609020204030204" pitchFamily="49" charset="0"/>
-              </a:rPr>
-              <a:t>;});</a:t>
-            </a:r>
-            <a:r>
-              <a:rPr lang="ru-RU" smtClean="0">
-                <a:latin typeface="Consolas" panose="020B0609020204030204" pitchFamily="49" charset="0"/>
-              </a:rPr>
-              <a:t/>
-            </a:r>
-            <a:br>
-              <a:rPr lang="ru-RU" smtClean="0">
-                <a:latin typeface="Consolas" panose="020B0609020204030204" pitchFamily="49" charset="0"/>
-              </a:rPr>
-            </a:br>
-            <a:r>
-              <a:rPr lang="en-US" smtClean="0">
-                <a:latin typeface="Consolas" panose="020B0609020204030204" pitchFamily="49" charset="0"/>
-              </a:rPr>
-              <a:t>  </a:t>
-            </a:r>
-            <a:r>
-              <a:rPr lang="en-US">
-                <a:latin typeface="Consolas" panose="020B0609020204030204" pitchFamily="49" charset="0"/>
-              </a:rPr>
-              <a:t>cout &lt;&lt; fn1.target_type().name() &lt;&lt; </a:t>
-            </a:r>
-            <a:r>
-              <a:rPr lang="en-US" smtClean="0">
-                <a:latin typeface="Consolas" panose="020B0609020204030204" pitchFamily="49" charset="0"/>
-              </a:rPr>
-              <a:t>endl</a:t>
-            </a:r>
-            <a:r>
-              <a:rPr lang="ru-RU" smtClean="0">
-                <a:latin typeface="Consolas" panose="020B0609020204030204" pitchFamily="49" charset="0"/>
-              </a:rPr>
-              <a:t/>
-            </a:r>
-            <a:br>
-              <a:rPr lang="ru-RU" smtClean="0">
-                <a:latin typeface="Consolas" panose="020B0609020204030204" pitchFamily="49" charset="0"/>
-              </a:rPr>
-            </a:br>
-            <a:r>
-              <a:rPr lang="en-US" smtClean="0">
-                <a:latin typeface="Consolas" panose="020B0609020204030204" pitchFamily="49" charset="0"/>
-              </a:rPr>
-              <a:t>       </a:t>
-            </a:r>
-            <a:r>
-              <a:rPr lang="en-US">
-                <a:latin typeface="Consolas" panose="020B0609020204030204" pitchFamily="49" charset="0"/>
-              </a:rPr>
-              <a:t>&lt;&lt; fn2.target_type().name() &lt;&lt; </a:t>
-            </a:r>
-            <a:r>
-              <a:rPr lang="en-US" smtClean="0">
-                <a:latin typeface="Consolas" panose="020B0609020204030204" pitchFamily="49" charset="0"/>
-              </a:rPr>
-              <a:t>endl</a:t>
-            </a:r>
-            <a:r>
-              <a:rPr lang="ru-RU" smtClean="0">
-                <a:latin typeface="Consolas" panose="020B0609020204030204" pitchFamily="49" charset="0"/>
-              </a:rPr>
-              <a:t/>
-            </a:r>
-            <a:br>
-              <a:rPr lang="ru-RU" smtClean="0">
-                <a:latin typeface="Consolas" panose="020B0609020204030204" pitchFamily="49" charset="0"/>
-              </a:rPr>
-            </a:br>
-            <a:r>
-              <a:rPr lang="en-US" smtClean="0">
-                <a:latin typeface="Consolas" panose="020B0609020204030204" pitchFamily="49" charset="0"/>
-              </a:rPr>
-              <a:t>       </a:t>
-            </a:r>
-            <a:r>
-              <a:rPr lang="en-US">
-                <a:latin typeface="Consolas" panose="020B0609020204030204" pitchFamily="49" charset="0"/>
-              </a:rPr>
-              <a:t>&lt;&lt; fn3.target_type().name() &lt;&lt; endl</a:t>
-            </a:r>
-            <a:r>
-              <a:rPr lang="en-US" smtClean="0">
-                <a:latin typeface="Consolas" panose="020B0609020204030204" pitchFamily="49" charset="0"/>
-              </a:rPr>
-              <a:t>;</a:t>
-            </a:r>
-            <a:endParaRPr lang="en-US">
+              <a:t>};</a:t>
+            </a:r>
+            <a:endParaRPr lang="ru-RU" smtClean="0">
               <a:latin typeface="Consolas" panose="020B0609020204030204" pitchFamily="49" charset="0"/>
             </a:endParaRPr>
+          </a:p>
+          <a:p>
+            <a:pPr marL="45720" indent="0">
+              <a:buNone/>
+            </a:pPr>
+            <a:r>
+              <a:rPr lang="ru-RU" smtClean="0"/>
+              <a:t>Вопрос №1: почему тут не сработает </a:t>
+            </a:r>
+            <a:r>
+              <a:rPr lang="en-US" smtClean="0"/>
+              <a:t>auto?</a:t>
+            </a:r>
+          </a:p>
+          <a:p>
+            <a:pPr marL="45720" indent="0">
+              <a:buNone/>
+            </a:pPr>
+            <a:r>
+              <a:rPr lang="ru-RU" smtClean="0"/>
+              <a:t>Вопрос №2</a:t>
+            </a:r>
+            <a:r>
+              <a:rPr lang="en-US" smtClean="0"/>
+              <a:t>: </a:t>
+            </a:r>
+            <a:r>
+              <a:rPr lang="ru-RU"/>
+              <a:t>зачем тут захват  </a:t>
+            </a:r>
+            <a:r>
+              <a:rPr lang="en-US" smtClean="0">
+                <a:latin typeface="Consolas" panose="020B0609020204030204" pitchFamily="49" charset="0"/>
+              </a:rPr>
+              <a:t>[&amp;]</a:t>
+            </a:r>
+            <a:r>
+              <a:rPr lang="ru-RU" smtClean="0"/>
+              <a:t> контекста?</a:t>
+            </a:r>
+          </a:p>
+          <a:p>
+            <a:pPr marL="45720" indent="0">
+              <a:buNone/>
+            </a:pPr>
+            <a:r>
+              <a:rPr lang="ru-RU"/>
+              <a:t>Вопрос </a:t>
+            </a:r>
+            <a:r>
+              <a:rPr lang="ru-RU" smtClean="0"/>
+              <a:t>№3</a:t>
+            </a:r>
+            <a:r>
+              <a:rPr lang="en-US" smtClean="0"/>
+              <a:t>: </a:t>
+            </a:r>
+            <a:r>
+              <a:rPr lang="ru-RU" smtClean="0"/>
+              <a:t>что будет если сделать захват по значению?</a:t>
+            </a:r>
+            <a:endParaRPr lang="en-US" smtClean="0"/>
           </a:p>
         </p:txBody>
       </p:sp>
     </p:spTree>
     <p:extLst>
       <p:ext uri="{BB962C8B-B14F-4D97-AF65-F5344CB8AC3E}">
-        <p14:creationId xmlns:p14="http://schemas.microsoft.com/office/powerpoint/2010/main" val="1595933083"/>
+        <p14:creationId xmlns:p14="http://schemas.microsoft.com/office/powerpoint/2010/main" val="3617039667"/>
       </p:ext>
     </p:extLst>
   </p:cSld>
@@ -18792,7 +18770,7 @@
           <a:p>
             <a:r>
               <a:rPr lang="ru-RU" smtClean="0"/>
-              <a:t>Обсуждение</a:t>
+              <a:t>Информация о конкретном типе</a:t>
             </a:r>
             <a:endParaRPr lang="en-US"/>
           </a:p>
@@ -18815,52 +18793,217 @@
           <a:p>
             <a:r>
               <a:rPr lang="ru-RU" smtClean="0"/>
-              <a:t>Большая разница между двумя строчками:</a:t>
-            </a:r>
+              <a:t>Механизм </a:t>
+            </a:r>
+            <a:r>
+              <a:rPr lang="en-US" smtClean="0"/>
+              <a:t>std::function </a:t>
+            </a:r>
+            <a:r>
+              <a:rPr lang="ru-RU" smtClean="0"/>
+              <a:t>сильно унифицирует типы замыканий</a:t>
+            </a:r>
+            <a:endParaRPr lang="en-US" smtClean="0"/>
+          </a:p>
+          <a:p>
+            <a:r>
+              <a:rPr lang="ru-RU" smtClean="0"/>
+              <a:t>Информация о реальном типе возвращается через </a:t>
+            </a:r>
+            <a:r>
+              <a:rPr lang="en-US" smtClean="0"/>
+              <a:t>target_type</a:t>
+            </a:r>
+            <a:endParaRPr lang="ru-RU" smtClean="0"/>
           </a:p>
           <a:p>
             <a:pPr marL="45720" indent="0">
               <a:buNone/>
             </a:pPr>
             <a:r>
+              <a:rPr lang="en-US" smtClean="0">
+                <a:latin typeface="Consolas" panose="020B0609020204030204" pitchFamily="49" charset="0"/>
+              </a:rPr>
+              <a:t>int f (int);</a:t>
+            </a:r>
+          </a:p>
+          <a:p>
+            <a:pPr marL="45720" indent="0">
+              <a:buNone/>
+            </a:pPr>
+            <a:r>
+              <a:rPr lang="en-US" smtClean="0">
+                <a:latin typeface="Consolas" panose="020B0609020204030204" pitchFamily="49" charset="0"/>
+              </a:rPr>
+              <a:t>function&lt;int(int</a:t>
+            </a:r>
+            <a:r>
               <a:rPr lang="en-US">
                 <a:latin typeface="Consolas" panose="020B0609020204030204" pitchFamily="49" charset="0"/>
               </a:rPr>
-              <a:t>auto closure = [x](int a) {return x-a</a:t>
-            </a:r>
-            <a:r>
-              <a:rPr lang="en-US" smtClean="0">
-                <a:latin typeface="Consolas" panose="020B0609020204030204" pitchFamily="49" charset="0"/>
-              </a:rPr>
-              <a:t>;};</a:t>
-            </a:r>
-            <a:endParaRPr lang="ru-RU">
+              <a:t>)&gt; fn1(f</a:t>
+            </a:r>
+            <a:r>
+              <a:rPr lang="en-US" smtClean="0">
+                <a:latin typeface="Consolas" panose="020B0609020204030204" pitchFamily="49" charset="0"/>
+              </a:rPr>
+              <a:t>),</a:t>
+            </a:r>
+            <a:r>
+              <a:rPr lang="ru-RU" smtClean="0">
+                <a:latin typeface="Consolas" panose="020B0609020204030204" pitchFamily="49" charset="0"/>
+              </a:rPr>
+              <a:t/>
+            </a:r>
+            <a:br>
+              <a:rPr lang="ru-RU" smtClean="0">
+                <a:latin typeface="Consolas" panose="020B0609020204030204" pitchFamily="49" charset="0"/>
+              </a:rPr>
+            </a:br>
+            <a:r>
+              <a:rPr lang="en-US" smtClean="0">
+                <a:latin typeface="Consolas" panose="020B0609020204030204" pitchFamily="49" charset="0"/>
+              </a:rPr>
+              <a:t>                   fn2 </a:t>
+            </a:r>
+            <a:r>
+              <a:rPr lang="en-US">
+                <a:latin typeface="Consolas" panose="020B0609020204030204" pitchFamily="49" charset="0"/>
+              </a:rPr>
+              <a:t>([](int a) {return -a</a:t>
+            </a:r>
+            <a:r>
+              <a:rPr lang="en-US" smtClean="0">
+                <a:latin typeface="Consolas" panose="020B0609020204030204" pitchFamily="49" charset="0"/>
+              </a:rPr>
+              <a:t>;}),</a:t>
+            </a:r>
+            <a:r>
+              <a:rPr lang="ru-RU" smtClean="0">
+                <a:latin typeface="Consolas" panose="020B0609020204030204" pitchFamily="49" charset="0"/>
+              </a:rPr>
+              <a:t/>
+            </a:r>
+            <a:br>
+              <a:rPr lang="ru-RU" smtClean="0">
+                <a:latin typeface="Consolas" panose="020B0609020204030204" pitchFamily="49" charset="0"/>
+              </a:rPr>
+            </a:br>
+            <a:r>
+              <a:rPr lang="en-US" smtClean="0">
+                <a:latin typeface="Consolas" panose="020B0609020204030204" pitchFamily="49" charset="0"/>
+              </a:rPr>
+              <a:t>                   fn3 </a:t>
+            </a:r>
+            <a:r>
+              <a:rPr lang="en-US">
+                <a:latin typeface="Consolas" panose="020B0609020204030204" pitchFamily="49" charset="0"/>
+              </a:rPr>
+              <a:t>([x](int a) {return x-a</a:t>
+            </a:r>
+            <a:r>
+              <a:rPr lang="en-US" smtClean="0">
+                <a:latin typeface="Consolas" panose="020B0609020204030204" pitchFamily="49" charset="0"/>
+              </a:rPr>
+              <a:t>;});</a:t>
+            </a:r>
+            <a:r>
+              <a:rPr lang="ru-RU" smtClean="0">
+                <a:latin typeface="Consolas" panose="020B0609020204030204" pitchFamily="49" charset="0"/>
+              </a:rPr>
+              <a:t/>
+            </a:r>
+            <a:br>
+              <a:rPr lang="ru-RU" smtClean="0">
+                <a:latin typeface="Consolas" panose="020B0609020204030204" pitchFamily="49" charset="0"/>
+              </a:rPr>
+            </a:br>
+            <a:r>
+              <a:rPr lang="en-US" smtClean="0">
+                <a:latin typeface="Consolas" panose="020B0609020204030204" pitchFamily="49" charset="0"/>
+              </a:rPr>
+              <a:t>  </a:t>
+            </a:r>
+            <a:r>
+              <a:rPr lang="en-US">
+                <a:latin typeface="Consolas" panose="020B0609020204030204" pitchFamily="49" charset="0"/>
+              </a:rPr>
+              <a:t>cout &lt;&lt; fn1.target_type().name() &lt;&lt; </a:t>
+            </a:r>
+            <a:r>
+              <a:rPr lang="en-US" smtClean="0">
+                <a:latin typeface="Consolas" panose="020B0609020204030204" pitchFamily="49" charset="0"/>
+              </a:rPr>
+              <a:t>endl</a:t>
+            </a:r>
+            <a:r>
+              <a:rPr lang="ru-RU" smtClean="0">
+                <a:latin typeface="Consolas" panose="020B0609020204030204" pitchFamily="49" charset="0"/>
+              </a:rPr>
+              <a:t/>
+            </a:r>
+            <a:br>
+              <a:rPr lang="ru-RU" smtClean="0">
+                <a:latin typeface="Consolas" panose="020B0609020204030204" pitchFamily="49" charset="0"/>
+              </a:rPr>
+            </a:br>
+            <a:r>
+              <a:rPr lang="en-US" smtClean="0">
+                <a:latin typeface="Consolas" panose="020B0609020204030204" pitchFamily="49" charset="0"/>
+              </a:rPr>
+              <a:t>       </a:t>
+            </a:r>
+            <a:r>
+              <a:rPr lang="en-US">
+                <a:latin typeface="Consolas" panose="020B0609020204030204" pitchFamily="49" charset="0"/>
+              </a:rPr>
+              <a:t>&lt;&lt; fn2.target_type().name() &lt;&lt; </a:t>
+            </a:r>
+            <a:r>
+              <a:rPr lang="en-US" smtClean="0">
+                <a:latin typeface="Consolas" panose="020B0609020204030204" pitchFamily="49" charset="0"/>
+              </a:rPr>
+              <a:t>endl</a:t>
+            </a:r>
+            <a:r>
+              <a:rPr lang="ru-RU" smtClean="0">
+                <a:latin typeface="Consolas" panose="020B0609020204030204" pitchFamily="49" charset="0"/>
+              </a:rPr>
+              <a:t/>
+            </a:r>
+            <a:br>
+              <a:rPr lang="ru-RU" smtClean="0">
+                <a:latin typeface="Consolas" panose="020B0609020204030204" pitchFamily="49" charset="0"/>
+              </a:rPr>
+            </a:br>
+            <a:r>
+              <a:rPr lang="en-US" smtClean="0">
+                <a:latin typeface="Consolas" panose="020B0609020204030204" pitchFamily="49" charset="0"/>
+              </a:rPr>
+              <a:t>       </a:t>
+            </a:r>
+            <a:r>
+              <a:rPr lang="en-US">
+                <a:latin typeface="Consolas" panose="020B0609020204030204" pitchFamily="49" charset="0"/>
+              </a:rPr>
+              <a:t>&lt;&lt; fn3.target_type().name() &lt;&lt; endl</a:t>
+            </a:r>
+            <a:r>
+              <a:rPr lang="en-US" smtClean="0">
+                <a:latin typeface="Consolas" panose="020B0609020204030204" pitchFamily="49" charset="0"/>
+              </a:rPr>
+              <a:t>;</a:t>
+            </a:r>
+            <a:endParaRPr lang="en-US">
               <a:latin typeface="Consolas" panose="020B0609020204030204" pitchFamily="49" charset="0"/>
             </a:endParaRPr>
-          </a:p>
-          <a:p>
-            <a:pPr marL="45720" indent="0">
-              <a:buNone/>
-            </a:pPr>
-            <a:r>
-              <a:rPr lang="en-US" smtClean="0">
-                <a:latin typeface="Consolas" panose="020B0609020204030204" pitchFamily="49" charset="0"/>
-              </a:rPr>
-              <a:t>function&lt;int(int</a:t>
-            </a:r>
-            <a:r>
-              <a:rPr lang="en-US">
-                <a:latin typeface="Consolas" panose="020B0609020204030204" pitchFamily="49" charset="0"/>
-              </a:rPr>
-              <a:t>)&gt; func = [x](int a) {return x-a;};</a:t>
-            </a:r>
           </a:p>
         </p:txBody>
       </p:sp>
     </p:spTree>
     <p:extLst>
       <p:ext uri="{BB962C8B-B14F-4D97-AF65-F5344CB8AC3E}">
-        <p14:creationId xmlns:p14="http://schemas.microsoft.com/office/powerpoint/2010/main" val="1871353657"/>
+        <p14:creationId xmlns:p14="http://schemas.microsoft.com/office/powerpoint/2010/main" val="1595933083"/>
       </p:ext>
     </p:extLst>
   </p:cSld>
@@ -19031,7 +19174,7 @@
           <a:p>
             <a:r>
               <a:rPr lang="ru-RU" smtClean="0"/>
-              <a:t>Пример: уменьшение связности</a:t>
+              <a:t>Обсуждение</a:t>
             </a:r>
             <a:endParaRPr lang="en-US"/>
           </a:p>
@@ -19054,16 +19197,52 @@
           <a:p>
             <a:r>
               <a:rPr lang="ru-RU" smtClean="0"/>
-              <a:t>Тут разбор примера</a:t>
-            </a:r>
-            <a:endParaRPr lang="en-US"/>
+              <a:t>Большая разница между двумя строчками:</a:t>
+            </a:r>
+          </a:p>
+          <a:p>
+            <a:pPr marL="45720" indent="0">
+              <a:buNone/>
+            </a:pPr>
+            <a:r>
+              <a:rPr lang="en-US">
+                <a:latin typeface="Consolas" panose="020B0609020204030204" pitchFamily="49" charset="0"/>
+              </a:rPr>
+              <a:t>auto closure = [x](int a) {return x-a</a:t>
+            </a:r>
+            <a:r>
+              <a:rPr lang="en-US" smtClean="0">
+                <a:latin typeface="Consolas" panose="020B0609020204030204" pitchFamily="49" charset="0"/>
+              </a:rPr>
+              <a:t>;};</a:t>
+            </a:r>
+            <a:endParaRPr lang="ru-RU">
+              <a:latin typeface="Consolas" panose="020B0609020204030204" pitchFamily="49" charset="0"/>
+            </a:endParaRPr>
+          </a:p>
+          <a:p>
+            <a:pPr marL="45720" indent="0">
+              <a:buNone/>
+            </a:pPr>
+            <a:r>
+              <a:rPr lang="en-US" smtClean="0">
+                <a:latin typeface="Consolas" panose="020B0609020204030204" pitchFamily="49" charset="0"/>
+              </a:rPr>
+              <a:t>function&lt;int(int</a:t>
+            </a:r>
+            <a:r>
+              <a:rPr lang="en-US">
+                <a:latin typeface="Consolas" panose="020B0609020204030204" pitchFamily="49" charset="0"/>
+              </a:rPr>
+              <a:t>)&gt; func = [x](int a) {return x-a;};</a:t>
+            </a:r>
           </a:p>
         </p:txBody>
       </p:sp>
     </p:spTree>
     <p:extLst>
       <p:ext uri="{BB962C8B-B14F-4D97-AF65-F5344CB8AC3E}">
-        <p14:creationId xmlns:p14="http://schemas.microsoft.com/office/powerpoint/2010/main" val="1047503159"/>
+        <p14:creationId xmlns:p14="http://schemas.microsoft.com/office/powerpoint/2010/main" val="1871353657"/>
       </p:ext>
     </p:extLst>
   </p:cSld>
@@ -19107,7 +19286,7 @@
           <a:p>
             <a:r>
               <a:rPr lang="ru-RU" smtClean="0"/>
-              <a:t>Провисание ссылок на контекст</a:t>
+              <a:t>Пример: уменьшение связности</a:t>
             </a:r>
             <a:endParaRPr lang="en-US"/>
           </a:p>
@@ -19132,151 +19311,197 @@
               <a:buNone/>
             </a:pPr>
             <a:r>
-              <a:rPr lang="en-US">
-                <a:latin typeface="Consolas" panose="020B0609020204030204" pitchFamily="49" charset="0"/>
-              </a:rPr>
-              <a:t>function&lt;void()&gt; f</a:t>
-            </a:r>
-            <a:r>
-              <a:rPr lang="en-US" smtClean="0">
-                <a:latin typeface="Consolas" panose="020B0609020204030204" pitchFamily="49" charset="0"/>
-              </a:rPr>
-              <a:t>;</a:t>
-            </a:r>
-            <a:endParaRPr lang="ru-RU">
-              <a:latin typeface="Consolas" panose="020B0609020204030204" pitchFamily="49" charset="0"/>
-            </a:endParaRPr>
+              <a:rPr lang="en-US" sz="2000" smtClean="0">
+                <a:latin typeface="Consolas" panose="020B0609020204030204" pitchFamily="49" charset="0"/>
+              </a:rPr>
+              <a:t>class ISurface;</a:t>
+            </a:r>
           </a:p>
           <a:p>
             <a:pPr marL="45720" indent="0">
               <a:buNone/>
             </a:pPr>
             <a:r>
-              <a:rPr lang="en-US" smtClean="0">
-                <a:latin typeface="Consolas" panose="020B0609020204030204" pitchFamily="49" charset="0"/>
-              </a:rPr>
-              <a:t>{</a:t>
-            </a:r>
-            <a:r>
-              <a:rPr lang="ru-RU" smtClean="0">
-                <a:latin typeface="Consolas" panose="020B0609020204030204" pitchFamily="49" charset="0"/>
-              </a:rPr>
-              <a:t/>
+              <a:rPr lang="en-US" sz="2000" smtClean="0">
+                <a:latin typeface="Consolas" panose="020B0609020204030204" pitchFamily="49" charset="0"/>
+              </a:rPr>
+              <a:t>class </a:t>
+            </a:r>
+            <a:r>
+              <a:rPr lang="en-US" sz="2000">
+                <a:latin typeface="Consolas" panose="020B0609020204030204" pitchFamily="49" charset="0"/>
+              </a:rPr>
+              <a:t>ViewPort {</a:t>
             </a:r>
             <a:br>
-              <a:rPr lang="ru-RU" smtClean="0">
+              <a:rPr lang="en-US" sz="2000">
                 <a:latin typeface="Consolas" panose="020B0609020204030204" pitchFamily="49" charset="0"/>
               </a:rPr>
             </a:br>
             <a:r>
-              <a:rPr lang="en-US" smtClean="0">
-                <a:latin typeface="Consolas" panose="020B0609020204030204" pitchFamily="49" charset="0"/>
-              </a:rPr>
-              <a:t>  </a:t>
-            </a:r>
-            <a:r>
-              <a:rPr lang="en-US">
-                <a:latin typeface="Consolas" panose="020B0609020204030204" pitchFamily="49" charset="0"/>
-              </a:rPr>
-              <a:t>Monitor m</a:t>
-            </a:r>
-            <a:r>
-              <a:rPr lang="en-US" smtClean="0">
-                <a:latin typeface="Consolas" panose="020B0609020204030204" pitchFamily="49" charset="0"/>
-              </a:rPr>
-              <a:t>;</a:t>
-            </a:r>
-            <a:r>
-              <a:rPr lang="ru-RU" smtClean="0">
-                <a:latin typeface="Consolas" panose="020B0609020204030204" pitchFamily="49" charset="0"/>
-              </a:rPr>
-              <a:t/>
-            </a:r>
-            <a:br>
-              <a:rPr lang="ru-RU" smtClean="0">
-                <a:latin typeface="Consolas" panose="020B0609020204030204" pitchFamily="49" charset="0"/>
-              </a:rPr>
-            </a:br>
-            <a:r>
-              <a:rPr lang="en-US" smtClean="0">
-                <a:latin typeface="Consolas" panose="020B0609020204030204" pitchFamily="49" charset="0"/>
-              </a:rPr>
-              <a:t>  </a:t>
-            </a:r>
-            <a:r>
-              <a:rPr lang="en-US">
-                <a:latin typeface="Consolas" panose="020B0609020204030204" pitchFamily="49" charset="0"/>
-              </a:rPr>
-              <a:t>auto k = [&amp;mref = m] { cout &lt;&lt; "may use m here" &lt;&lt; endl; </a:t>
-            </a:r>
-            <a:r>
-              <a:rPr lang="en-US" smtClean="0">
-                <a:latin typeface="Consolas" panose="020B0609020204030204" pitchFamily="49" charset="0"/>
-              </a:rPr>
-              <a:t>};</a:t>
-            </a:r>
-            <a:r>
-              <a:rPr lang="ru-RU" smtClean="0">
-                <a:latin typeface="Consolas" panose="020B0609020204030204" pitchFamily="49" charset="0"/>
-              </a:rPr>
-              <a:t/>
-            </a:r>
-            <a:br>
-              <a:rPr lang="ru-RU" smtClean="0">
-                <a:latin typeface="Consolas" panose="020B0609020204030204" pitchFamily="49" charset="0"/>
-              </a:rPr>
-            </a:br>
-            <a:r>
-              <a:rPr lang="en-US" smtClean="0">
+              <a:rPr lang="en-US" sz="2000" smtClean="0">
                 <a:solidFill>
                   <a:srgbClr val="FF0000"/>
                 </a:solidFill>
                 <a:latin typeface="Consolas" panose="020B0609020204030204" pitchFamily="49" charset="0"/>
               </a:rPr>
-              <a:t>  </a:t>
-            </a:r>
-            <a:r>
-              <a:rPr lang="en-US">
+              <a:t>  /* </a:t>
+            </a:r>
+            <a:r>
+              <a:rPr lang="en-US" sz="2000">
                 <a:solidFill>
                   <a:srgbClr val="FF0000"/>
                 </a:solidFill>
                 <a:latin typeface="Consolas" panose="020B0609020204030204" pitchFamily="49" charset="0"/>
               </a:rPr>
-              <a:t>f = k</a:t>
-            </a:r>
-            <a:r>
-              <a:rPr lang="en-US" smtClean="0">
+              <a:t>??? */</a:t>
+            </a:r>
+            <a:r>
+              <a:rPr lang="en-US" sz="2000">
+                <a:latin typeface="Consolas" panose="020B0609020204030204" pitchFamily="49" charset="0"/>
+              </a:rPr>
+              <a:t> </a:t>
+            </a:r>
+            <a:r>
+              <a:rPr lang="en-US" sz="2000" smtClean="0">
+                <a:latin typeface="Consolas" panose="020B0609020204030204" pitchFamily="49" charset="0"/>
+              </a:rPr>
+              <a:t>callback;</a:t>
+            </a:r>
+          </a:p>
+          <a:p>
+            <a:pPr marL="45720" indent="0">
+              <a:buNone/>
+            </a:pPr>
+            <a:r>
+              <a:rPr lang="en-US" sz="2000">
+                <a:latin typeface="Consolas" panose="020B0609020204030204" pitchFamily="49" charset="0"/>
+              </a:rPr>
+              <a:t>public:</a:t>
+            </a:r>
+            <a:br>
+              <a:rPr lang="en-US" sz="2000">
+                <a:latin typeface="Consolas" panose="020B0609020204030204" pitchFamily="49" charset="0"/>
+              </a:rPr>
+            </a:br>
+            <a:r>
+              <a:rPr lang="en-US" sz="2000" smtClean="0">
+                <a:latin typeface="Consolas" panose="020B0609020204030204" pitchFamily="49" charset="0"/>
+              </a:rPr>
+              <a:t>  pollres </a:t>
+            </a:r>
+            <a:r>
+              <a:rPr lang="en-US" sz="2000">
+                <a:latin typeface="Consolas" panose="020B0609020204030204" pitchFamily="49" charset="0"/>
+              </a:rPr>
+              <a:t>poll ();</a:t>
+            </a:r>
+            <a:br>
+              <a:rPr lang="en-US" sz="2000">
+                <a:latin typeface="Consolas" panose="020B0609020204030204" pitchFamily="49" charset="0"/>
+              </a:rPr>
+            </a:br>
+            <a:r>
+              <a:rPr lang="en-US" sz="2000">
+                <a:latin typeface="Consolas" panose="020B0609020204030204" pitchFamily="49" charset="0"/>
+              </a:rPr>
+              <a:t> </a:t>
+            </a:r>
+            <a:r>
+              <a:rPr lang="en-US" sz="2000" smtClean="0">
+                <a:latin typeface="Consolas" panose="020B0609020204030204" pitchFamily="49" charset="0"/>
+              </a:rPr>
+              <a:t> static </a:t>
+            </a:r>
+            <a:r>
+              <a:rPr lang="en-US" sz="2000">
+                <a:latin typeface="Consolas" panose="020B0609020204030204" pitchFamily="49" charset="0"/>
+              </a:rPr>
+              <a:t>ViewPort </a:t>
+            </a:r>
+            <a:r>
+              <a:rPr lang="en-US" sz="2000" smtClean="0">
+                <a:latin typeface="Consolas" panose="020B0609020204030204" pitchFamily="49" charset="0"/>
+              </a:rPr>
+              <a:t>*QueryViewPort </a:t>
+            </a:r>
+            <a:r>
+              <a:rPr lang="en-US" sz="2000">
+                <a:latin typeface="Consolas" panose="020B0609020204030204" pitchFamily="49" charset="0"/>
+              </a:rPr>
+              <a:t>(int w, int h, </a:t>
+            </a:r>
+            <a:r>
+              <a:rPr lang="en-US" sz="2000">
                 <a:solidFill>
                   <a:srgbClr val="FF0000"/>
                 </a:solidFill>
                 <a:latin typeface="Consolas" panose="020B0609020204030204" pitchFamily="49" charset="0"/>
               </a:rPr>
-              <a:t>;</a:t>
-            </a:r>
-            <a:r>
-              <a:rPr lang="ru-RU" smtClean="0">
-                <a:solidFill>
-                  <a:srgbClr val="FF0000"/>
-                </a:solidFill>
+              <a:t>/* ??? */ </a:t>
+            </a:r>
+            <a:r>
+              <a:rPr lang="en-US" sz="2000">
+                <a:latin typeface="Consolas" panose="020B0609020204030204" pitchFamily="49" charset="0"/>
+              </a:rPr>
+              <a:t>c</a:t>
+            </a:r>
+            <a:r>
+              <a:rPr lang="en-US" sz="2000" smtClean="0">
+                <a:latin typeface="Consolas" panose="020B0609020204030204" pitchFamily="49" charset="0"/>
+              </a:rPr>
+              <a:t>);</a:t>
+            </a:r>
+            <a:r>
+              <a:rPr lang="en-US" sz="2000">
                 <a:latin typeface="Consolas" panose="020B0609020204030204" pitchFamily="49" charset="0"/>
               </a:rPr>
               <a:t/>
             </a:r>
             <a:br>
-              <a:rPr lang="ru-RU" smtClean="0">
-                <a:solidFill>
-                  <a:srgbClr val="FF0000"/>
-                </a:solidFill>
+              <a:rPr lang="en-US" sz="2000">
                 <a:latin typeface="Consolas" panose="020B0609020204030204" pitchFamily="49" charset="0"/>
               </a:rPr>
             </a:br>
             <a:r>
-              <a:rPr lang="en-US" smtClean="0">
-                <a:latin typeface="Consolas" panose="020B0609020204030204" pitchFamily="49" charset="0"/>
-              </a:rPr>
-              <a:t>}</a:t>
-            </a:r>
-            <a:endParaRPr lang="ru-RU">
+              <a:rPr lang="en-US" sz="2000" smtClean="0">
+                <a:latin typeface="Consolas" panose="020B0609020204030204" pitchFamily="49" charset="0"/>
+              </a:rPr>
+              <a:t>};</a:t>
+            </a:r>
+          </a:p>
+          <a:p>
+            <a:pPr marL="45720" indent="0">
+              <a:buNone/>
+            </a:pPr>
+            <a:r>
+              <a:rPr lang="ru-RU" smtClean="0"/>
+              <a:t>Использование:</a:t>
+            </a:r>
+          </a:p>
+          <a:p>
+            <a:pPr marL="45720" indent="0">
+              <a:buNone/>
+            </a:pPr>
+            <a:r>
+              <a:rPr lang="en-US" sz="2000" smtClean="0">
+                <a:latin typeface="Consolas" panose="020B0609020204030204" pitchFamily="49" charset="0"/>
+              </a:rPr>
+              <a:t>ViewPort </a:t>
+            </a:r>
+            <a:r>
+              <a:rPr lang="en-US" sz="2000">
+                <a:latin typeface="Consolas" panose="020B0609020204030204" pitchFamily="49" charset="0"/>
+              </a:rPr>
+              <a:t>*v = ViewPort::QueryViewPort (xsize, ysize, </a:t>
+            </a:r>
+            <a:r>
+              <a:rPr lang="en-US" sz="2000" smtClean="0">
+                <a:latin typeface="Consolas" panose="020B0609020204030204" pitchFamily="49" charset="0"/>
+              </a:rPr>
+              <a:t>draw_function);</a:t>
+            </a:r>
+            <a:endParaRPr lang="ru-RU" sz="2000" smtClean="0">
               <a:latin typeface="Consolas" panose="020B0609020204030204" pitchFamily="49" charset="0"/>
             </a:endParaRPr>
           </a:p>
@@ -19285,27 +19510,30 @@
               <a:buNone/>
             </a:pPr>
             <a:r>
-              <a:rPr lang="en-US" smtClean="0">
-                <a:solidFill>
-                  <a:srgbClr val="FF0000"/>
-                </a:solidFill>
-                <a:latin typeface="Consolas" panose="020B0609020204030204" pitchFamily="49" charset="0"/>
-              </a:rPr>
-              <a:t>f();</a:t>
-            </a:r>
-            <a:r>
-              <a:rPr lang="ru-RU" smtClean="0">
-                <a:latin typeface="Consolas" panose="020B0609020204030204" pitchFamily="49" charset="0"/>
-              </a:rPr>
-              <a:t> </a:t>
-            </a:r>
-            <a:r>
-              <a:rPr lang="en-US" smtClean="0">
-                <a:latin typeface="Consolas" panose="020B0609020204030204" pitchFamily="49" charset="0"/>
-              </a:rPr>
-              <a:t>// Boom!</a:t>
-            </a:r>
-            <a:endParaRPr lang="en-US">
+              <a:rPr lang="en-US" sz="2000" smtClean="0">
+                <a:latin typeface="Consolas" panose="020B0609020204030204" pitchFamily="49" charset="0"/>
+              </a:rPr>
+              <a:t>while </a:t>
+            </a:r>
+            <a:r>
+              <a:rPr lang="en-US" sz="2000">
+                <a:latin typeface="Consolas" panose="020B0609020204030204" pitchFamily="49" charset="0"/>
+              </a:rPr>
+              <a:t>(v-&gt;poll () == pollres::PROCEED</a:t>
+            </a:r>
+            <a:r>
+              <a:rPr lang="en-US" sz="2000" smtClean="0">
+                <a:latin typeface="Consolas" panose="020B0609020204030204" pitchFamily="49" charset="0"/>
+              </a:rPr>
+              <a:t>) // </a:t>
+            </a:r>
+            <a:r>
+              <a:rPr lang="ru-RU" sz="2000" smtClean="0">
+                <a:latin typeface="Consolas" panose="020B0609020204030204" pitchFamily="49" charset="0"/>
+              </a:rPr>
+              <a:t>тут что-то происходит</a:t>
+            </a:r>
+            <a:endParaRPr lang="en-US" sz="2000">
               <a:latin typeface="Consolas" panose="020B0609020204030204" pitchFamily="49" charset="0"/>
             </a:endParaRPr>
           </a:p>
@@ -19314,7 +19542,7 @@
     </p:spTree>
     <p:extLst>
       <p:ext uri="{BB962C8B-B14F-4D97-AF65-F5344CB8AC3E}">
-        <p14:creationId xmlns:p14="http://schemas.microsoft.com/office/powerpoint/2010/main" val="2644797496"/>
+        <p14:creationId xmlns:p14="http://schemas.microsoft.com/office/powerpoint/2010/main" val="1047503159"/>
       </p:ext>
     </p:extLst>
   </p:cSld>
@@ -19358,15 +19586,7 @@
           <a:p>
             <a:r>
               <a:rPr lang="ru-RU" smtClean="0"/>
-              <a:t>Идея </a:t>
-            </a:r>
-            <a:r>
-              <a:rPr lang="en-US" smtClean="0"/>
-              <a:t>nocopy </a:t>
-            </a:r>
-            <a:r>
-              <a:rPr lang="ru-RU" smtClean="0"/>
-              <a:t>захвата</a:t>
+              <a:t>Пример: уменьшение связности</a:t>
             </a:r>
             <a:endParaRPr lang="en-US"/>
           </a:p>
@@ -19384,178 +19604,76 @@
         </p:nvSpPr>
         <p:spPr/>
         <p:txBody>
-          <a:bodyPr>
-            <a:normAutofit/>
-          </a:bodyPr>
+          <a:bodyPr/>
           <a:lstStyle/>
           <a:p>
             <a:pPr marL="45720" indent="0">
               <a:buNone/>
             </a:pPr>
             <a:r>
+              <a:rPr lang="en-US" sz="2000" smtClean="0">
+                <a:latin typeface="Consolas" panose="020B0609020204030204" pitchFamily="49" charset="0"/>
+              </a:rPr>
+              <a:t>class ISurface;</a:t>
+            </a:r>
+          </a:p>
+          <a:p>
+            <a:pPr marL="45720" indent="0">
+              <a:buNone/>
+            </a:pPr>
+            <a:r>
+              <a:rPr lang="en-US" sz="2000" smtClean="0">
+                <a:latin typeface="Consolas" panose="020B0609020204030204" pitchFamily="49" charset="0"/>
+              </a:rPr>
+              <a:t>class </a:t>
+            </a:r>
+            <a:r>
               <a:rPr lang="en-US" sz="2000">
                 <a:latin typeface="Consolas" panose="020B0609020204030204" pitchFamily="49" charset="0"/>
               </a:rPr>
-              <a:t>struct NC</a:t>
+              <a:t>ViewPort {</a:t>
+            </a:r>
+            <a:br>
+              <a:rPr lang="en-US" sz="2000">
+                <a:latin typeface="Consolas" panose="020B0609020204030204" pitchFamily="49" charset="0"/>
+              </a:rPr>
+            </a:br>
+            <a:r>
+              <a:rPr lang="en-US" sz="2000">
+                <a:solidFill>
+                  <a:srgbClr val="FF0000"/>
+                </a:solidFill>
+                <a:latin typeface="Consolas" panose="020B0609020204030204" pitchFamily="49" charset="0"/>
+              </a:rPr>
+              <a:t>  </a:t>
+            </a:r>
+            <a:r>
+              <a:rPr lang="en-US" sz="2000">
+                <a:solidFill>
+                  <a:srgbClr val="0000FF"/>
+                </a:solidFill>
+                <a:latin typeface="Consolas" panose="020B0609020204030204" pitchFamily="49" charset="0"/>
+              </a:rPr>
+              <a:t>function&lt;void(ISurface*)&gt;</a:t>
             </a:r>
             <a:r>
               <a:rPr lang="en-US" sz="2000" smtClean="0">
                 <a:latin typeface="Consolas" panose="020B0609020204030204" pitchFamily="49" charset="0"/>
               </a:rPr>
-              <a:t>{</a:t>
-            </a:r>
+              <a:t> callback;</a:t>
+            </a:r>
+          </a:p>
+          <a:p>
+            <a:pPr marL="45720" indent="0">
+              <a:buNone/>
+            </a:pPr>
             <a:r>
               <a:rPr lang="ru-RU" sz="2000" smtClean="0">
                 <a:latin typeface="Consolas" panose="020B0609020204030204" pitchFamily="49" charset="0"/>
               </a:rPr>
-              <a:t/>
-            </a:r>
-            <a:br>
-              <a:rPr lang="ru-RU" sz="2000" smtClean="0">
-                <a:latin typeface="Consolas" panose="020B0609020204030204" pitchFamily="49" charset="0"/>
-              </a:rPr>
-            </a:br>
-            <a:r>
-              <a:rPr lang="en-US" sz="2000" smtClean="0">
-                <a:latin typeface="Consolas" panose="020B0609020204030204" pitchFamily="49" charset="0"/>
-              </a:rPr>
-              <a:t>  NC</a:t>
-            </a:r>
-            <a:r>
-              <a:rPr lang="en-US" sz="2000">
-                <a:latin typeface="Consolas" panose="020B0609020204030204" pitchFamily="49" charset="0"/>
-              </a:rPr>
-              <a:t>()                     = default</a:t>
-            </a:r>
-            <a:r>
-              <a:rPr lang="en-US" sz="2000" smtClean="0">
-                <a:latin typeface="Consolas" panose="020B0609020204030204" pitchFamily="49" charset="0"/>
-              </a:rPr>
-              <a:t>;</a:t>
-            </a:r>
-            <a:r>
-              <a:rPr lang="ru-RU" sz="2000" smtClean="0">
-                <a:latin typeface="Consolas" panose="020B0609020204030204" pitchFamily="49" charset="0"/>
-              </a:rPr>
-              <a:t/>
-            </a:r>
-            <a:br>
-              <a:rPr lang="ru-RU" sz="2000" smtClean="0">
-                <a:latin typeface="Consolas" panose="020B0609020204030204" pitchFamily="49" charset="0"/>
-              </a:rPr>
-            </a:br>
-            <a:r>
-              <a:rPr lang="en-US" sz="2000" smtClean="0">
-                <a:latin typeface="Consolas" panose="020B0609020204030204" pitchFamily="49" charset="0"/>
-              </a:rPr>
-              <a:t>  </a:t>
-            </a:r>
-            <a:r>
-              <a:rPr lang="en-US" sz="2000" smtClean="0">
-                <a:latin typeface="Consolas" panose="020B0609020204030204" pitchFamily="49" charset="0"/>
-              </a:rPr>
-              <a:t>NC(NC </a:t>
-            </a:r>
-            <a:r>
-              <a:rPr lang="en-US" sz="2000">
-                <a:latin typeface="Consolas" panose="020B0609020204030204" pitchFamily="49" charset="0"/>
-              </a:rPr>
-              <a:t>const&amp;)            = delete</a:t>
-            </a:r>
-            <a:r>
-              <a:rPr lang="en-US" sz="2000" smtClean="0">
-                <a:latin typeface="Consolas" panose="020B0609020204030204" pitchFamily="49" charset="0"/>
-              </a:rPr>
-              <a:t>;</a:t>
-            </a:r>
-            <a:r>
-              <a:rPr lang="ru-RU" sz="2000" smtClean="0">
-                <a:latin typeface="Consolas" panose="020B0609020204030204" pitchFamily="49" charset="0"/>
-              </a:rPr>
-              <a:t/>
-            </a:r>
-            <a:br>
-              <a:rPr lang="ru-RU" sz="2000" smtClean="0">
-                <a:latin typeface="Consolas" panose="020B0609020204030204" pitchFamily="49" charset="0"/>
-              </a:rPr>
-            </a:br>
-            <a:r>
-              <a:rPr lang="en-US" sz="2000" smtClean="0">
-                <a:latin typeface="Consolas" panose="020B0609020204030204" pitchFamily="49" charset="0"/>
-              </a:rPr>
-              <a:t>  </a:t>
-            </a:r>
-            <a:r>
-              <a:rPr lang="en-US" sz="2000" smtClean="0">
-                <a:latin typeface="Consolas" panose="020B0609020204030204" pitchFamily="49" charset="0"/>
-              </a:rPr>
-              <a:t>NC</a:t>
-            </a:r>
-            <a:r>
-              <a:rPr lang="en-US" sz="2000">
-                <a:latin typeface="Consolas" panose="020B0609020204030204" pitchFamily="49" charset="0"/>
-              </a:rPr>
-              <a:t>&amp; operator=(NC const&amp;) = delete</a:t>
-            </a:r>
-            <a:r>
-              <a:rPr lang="en-US" sz="2000" smtClean="0">
-                <a:latin typeface="Consolas" panose="020B0609020204030204" pitchFamily="49" charset="0"/>
-              </a:rPr>
-              <a:t>;</a:t>
-            </a:r>
-            <a:r>
-              <a:rPr lang="ru-RU" sz="2000" smtClean="0">
-                <a:latin typeface="Consolas" panose="020B0609020204030204" pitchFamily="49" charset="0"/>
-              </a:rPr>
-              <a:t/>
-            </a:r>
-            <a:br>
-              <a:rPr lang="ru-RU" sz="2000" smtClean="0">
-                <a:latin typeface="Consolas" panose="020B0609020204030204" pitchFamily="49" charset="0"/>
-              </a:rPr>
-            </a:br>
-            <a:r>
-              <a:rPr lang="en-US" sz="2000" smtClean="0">
-                <a:latin typeface="Consolas" panose="020B0609020204030204" pitchFamily="49" charset="0"/>
-              </a:rPr>
-              <a:t>  </a:t>
-            </a:r>
-            <a:r>
-              <a:rPr lang="en-US" sz="2000" smtClean="0">
-                <a:latin typeface="Consolas" panose="020B0609020204030204" pitchFamily="49" charset="0"/>
-              </a:rPr>
-              <a:t>NC(NC</a:t>
-            </a:r>
-            <a:r>
-              <a:rPr lang="en-US" sz="2000">
-                <a:latin typeface="Consolas" panose="020B0609020204030204" pitchFamily="49" charset="0"/>
-              </a:rPr>
-              <a:t>&amp;&amp;)                 = default</a:t>
-            </a:r>
-            <a:r>
-              <a:rPr lang="en-US" sz="2000" smtClean="0">
-                <a:latin typeface="Consolas" panose="020B0609020204030204" pitchFamily="49" charset="0"/>
-              </a:rPr>
-              <a:t>;</a:t>
-            </a:r>
-            <a:r>
-              <a:rPr lang="ru-RU" sz="2000" smtClean="0">
-                <a:latin typeface="Consolas" panose="020B0609020204030204" pitchFamily="49" charset="0"/>
-              </a:rPr>
-              <a:t/>
-            </a:r>
-            <a:br>
-              <a:rPr lang="ru-RU" sz="2000" smtClean="0">
-                <a:latin typeface="Consolas" panose="020B0609020204030204" pitchFamily="49" charset="0"/>
-              </a:rPr>
-            </a:br>
-            <a:r>
-              <a:rPr lang="en-US" sz="2000" smtClean="0">
-                <a:latin typeface="Consolas" panose="020B0609020204030204" pitchFamily="49" charset="0"/>
-              </a:rPr>
-              <a:t>};</a:t>
-            </a:r>
-            <a:endParaRPr lang="ru-RU" sz="2000">
+              <a:t>и так далее</a:t>
+            </a:r>
+            <a:endParaRPr lang="en-US" sz="2000" smtClean="0">
               <a:latin typeface="Consolas" panose="020B0609020204030204" pitchFamily="49" charset="0"/>
             </a:endParaRPr>
           </a:p>
@@ -19564,171 +19682,23 @@
               <a:buNone/>
             </a:pPr>
             <a:r>
-              <a:rPr lang="en-US" sz="2000" smtClean="0">
-                <a:latin typeface="Consolas" panose="020B0609020204030204" pitchFamily="49" charset="0"/>
-              </a:rPr>
-              <a:t>#</a:t>
-            </a:r>
+              <a:rPr lang="ru-RU" smtClean="0"/>
+              <a:t>Использование:</a:t>
+            </a:r>
+          </a:p>
+          <a:p>
+            <a:pPr marL="45720" indent="0">
+              <a:buNone/>
+            </a:pPr>
             <a:r>
               <a:rPr lang="en-US" sz="2000">
-                <a:latin typeface="Consolas" panose="020B0609020204030204" pitchFamily="49" charset="0"/>
-              </a:rPr>
-              <a:t>define nocopy nocopy_value_ = NC</a:t>
-            </a:r>
-            <a:r>
-              <a:rPr lang="en-US" sz="2000" smtClean="0">
-                <a:latin typeface="Consolas" panose="020B0609020204030204" pitchFamily="49" charset="0"/>
-              </a:rPr>
-              <a:t>()</a:t>
-            </a:r>
-            <a:endParaRPr lang="ru-RU" sz="2000" smtClean="0">
-              <a:latin typeface="Consolas" panose="020B0609020204030204" pitchFamily="49" charset="0"/>
-            </a:endParaRPr>
-          </a:p>
-          <a:p>
-            <a:pPr marL="45720" indent="0">
-              <a:buNone/>
-            </a:pPr>
-            <a:r>
-              <a:rPr lang="en-US" sz="2000">
-                <a:latin typeface="Consolas" panose="020B0609020204030204" pitchFamily="49" charset="0"/>
-              </a:rPr>
-              <a:t>function&lt;void()&gt; f</a:t>
-            </a:r>
-            <a:r>
-              <a:rPr lang="en-US" sz="2000" smtClean="0">
-                <a:latin typeface="Consolas" panose="020B0609020204030204" pitchFamily="49" charset="0"/>
-              </a:rPr>
-              <a:t>;</a:t>
-            </a:r>
-            <a:br>
-              <a:rPr lang="en-US" sz="2000" smtClean="0">
-                <a:latin typeface="Consolas" panose="020B0609020204030204" pitchFamily="49" charset="0"/>
-              </a:rPr>
-            </a:br>
-            <a:r>
-              <a:rPr lang="en-US" sz="2000" smtClean="0">
-                <a:latin typeface="Consolas" panose="020B0609020204030204" pitchFamily="49" charset="0"/>
-              </a:rPr>
-              <a:t>{</a:t>
-            </a:r>
-            <a:r>
-              <a:rPr lang="ru-RU" sz="2000" smtClean="0">
-                <a:latin typeface="Consolas" panose="020B0609020204030204" pitchFamily="49" charset="0"/>
-              </a:rPr>
-              <a:t/>
-            </a:r>
-            <a:br>
-              <a:rPr lang="ru-RU" sz="2000" smtClean="0">
-                <a:latin typeface="Consolas" panose="020B0609020204030204" pitchFamily="49" charset="0"/>
-              </a:rPr>
-            </a:br>
-            <a:r>
-              <a:rPr lang="en-US" sz="2000" smtClean="0">
-                <a:latin typeface="Consolas" panose="020B0609020204030204" pitchFamily="49" charset="0"/>
-              </a:rPr>
-              <a:t>  </a:t>
-            </a:r>
-            <a:r>
-              <a:rPr lang="en-US" sz="2000">
-                <a:latin typeface="Consolas" panose="020B0609020204030204" pitchFamily="49" charset="0"/>
-              </a:rPr>
-              <a:t>Monitor m</a:t>
-            </a:r>
-            <a:r>
-              <a:rPr lang="en-US" sz="2000" smtClean="0">
-                <a:latin typeface="Consolas" panose="020B0609020204030204" pitchFamily="49" charset="0"/>
-              </a:rPr>
-              <a:t>;</a:t>
-            </a:r>
-            <a:r>
-              <a:rPr lang="ru-RU" sz="2000" smtClean="0">
-                <a:latin typeface="Consolas" panose="020B0609020204030204" pitchFamily="49" charset="0"/>
-              </a:rPr>
-              <a:t/>
-            </a:r>
-            <a:br>
-              <a:rPr lang="ru-RU" sz="2000" smtClean="0">
-                <a:latin typeface="Consolas" panose="020B0609020204030204" pitchFamily="49" charset="0"/>
-              </a:rPr>
-            </a:br>
-            <a:r>
-              <a:rPr lang="en-US" sz="2000" smtClean="0">
-                <a:latin typeface="Consolas" panose="020B0609020204030204" pitchFamily="49" charset="0"/>
-              </a:rPr>
-              <a:t>  </a:t>
-            </a:r>
-            <a:r>
-              <a:rPr lang="en-US" sz="2000">
-                <a:latin typeface="Consolas" panose="020B0609020204030204" pitchFamily="49" charset="0"/>
-              </a:rPr>
-              <a:t>auto k = [nocopy, &amp;mref = m] </a:t>
-            </a:r>
-            <a:r>
-              <a:rPr lang="en-US" sz="2000" smtClean="0">
-                <a:latin typeface="Consolas" panose="020B0609020204030204" pitchFamily="49" charset="0"/>
-              </a:rPr>
-              <a:t>{</a:t>
-            </a:r>
-            <a:r>
-              <a:rPr lang="ru-RU" sz="2000">
-                <a:latin typeface="Consolas" panose="020B0609020204030204" pitchFamily="49" charset="0"/>
-              </a:rPr>
-              <a:t> </a:t>
-            </a:r>
-            <a:r>
-              <a:rPr lang="en-US" sz="2000" smtClean="0">
-                <a:latin typeface="Consolas" panose="020B0609020204030204" pitchFamily="49" charset="0"/>
-              </a:rPr>
-              <a:t>cout </a:t>
-            </a:r>
-            <a:r>
-              <a:rPr lang="en-US" sz="2000">
-                <a:latin typeface="Consolas" panose="020B0609020204030204" pitchFamily="49" charset="0"/>
-              </a:rPr>
-              <a:t>&lt;&lt; "may use </a:t>
-            </a:r>
-            <a:r>
-              <a:rPr lang="en-US" sz="2000" smtClean="0">
-                <a:latin typeface="Consolas" panose="020B0609020204030204" pitchFamily="49" charset="0"/>
-              </a:rPr>
-              <a:t>m here" </a:t>
-            </a:r>
-            <a:r>
-              <a:rPr lang="en-US" sz="2000">
-                <a:latin typeface="Consolas" panose="020B0609020204030204" pitchFamily="49" charset="0"/>
-              </a:rPr>
-              <a:t>&lt;&lt; endl</a:t>
-            </a:r>
-            <a:r>
-              <a:rPr lang="en-US" sz="2000" smtClean="0">
-                <a:latin typeface="Consolas" panose="020B0609020204030204" pitchFamily="49" charset="0"/>
-              </a:rPr>
-              <a:t>;</a:t>
-            </a:r>
-            <a:r>
-              <a:rPr lang="ru-RU" sz="2000">
-                <a:latin typeface="Consolas" panose="020B0609020204030204" pitchFamily="49" charset="0"/>
-              </a:rPr>
-              <a:t> </a:t>
-            </a:r>
-            <a:r>
-              <a:rPr lang="en-US" sz="2000" smtClean="0">
-                <a:latin typeface="Consolas" panose="020B0609020204030204" pitchFamily="49" charset="0"/>
-              </a:rPr>
-              <a:t>};</a:t>
-            </a:r>
-            <a:r>
-              <a:rPr lang="ru-RU" sz="2000" smtClean="0">
-                <a:latin typeface="Consolas" panose="020B0609020204030204" pitchFamily="49" charset="0"/>
-              </a:rPr>
-              <a:t/>
-            </a:r>
-            <a:br>
-              <a:rPr lang="ru-RU" sz="2000" smtClean="0">
-                <a:latin typeface="Consolas" panose="020B0609020204030204" pitchFamily="49" charset="0"/>
-              </a:rPr>
-            </a:br>
+                <a:solidFill>
+                  <a:srgbClr val="0000FF"/>
+                </a:solidFill>
+                <a:latin typeface="Consolas" panose="020B0609020204030204" pitchFamily="49" charset="0"/>
+              </a:rPr>
+              <a:t>auto draw_function = </a:t>
+            </a:r>
             <a:r>
               <a:rPr lang="en-US" sz="2000" smtClean="0">
                 <a:solidFill>
@@ -19736,7 +19706,7 @@
                 </a:solidFill>
                 <a:latin typeface="Consolas" panose="020B0609020204030204" pitchFamily="49" charset="0"/>
               </a:rPr>
-              <a:t>  </a:t>
+              <a:t>[&amp;parm1, &amp;parm2] </a:t>
             </a:r>
             <a:r>
               <a:rPr lang="en-US" sz="2000">
@@ -19745,7 +19715,7 @@
                 </a:solidFill>
                 <a:latin typeface="Consolas" panose="020B0609020204030204" pitchFamily="49" charset="0"/>
               </a:rPr>
-              <a:t>// f = k; // compilation </a:t>
+              <a:t>(ISurface *s) { </a:t>
             </a:r>
             <a:r>
               <a:rPr lang="en-US" sz="2000" smtClean="0">
@@ -19754,32 +19724,99 @@
                 </a:solidFill>
                 <a:latin typeface="Consolas" panose="020B0609020204030204" pitchFamily="49" charset="0"/>
               </a:rPr>
-              <a:t>error</a:t>
-            </a:r>
-            <a:r>
-              <a:rPr lang="ru-RU" sz="2000" smtClean="0">
+              <a:t/>
+            </a:r>
+            <a:br>
+              <a:rPr lang="en-US" sz="2000" smtClean="0">
                 <a:solidFill>
                   <a:srgbClr val="0000FF"/>
                 </a:solidFill>
                 <a:latin typeface="Consolas" panose="020B0609020204030204" pitchFamily="49" charset="0"/>
               </a:rPr>
-              <a:t/>
-            </a:r>
-            <a:br>
-              <a:rPr lang="ru-RU" sz="2000" smtClean="0">
+            </a:br>
+            <a:r>
+              <a:rPr lang="en-US" sz="2000" smtClean="0">
                 <a:solidFill>
                   <a:srgbClr val="0000FF"/>
                 </a:solidFill>
                 <a:latin typeface="Consolas" panose="020B0609020204030204" pitchFamily="49" charset="0"/>
               </a:rPr>
+              <a:t>  draw_real </a:t>
+            </a:r>
+            <a:r>
+              <a:rPr lang="en-US" sz="2000">
+                <a:solidFill>
+                  <a:srgbClr val="0000FF"/>
+                </a:solidFill>
+                <a:latin typeface="Consolas" panose="020B0609020204030204" pitchFamily="49" charset="0"/>
+              </a:rPr>
+              <a:t>(s, </a:t>
+            </a:r>
+            <a:r>
+              <a:rPr lang="en-US" sz="2000" smtClean="0">
+                <a:solidFill>
+                  <a:srgbClr val="0000FF"/>
+                </a:solidFill>
+                <a:latin typeface="Consolas" panose="020B0609020204030204" pitchFamily="49" charset="0"/>
+              </a:rPr>
+              <a:t>parm1, parm2); </a:t>
+            </a:r>
+            <a:br>
+              <a:rPr lang="en-US" sz="2000" smtClean="0">
+                <a:solidFill>
+                  <a:srgbClr val="0000FF"/>
+                </a:solidFill>
+                <a:latin typeface="Consolas" panose="020B0609020204030204" pitchFamily="49" charset="0"/>
+              </a:rPr>
             </a:br>
             <a:r>
               <a:rPr lang="en-US" sz="2000" smtClean="0">
-                <a:latin typeface="Consolas" panose="020B0609020204030204" pitchFamily="49" charset="0"/>
-              </a:rPr>
-              <a:t>}</a:t>
-            </a:r>
-            <a:endParaRPr lang="en-US" sz="2000">
+                <a:solidFill>
+                  <a:srgbClr val="0000FF"/>
+                </a:solidFill>
+                <a:latin typeface="Consolas" panose="020B0609020204030204" pitchFamily="49" charset="0"/>
+              </a:rPr>
+              <a:t>};</a:t>
+            </a:r>
+            <a:endParaRPr lang="ru-RU" sz="2000" smtClean="0">
+              <a:solidFill>
+                <a:srgbClr val="0000FF"/>
+              </a:solidFill>
+              <a:latin typeface="Consolas" panose="020B0609020204030204" pitchFamily="49" charset="0"/>
+            </a:endParaRPr>
+          </a:p>
+          <a:p>
+            <a:pPr marL="45720" indent="0">
+              <a:buNone/>
+            </a:pPr>
+            <a:r>
+              <a:rPr lang="en-US" sz="2000" smtClean="0">
+                <a:latin typeface="Consolas" panose="020B0609020204030204" pitchFamily="49" charset="0"/>
+              </a:rPr>
+              <a:t>ViewPort </a:t>
+            </a:r>
+            <a:r>
+              <a:rPr lang="en-US" sz="2000">
+                <a:latin typeface="Consolas" panose="020B0609020204030204" pitchFamily="49" charset="0"/>
+              </a:rPr>
+              <a:t>*v = ViewPort::QueryViewPort (xsize, ysize, </a:t>
+            </a:r>
+            <a:r>
+              <a:rPr lang="en-US" sz="2000" smtClean="0">
+                <a:solidFill>
+                  <a:srgbClr val="0000FF"/>
+                </a:solidFill>
+                <a:latin typeface="Consolas" panose="020B0609020204030204" pitchFamily="49" charset="0"/>
+              </a:rPr>
+              <a:t>draw_function</a:t>
+            </a:r>
+            <a:r>
+              <a:rPr lang="en-US" sz="2000" smtClean="0">
+                <a:latin typeface="Consolas" panose="020B0609020204030204" pitchFamily="49" charset="0"/>
+              </a:rPr>
+              <a:t>);</a:t>
+            </a:r>
+            <a:endParaRPr lang="ru-RU" sz="2000" smtClean="0">
               <a:latin typeface="Consolas" panose="020B0609020204030204" pitchFamily="49" charset="0"/>
             </a:endParaRPr>
           </a:p>
@@ -19788,7 +19825,7 @@
     </p:spTree>
     <p:extLst>
       <p:ext uri="{BB962C8B-B14F-4D97-AF65-F5344CB8AC3E}">
-        <p14:creationId xmlns:p14="http://schemas.microsoft.com/office/powerpoint/2010/main" val="811884703"/>
+        <p14:creationId xmlns:p14="http://schemas.microsoft.com/office/powerpoint/2010/main" val="204917436"/>
       </p:ext>
     </p:extLst>
   </p:cSld>
@@ -19832,7 +19869,7 @@
           <a:p>
             <a:r>
               <a:rPr lang="ru-RU" smtClean="0"/>
-              <a:t>Обсуждение</a:t>
+              <a:t>Провисание ссылок на контекст</a:t>
             </a:r>
             <a:endParaRPr lang="en-US"/>
           </a:p>
@@ -19853,18 +19890,193 @@
           <a:bodyPr/>
           <a:lstStyle/>
           <a:p>
-            <a:r>
-              <a:rPr lang="ru-RU" smtClean="0"/>
-              <a:t>С точки зрения возможного провисания ссылок, "захват всего" кажется уже не такой хорошей идеей.</a:t>
-            </a:r>
-            <a:endParaRPr lang="en-US"/>
+            <a:pPr marL="45720" indent="0">
+              <a:buNone/>
+            </a:pPr>
+            <a:r>
+              <a:rPr lang="en-US">
+                <a:latin typeface="Consolas" panose="020B0609020204030204" pitchFamily="49" charset="0"/>
+              </a:rPr>
+              <a:t>function&lt;void()&gt; f</a:t>
+            </a:r>
+            <a:r>
+              <a:rPr lang="en-US" smtClean="0">
+                <a:latin typeface="Consolas" panose="020B0609020204030204" pitchFamily="49" charset="0"/>
+              </a:rPr>
+              <a:t>;</a:t>
+            </a:r>
+            <a:endParaRPr lang="ru-RU">
+              <a:latin typeface="Consolas" panose="020B0609020204030204" pitchFamily="49" charset="0"/>
+            </a:endParaRPr>
+          </a:p>
+          <a:p>
+            <a:pPr marL="45720" indent="0">
+              <a:buNone/>
+            </a:pPr>
+            <a:r>
+              <a:rPr lang="en-US" smtClean="0">
+                <a:latin typeface="Consolas" panose="020B0609020204030204" pitchFamily="49" charset="0"/>
+              </a:rPr>
+              <a:t>{</a:t>
+            </a:r>
+            <a:r>
+              <a:rPr lang="ru-RU" smtClean="0">
+                <a:latin typeface="Consolas" panose="020B0609020204030204" pitchFamily="49" charset="0"/>
+              </a:rPr>
+              <a:t/>
+            </a:r>
+            <a:br>
+              <a:rPr lang="ru-RU" smtClean="0">
+                <a:latin typeface="Consolas" panose="020B0609020204030204" pitchFamily="49" charset="0"/>
+              </a:rPr>
+            </a:br>
+            <a:r>
+              <a:rPr lang="en-US" smtClean="0">
+                <a:latin typeface="Consolas" panose="020B0609020204030204" pitchFamily="49" charset="0"/>
+              </a:rPr>
+              <a:t>  </a:t>
+            </a:r>
+            <a:r>
+              <a:rPr lang="en-US">
+                <a:latin typeface="Consolas" panose="020B0609020204030204" pitchFamily="49" charset="0"/>
+              </a:rPr>
+              <a:t>Monitor m</a:t>
+            </a:r>
+            <a:r>
+              <a:rPr lang="en-US" smtClean="0">
+                <a:latin typeface="Consolas" panose="020B0609020204030204" pitchFamily="49" charset="0"/>
+              </a:rPr>
+              <a:t>;</a:t>
+            </a:r>
+            <a:r>
+              <a:rPr lang="ru-RU" smtClean="0">
+                <a:latin typeface="Consolas" panose="020B0609020204030204" pitchFamily="49" charset="0"/>
+              </a:rPr>
+              <a:t/>
+            </a:r>
+            <a:br>
+              <a:rPr lang="ru-RU" smtClean="0">
+                <a:latin typeface="Consolas" panose="020B0609020204030204" pitchFamily="49" charset="0"/>
+              </a:rPr>
+            </a:br>
+            <a:r>
+              <a:rPr lang="en-US" smtClean="0">
+                <a:latin typeface="Consolas" panose="020B0609020204030204" pitchFamily="49" charset="0"/>
+              </a:rPr>
+              <a:t>  </a:t>
+            </a:r>
+            <a:r>
+              <a:rPr lang="en-US">
+                <a:latin typeface="Consolas" panose="020B0609020204030204" pitchFamily="49" charset="0"/>
+              </a:rPr>
+              <a:t>auto k = [&amp;mref = m] { cout &lt;&lt; "may use m here" &lt;&lt; endl; </a:t>
+            </a:r>
+            <a:r>
+              <a:rPr lang="en-US" smtClean="0">
+                <a:latin typeface="Consolas" panose="020B0609020204030204" pitchFamily="49" charset="0"/>
+              </a:rPr>
+              <a:t>};</a:t>
+            </a:r>
+            <a:r>
+              <a:rPr lang="ru-RU" smtClean="0">
+                <a:latin typeface="Consolas" panose="020B0609020204030204" pitchFamily="49" charset="0"/>
+              </a:rPr>
+              <a:t/>
+            </a:r>
+            <a:br>
+              <a:rPr lang="ru-RU" smtClean="0">
+                <a:latin typeface="Consolas" panose="020B0609020204030204" pitchFamily="49" charset="0"/>
+              </a:rPr>
+            </a:br>
+            <a:r>
+              <a:rPr lang="en-US" smtClean="0">
+                <a:solidFill>
+                  <a:srgbClr val="FF0000"/>
+                </a:solidFill>
+                <a:latin typeface="Consolas" panose="020B0609020204030204" pitchFamily="49" charset="0"/>
+              </a:rPr>
+              <a:t>  </a:t>
+            </a:r>
+            <a:r>
+              <a:rPr lang="en-US">
+                <a:solidFill>
+                  <a:srgbClr val="FF0000"/>
+                </a:solidFill>
+                <a:latin typeface="Consolas" panose="020B0609020204030204" pitchFamily="49" charset="0"/>
+              </a:rPr>
+              <a:t>f = k</a:t>
+            </a:r>
+            <a:r>
+              <a:rPr lang="en-US" smtClean="0">
+                <a:solidFill>
+                  <a:srgbClr val="FF0000"/>
+                </a:solidFill>
+                <a:latin typeface="Consolas" panose="020B0609020204030204" pitchFamily="49" charset="0"/>
+              </a:rPr>
+              <a:t>;</a:t>
+            </a:r>
+            <a:r>
+              <a:rPr lang="ru-RU" smtClean="0">
+                <a:solidFill>
+                  <a:srgbClr val="FF0000"/>
+                </a:solidFill>
+                <a:latin typeface="Consolas" panose="020B0609020204030204" pitchFamily="49" charset="0"/>
+              </a:rPr>
+              <a:t/>
+            </a:r>
+            <a:br>
+              <a:rPr lang="ru-RU" smtClean="0">
+                <a:solidFill>
+                  <a:srgbClr val="FF0000"/>
+                </a:solidFill>
+                <a:latin typeface="Consolas" panose="020B0609020204030204" pitchFamily="49" charset="0"/>
+              </a:rPr>
+            </a:br>
+            <a:r>
+              <a:rPr lang="en-US" smtClean="0">
+                <a:latin typeface="Consolas" panose="020B0609020204030204" pitchFamily="49" charset="0"/>
+              </a:rPr>
+              <a:t>}</a:t>
+            </a:r>
+            <a:endParaRPr lang="ru-RU">
+              <a:latin typeface="Consolas" panose="020B0609020204030204" pitchFamily="49" charset="0"/>
+            </a:endParaRPr>
+          </a:p>
+          <a:p>
+            <a:pPr marL="45720" indent="0">
+              <a:buNone/>
+            </a:pPr>
+            <a:r>
+              <a:rPr lang="en-US" smtClean="0">
+                <a:solidFill>
+                  <a:srgbClr val="FF0000"/>
+                </a:solidFill>
+                <a:latin typeface="Consolas" panose="020B0609020204030204" pitchFamily="49" charset="0"/>
+              </a:rPr>
+              <a:t>f();</a:t>
+            </a:r>
+            <a:r>
+              <a:rPr lang="ru-RU" smtClean="0">
+                <a:latin typeface="Consolas" panose="020B0609020204030204" pitchFamily="49" charset="0"/>
+              </a:rPr>
+              <a:t> </a:t>
+            </a:r>
+            <a:r>
+              <a:rPr lang="en-US" smtClean="0">
+                <a:latin typeface="Consolas" panose="020B0609020204030204" pitchFamily="49" charset="0"/>
+              </a:rPr>
+              <a:t>// Boom!</a:t>
+            </a:r>
+            <a:endParaRPr lang="en-US">
+              <a:latin typeface="Consolas" panose="020B0609020204030204" pitchFamily="49" charset="0"/>
+            </a:endParaRPr>
           </a:p>
         </p:txBody>
       </p:sp>
     </p:spTree>
     <p:extLst>
       <p:ext uri="{BB962C8B-B14F-4D97-AF65-F5344CB8AC3E}">
-        <p14:creationId xmlns:p14="http://schemas.microsoft.com/office/powerpoint/2010/main" val="610900097"/>
+        <p14:creationId xmlns:p14="http://schemas.microsoft.com/office/powerpoint/2010/main" val="2644797496"/>
       </p:ext>
     </p:extLst>
   </p:cSld>
@@ -19908,7 +20120,15 @@
           <a:p>
             <a:r>
               <a:rPr lang="ru-RU" smtClean="0"/>
-              <a:t>Связывание</a:t>
+              <a:t>Идея </a:t>
+            </a:r>
+            <a:r>
+              <a:rPr lang="en-US" smtClean="0"/>
+              <a:t>nocopy </a:t>
+            </a:r>
+            <a:r>
+              <a:rPr lang="ru-RU" smtClean="0"/>
+              <a:t>захвата</a:t>
             </a:r>
             <a:endParaRPr lang="en-US"/>
           </a:p>
@@ -19926,165 +20146,384 @@
         </p:nvSpPr>
         <p:spPr/>
         <p:txBody>
-          <a:bodyPr/>
+          <a:bodyPr>
+            <a:normAutofit/>
+          </a:bodyPr>
           <a:lstStyle/>
           <a:p>
-            <a:r>
-              <a:rPr lang="ru-RU" smtClean="0"/>
-              <a:t>Простой вариант: каррирование возвращается</a:t>
-            </a:r>
-          </a:p>
-          <a:p>
             <a:pPr marL="45720" indent="0">
               <a:buNone/>
             </a:pPr>
             <a:r>
-              <a:rPr lang="en-US">
-                <a:latin typeface="Consolas" panose="020B0609020204030204" pitchFamily="49" charset="0"/>
-              </a:rPr>
-              <a:t>void f (int,int,int</a:t>
-            </a:r>
-            <a:r>
-              <a:rPr lang="en-US" smtClean="0">
-                <a:latin typeface="Consolas" panose="020B0609020204030204" pitchFamily="49" charset="0"/>
-              </a:rPr>
-              <a:t>);</a:t>
-            </a:r>
-            <a:r>
-              <a:rPr lang="ru-RU" smtClean="0">
+              <a:rPr lang="en-US" sz="2000">
+                <a:latin typeface="Consolas" panose="020B0609020204030204" pitchFamily="49" charset="0"/>
+              </a:rPr>
+              <a:t>struct NC</a:t>
+            </a:r>
+            <a:r>
+              <a:rPr lang="en-US" sz="2000" smtClean="0">
+                <a:latin typeface="Consolas" panose="020B0609020204030204" pitchFamily="49" charset="0"/>
+              </a:rPr>
+              <a:t>{</a:t>
+            </a:r>
+            <a:r>
+              <a:rPr lang="ru-RU" sz="2000" smtClean="0">
                 <a:latin typeface="Consolas" panose="020B0609020204030204" pitchFamily="49" charset="0"/>
               </a:rPr>
               <a:t/>
             </a:r>
             <a:br>
-              <a:rPr lang="ru-RU" smtClean="0">
+              <a:rPr lang="ru-RU" sz="2000" smtClean="0">
                 <a:latin typeface="Consolas" panose="020B0609020204030204" pitchFamily="49" charset="0"/>
               </a:rPr>
             </a:br>
             <a:r>
-              <a:rPr lang="en-US" smtClean="0">
-                <a:latin typeface="Consolas" panose="020B0609020204030204" pitchFamily="49" charset="0"/>
-              </a:rPr>
-              <a:t>function&lt;void</a:t>
-            </a:r>
-            <a:r>
-              <a:rPr lang="en-US">
-                <a:latin typeface="Consolas" panose="020B0609020204030204" pitchFamily="49" charset="0"/>
-              </a:rPr>
-              <a:t>()&gt; f_call = bind (f, 1, 2, 3</a:t>
-            </a:r>
-            <a:r>
-              <a:rPr lang="en-US" smtClean="0">
-                <a:latin typeface="Consolas" panose="020B0609020204030204" pitchFamily="49" charset="0"/>
-              </a:rPr>
-              <a:t>);</a:t>
-            </a:r>
-            <a:r>
-              <a:rPr lang="ru-RU" smtClean="0">
+              <a:rPr lang="en-US" sz="2000" smtClean="0">
+                <a:latin typeface="Consolas" panose="020B0609020204030204" pitchFamily="49" charset="0"/>
+              </a:rPr>
+              <a:t>  NC</a:t>
+            </a:r>
+            <a:r>
+              <a:rPr lang="en-US" sz="2000">
+                <a:latin typeface="Consolas" panose="020B0609020204030204" pitchFamily="49" charset="0"/>
+              </a:rPr>
+              <a:t>()                     = default</a:t>
+            </a:r>
+            <a:r>
+              <a:rPr lang="en-US" sz="2000" smtClean="0">
+                <a:latin typeface="Consolas" panose="020B0609020204030204" pitchFamily="49" charset="0"/>
+              </a:rPr>
+              <a:t>;</a:t>
+            </a:r>
+            <a:r>
+              <a:rPr lang="ru-RU" sz="2000" smtClean="0">
                 <a:latin typeface="Consolas" panose="020B0609020204030204" pitchFamily="49" charset="0"/>
               </a:rPr>
               <a:t/>
             </a:r>
             <a:br>
-              <a:rPr lang="ru-RU" smtClean="0">
+              <a:rPr lang="ru-RU" sz="2000" smtClean="0">
                 <a:latin typeface="Consolas" panose="020B0609020204030204" pitchFamily="49" charset="0"/>
               </a:rPr>
             </a:br>
             <a:r>
-              <a:rPr lang="en-US" smtClean="0">
-                <a:latin typeface="Consolas" panose="020B0609020204030204" pitchFamily="49" charset="0"/>
-              </a:rPr>
-              <a:t>f_call </a:t>
-            </a:r>
-            <a:r>
-              <a:rPr lang="en-US">
-                <a:latin typeface="Consolas" panose="020B0609020204030204" pitchFamily="49" charset="0"/>
-              </a:rPr>
-              <a:t>(); //Equivalent to f (1,2,3</a:t>
-            </a:r>
-            <a:r>
-              <a:rPr lang="en-US" smtClean="0">
-                <a:latin typeface="Consolas" panose="020B0609020204030204" pitchFamily="49" charset="0"/>
-              </a:rPr>
-              <a:t>)</a:t>
-            </a:r>
-            <a:endParaRPr lang="ru-RU" smtClean="0">
+              <a:rPr lang="en-US" sz="2000" smtClean="0">
+                <a:latin typeface="Consolas" panose="020B0609020204030204" pitchFamily="49" charset="0"/>
+              </a:rPr>
+              <a:t>  NC(NC </a:t>
+            </a:r>
+            <a:r>
+              <a:rPr lang="en-US" sz="2000">
+                <a:latin typeface="Consolas" panose="020B0609020204030204" pitchFamily="49" charset="0"/>
+              </a:rPr>
+              <a:t>const&amp;)            = delete</a:t>
+            </a:r>
+            <a:r>
+              <a:rPr lang="en-US" sz="2000" smtClean="0">
+                <a:latin typeface="Consolas" panose="020B0609020204030204" pitchFamily="49" charset="0"/>
+              </a:rPr>
+              <a:t>;</a:t>
+            </a:r>
+            <a:r>
+              <a:rPr lang="ru-RU" sz="2000" smtClean="0">
+                <a:latin typeface="Consolas" panose="020B0609020204030204" pitchFamily="49" charset="0"/>
+              </a:rPr>
+              <a:t/>
+            </a:r>
+            <a:br>
+              <a:rPr lang="ru-RU" sz="2000" smtClean="0">
+                <a:latin typeface="Consolas" panose="020B0609020204030204" pitchFamily="49" charset="0"/>
+              </a:rPr>
+            </a:br>
+            <a:r>
+              <a:rPr lang="en-US" sz="2000" smtClean="0">
+                <a:latin typeface="Consolas" panose="020B0609020204030204" pitchFamily="49" charset="0"/>
+              </a:rPr>
+              <a:t>  NC</a:t>
+            </a:r>
+            <a:r>
+              <a:rPr lang="en-US" sz="2000">
+                <a:latin typeface="Consolas" panose="020B0609020204030204" pitchFamily="49" charset="0"/>
+              </a:rPr>
+              <a:t>&amp; operator=(NC const&amp;) = delete</a:t>
+            </a:r>
+            <a:r>
+              <a:rPr lang="en-US" sz="2000" smtClean="0">
+                <a:latin typeface="Consolas" panose="020B0609020204030204" pitchFamily="49" charset="0"/>
+              </a:rPr>
+              <a:t>;</a:t>
+            </a:r>
+            <a:r>
+              <a:rPr lang="ru-RU" sz="2000" smtClean="0">
+                <a:latin typeface="Consolas" panose="020B0609020204030204" pitchFamily="49" charset="0"/>
+              </a:rPr>
+              <a:t/>
+            </a:r>
+            <a:br>
+              <a:rPr lang="ru-RU" sz="2000" smtClean="0">
+                <a:latin typeface="Consolas" panose="020B0609020204030204" pitchFamily="49" charset="0"/>
+              </a:rPr>
+            </a:br>
+            <a:r>
+              <a:rPr lang="en-US" sz="2000" smtClean="0">
+                <a:latin typeface="Consolas" panose="020B0609020204030204" pitchFamily="49" charset="0"/>
+              </a:rPr>
+              <a:t>  NC(NC</a:t>
+            </a:r>
+            <a:r>
+              <a:rPr lang="en-US" sz="2000">
+                <a:latin typeface="Consolas" panose="020B0609020204030204" pitchFamily="49" charset="0"/>
+              </a:rPr>
+              <a:t>&amp;&amp;)                 = default</a:t>
+            </a:r>
+            <a:r>
+              <a:rPr lang="en-US" sz="2000" smtClean="0">
+                <a:latin typeface="Consolas" panose="020B0609020204030204" pitchFamily="49" charset="0"/>
+              </a:rPr>
+              <a:t>;</a:t>
+            </a:r>
+            <a:r>
+              <a:rPr lang="ru-RU" sz="2000" smtClean="0">
+                <a:latin typeface="Consolas" panose="020B0609020204030204" pitchFamily="49" charset="0"/>
+              </a:rPr>
+              <a:t/>
+            </a:r>
+            <a:br>
+              <a:rPr lang="ru-RU" sz="2000" smtClean="0">
+                <a:latin typeface="Consolas" panose="020B0609020204030204" pitchFamily="49" charset="0"/>
+              </a:rPr>
+            </a:br>
+            <a:r>
+              <a:rPr lang="en-US" sz="2000" smtClean="0">
+                <a:latin typeface="Consolas" panose="020B0609020204030204" pitchFamily="49" charset="0"/>
+              </a:rPr>
+              <a:t>};</a:t>
+            </a:r>
+            <a:endParaRPr lang="ru-RU" sz="2000">
               <a:latin typeface="Consolas" panose="020B0609020204030204" pitchFamily="49" charset="0"/>
             </a:endParaRPr>
           </a:p>
           <a:p>
-            <a:r>
-              <a:rPr lang="ru-RU" smtClean="0"/>
-              <a:t>Преимущество: </a:t>
-            </a:r>
-            <a:r>
-              <a:rPr lang="en-US" smtClean="0"/>
-              <a:t>std::placeholders</a:t>
-            </a:r>
-          </a:p>
-          <a:p>
             <a:pPr marL="45720" indent="0">
               <a:buNone/>
             </a:pPr>
             <a:r>
-              <a:rPr lang="en-US" smtClean="0">
-                <a:latin typeface="Consolas" panose="020B0609020204030204" pitchFamily="49" charset="0"/>
-              </a:rPr>
-              <a:t>using std::placeholders::_1;</a:t>
-            </a:r>
+              <a:rPr lang="en-US" sz="2000" smtClean="0">
+                <a:latin typeface="Consolas" panose="020B0609020204030204" pitchFamily="49" charset="0"/>
+              </a:rPr>
+              <a:t>#</a:t>
+            </a:r>
+            <a:r>
+              <a:rPr lang="en-US" sz="2000">
+                <a:latin typeface="Consolas" panose="020B0609020204030204" pitchFamily="49" charset="0"/>
+              </a:rPr>
+              <a:t>define nocopy nocopy_value_ = NC</a:t>
+            </a:r>
+            <a:r>
+              <a:rPr lang="en-US" sz="2000" smtClean="0">
+                <a:latin typeface="Consolas" panose="020B0609020204030204" pitchFamily="49" charset="0"/>
+              </a:rPr>
+              <a:t>()</a:t>
+            </a:r>
+            <a:endParaRPr lang="ru-RU" sz="2000" smtClean="0">
+              <a:latin typeface="Consolas" panose="020B0609020204030204" pitchFamily="49" charset="0"/>
+            </a:endParaRPr>
           </a:p>
           <a:p>
             <a:pPr marL="45720" indent="0">
               <a:buNone/>
             </a:pPr>
             <a:r>
-              <a:rPr lang="en-US" smtClean="0">
-                <a:latin typeface="Consolas" panose="020B0609020204030204" pitchFamily="49" charset="0"/>
-              </a:rPr>
-              <a:t>function&lt;void(int)&gt; </a:t>
-            </a:r>
-            <a:r>
-              <a:rPr lang="en-US">
-                <a:latin typeface="Consolas" panose="020B0609020204030204" pitchFamily="49" charset="0"/>
-              </a:rPr>
-              <a:t>f_call = bind (f, 1, </a:t>
-            </a:r>
-            <a:r>
-              <a:rPr lang="en-US" smtClean="0">
-                <a:latin typeface="Consolas" panose="020B0609020204030204" pitchFamily="49" charset="0"/>
-              </a:rPr>
-              <a:t>_1, </a:t>
-            </a:r>
-            <a:r>
-              <a:rPr lang="en-US">
-                <a:latin typeface="Consolas" panose="020B0609020204030204" pitchFamily="49" charset="0"/>
-              </a:rPr>
-              <a:t>3</a:t>
-            </a:r>
-            <a:r>
-              <a:rPr lang="en-US" smtClean="0">
-                <a:latin typeface="Consolas" panose="020B0609020204030204" pitchFamily="49" charset="0"/>
-              </a:rPr>
-              <a:t>);</a:t>
+              <a:rPr lang="en-US" sz="2000">
+                <a:latin typeface="Consolas" panose="020B0609020204030204" pitchFamily="49" charset="0"/>
+              </a:rPr>
+              <a:t>function&lt;void()&gt; f</a:t>
+            </a:r>
+            <a:r>
+              <a:rPr lang="en-US" sz="2000" smtClean="0">
+                <a:latin typeface="Consolas" panose="020B0609020204030204" pitchFamily="49" charset="0"/>
+              </a:rPr>
+              <a:t>;</a:t>
             </a:r>
             <a:br>
-              <a:rPr lang="en-US" smtClean="0">
+              <a:rPr lang="en-US" sz="2000" smtClean="0">
                 <a:latin typeface="Consolas" panose="020B0609020204030204" pitchFamily="49" charset="0"/>
               </a:rPr>
             </a:br>
             <a:r>
-              <a:rPr lang="en-US" smtClean="0">
-                <a:latin typeface="Consolas" panose="020B0609020204030204" pitchFamily="49" charset="0"/>
-              </a:rPr>
-              <a:t>f_call (2); // f (1, 2, </a:t>
-            </a:r>
-            <a:r>
-              <a:rPr lang="en-US" smtClean="0">
-                <a:latin typeface="Consolas" panose="020B0609020204030204" pitchFamily="49" charset="0"/>
-              </a:rPr>
-              <a:t>3)</a:t>
-            </a:r>
-            <a:endParaRPr lang="en-US">
+              <a:rPr lang="en-US" sz="2000" smtClean="0">
+                <a:latin typeface="Consolas" panose="020B0609020204030204" pitchFamily="49" charset="0"/>
+              </a:rPr>
+              <a:t>{</a:t>
+            </a:r>
+            <a:r>
+              <a:rPr lang="ru-RU" sz="2000" smtClean="0">
+                <a:latin typeface="Consolas" panose="020B0609020204030204" pitchFamily="49" charset="0"/>
+              </a:rPr>
+              <a:t/>
+            </a:r>
+            <a:br>
+              <a:rPr lang="ru-RU" sz="2000" smtClean="0">
+                <a:latin typeface="Consolas" panose="020B0609020204030204" pitchFamily="49" charset="0"/>
+              </a:rPr>
+            </a:br>
+            <a:r>
+              <a:rPr lang="en-US" sz="2000" smtClean="0">
+                <a:latin typeface="Consolas" panose="020B0609020204030204" pitchFamily="49" charset="0"/>
+              </a:rPr>
+              <a:t>  </a:t>
+            </a:r>
+            <a:r>
+              <a:rPr lang="en-US" sz="2000">
+                <a:latin typeface="Consolas" panose="020B0609020204030204" pitchFamily="49" charset="0"/>
+              </a:rPr>
+              <a:t>Monitor m</a:t>
+            </a:r>
+            <a:r>
+              <a:rPr lang="en-US" sz="2000" smtClean="0">
+                <a:latin typeface="Consolas" panose="020B0609020204030204" pitchFamily="49" charset="0"/>
+              </a:rPr>
+              <a:t>;</a:t>
+            </a:r>
+            <a:r>
+              <a:rPr lang="ru-RU" sz="2000" smtClean="0">
+                <a:latin typeface="Consolas" panose="020B0609020204030204" pitchFamily="49" charset="0"/>
+              </a:rPr>
+              <a:t/>
+            </a:r>
+            <a:br>
+              <a:rPr lang="ru-RU" sz="2000" smtClean="0">
+                <a:latin typeface="Consolas" panose="020B0609020204030204" pitchFamily="49" charset="0"/>
+              </a:rPr>
+            </a:br>
+            <a:r>
+              <a:rPr lang="en-US" sz="2000" smtClean="0">
+                <a:latin typeface="Consolas" panose="020B0609020204030204" pitchFamily="49" charset="0"/>
+              </a:rPr>
+              <a:t>  </a:t>
+            </a:r>
+            <a:r>
+              <a:rPr lang="en-US" sz="2000">
+                <a:latin typeface="Consolas" panose="020B0609020204030204" pitchFamily="49" charset="0"/>
+              </a:rPr>
+              <a:t>auto k = [nocopy, &amp;mref = m] </a:t>
+            </a:r>
+            <a:r>
+              <a:rPr lang="en-US" sz="2000" smtClean="0">
+                <a:latin typeface="Consolas" panose="020B0609020204030204" pitchFamily="49" charset="0"/>
+              </a:rPr>
+              <a:t>{</a:t>
+            </a:r>
+            <a:r>
+              <a:rPr lang="ru-RU" sz="2000">
+                <a:latin typeface="Consolas" panose="020B0609020204030204" pitchFamily="49" charset="0"/>
+              </a:rPr>
+              <a:t> </a:t>
+            </a:r>
+            <a:r>
+              <a:rPr lang="en-US" sz="2000" smtClean="0">
+                <a:latin typeface="Consolas" panose="020B0609020204030204" pitchFamily="49" charset="0"/>
+              </a:rPr>
+              <a:t>cout </a:t>
+            </a:r>
+            <a:r>
+              <a:rPr lang="en-US" sz="2000">
+                <a:latin typeface="Consolas" panose="020B0609020204030204" pitchFamily="49" charset="0"/>
+              </a:rPr>
+              <a:t>&lt;&lt; "may use </a:t>
+            </a:r>
+            <a:r>
+              <a:rPr lang="en-US" sz="2000" smtClean="0">
+                <a:latin typeface="Consolas" panose="020B0609020204030204" pitchFamily="49" charset="0"/>
+              </a:rPr>
+              <a:t>m here" </a:t>
+            </a:r>
+            <a:r>
+              <a:rPr lang="en-US" sz="2000">
+                <a:latin typeface="Consolas" panose="020B0609020204030204" pitchFamily="49" charset="0"/>
+              </a:rPr>
+              <a:t>&lt;&lt; endl</a:t>
+            </a:r>
+            <a:r>
+              <a:rPr lang="en-US" sz="2000" smtClean="0">
+                <a:latin typeface="Consolas" panose="020B0609020204030204" pitchFamily="49" charset="0"/>
+              </a:rPr>
+              <a:t>;</a:t>
+            </a:r>
+            <a:r>
+              <a:rPr lang="ru-RU" sz="2000">
+                <a:latin typeface="Consolas" panose="020B0609020204030204" pitchFamily="49" charset="0"/>
+              </a:rPr>
+              <a:t> </a:t>
+            </a:r>
+            <a:r>
+              <a:rPr lang="en-US" sz="2000" smtClean="0">
+                <a:latin typeface="Consolas" panose="020B0609020204030204" pitchFamily="49" charset="0"/>
+              </a:rPr>
+              <a:t>};</a:t>
+            </a:r>
+            <a:r>
+              <a:rPr lang="ru-RU" sz="2000" smtClean="0">
+                <a:latin typeface="Consolas" panose="020B0609020204030204" pitchFamily="49" charset="0"/>
+              </a:rPr>
+              <a:t/>
+            </a:r>
+            <a:br>
+              <a:rPr lang="ru-RU" sz="2000" smtClean="0">
+                <a:latin typeface="Consolas" panose="020B0609020204030204" pitchFamily="49" charset="0"/>
+              </a:rPr>
+            </a:br>
+            <a:r>
+              <a:rPr lang="en-US" sz="2000" smtClean="0">
+                <a:solidFill>
+                  <a:srgbClr val="0000FF"/>
+                </a:solidFill>
+                <a:latin typeface="Consolas" panose="020B0609020204030204" pitchFamily="49" charset="0"/>
+              </a:rPr>
+              <a:t>  </a:t>
+            </a:r>
+            <a:r>
+              <a:rPr lang="en-US" sz="2000">
+                <a:solidFill>
+                  <a:srgbClr val="0000FF"/>
+                </a:solidFill>
+                <a:latin typeface="Consolas" panose="020B0609020204030204" pitchFamily="49" charset="0"/>
+              </a:rPr>
+              <a:t>// f = k; // compilation </a:t>
+            </a:r>
+            <a:r>
+              <a:rPr lang="en-US" sz="2000" smtClean="0">
+                <a:solidFill>
+                  <a:srgbClr val="0000FF"/>
+                </a:solidFill>
+                <a:latin typeface="Consolas" panose="020B0609020204030204" pitchFamily="49" charset="0"/>
+              </a:rPr>
+              <a:t>error</a:t>
+            </a:r>
+            <a:r>
+              <a:rPr lang="ru-RU" sz="2000" smtClean="0">
+                <a:solidFill>
+                  <a:srgbClr val="0000FF"/>
+                </a:solidFill>
+                <a:latin typeface="Consolas" panose="020B0609020204030204" pitchFamily="49" charset="0"/>
+              </a:rPr>
+              <a:t/>
+            </a:r>
+            <a:br>
+              <a:rPr lang="ru-RU" sz="2000" smtClean="0">
+                <a:solidFill>
+                  <a:srgbClr val="0000FF"/>
+                </a:solidFill>
+                <a:latin typeface="Consolas" panose="020B0609020204030204" pitchFamily="49" charset="0"/>
+              </a:rPr>
+            </a:br>
+            <a:r>
+              <a:rPr lang="en-US" sz="2000" smtClean="0">
+                <a:latin typeface="Consolas" panose="020B0609020204030204" pitchFamily="49" charset="0"/>
+              </a:rPr>
+              <a:t>}</a:t>
+            </a:r>
+            <a:endParaRPr lang="en-US" sz="2000">
               <a:latin typeface="Consolas" panose="020B0609020204030204" pitchFamily="49" charset="0"/>
             </a:endParaRPr>
           </a:p>
@@ -20093,7 +20532,7 @@
     </p:spTree>
     <p:extLst>
       <p:ext uri="{BB962C8B-B14F-4D97-AF65-F5344CB8AC3E}">
-        <p14:creationId xmlns:p14="http://schemas.microsoft.com/office/powerpoint/2010/main" val="467778314"/>
+        <p14:creationId xmlns:p14="http://schemas.microsoft.com/office/powerpoint/2010/main" val="811884703"/>
       </p:ext>
     </p:extLst>
   </p:cSld>
@@ -20137,7 +20576,7 @@
           <a:p>
             <a:r>
               <a:rPr lang="ru-RU" smtClean="0"/>
-              <a:t>Упражнение</a:t>
+              <a:t>Обсуждение</a:t>
             </a:r>
             <a:endParaRPr lang="en-US"/>
           </a:p>
@@ -20158,272 +20597,18 @@
           <a:bodyPr/>
           <a:lstStyle/>
           <a:p>
-            <a:pPr marL="45720" indent="0">
-              <a:buNone/>
-            </a:pPr>
-            <a:r>
-              <a:rPr lang="pt-BR">
-                <a:latin typeface="Consolas" panose="020B0609020204030204" pitchFamily="49" charset="0"/>
-              </a:rPr>
-              <a:t>void f(int n1, int n2, int n3, const int&amp; n4, int n5) </a:t>
-            </a:r>
-            <a:r>
-              <a:rPr lang="pt-BR" smtClean="0">
-                <a:latin typeface="Consolas" panose="020B0609020204030204" pitchFamily="49" charset="0"/>
-              </a:rPr>
-              <a:t>{</a:t>
-            </a:r>
-            <a:r>
-              <a:rPr lang="ru-RU" smtClean="0">
-                <a:latin typeface="Consolas" panose="020B0609020204030204" pitchFamily="49" charset="0"/>
-              </a:rPr>
-              <a:t/>
-            </a:r>
-            <a:br>
-              <a:rPr lang="ru-RU" smtClean="0">
-                <a:latin typeface="Consolas" panose="020B0609020204030204" pitchFamily="49" charset="0"/>
-              </a:rPr>
-            </a:br>
-            <a:r>
-              <a:rPr lang="pt-BR" smtClean="0">
-                <a:latin typeface="Consolas" panose="020B0609020204030204" pitchFamily="49" charset="0"/>
-              </a:rPr>
-              <a:t>  </a:t>
-            </a:r>
-            <a:r>
-              <a:rPr lang="pt-BR">
-                <a:latin typeface="Consolas" panose="020B0609020204030204" pitchFamily="49" charset="0"/>
-              </a:rPr>
-              <a:t>cout &lt;&lt; n1 &lt;&lt; ' ' &lt;&lt; n2 &lt;&lt; ' ' &lt;&lt; n3 &lt;&lt; ' </a:t>
-            </a:r>
-            <a:r>
-              <a:rPr lang="pt-BR" smtClean="0">
-                <a:latin typeface="Consolas" panose="020B0609020204030204" pitchFamily="49" charset="0"/>
-              </a:rPr>
-              <a:t>'</a:t>
-            </a:r>
-            <a:r>
-              <a:rPr lang="ru-RU" smtClean="0">
-                <a:latin typeface="Consolas" panose="020B0609020204030204" pitchFamily="49" charset="0"/>
-              </a:rPr>
-              <a:t/>
-            </a:r>
-            <a:br>
-              <a:rPr lang="ru-RU" smtClean="0">
-                <a:latin typeface="Consolas" panose="020B0609020204030204" pitchFamily="49" charset="0"/>
-              </a:rPr>
-            </a:br>
-            <a:r>
-              <a:rPr lang="pt-BR" smtClean="0">
-                <a:latin typeface="Consolas" panose="020B0609020204030204" pitchFamily="49" charset="0"/>
-              </a:rPr>
-              <a:t>      </a:t>
-            </a:r>
-            <a:r>
-              <a:rPr lang="pt-BR" smtClean="0">
-                <a:latin typeface="Consolas" panose="020B0609020204030204" pitchFamily="49" charset="0"/>
-              </a:rPr>
-              <a:t> </a:t>
-            </a:r>
-            <a:r>
-              <a:rPr lang="pt-BR">
-                <a:latin typeface="Consolas" panose="020B0609020204030204" pitchFamily="49" charset="0"/>
-              </a:rPr>
-              <a:t>&lt;&lt; n4 &lt;&lt; ' ' &lt;&lt; n5 &lt;&lt; endl</a:t>
-            </a:r>
-            <a:r>
-              <a:rPr lang="pt-BR" smtClean="0">
-                <a:latin typeface="Consolas" panose="020B0609020204030204" pitchFamily="49" charset="0"/>
-              </a:rPr>
-              <a:t>;</a:t>
-            </a:r>
-            <a:r>
-              <a:rPr lang="ru-RU" smtClean="0">
-                <a:latin typeface="Consolas" panose="020B0609020204030204" pitchFamily="49" charset="0"/>
-              </a:rPr>
-              <a:t/>
-            </a:r>
-            <a:br>
-              <a:rPr lang="ru-RU" smtClean="0">
-                <a:latin typeface="Consolas" panose="020B0609020204030204" pitchFamily="49" charset="0"/>
-              </a:rPr>
-            </a:br>
-            <a:r>
-              <a:rPr lang="pt-BR" smtClean="0">
-                <a:latin typeface="Consolas" panose="020B0609020204030204" pitchFamily="49" charset="0"/>
-              </a:rPr>
-              <a:t>}</a:t>
-            </a:r>
-            <a:endParaRPr lang="ru-RU">
-              <a:latin typeface="Consolas" panose="020B0609020204030204" pitchFamily="49" charset="0"/>
-            </a:endParaRPr>
-          </a:p>
-          <a:p>
-            <a:pPr marL="45720" indent="0">
-              <a:buNone/>
-            </a:pPr>
-            <a:r>
-              <a:rPr lang="en-US">
-                <a:latin typeface="Consolas" panose="020B0609020204030204" pitchFamily="49" charset="0"/>
-              </a:rPr>
-              <a:t>using namespace std::placeholders;  // for _1, _2, </a:t>
-            </a:r>
-            <a:r>
-              <a:rPr lang="en-US" smtClean="0">
-                <a:latin typeface="Consolas" panose="020B0609020204030204" pitchFamily="49" charset="0"/>
-              </a:rPr>
-              <a:t>...</a:t>
-            </a:r>
-            <a:r>
-              <a:rPr lang="ru-RU" smtClean="0">
-                <a:latin typeface="Consolas" panose="020B0609020204030204" pitchFamily="49" charset="0"/>
-              </a:rPr>
-              <a:t/>
-            </a:r>
-            <a:br>
-              <a:rPr lang="ru-RU" smtClean="0">
-                <a:latin typeface="Consolas" panose="020B0609020204030204" pitchFamily="49" charset="0"/>
-              </a:rPr>
-            </a:br>
-            <a:r>
-              <a:rPr lang="en-US" smtClean="0">
-                <a:latin typeface="Consolas" panose="020B0609020204030204" pitchFamily="49" charset="0"/>
-              </a:rPr>
-              <a:t>int </a:t>
-            </a:r>
-            <a:r>
-              <a:rPr lang="en-US">
-                <a:latin typeface="Consolas" panose="020B0609020204030204" pitchFamily="49" charset="0"/>
-              </a:rPr>
-              <a:t>n = 7</a:t>
-            </a:r>
-            <a:r>
-              <a:rPr lang="en-US" smtClean="0">
-                <a:latin typeface="Consolas" panose="020B0609020204030204" pitchFamily="49" charset="0"/>
-              </a:rPr>
-              <a:t>;</a:t>
-            </a:r>
-            <a:r>
-              <a:rPr lang="ru-RU" smtClean="0">
-                <a:latin typeface="Consolas" panose="020B0609020204030204" pitchFamily="49" charset="0"/>
-              </a:rPr>
-              <a:t/>
-            </a:r>
-            <a:br>
-              <a:rPr lang="ru-RU" smtClean="0">
-                <a:latin typeface="Consolas" panose="020B0609020204030204" pitchFamily="49" charset="0"/>
-              </a:rPr>
-            </a:br>
-            <a:r>
-              <a:rPr lang="en-US" smtClean="0">
-                <a:latin typeface="Consolas" panose="020B0609020204030204" pitchFamily="49" charset="0"/>
-              </a:rPr>
-              <a:t>auto </a:t>
-            </a:r>
-            <a:r>
-              <a:rPr lang="en-US">
-                <a:latin typeface="Consolas" panose="020B0609020204030204" pitchFamily="49" charset="0"/>
-              </a:rPr>
-              <a:t>f1 = std::bind(f, _2, _1, 42, std::cref(n), n</a:t>
-            </a:r>
-            <a:r>
-              <a:rPr lang="en-US" smtClean="0">
-                <a:latin typeface="Consolas" panose="020B0609020204030204" pitchFamily="49" charset="0"/>
-              </a:rPr>
-              <a:t>);</a:t>
-            </a:r>
-            <a:r>
-              <a:rPr lang="ru-RU" smtClean="0">
-                <a:latin typeface="Consolas" panose="020B0609020204030204" pitchFamily="49" charset="0"/>
-              </a:rPr>
-              <a:t/>
-            </a:r>
-            <a:br>
-              <a:rPr lang="ru-RU" smtClean="0">
-                <a:latin typeface="Consolas" panose="020B0609020204030204" pitchFamily="49" charset="0"/>
-              </a:rPr>
-            </a:br>
-            <a:r>
-              <a:rPr lang="en-US" smtClean="0">
-                <a:latin typeface="Consolas" panose="020B0609020204030204" pitchFamily="49" charset="0"/>
-              </a:rPr>
-              <a:t>n </a:t>
-            </a:r>
-            <a:r>
-              <a:rPr lang="en-US">
-                <a:latin typeface="Consolas" panose="020B0609020204030204" pitchFamily="49" charset="0"/>
-              </a:rPr>
-              <a:t>= 10</a:t>
-            </a:r>
-            <a:r>
-              <a:rPr lang="en-US" smtClean="0">
-                <a:latin typeface="Consolas" panose="020B0609020204030204" pitchFamily="49" charset="0"/>
-              </a:rPr>
-              <a:t>;</a:t>
-            </a:r>
-            <a:r>
-              <a:rPr lang="ru-RU" smtClean="0">
-                <a:latin typeface="Consolas" panose="020B0609020204030204" pitchFamily="49" charset="0"/>
-              </a:rPr>
-              <a:t/>
-            </a:r>
-            <a:br>
-              <a:rPr lang="ru-RU" smtClean="0">
-                <a:latin typeface="Consolas" panose="020B0609020204030204" pitchFamily="49" charset="0"/>
-              </a:rPr>
-            </a:br>
-            <a:r>
-              <a:rPr lang="en-US" smtClean="0">
-                <a:latin typeface="Consolas" panose="020B0609020204030204" pitchFamily="49" charset="0"/>
-              </a:rPr>
-              <a:t>f1(1</a:t>
-            </a:r>
-            <a:r>
-              <a:rPr lang="en-US">
-                <a:latin typeface="Consolas" panose="020B0609020204030204" pitchFamily="49" charset="0"/>
-              </a:rPr>
-              <a:t>, 2, 1001</a:t>
-            </a:r>
-            <a:r>
-              <a:rPr lang="en-US" smtClean="0">
-                <a:latin typeface="Consolas" panose="020B0609020204030204" pitchFamily="49" charset="0"/>
-              </a:rPr>
-              <a:t>);</a:t>
-            </a:r>
-            <a:r>
-              <a:rPr lang="ru-RU" smtClean="0">
-                <a:latin typeface="Consolas" panose="020B0609020204030204" pitchFamily="49" charset="0"/>
-              </a:rPr>
-              <a:t> </a:t>
-            </a:r>
-            <a:r>
-              <a:rPr lang="en-US" smtClean="0">
-                <a:latin typeface="Consolas" panose="020B0609020204030204" pitchFamily="49" charset="0"/>
-              </a:rPr>
-              <a:t>// </a:t>
-            </a:r>
-            <a:r>
-              <a:rPr lang="ru-RU" smtClean="0">
-                <a:latin typeface="Consolas" panose="020B0609020204030204" pitchFamily="49" charset="0"/>
-              </a:rPr>
-              <a:t>что на экране?</a:t>
-            </a:r>
-            <a:r>
-              <a:rPr lang="en-US" smtClean="0">
-                <a:latin typeface="Consolas" panose="020B0609020204030204" pitchFamily="49" charset="0"/>
-              </a:rPr>
-              <a:t> </a:t>
-            </a:r>
-            <a:endParaRPr lang="en-US">
-              <a:latin typeface="Consolas" panose="020B0609020204030204" pitchFamily="49" charset="0"/>
-            </a:endParaRPr>
+            <a:r>
+              <a:rPr lang="ru-RU" smtClean="0"/>
+              <a:t>С точки зрения возможного провисания ссылок, "захват всего" кажется уже не такой хорошей идеей.</a:t>
+            </a:r>
+            <a:endParaRPr lang="en-US"/>
           </a:p>
         </p:txBody>
       </p:sp>
     </p:spTree>
     <p:extLst>
       <p:ext uri="{BB962C8B-B14F-4D97-AF65-F5344CB8AC3E}">
-        <p14:creationId xmlns:p14="http://schemas.microsoft.com/office/powerpoint/2010/main" val="31836218"/>
+        <p14:creationId xmlns:p14="http://schemas.microsoft.com/office/powerpoint/2010/main" val="610900097"/>
       </p:ext>
     </p:extLst>
   </p:cSld>
@@ -20467,7 +20652,7 @@
           <a:p>
             <a:r>
               <a:rPr lang="ru-RU" smtClean="0"/>
-              <a:t>Заглядывая вперед</a:t>
+              <a:t>Связывание</a:t>
             </a:r>
             <a:endParaRPr lang="en-US"/>
           </a:p>
@@ -20488,6 +20673,12 @@
           <a:bodyPr/>
           <a:lstStyle/>
           <a:p>
+            <a:r>
+              <a:rPr lang="ru-RU" smtClean="0"/>
+              <a:t>Простой вариант: каррирование возвращается</a:t>
+            </a:r>
+          </a:p>
+          <a:p>
             <a:pPr marL="45720" indent="0">
               <a:buNone/>
             </a:pPr>
@@ -20495,7 +20686,7 @@
               <a:rPr lang="en-US">
                 <a:latin typeface="Consolas" panose="020B0609020204030204" pitchFamily="49" charset="0"/>
               </a:rPr>
-              <a:t>uniform_int_distribution&lt;&gt; d(0, 10</a:t>
+              <a:t>void f (int,int,int</a:t>
             </a:r>
             <a:r>
               <a:rPr lang="en-US" smtClean="0">
@@ -20503,11 +20694,79 @@
               </a:rPr>
               <a:t>);</a:t>
             </a:r>
-            <a:endParaRPr lang="ru-RU">
+            <a:r>
+              <a:rPr lang="ru-RU" smtClean="0">
+                <a:latin typeface="Consolas" panose="020B0609020204030204" pitchFamily="49" charset="0"/>
+              </a:rPr>
+              <a:t/>
+            </a:r>
+            <a:br>
+              <a:rPr lang="ru-RU" smtClean="0">
+                <a:latin typeface="Consolas" panose="020B0609020204030204" pitchFamily="49" charset="0"/>
+              </a:rPr>
+            </a:br>
+            <a:r>
+              <a:rPr lang="en-US" smtClean="0">
+                <a:latin typeface="Consolas" panose="020B0609020204030204" pitchFamily="49" charset="0"/>
+              </a:rPr>
+              <a:t>function&lt;void</a:t>
+            </a:r>
+            <a:r>
+              <a:rPr lang="en-US">
+                <a:latin typeface="Consolas" panose="020B0609020204030204" pitchFamily="49" charset="0"/>
+              </a:rPr>
+              <a:t>()&gt; f_call = bind (f, 1, 2, 3</a:t>
+            </a:r>
+            <a:r>
+              <a:rPr lang="en-US" smtClean="0">
+                <a:latin typeface="Consolas" panose="020B0609020204030204" pitchFamily="49" charset="0"/>
+              </a:rPr>
+              <a:t>);</a:t>
+            </a:r>
+            <a:r>
+              <a:rPr lang="ru-RU" smtClean="0">
+                <a:latin typeface="Consolas" panose="020B0609020204030204" pitchFamily="49" charset="0"/>
+              </a:rPr>
+              <a:t/>
+            </a:r>
+            <a:br>
+              <a:rPr lang="ru-RU" smtClean="0">
+                <a:latin typeface="Consolas" panose="020B0609020204030204" pitchFamily="49" charset="0"/>
+              </a:rPr>
+            </a:br>
+            <a:r>
+              <a:rPr lang="en-US" smtClean="0">
+                <a:latin typeface="Consolas" panose="020B0609020204030204" pitchFamily="49" charset="0"/>
+              </a:rPr>
+              <a:t>f_call </a:t>
+            </a:r>
+            <a:r>
+              <a:rPr lang="en-US">
+                <a:latin typeface="Consolas" panose="020B0609020204030204" pitchFamily="49" charset="0"/>
+              </a:rPr>
+              <a:t>(); //Equivalent to f (1,2,3</a:t>
+            </a:r>
+            <a:r>
+              <a:rPr lang="en-US" smtClean="0">
+                <a:latin typeface="Consolas" panose="020B0609020204030204" pitchFamily="49" charset="0"/>
+              </a:rPr>
+              <a:t>)</a:t>
+            </a:r>
+            <a:endParaRPr lang="ru-RU" smtClean="0">
               <a:latin typeface="Consolas" panose="020B0609020204030204" pitchFamily="49" charset="0"/>
             </a:endParaRPr>
           </a:p>
           <a:p>
+            <a:r>
+              <a:rPr lang="ru-RU" smtClean="0"/>
+              <a:t>Преимущество: </a:t>
+            </a:r>
+            <a:r>
+              <a:rPr lang="en-US" smtClean="0"/>
+              <a:t>std::placeholders</a:t>
+            </a:r>
+          </a:p>
+          <a:p>
             <a:pPr marL="45720" indent="0">
               <a:buNone/>
             </a:pPr>
@@ -20515,35 +20774,64 @@
               <a:rPr lang="en-US" smtClean="0">
                 <a:latin typeface="Consolas" panose="020B0609020204030204" pitchFamily="49" charset="0"/>
               </a:rPr>
-              <a:t>default_random_engine e;</a:t>
-            </a:r>
-            <a:endParaRPr lang="ru-RU">
+              <a:t>using std::placeholders::_1;</a:t>
+            </a:r>
+          </a:p>
+          <a:p>
+            <a:pPr marL="45720" indent="0">
+              <a:buNone/>
+            </a:pPr>
+            <a:r>
+              <a:rPr lang="en-US" smtClean="0">
+                <a:latin typeface="Consolas" panose="020B0609020204030204" pitchFamily="49" charset="0"/>
+              </a:rPr>
+              <a:t>function&lt;void(int)&gt; </a:t>
+            </a:r>
+            <a:r>
+              <a:rPr lang="en-US">
+                <a:latin typeface="Consolas" panose="020B0609020204030204" pitchFamily="49" charset="0"/>
+              </a:rPr>
+              <a:t>f_call = bind (f, 1, </a:t>
+            </a:r>
+            <a:r>
+              <a:rPr lang="en-US" smtClean="0">
+                <a:latin typeface="Consolas" panose="020B0609020204030204" pitchFamily="49" charset="0"/>
+              </a:rPr>
+              <a:t>_1, </a:t>
+            </a:r>
+            <a:r>
+              <a:rPr lang="en-US">
+                <a:latin typeface="Consolas" panose="020B0609020204030204" pitchFamily="49" charset="0"/>
+              </a:rPr>
+              <a:t>3</a:t>
+            </a:r>
+            <a:r>
+              <a:rPr lang="en-US" smtClean="0">
+                <a:latin typeface="Consolas" panose="020B0609020204030204" pitchFamily="49" charset="0"/>
+              </a:rPr>
+              <a:t>);</a:t>
+            </a:r>
+            <a:br>
+              <a:rPr lang="en-US" smtClean="0">
+                <a:latin typeface="Consolas" panose="020B0609020204030204" pitchFamily="49" charset="0"/>
+              </a:rPr>
+            </a:br>
+            <a:r>
+              <a:rPr lang="en-US" smtClean="0">
+                <a:latin typeface="Consolas" panose="020B0609020204030204" pitchFamily="49" charset="0"/>
+              </a:rPr>
+              <a:t>f_call (2); // f (1, 2, 3)</a:t>
+            </a:r>
+            <a:endParaRPr lang="en-US">
               <a:latin typeface="Consolas" panose="020B0609020204030204" pitchFamily="49" charset="0"/>
             </a:endParaRPr>
-          </a:p>
-          <a:p>
-            <a:pPr marL="45720" indent="0">
-              <a:buNone/>
-            </a:pPr>
-            <a:r>
-              <a:rPr lang="en-US" smtClean="0">
-                <a:latin typeface="Consolas" panose="020B0609020204030204" pitchFamily="49" charset="0"/>
-              </a:rPr>
-              <a:t>function&lt;int</a:t>
-            </a:r>
-            <a:r>
-              <a:rPr lang="en-US">
-                <a:latin typeface="Consolas" panose="020B0609020204030204" pitchFamily="49" charset="0"/>
-              </a:rPr>
-              <a:t>()&gt; rnd = bind(d, e);</a:t>
-            </a:r>
           </a:p>
         </p:txBody>
       </p:sp>
     </p:spTree>
     <p:extLst>
       <p:ext uri="{BB962C8B-B14F-4D97-AF65-F5344CB8AC3E}">
-        <p14:creationId xmlns:p14="http://schemas.microsoft.com/office/powerpoint/2010/main" val="33436026"/>
+        <p14:creationId xmlns:p14="http://schemas.microsoft.com/office/powerpoint/2010/main" val="467778314"/>
       </p:ext>
     </p:extLst>
   </p:cSld>
@@ -20587,7 +20875,7 @@
           <a:p>
             <a:r>
               <a:rPr lang="ru-RU" smtClean="0"/>
-              <a:t>Обсуждение</a:t>
+              <a:t>Упражнение</a:t>
             </a:r>
             <a:endParaRPr lang="en-US"/>
           </a:p>
@@ -20608,25 +20896,95 @@
           <a:bodyPr/>
           <a:lstStyle/>
           <a:p>
-            <a:r>
-              <a:rPr lang="ru-RU" smtClean="0"/>
-              <a:t>Майерс не советовал использовать </a:t>
-            </a:r>
-            <a:r>
-              <a:rPr lang="en-US" smtClean="0"/>
-              <a:t>bind</a:t>
-            </a:r>
-            <a:endParaRPr lang="ru-RU" smtClean="0"/>
-          </a:p>
-          <a:p>
             <a:pPr marL="45720" indent="0">
               <a:buNone/>
             </a:pPr>
             <a:r>
-              <a:rPr lang="en-US">
-                <a:latin typeface="Consolas" panose="020B0609020204030204" pitchFamily="49" charset="0"/>
-              </a:rPr>
-              <a:t>uniform_int_distribution&lt;&gt; d(0, 10);</a:t>
+              <a:rPr lang="pt-BR">
+                <a:latin typeface="Consolas" panose="020B0609020204030204" pitchFamily="49" charset="0"/>
+              </a:rPr>
+              <a:t>void f(int n1, int n2, int n3, const int&amp; n4, int n5) </a:t>
+            </a:r>
+            <a:r>
+              <a:rPr lang="pt-BR" smtClean="0">
+                <a:latin typeface="Consolas" panose="020B0609020204030204" pitchFamily="49" charset="0"/>
+              </a:rPr>
+              <a:t>{</a:t>
+            </a:r>
+            <a:r>
+              <a:rPr lang="ru-RU" smtClean="0">
+                <a:latin typeface="Consolas" panose="020B0609020204030204" pitchFamily="49" charset="0"/>
+              </a:rPr>
+              <a:t/>
+            </a:r>
+            <a:br>
+              <a:rPr lang="ru-RU" smtClean="0">
+                <a:latin typeface="Consolas" panose="020B0609020204030204" pitchFamily="49" charset="0"/>
+              </a:rPr>
+            </a:br>
+            <a:r>
+              <a:rPr lang="pt-BR" smtClean="0">
+                <a:latin typeface="Consolas" panose="020B0609020204030204" pitchFamily="49" charset="0"/>
+              </a:rPr>
+              <a:t>  </a:t>
+            </a:r>
+            <a:r>
+              <a:rPr lang="pt-BR">
+                <a:latin typeface="Consolas" panose="020B0609020204030204" pitchFamily="49" charset="0"/>
+              </a:rPr>
+              <a:t>cout &lt;&lt; n1 &lt;&lt; ' ' &lt;&lt; n2 &lt;&lt; ' ' &lt;&lt; n3 &lt;&lt; ' </a:t>
+            </a:r>
+            <a:r>
+              <a:rPr lang="pt-BR" smtClean="0">
+                <a:latin typeface="Consolas" panose="020B0609020204030204" pitchFamily="49" charset="0"/>
+              </a:rPr>
+              <a:t>'</a:t>
+            </a:r>
+            <a:r>
+              <a:rPr lang="ru-RU" smtClean="0">
+                <a:latin typeface="Consolas" panose="020B0609020204030204" pitchFamily="49" charset="0"/>
+              </a:rPr>
+              <a:t/>
+            </a:r>
+            <a:br>
+              <a:rPr lang="ru-RU" smtClean="0">
+                <a:latin typeface="Consolas" panose="020B0609020204030204" pitchFamily="49" charset="0"/>
+              </a:rPr>
+            </a:br>
+            <a:r>
+              <a:rPr lang="pt-BR" smtClean="0">
+                <a:latin typeface="Consolas" panose="020B0609020204030204" pitchFamily="49" charset="0"/>
+              </a:rPr>
+              <a:t>       </a:t>
+            </a:r>
+            <a:r>
+              <a:rPr lang="pt-BR">
+                <a:latin typeface="Consolas" panose="020B0609020204030204" pitchFamily="49" charset="0"/>
+              </a:rPr>
+              <a:t>&lt;&lt; n4 &lt;&lt; ' ' &lt;&lt; n5 &lt;&lt; endl</a:t>
+            </a:r>
+            <a:r>
+              <a:rPr lang="pt-BR" smtClean="0">
+                <a:latin typeface="Consolas" panose="020B0609020204030204" pitchFamily="49" charset="0"/>
+              </a:rPr>
+              <a:t>;</a:t>
+            </a:r>
+            <a:r>
+              <a:rPr lang="ru-RU" smtClean="0">
+                <a:latin typeface="Consolas" panose="020B0609020204030204" pitchFamily="49" charset="0"/>
+              </a:rPr>
+              <a:t/>
+            </a:r>
+            <a:br>
+              <a:rPr lang="ru-RU" smtClean="0">
+                <a:latin typeface="Consolas" panose="020B0609020204030204" pitchFamily="49" charset="0"/>
+              </a:rPr>
+            </a:br>
+            <a:r>
+              <a:rPr lang="pt-BR" smtClean="0">
+                <a:latin typeface="Consolas" panose="020B0609020204030204" pitchFamily="49" charset="0"/>
+              </a:rPr>
+              <a:t>}</a:t>
             </a:r>
             <a:endParaRPr lang="ru-RU">
               <a:latin typeface="Consolas" panose="020B0609020204030204" pitchFamily="49" charset="0"/>
@@ -20640,13 +20998,36 @@
               <a:rPr lang="en-US">
                 <a:latin typeface="Consolas" panose="020B0609020204030204" pitchFamily="49" charset="0"/>
               </a:rPr>
-              <a:t>default_random_engine </a:t>
+              <a:t>using namespace std::placeholders;  // for _1, _2, </a:t>
+            </a:r>
+            <a:r>
+              <a:rPr lang="en-US" smtClean="0">
+                <a:latin typeface="Consolas" panose="020B0609020204030204" pitchFamily="49" charset="0"/>
+              </a:rPr>
+              <a:t>...</a:t>
+            </a:r>
+            <a:r>
+              <a:rPr lang="ru-RU" smtClean="0">
+                <a:latin typeface="Consolas" panose="020B0609020204030204" pitchFamily="49" charset="0"/>
+              </a:rPr>
+              <a:t/>
+            </a:r>
+            <a:br>
+              <a:rPr lang="ru-RU" smtClean="0">
+                <a:latin typeface="Consolas" panose="020B0609020204030204" pitchFamily="49" charset="0"/>
+              </a:rPr>
+            </a:br>
+            <a:r>
+              <a:rPr lang="en-US" smtClean="0">
+                <a:latin typeface="Consolas" panose="020B0609020204030204" pitchFamily="49" charset="0"/>
+              </a:rPr>
+              <a:t>int </a:t>
             </a:r>
             <a:r>
               <a:rPr lang="en-US">
                 <a:latin typeface="Consolas" panose="020B0609020204030204" pitchFamily="49" charset="0"/>
               </a:rPr>
-              <a:t>e</a:t>
+              <a:t>n = 7</a:t>
             </a:r>
             <a:r>
               <a:rPr lang="en-US" smtClean="0">
@@ -20654,60 +21035,127 @@
               </a:rPr>
               <a:t>;</a:t>
             </a:r>
-            <a:endParaRPr lang="ru-RU" smtClean="0">
+            <a:r>
+              <a:rPr lang="ru-RU" smtClean="0">
+                <a:latin typeface="Consolas" panose="020B0609020204030204" pitchFamily="49" charset="0"/>
+              </a:rPr>
+              <a:t/>
+            </a:r>
+            <a:br>
+              <a:rPr lang="ru-RU" smtClean="0">
+                <a:latin typeface="Consolas" panose="020B0609020204030204" pitchFamily="49" charset="0"/>
+              </a:rPr>
+            </a:br>
+            <a:r>
+              <a:rPr lang="en-US" smtClean="0">
+                <a:latin typeface="Consolas" panose="020B0609020204030204" pitchFamily="49" charset="0"/>
+              </a:rPr>
+              <a:t>auto </a:t>
+            </a:r>
+            <a:r>
+              <a:rPr lang="en-US">
+                <a:latin typeface="Consolas" panose="020B0609020204030204" pitchFamily="49" charset="0"/>
+              </a:rPr>
+              <a:t>f1 = std::bind(f, _2, _1, 42, std::cref(n), n</a:t>
+            </a:r>
+            <a:r>
+              <a:rPr lang="en-US" smtClean="0">
+                <a:latin typeface="Consolas" panose="020B0609020204030204" pitchFamily="49" charset="0"/>
+              </a:rPr>
+              <a:t>);</a:t>
+            </a:r>
+            <a:r>
+              <a:rPr lang="ru-RU" smtClean="0">
+                <a:latin typeface="Consolas" panose="020B0609020204030204" pitchFamily="49" charset="0"/>
+              </a:rPr>
+              <a:t/>
+            </a:r>
+            <a:br>
+              <a:rPr lang="ru-RU" smtClean="0">
+                <a:latin typeface="Consolas" panose="020B0609020204030204" pitchFamily="49" charset="0"/>
+              </a:rPr>
+            </a:br>
+            <a:r>
+              <a:rPr lang="en-US" smtClean="0">
+                <a:latin typeface="Consolas" panose="020B0609020204030204" pitchFamily="49" charset="0"/>
+              </a:rPr>
+              <a:t>n </a:t>
+            </a:r>
+            <a:r>
+              <a:rPr lang="en-US">
+                <a:latin typeface="Consolas" panose="020B0609020204030204" pitchFamily="49" charset="0"/>
+              </a:rPr>
+              <a:t>= 10</a:t>
+            </a:r>
+            <a:r>
+              <a:rPr lang="en-US" smtClean="0">
+                <a:latin typeface="Consolas" panose="020B0609020204030204" pitchFamily="49" charset="0"/>
+              </a:rPr>
+              <a:t>;</a:t>
+            </a:r>
+            <a:r>
+              <a:rPr lang="ru-RU" smtClean="0">
+                <a:latin typeface="Consolas" panose="020B0609020204030204" pitchFamily="49" charset="0"/>
+              </a:rPr>
+              <a:t/>
+            </a:r>
+            <a:br>
+              <a:rPr lang="ru-RU" smtClean="0">
+                <a:latin typeface="Consolas" panose="020B0609020204030204" pitchFamily="49" charset="0"/>
+              </a:rPr>
+            </a:br>
+            <a:r>
+              <a:rPr lang="en-US" smtClean="0">
+                <a:latin typeface="Consolas" panose="020B0609020204030204" pitchFamily="49" charset="0"/>
+              </a:rPr>
+              <a:t>f1(1</a:t>
+            </a:r>
+            <a:r>
+              <a:rPr lang="en-US">
+                <a:latin typeface="Consolas" panose="020B0609020204030204" pitchFamily="49" charset="0"/>
+              </a:rPr>
+              <a:t>, 2, 1001</a:t>
+            </a:r>
+            <a:r>
+              <a:rPr lang="en-US" smtClean="0">
+                <a:latin typeface="Consolas" panose="020B0609020204030204" pitchFamily="49" charset="0"/>
+              </a:rPr>
+              <a:t>);</a:t>
+            </a:r>
+            <a:r>
+              <a:rPr lang="ru-RU" smtClean="0">
+                <a:latin typeface="Consolas" panose="020B0609020204030204" pitchFamily="49" charset="0"/>
+              </a:rPr>
+              <a:t> </a:t>
+            </a:r>
+            <a:r>
+              <a:rPr lang="en-US" smtClean="0">
+                <a:latin typeface="Consolas" panose="020B0609020204030204" pitchFamily="49" charset="0"/>
+              </a:rPr>
+              <a:t>// </a:t>
+            </a:r>
+            <a:r>
+              <a:rPr lang="ru-RU" smtClean="0">
+                <a:latin typeface="Consolas" panose="020B0609020204030204" pitchFamily="49" charset="0"/>
+              </a:rPr>
+              <a:t>что на экране?</a:t>
+            </a:r>
+            <a:r>
+              <a:rPr lang="en-US" smtClean="0">
+                <a:latin typeface="Consolas" panose="020B0609020204030204" pitchFamily="49" charset="0"/>
+              </a:rPr>
+              <a:t> </a:t>
+            </a:r>
+            <a:endParaRPr lang="en-US">
               <a:latin typeface="Consolas" panose="020B0609020204030204" pitchFamily="49" charset="0"/>
             </a:endParaRPr>
-          </a:p>
-          <a:p>
-            <a:pPr marL="45720" indent="0">
-              <a:buNone/>
-            </a:pPr>
-            <a:r>
-              <a:rPr lang="en-US">
-                <a:latin typeface="Consolas" panose="020B0609020204030204" pitchFamily="49" charset="0"/>
-              </a:rPr>
-              <a:t>function&lt;int</a:t>
-            </a:r>
-            <a:r>
-              <a:rPr lang="en-US">
-                <a:latin typeface="Consolas" panose="020B0609020204030204" pitchFamily="49" charset="0"/>
-              </a:rPr>
-              <a:t>()&gt; </a:t>
-            </a:r>
-            <a:r>
-              <a:rPr lang="en-US" smtClean="0">
-                <a:latin typeface="Consolas" panose="020B0609020204030204" pitchFamily="49" charset="0"/>
-              </a:rPr>
-              <a:t>rnd</a:t>
-            </a:r>
-            <a:r>
-              <a:rPr lang="ru-RU" smtClean="0">
-                <a:latin typeface="Consolas" panose="020B0609020204030204" pitchFamily="49" charset="0"/>
-              </a:rPr>
-              <a:t> = </a:t>
-            </a:r>
-            <a:r>
-              <a:rPr lang="en-US" smtClean="0">
-                <a:latin typeface="Consolas" panose="020B0609020204030204" pitchFamily="49" charset="0"/>
-              </a:rPr>
-              <a:t>[=]() { return d(e); }</a:t>
-            </a:r>
-            <a:endParaRPr lang="ru-RU">
-              <a:latin typeface="Consolas" panose="020B0609020204030204" pitchFamily="49" charset="0"/>
-            </a:endParaRPr>
-          </a:p>
-          <a:p>
-            <a:pPr marL="45720" indent="0">
-              <a:buNone/>
-            </a:pPr>
-            <a:endParaRPr lang="en-US"/>
           </a:p>
         </p:txBody>
       </p:sp>
     </p:spTree>
     <p:extLst>
       <p:ext uri="{BB962C8B-B14F-4D97-AF65-F5344CB8AC3E}">
-        <p14:creationId xmlns:p14="http://schemas.microsoft.com/office/powerpoint/2010/main" val="246834224"/>
+        <p14:creationId xmlns:p14="http://schemas.microsoft.com/office/powerpoint/2010/main" val="31836218"/>
       </p:ext>
     </p:extLst>
   </p:cSld>
@@ -20736,6 +21184,37 @@
       </p:grpSpPr>
       <p:sp>
         <p:nvSpPr>
+          <p:cNvPr id="2" name="Title 1"/>
+          <p:cNvSpPr>
+            <a:spLocks noGrp="1"/>
+          </p:cNvSpPr>
+          <p:nvPr>
+            <p:ph type="title"/>
+          </p:nvPr>
+        </p:nvSpPr>
+        <p:spPr/>
+        <p:txBody>
+          <a:bodyPr/>
+          <a:lstStyle/>
+          <a:p>
+            <a:r>
+              <a:rPr lang="ru-RU" smtClean="0"/>
+              <a:t>Упражнение</a:t>
+            </a:r>
+            <a:r>
+              <a:rPr lang="en-US" smtClean="0"/>
+              <a:t>: </a:t>
+            </a:r>
+            <a:r>
+              <a:rPr lang="ru-RU" smtClean="0"/>
+              <a:t>ответ</a:t>
+            </a:r>
+            <a:endParaRPr lang="en-US"/>
+          </a:p>
+        </p:txBody>
+      </p:sp>
+      <p:sp>
+        <p:nvSpPr>
           <p:cNvPr id="3" name="Content Placeholder 2"/>
           <p:cNvSpPr>
             <a:spLocks noGrp="1"/>
@@ -20744,83 +21223,257 @@
             <p:ph idx="1"/>
           </p:nvPr>
         </p:nvSpPr>
-        <p:spPr>
-          <a:xfrm>
-            <a:off x="1143000" y="742122"/>
-            <a:ext cx="9872871" cy="5353878"/>
-          </a:xfrm>
-        </p:spPr>
+        <p:spPr/>
         <p:txBody>
-          <a:bodyPr>
-            <a:noAutofit/>
-          </a:bodyPr>
+          <a:bodyPr/>
           <a:lstStyle/>
           <a:p>
-            <a:pPr>
-              <a:lnSpc>
-                <a:spcPct val="150000"/>
-              </a:lnSpc>
-              <a:buFont typeface="Wingdings" panose="05000000000000000000" pitchFamily="2" charset="2"/>
-              <a:buChar char="q"/>
+            <a:pPr marL="45720" indent="0">
+              <a:buNone/>
             </a:pPr>
             <a:r>
-              <a:rPr lang="ru-RU" sz="4800" smtClean="0"/>
-              <a:t> Базовые </a:t>
-            </a:r>
-            <a:r>
-              <a:rPr lang="ru-RU" sz="4800" smtClean="0">
-                <a:sym typeface="Symbol" panose="05050102010706020507" pitchFamily="18" charset="2"/>
-              </a:rPr>
-              <a:t>-</a:t>
-            </a:r>
-            <a:r>
-              <a:rPr lang="ru-RU" sz="4800" smtClean="0"/>
-              <a:t>выражения</a:t>
-            </a:r>
-          </a:p>
-          <a:p>
-            <a:pPr>
-              <a:lnSpc>
-                <a:spcPct val="150000"/>
-              </a:lnSpc>
-              <a:buFont typeface="Wingdings" panose="05000000000000000000" pitchFamily="2" charset="2"/>
-              <a:buChar char="q"/>
+              <a:rPr lang="pt-BR">
+                <a:latin typeface="Consolas" panose="020B0609020204030204" pitchFamily="49" charset="0"/>
+              </a:rPr>
+              <a:t>void f(int n1, int n2, int n3, const int&amp; n4, int n5) </a:t>
+            </a:r>
+            <a:r>
+              <a:rPr lang="pt-BR" smtClean="0">
+                <a:latin typeface="Consolas" panose="020B0609020204030204" pitchFamily="49" charset="0"/>
+              </a:rPr>
+              <a:t>{</a:t>
+            </a:r>
+            <a:r>
+              <a:rPr lang="ru-RU" smtClean="0">
+                <a:latin typeface="Consolas" panose="020B0609020204030204" pitchFamily="49" charset="0"/>
+              </a:rPr>
+              <a:t/>
+            </a:r>
+            <a:br>
+              <a:rPr lang="ru-RU" smtClean="0">
+                <a:latin typeface="Consolas" panose="020B0609020204030204" pitchFamily="49" charset="0"/>
+              </a:rPr>
+            </a:br>
+            <a:r>
+              <a:rPr lang="pt-BR" smtClean="0">
+                <a:latin typeface="Consolas" panose="020B0609020204030204" pitchFamily="49" charset="0"/>
+              </a:rPr>
+              <a:t>  </a:t>
+            </a:r>
+            <a:r>
+              <a:rPr lang="pt-BR">
+                <a:latin typeface="Consolas" panose="020B0609020204030204" pitchFamily="49" charset="0"/>
+              </a:rPr>
+              <a:t>cout &lt;&lt; n1 &lt;&lt; ' ' &lt;&lt; n2 &lt;&lt; ' ' &lt;&lt; n3 &lt;&lt; ' </a:t>
+            </a:r>
+            <a:r>
+              <a:rPr lang="pt-BR" smtClean="0">
+                <a:latin typeface="Consolas" panose="020B0609020204030204" pitchFamily="49" charset="0"/>
+              </a:rPr>
+              <a:t>'</a:t>
+            </a:r>
+            <a:r>
+              <a:rPr lang="ru-RU" smtClean="0">
+                <a:latin typeface="Consolas" panose="020B0609020204030204" pitchFamily="49" charset="0"/>
+              </a:rPr>
+              <a:t/>
+            </a:r>
+            <a:br>
+              <a:rPr lang="ru-RU" smtClean="0">
+                <a:latin typeface="Consolas" panose="020B0609020204030204" pitchFamily="49" charset="0"/>
+              </a:rPr>
+            </a:br>
+            <a:r>
+              <a:rPr lang="pt-BR" smtClean="0">
+                <a:latin typeface="Consolas" panose="020B0609020204030204" pitchFamily="49" charset="0"/>
+              </a:rPr>
+              <a:t>       </a:t>
+            </a:r>
+            <a:r>
+              <a:rPr lang="pt-BR">
+                <a:latin typeface="Consolas" panose="020B0609020204030204" pitchFamily="49" charset="0"/>
+              </a:rPr>
+              <a:t>&lt;&lt; n4 &lt;&lt; ' ' &lt;&lt; n5 &lt;&lt; endl</a:t>
+            </a:r>
+            <a:r>
+              <a:rPr lang="pt-BR" smtClean="0">
+                <a:latin typeface="Consolas" panose="020B0609020204030204" pitchFamily="49" charset="0"/>
+              </a:rPr>
+              <a:t>;</a:t>
+            </a:r>
+            <a:r>
+              <a:rPr lang="ru-RU" smtClean="0">
+                <a:latin typeface="Consolas" panose="020B0609020204030204" pitchFamily="49" charset="0"/>
+              </a:rPr>
+              <a:t/>
+            </a:r>
+            <a:br>
+              <a:rPr lang="ru-RU" smtClean="0">
+                <a:latin typeface="Consolas" panose="020B0609020204030204" pitchFamily="49" charset="0"/>
+              </a:rPr>
+            </a:br>
+            <a:r>
+              <a:rPr lang="pt-BR" smtClean="0">
+                <a:latin typeface="Consolas" panose="020B0609020204030204" pitchFamily="49" charset="0"/>
+              </a:rPr>
+              <a:t>}</a:t>
+            </a:r>
+            <a:endParaRPr lang="ru-RU">
+              <a:latin typeface="Consolas" panose="020B0609020204030204" pitchFamily="49" charset="0"/>
+            </a:endParaRPr>
+          </a:p>
+          <a:p>
+            <a:pPr marL="45720" indent="0">
+              <a:buNone/>
             </a:pPr>
             <a:r>
-              <a:rPr lang="ru-RU" sz="4800" smtClean="0"/>
-              <a:t> Замыкания и захват</a:t>
-            </a:r>
-            <a:endParaRPr lang="en-US" sz="4800" smtClean="0"/>
-          </a:p>
-          <a:p>
-            <a:pPr>
-              <a:lnSpc>
-                <a:spcPct val="150000"/>
-              </a:lnSpc>
-              <a:buFont typeface="Wingdings" panose="05000000000000000000" pitchFamily="2" charset="2"/>
-              <a:buChar char="q"/>
-            </a:pPr>
-            <a:r>
-              <a:rPr lang="en-US" sz="4800" smtClean="0"/>
+              <a:rPr lang="en-US">
+                <a:latin typeface="Consolas" panose="020B0609020204030204" pitchFamily="49" charset="0"/>
+              </a:rPr>
+              <a:t>using namespace std::placeholders;  // for _1, _2, </a:t>
+            </a:r>
+            <a:r>
+              <a:rPr lang="en-US" smtClean="0">
+                <a:latin typeface="Consolas" panose="020B0609020204030204" pitchFamily="49" charset="0"/>
+              </a:rPr>
+              <a:t>...</a:t>
+            </a:r>
+            <a:r>
+              <a:rPr lang="ru-RU" smtClean="0">
+                <a:latin typeface="Consolas" panose="020B0609020204030204" pitchFamily="49" charset="0"/>
+              </a:rPr>
+              <a:t/>
+            </a:r>
+            <a:br>
+              <a:rPr lang="ru-RU" smtClean="0">
+                <a:latin typeface="Consolas" panose="020B0609020204030204" pitchFamily="49" charset="0"/>
+              </a:rPr>
+            </a:br>
+            <a:r>
+              <a:rPr lang="en-US" smtClean="0">
+                <a:latin typeface="Consolas" panose="020B0609020204030204" pitchFamily="49" charset="0"/>
+              </a:rPr>
+              <a:t>int </a:t>
+            </a:r>
+            <a:r>
+              <a:rPr lang="en-US">
+                <a:latin typeface="Consolas" panose="020B0609020204030204" pitchFamily="49" charset="0"/>
+              </a:rPr>
+              <a:t>n = 7</a:t>
+            </a:r>
+            <a:r>
+              <a:rPr lang="en-US" smtClean="0">
+                <a:latin typeface="Consolas" panose="020B0609020204030204" pitchFamily="49" charset="0"/>
+              </a:rPr>
+              <a:t>;</a:t>
+            </a:r>
+            <a:r>
+              <a:rPr lang="ru-RU" smtClean="0">
+                <a:latin typeface="Consolas" panose="020B0609020204030204" pitchFamily="49" charset="0"/>
+              </a:rPr>
+              <a:t/>
+            </a:r>
+            <a:br>
+              <a:rPr lang="ru-RU" smtClean="0">
+                <a:latin typeface="Consolas" panose="020B0609020204030204" pitchFamily="49" charset="0"/>
+              </a:rPr>
+            </a:br>
+            <a:r>
+              <a:rPr lang="en-US" smtClean="0">
+                <a:latin typeface="Consolas" panose="020B0609020204030204" pitchFamily="49" charset="0"/>
+              </a:rPr>
+              <a:t>auto </a:t>
+            </a:r>
+            <a:r>
+              <a:rPr lang="en-US">
+                <a:latin typeface="Consolas" panose="020B0609020204030204" pitchFamily="49" charset="0"/>
+              </a:rPr>
+              <a:t>f1 = std::bind(f, _2, _1, 42, std::cref(n), n</a:t>
+            </a:r>
+            <a:r>
+              <a:rPr lang="en-US" smtClean="0">
+                <a:latin typeface="Consolas" panose="020B0609020204030204" pitchFamily="49" charset="0"/>
+              </a:rPr>
+              <a:t>);</a:t>
+            </a:r>
+            <a:r>
+              <a:rPr lang="ru-RU" smtClean="0">
+                <a:latin typeface="Consolas" panose="020B0609020204030204" pitchFamily="49" charset="0"/>
+              </a:rPr>
+              <a:t/>
+            </a:r>
+            <a:br>
+              <a:rPr lang="ru-RU" smtClean="0">
+                <a:latin typeface="Consolas" panose="020B0609020204030204" pitchFamily="49" charset="0"/>
+              </a:rPr>
+            </a:br>
+            <a:r>
+              <a:rPr lang="en-US" smtClean="0">
+                <a:latin typeface="Consolas" panose="020B0609020204030204" pitchFamily="49" charset="0"/>
+              </a:rPr>
+              <a:t>n </a:t>
+            </a:r>
+            <a:r>
+              <a:rPr lang="en-US">
+                <a:latin typeface="Consolas" panose="020B0609020204030204" pitchFamily="49" charset="0"/>
+              </a:rPr>
+              <a:t>= 10</a:t>
+            </a:r>
+            <a:r>
+              <a:rPr lang="en-US" smtClean="0">
+                <a:latin typeface="Consolas" panose="020B0609020204030204" pitchFamily="49" charset="0"/>
+              </a:rPr>
+              <a:t>;</a:t>
+            </a:r>
+            <a:r>
+              <a:rPr lang="ru-RU" smtClean="0">
+                <a:latin typeface="Consolas" panose="020B0609020204030204" pitchFamily="49" charset="0"/>
+              </a:rPr>
+              <a:t/>
+            </a:r>
+            <a:br>
+              <a:rPr lang="ru-RU" smtClean="0">
+                <a:latin typeface="Consolas" panose="020B0609020204030204" pitchFamily="49" charset="0"/>
+              </a:rPr>
+            </a:br>
+            <a:r>
+              <a:rPr lang="en-US" smtClean="0">
+                <a:latin typeface="Consolas" panose="020B0609020204030204" pitchFamily="49" charset="0"/>
+              </a:rPr>
+              <a:t>f1(1</a:t>
+            </a:r>
+            <a:r>
+              <a:rPr lang="en-US">
+                <a:latin typeface="Consolas" panose="020B0609020204030204" pitchFamily="49" charset="0"/>
+              </a:rPr>
+              <a:t>, 2, 1001</a:t>
+            </a:r>
+            <a:r>
+              <a:rPr lang="en-US" smtClean="0">
+                <a:latin typeface="Consolas" panose="020B0609020204030204" pitchFamily="49" charset="0"/>
+              </a:rPr>
+              <a:t>);</a:t>
+            </a:r>
+            <a:r>
+              <a:rPr lang="ru-RU" smtClean="0">
+                <a:latin typeface="Consolas" panose="020B0609020204030204" pitchFamily="49" charset="0"/>
+              </a:rPr>
               <a:t> </a:t>
             </a:r>
             <a:r>
-              <a:rPr lang="ru-RU" sz="4800" smtClean="0"/>
-              <a:t>Типизация и связывание</a:t>
-            </a:r>
-            <a:endParaRPr lang="ru-RU" sz="4800" smtClean="0"/>
-          </a:p>
-          <a:p>
-            <a:pPr>
-              <a:lnSpc>
-                <a:spcPct val="150000"/>
-              </a:lnSpc>
-              <a:buFont typeface="Wingdings" panose="05000000000000000000" pitchFamily="2" charset="2"/>
-              <a:buChar char="Ø"/>
-            </a:pPr>
-            <a:r>
-              <a:rPr lang="ru-RU" sz="4800" smtClean="0"/>
-              <a:t> Функциональная подсистема</a:t>
+              <a:rPr lang="en-US" smtClean="0">
+                <a:latin typeface="Consolas" panose="020B0609020204030204" pitchFamily="49" charset="0"/>
+              </a:rPr>
+              <a:t>//</a:t>
+            </a:r>
+            <a:r>
+              <a:rPr lang="en-US" smtClean="0">
+                <a:solidFill>
+                  <a:srgbClr val="0000FF"/>
+                </a:solidFill>
+                <a:latin typeface="Consolas" panose="020B0609020204030204" pitchFamily="49" charset="0"/>
+              </a:rPr>
+              <a:t> 2, 1, 42, 10, 7</a:t>
             </a:r>
           </a:p>
         </p:txBody>
@@ -20828,7 +21481,7 @@
     </p:spTree>
     <p:extLst>
       <p:ext uri="{BB962C8B-B14F-4D97-AF65-F5344CB8AC3E}">
-        <p14:creationId xmlns:p14="http://schemas.microsoft.com/office/powerpoint/2010/main" val="148657148"/>
+        <p14:creationId xmlns:p14="http://schemas.microsoft.com/office/powerpoint/2010/main" val="708707285"/>
       </p:ext>
     </p:extLst>
   </p:cSld>
@@ -20872,7 +21525,7 @@
           <a:p>
             <a:r>
               <a:rPr lang="ru-RU" smtClean="0"/>
-              <a:t>Литература</a:t>
+              <a:t>Заглядывая вперед</a:t>
             </a:r>
             <a:endParaRPr lang="en-US"/>
           </a:p>
@@ -20893,80 +21546,62 @@
           <a:bodyPr/>
           <a:lstStyle/>
           <a:p>
-            <a:pPr lvl="0"/>
-            <a:r>
-              <a:rPr lang="en-US"/>
-              <a:t>ISO/IEC, "Information technology -- Programming languages – C++", ISO/IEC 14882:2014, 2014</a:t>
-            </a:r>
-          </a:p>
-          <a:p>
-            <a:pPr lvl="0"/>
-            <a:r>
-              <a:rPr lang="en-US"/>
-              <a:t>The C++ Programming Language (4th Edition</a:t>
-            </a:r>
-            <a:r>
-              <a:rPr lang="en-US" smtClean="0"/>
-              <a:t>)</a:t>
-            </a:r>
-          </a:p>
-          <a:p>
-            <a:pPr lvl="0"/>
-            <a:r>
-              <a:rPr lang="en-US" smtClean="0"/>
-              <a:t>H. Abelson, G. J. Sussman, Structure </a:t>
-            </a:r>
-            <a:r>
-              <a:rPr lang="en-US"/>
-              <a:t>and Interpretation of Computer </a:t>
-            </a:r>
-            <a:r>
-              <a:rPr lang="en-US" smtClean="0"/>
-              <a:t>Programs, </a:t>
-            </a:r>
-            <a:r>
-              <a:rPr lang="en-US"/>
-              <a:t>2nd </a:t>
-            </a:r>
-            <a:r>
-              <a:rPr lang="en-US" smtClean="0"/>
-              <a:t>Edition, MIT Press, 1996</a:t>
-            </a:r>
-          </a:p>
-          <a:p>
-            <a:pPr lvl="0"/>
-            <a:r>
-              <a:rPr lang="en-US" smtClean="0"/>
-              <a:t>Scott </a:t>
-            </a:r>
-            <a:r>
-              <a:rPr lang="en-US"/>
-              <a:t>Meyers, Effective STL, 50 specific ways to improve your use of the standard template </a:t>
-            </a:r>
-            <a:r>
-              <a:rPr lang="en-US" smtClean="0"/>
-              <a:t>library, Addison-Wesley, 2001</a:t>
-            </a:r>
-            <a:endParaRPr lang="ru-RU" smtClean="0"/>
-          </a:p>
-          <a:p>
-            <a:pPr lvl="0"/>
-            <a:r>
-              <a:rPr lang="en-US"/>
-              <a:t>D. Abrahams, Unifying Generic Functions and Function </a:t>
-            </a:r>
-            <a:r>
-              <a:rPr lang="en-US" smtClean="0"/>
-              <a:t>Objects, C++Next'2012</a:t>
-            </a:r>
-            <a:endParaRPr lang="en-US"/>
+            <a:pPr marL="45720" indent="0">
+              <a:buNone/>
+            </a:pPr>
+            <a:r>
+              <a:rPr lang="en-US">
+                <a:latin typeface="Consolas" panose="020B0609020204030204" pitchFamily="49" charset="0"/>
+              </a:rPr>
+              <a:t>uniform_int_distribution&lt;&gt; d(0, 10</a:t>
+            </a:r>
+            <a:r>
+              <a:rPr lang="en-US" smtClean="0">
+                <a:latin typeface="Consolas" panose="020B0609020204030204" pitchFamily="49" charset="0"/>
+              </a:rPr>
+              <a:t>);</a:t>
+            </a:r>
+            <a:endParaRPr lang="ru-RU">
+              <a:latin typeface="Consolas" panose="020B0609020204030204" pitchFamily="49" charset="0"/>
+            </a:endParaRPr>
+          </a:p>
+          <a:p>
+            <a:pPr marL="45720" indent="0">
+              <a:buNone/>
+            </a:pPr>
+            <a:r>
+              <a:rPr lang="en-US" smtClean="0">
+                <a:latin typeface="Consolas" panose="020B0609020204030204" pitchFamily="49" charset="0"/>
+              </a:rPr>
+              <a:t>default_random_engine e;</a:t>
+            </a:r>
+            <a:endParaRPr lang="ru-RU">
+              <a:latin typeface="Consolas" panose="020B0609020204030204" pitchFamily="49" charset="0"/>
+            </a:endParaRPr>
+          </a:p>
+          <a:p>
+            <a:pPr marL="45720" indent="0">
+              <a:buNone/>
+            </a:pPr>
+            <a:r>
+              <a:rPr lang="en-US" smtClean="0">
+                <a:latin typeface="Consolas" panose="020B0609020204030204" pitchFamily="49" charset="0"/>
+              </a:rPr>
+              <a:t>function&lt;int</a:t>
+            </a:r>
+            <a:r>
+              <a:rPr lang="en-US">
+                <a:latin typeface="Consolas" panose="020B0609020204030204" pitchFamily="49" charset="0"/>
+              </a:rPr>
+              <a:t>()&gt; rnd = bind(d, e);</a:t>
+            </a:r>
           </a:p>
         </p:txBody>
       </p:sp>
     </p:spTree>
     <p:extLst>
       <p:ext uri="{BB962C8B-B14F-4D97-AF65-F5344CB8AC3E}">
-        <p14:creationId xmlns:p14="http://schemas.microsoft.com/office/powerpoint/2010/main" val="302305551"/>
+        <p14:creationId xmlns:p14="http://schemas.microsoft.com/office/powerpoint/2010/main" val="33436026"/>
       </p:ext>
     </p:extLst>
   </p:cSld>
@@ -21130,6 +21765,2202 @@
     <p:extLst>
       <p:ext uri="{BB962C8B-B14F-4D97-AF65-F5344CB8AC3E}">
         <p14:creationId xmlns:p14="http://schemas.microsoft.com/office/powerpoint/2010/main" val="3666096244"/>
+      </p:ext>
+    </p:extLst>
+  </p:cSld>
+  <p:clrMapOvr>
+    <a:masterClrMapping/>
+  </p:clrMapOvr>
+</p:sld>
+</file>
+
+<file path=ppt/slides/slide60.xml><?xml version="1.0" encoding="utf-8"?>
+<p:sld xmlns:a="http://schemas.openxmlformats.org/drawingml/2006/main" xmlns:r="http://schemas.openxmlformats.org/officeDocument/2006/relationships" xmlns:p="http://schemas.openxmlformats.org/presentationml/2006/main">
+  <p:cSld>
+    <p:spTree>
+      <p:nvGrpSpPr>
+        <p:cNvPr id="1" name=""/>
+        <p:cNvGrpSpPr/>
+        <p:nvPr/>
+      </p:nvGrpSpPr>
+      <p:grpSpPr>
+        <a:xfrm>
+          <a:off x="0" y="0"/>
+          <a:ext cx="0" cy="0"/>
+          <a:chOff x="0" y="0"/>
+          <a:chExt cx="0" cy="0"/>
+        </a:xfrm>
+      </p:grpSpPr>
+      <p:sp>
+        <p:nvSpPr>
+          <p:cNvPr id="2" name="Title 1"/>
+          <p:cNvSpPr>
+            <a:spLocks noGrp="1"/>
+          </p:cNvSpPr>
+          <p:nvPr>
+            <p:ph type="title"/>
+          </p:nvPr>
+        </p:nvSpPr>
+        <p:spPr/>
+        <p:txBody>
+          <a:bodyPr/>
+          <a:lstStyle/>
+          <a:p>
+            <a:r>
+              <a:rPr lang="ru-RU" smtClean="0"/>
+              <a:t>Обсуждение</a:t>
+            </a:r>
+            <a:endParaRPr lang="en-US"/>
+          </a:p>
+        </p:txBody>
+      </p:sp>
+      <p:sp>
+        <p:nvSpPr>
+          <p:cNvPr id="3" name="Content Placeholder 2"/>
+          <p:cNvSpPr>
+            <a:spLocks noGrp="1"/>
+          </p:cNvSpPr>
+          <p:nvPr>
+            <p:ph idx="1"/>
+          </p:nvPr>
+        </p:nvSpPr>
+        <p:spPr/>
+        <p:txBody>
+          <a:bodyPr/>
+          <a:lstStyle/>
+          <a:p>
+            <a:r>
+              <a:rPr lang="ru-RU" smtClean="0"/>
+              <a:t>Майерс не советовал использовать </a:t>
+            </a:r>
+            <a:r>
+              <a:rPr lang="en-US" smtClean="0"/>
+              <a:t>bind</a:t>
+            </a:r>
+            <a:endParaRPr lang="ru-RU" smtClean="0"/>
+          </a:p>
+          <a:p>
+            <a:pPr marL="45720" indent="0">
+              <a:buNone/>
+            </a:pPr>
+            <a:r>
+              <a:rPr lang="en-US">
+                <a:latin typeface="Consolas" panose="020B0609020204030204" pitchFamily="49" charset="0"/>
+              </a:rPr>
+              <a:t>uniform_int_distribution&lt;&gt; d(0, 10);</a:t>
+            </a:r>
+            <a:endParaRPr lang="ru-RU">
+              <a:latin typeface="Consolas" panose="020B0609020204030204" pitchFamily="49" charset="0"/>
+            </a:endParaRPr>
+          </a:p>
+          <a:p>
+            <a:pPr marL="45720" indent="0">
+              <a:buNone/>
+            </a:pPr>
+            <a:r>
+              <a:rPr lang="en-US">
+                <a:latin typeface="Consolas" panose="020B0609020204030204" pitchFamily="49" charset="0"/>
+              </a:rPr>
+              <a:t>default_random_engine e</a:t>
+            </a:r>
+            <a:r>
+              <a:rPr lang="en-US" smtClean="0">
+                <a:latin typeface="Consolas" panose="020B0609020204030204" pitchFamily="49" charset="0"/>
+              </a:rPr>
+              <a:t>;</a:t>
+            </a:r>
+            <a:endParaRPr lang="ru-RU" smtClean="0">
+              <a:latin typeface="Consolas" panose="020B0609020204030204" pitchFamily="49" charset="0"/>
+            </a:endParaRPr>
+          </a:p>
+          <a:p>
+            <a:pPr marL="45720" indent="0">
+              <a:buNone/>
+            </a:pPr>
+            <a:r>
+              <a:rPr lang="en-US">
+                <a:latin typeface="Consolas" panose="020B0609020204030204" pitchFamily="49" charset="0"/>
+              </a:rPr>
+              <a:t>function&lt;int()&gt; </a:t>
+            </a:r>
+            <a:r>
+              <a:rPr lang="en-US" smtClean="0">
+                <a:latin typeface="Consolas" panose="020B0609020204030204" pitchFamily="49" charset="0"/>
+              </a:rPr>
+              <a:t>rnd</a:t>
+            </a:r>
+            <a:r>
+              <a:rPr lang="ru-RU" smtClean="0">
+                <a:latin typeface="Consolas" panose="020B0609020204030204" pitchFamily="49" charset="0"/>
+              </a:rPr>
+              <a:t> = </a:t>
+            </a:r>
+            <a:r>
+              <a:rPr lang="en-US" smtClean="0">
+                <a:latin typeface="Consolas" panose="020B0609020204030204" pitchFamily="49" charset="0"/>
+              </a:rPr>
+              <a:t>[=]() { return d(e); }</a:t>
+            </a:r>
+            <a:endParaRPr lang="ru-RU">
+              <a:latin typeface="Consolas" panose="020B0609020204030204" pitchFamily="49" charset="0"/>
+            </a:endParaRPr>
+          </a:p>
+          <a:p>
+            <a:pPr marL="45720" indent="0">
+              <a:buNone/>
+            </a:pPr>
+            <a:endParaRPr lang="en-US"/>
+          </a:p>
+        </p:txBody>
+      </p:sp>
+    </p:spTree>
+    <p:extLst>
+      <p:ext uri="{BB962C8B-B14F-4D97-AF65-F5344CB8AC3E}">
+        <p14:creationId xmlns:p14="http://schemas.microsoft.com/office/powerpoint/2010/main" val="246834224"/>
+      </p:ext>
+    </p:extLst>
+  </p:cSld>
+  <p:clrMapOvr>
+    <a:masterClrMapping/>
+  </p:clrMapOvr>
+</p:sld>
+</file>
+
+<file path=ppt/slides/slide61.xml><?xml version="1.0" encoding="utf-8"?>
+<p:sld xmlns:a="http://schemas.openxmlformats.org/drawingml/2006/main" xmlns:r="http://schemas.openxmlformats.org/officeDocument/2006/relationships" xmlns:p="http://schemas.openxmlformats.org/presentationml/2006/main">
+  <p:cSld>
+    <p:spTree>
+      <p:nvGrpSpPr>
+        <p:cNvPr id="1" name=""/>
+        <p:cNvGrpSpPr/>
+        <p:nvPr/>
+      </p:nvGrpSpPr>
+      <p:grpSpPr>
+        <a:xfrm>
+          <a:off x="0" y="0"/>
+          <a:ext cx="0" cy="0"/>
+          <a:chOff x="0" y="0"/>
+          <a:chExt cx="0" cy="0"/>
+        </a:xfrm>
+      </p:grpSpPr>
+      <p:sp>
+        <p:nvSpPr>
+          <p:cNvPr id="3" name="Content Placeholder 2"/>
+          <p:cNvSpPr>
+            <a:spLocks noGrp="1"/>
+          </p:cNvSpPr>
+          <p:nvPr>
+            <p:ph idx="1"/>
+          </p:nvPr>
+        </p:nvSpPr>
+        <p:spPr>
+          <a:xfrm>
+            <a:off x="1143000" y="742122"/>
+            <a:ext cx="9872871" cy="5353878"/>
+          </a:xfrm>
+        </p:spPr>
+        <p:txBody>
+          <a:bodyPr>
+            <a:noAutofit/>
+          </a:bodyPr>
+          <a:lstStyle/>
+          <a:p>
+            <a:pPr>
+              <a:lnSpc>
+                <a:spcPct val="150000"/>
+              </a:lnSpc>
+              <a:buFont typeface="Wingdings" panose="05000000000000000000" pitchFamily="2" charset="2"/>
+              <a:buChar char="q"/>
+            </a:pPr>
+            <a:r>
+              <a:rPr lang="ru-RU" sz="4800" smtClean="0"/>
+              <a:t> Базовые </a:t>
+            </a:r>
+            <a:r>
+              <a:rPr lang="ru-RU" sz="4800" smtClean="0">
+                <a:sym typeface="Symbol" panose="05050102010706020507" pitchFamily="18" charset="2"/>
+              </a:rPr>
+              <a:t>-</a:t>
+            </a:r>
+            <a:r>
+              <a:rPr lang="ru-RU" sz="4800" smtClean="0"/>
+              <a:t>выражения</a:t>
+            </a:r>
+          </a:p>
+          <a:p>
+            <a:pPr>
+              <a:lnSpc>
+                <a:spcPct val="150000"/>
+              </a:lnSpc>
+              <a:buFont typeface="Wingdings" panose="05000000000000000000" pitchFamily="2" charset="2"/>
+              <a:buChar char="q"/>
+            </a:pPr>
+            <a:r>
+              <a:rPr lang="ru-RU" sz="4800" smtClean="0"/>
+              <a:t> Замыкания и захват</a:t>
+            </a:r>
+            <a:endParaRPr lang="en-US" sz="4800" smtClean="0"/>
+          </a:p>
+          <a:p>
+            <a:pPr>
+              <a:lnSpc>
+                <a:spcPct val="150000"/>
+              </a:lnSpc>
+              <a:buFont typeface="Wingdings" panose="05000000000000000000" pitchFamily="2" charset="2"/>
+              <a:buChar char="q"/>
+            </a:pPr>
+            <a:r>
+              <a:rPr lang="en-US" sz="4800" smtClean="0"/>
+              <a:t> </a:t>
+            </a:r>
+            <a:r>
+              <a:rPr lang="ru-RU" sz="4800" smtClean="0"/>
+              <a:t>Типизация и связывание</a:t>
+            </a:r>
+          </a:p>
+          <a:p>
+            <a:pPr>
+              <a:lnSpc>
+                <a:spcPct val="150000"/>
+              </a:lnSpc>
+              <a:buFont typeface="Wingdings" panose="05000000000000000000" pitchFamily="2" charset="2"/>
+              <a:buChar char="Ø"/>
+            </a:pPr>
+            <a:r>
+              <a:rPr lang="ru-RU" sz="4800" smtClean="0"/>
+              <a:t> Функциональная подсистема</a:t>
+            </a:r>
+          </a:p>
+        </p:txBody>
+      </p:sp>
+    </p:spTree>
+    <p:extLst>
+      <p:ext uri="{BB962C8B-B14F-4D97-AF65-F5344CB8AC3E}">
+        <p14:creationId xmlns:p14="http://schemas.microsoft.com/office/powerpoint/2010/main" val="148657148"/>
+      </p:ext>
+    </p:extLst>
+  </p:cSld>
+  <p:clrMapOvr>
+    <a:masterClrMapping/>
+  </p:clrMapOvr>
+</p:sld>
+</file>
+
+<file path=ppt/slides/slide62.xml><?xml version="1.0" encoding="utf-8"?>
+<p:sld xmlns:a="http://schemas.openxmlformats.org/drawingml/2006/main" xmlns:r="http://schemas.openxmlformats.org/officeDocument/2006/relationships" xmlns:p="http://schemas.openxmlformats.org/presentationml/2006/main">
+  <p:cSld>
+    <p:spTree>
+      <p:nvGrpSpPr>
+        <p:cNvPr id="1" name=""/>
+        <p:cNvGrpSpPr/>
+        <p:nvPr/>
+      </p:nvGrpSpPr>
+      <p:grpSpPr>
+        <a:xfrm>
+          <a:off x="0" y="0"/>
+          <a:ext cx="0" cy="0"/>
+          <a:chOff x="0" y="0"/>
+          <a:chExt cx="0" cy="0"/>
+        </a:xfrm>
+      </p:grpSpPr>
+      <p:sp>
+        <p:nvSpPr>
+          <p:cNvPr id="2" name="Title 1"/>
+          <p:cNvSpPr>
+            <a:spLocks noGrp="1"/>
+          </p:cNvSpPr>
+          <p:nvPr>
+            <p:ph type="title"/>
+          </p:nvPr>
+        </p:nvSpPr>
+        <p:spPr/>
+        <p:txBody>
+          <a:bodyPr/>
+          <a:lstStyle/>
+          <a:p>
+            <a:r>
+              <a:rPr lang="ru-RU" smtClean="0"/>
+              <a:t>Последовательность исполнения</a:t>
+            </a:r>
+            <a:endParaRPr lang="en-US"/>
+          </a:p>
+        </p:txBody>
+      </p:sp>
+      <p:sp>
+        <p:nvSpPr>
+          <p:cNvPr id="4" name="Content Placeholder 3"/>
+          <p:cNvSpPr>
+            <a:spLocks noGrp="1"/>
+          </p:cNvSpPr>
+          <p:nvPr>
+            <p:ph idx="1"/>
+          </p:nvPr>
+        </p:nvSpPr>
+        <p:spPr/>
+        <p:txBody>
+          <a:bodyPr>
+            <a:normAutofit/>
+          </a:bodyPr>
+          <a:lstStyle/>
+          <a:p>
+            <a:pPr marL="45720" indent="0">
+              <a:lnSpc>
+                <a:spcPct val="150000"/>
+              </a:lnSpc>
+              <a:buNone/>
+            </a:pPr>
+            <a:r>
+              <a:rPr lang="en-US" sz="3200" smtClean="0"/>
+              <a:t>y = buz</a:t>
+            </a:r>
+            <a:r>
+              <a:rPr lang="ru-RU" sz="3200" smtClean="0"/>
+              <a:t> (</a:t>
+            </a:r>
+            <a:r>
+              <a:rPr lang="en-US" sz="3200" smtClean="0"/>
+              <a:t>foo (), bar ())</a:t>
+            </a:r>
+          </a:p>
+          <a:p>
+            <a:pPr marL="45720" indent="0">
+              <a:lnSpc>
+                <a:spcPct val="150000"/>
+              </a:lnSpc>
+              <a:buNone/>
+            </a:pPr>
+            <a:r>
+              <a:rPr lang="pl-PL" sz="3200" smtClean="0"/>
+              <a:t>x </a:t>
+            </a:r>
+            <a:r>
+              <a:rPr lang="pl-PL" sz="3200"/>
+              <a:t>= foo </a:t>
+            </a:r>
+            <a:r>
+              <a:rPr lang="pl-PL" sz="3200" smtClean="0"/>
+              <a:t>();</a:t>
+            </a:r>
+            <a:r>
+              <a:rPr lang="en-US" sz="3200" smtClean="0"/>
+              <a:t> </a:t>
+            </a:r>
+            <a:r>
+              <a:rPr lang="pl-PL" sz="3200" smtClean="0"/>
+              <a:t>z </a:t>
+            </a:r>
+            <a:r>
+              <a:rPr lang="pl-PL" sz="3200"/>
+              <a:t>= bar </a:t>
+            </a:r>
+            <a:r>
+              <a:rPr lang="pl-PL" sz="3200" smtClean="0"/>
+              <a:t>();</a:t>
+            </a:r>
+            <a:r>
+              <a:rPr lang="en-US" sz="3200" smtClean="0"/>
+              <a:t> </a:t>
+            </a:r>
+            <a:r>
+              <a:rPr lang="pl-PL" sz="3200" smtClean="0"/>
+              <a:t>y </a:t>
+            </a:r>
+            <a:r>
+              <a:rPr lang="pl-PL" sz="3200"/>
+              <a:t>= </a:t>
+            </a:r>
+            <a:r>
+              <a:rPr lang="pl-PL" sz="3200" smtClean="0"/>
+              <a:t>buz </a:t>
+            </a:r>
+            <a:r>
+              <a:rPr lang="pl-PL" sz="3200"/>
+              <a:t>(x, z</a:t>
+            </a:r>
+            <a:r>
+              <a:rPr lang="pl-PL" sz="3200" smtClean="0"/>
+              <a:t>);</a:t>
+            </a:r>
+            <a:r>
+              <a:rPr lang="en-US" sz="3200" smtClean="0"/>
+              <a:t> </a:t>
+            </a:r>
+            <a:r>
+              <a:rPr lang="en-US" sz="3200" smtClean="0">
+                <a:solidFill>
+                  <a:srgbClr val="0000FF"/>
+                </a:solidFill>
+              </a:rPr>
+              <a:t>// State</a:t>
+            </a:r>
+          </a:p>
+          <a:p>
+            <a:pPr marL="45720" indent="0">
+              <a:lnSpc>
+                <a:spcPct val="150000"/>
+              </a:lnSpc>
+              <a:buNone/>
+            </a:pPr>
+            <a:r>
+              <a:rPr lang="en-US" sz="3200" smtClean="0"/>
+              <a:t>x </a:t>
+            </a:r>
+            <a:r>
+              <a:rPr lang="en-US" sz="3200"/>
+              <a:t>= </a:t>
+            </a:r>
+            <a:r>
+              <a:rPr lang="en-US" sz="3200" smtClean="0"/>
+              <a:t>foo () &amp;&amp; z </a:t>
+            </a:r>
+            <a:r>
+              <a:rPr lang="en-US" sz="3200"/>
+              <a:t>= </a:t>
+            </a:r>
+            <a:r>
+              <a:rPr lang="en-US" sz="3200" smtClean="0"/>
+              <a:t>bar () &amp;&amp; y </a:t>
+            </a:r>
+            <a:r>
+              <a:rPr lang="en-US" sz="3200"/>
+              <a:t>= </a:t>
+            </a:r>
+            <a:r>
+              <a:rPr lang="en-US" sz="3200" smtClean="0"/>
+              <a:t>buz (x, z); </a:t>
+            </a:r>
+            <a:r>
+              <a:rPr lang="en-US" sz="3200" smtClean="0">
+                <a:solidFill>
+                  <a:srgbClr val="0000FF"/>
+                </a:solidFill>
+              </a:rPr>
+              <a:t>// Maybe</a:t>
+            </a:r>
+          </a:p>
+          <a:p>
+            <a:pPr marL="45720" indent="0">
+              <a:lnSpc>
+                <a:spcPct val="150000"/>
+              </a:lnSpc>
+              <a:buNone/>
+            </a:pPr>
+            <a:r>
+              <a:rPr lang="en-US" sz="3200" smtClean="0"/>
+              <a:t>x = foo () </a:t>
+            </a:r>
+            <a:r>
+              <a:rPr lang="en-US" sz="3200" smtClean="0">
+                <a:solidFill>
+                  <a:srgbClr val="0000FF"/>
+                </a:solidFill>
+                <a:sym typeface="Symbol" panose="05050102010706020507" pitchFamily="18" charset="2"/>
+              </a:rPr>
+              <a:t></a:t>
+            </a:r>
+            <a:r>
+              <a:rPr lang="en-US" sz="3200" smtClean="0">
+                <a:solidFill>
+                  <a:srgbClr val="0000FF"/>
+                </a:solidFill>
+              </a:rPr>
+              <a:t> </a:t>
+            </a:r>
+            <a:r>
+              <a:rPr lang="en-US" sz="3200"/>
+              <a:t>z = bar </a:t>
+            </a:r>
+            <a:r>
+              <a:rPr lang="en-US" sz="3200" smtClean="0"/>
+              <a:t>()</a:t>
+            </a:r>
+            <a:r>
+              <a:rPr lang="en-US" sz="3200">
+                <a:sym typeface="Symbol" panose="05050102010706020507" pitchFamily="18" charset="2"/>
+              </a:rPr>
+              <a:t> </a:t>
+            </a:r>
+            <a:r>
+              <a:rPr lang="en-US" sz="3200" smtClean="0">
+                <a:solidFill>
+                  <a:srgbClr val="0000FF"/>
+                </a:solidFill>
+                <a:sym typeface="Symbol" panose="05050102010706020507" pitchFamily="18" charset="2"/>
+              </a:rPr>
+              <a:t></a:t>
+            </a:r>
+            <a:r>
+              <a:rPr lang="en-US" sz="3200"/>
+              <a:t>y = buz (x, z</a:t>
+            </a:r>
+            <a:r>
+              <a:rPr lang="en-US" sz="3200" smtClean="0"/>
+              <a:t>); </a:t>
+            </a:r>
+            <a:r>
+              <a:rPr lang="en-US" sz="3200" smtClean="0">
+                <a:solidFill>
+                  <a:srgbClr val="0000FF"/>
+                </a:solidFill>
+              </a:rPr>
+              <a:t>// General monad</a:t>
+            </a:r>
+            <a:endParaRPr lang="en-US" sz="3200">
+              <a:solidFill>
+                <a:srgbClr val="0000FF"/>
+              </a:solidFill>
+            </a:endParaRPr>
+          </a:p>
+        </p:txBody>
+      </p:sp>
+    </p:spTree>
+    <p:extLst>
+      <p:ext uri="{BB962C8B-B14F-4D97-AF65-F5344CB8AC3E}">
+        <p14:creationId xmlns:p14="http://schemas.microsoft.com/office/powerpoint/2010/main" val="1948899433"/>
+      </p:ext>
+    </p:extLst>
+  </p:cSld>
+  <p:clrMapOvr>
+    <a:masterClrMapping/>
+  </p:clrMapOvr>
+</p:sld>
+</file>
+
+<file path=ppt/slides/slide63.xml><?xml version="1.0" encoding="utf-8"?>
+<p:sld xmlns:a="http://schemas.openxmlformats.org/drawingml/2006/main" xmlns:r="http://schemas.openxmlformats.org/officeDocument/2006/relationships" xmlns:p="http://schemas.openxmlformats.org/presentationml/2006/main">
+  <p:cSld>
+    <p:spTree>
+      <p:nvGrpSpPr>
+        <p:cNvPr id="1" name=""/>
+        <p:cNvGrpSpPr/>
+        <p:nvPr/>
+      </p:nvGrpSpPr>
+      <p:grpSpPr>
+        <a:xfrm>
+          <a:off x="0" y="0"/>
+          <a:ext cx="0" cy="0"/>
+          <a:chOff x="0" y="0"/>
+          <a:chExt cx="0" cy="0"/>
+        </a:xfrm>
+      </p:grpSpPr>
+      <p:sp>
+        <p:nvSpPr>
+          <p:cNvPr id="2" name="Title 1"/>
+          <p:cNvSpPr>
+            <a:spLocks noGrp="1"/>
+          </p:cNvSpPr>
+          <p:nvPr>
+            <p:ph type="title"/>
+          </p:nvPr>
+        </p:nvSpPr>
+        <p:spPr/>
+        <p:txBody>
+          <a:bodyPr/>
+          <a:lstStyle/>
+          <a:p>
+            <a:r>
+              <a:rPr lang="ru-RU" smtClean="0"/>
+              <a:t>Монады</a:t>
+            </a:r>
+            <a:endParaRPr lang="en-US"/>
+          </a:p>
+        </p:txBody>
+      </p:sp>
+      <p:sp>
+        <p:nvSpPr>
+          <p:cNvPr id="3" name="Content Placeholder 2"/>
+          <p:cNvSpPr>
+            <a:spLocks noGrp="1"/>
+          </p:cNvSpPr>
+          <p:nvPr>
+            <p:ph idx="1"/>
+          </p:nvPr>
+        </p:nvSpPr>
+        <p:spPr/>
+        <p:txBody>
+          <a:bodyPr/>
+          <a:lstStyle/>
+          <a:p>
+            <a:pPr marL="45720" indent="0">
+              <a:buNone/>
+            </a:pPr>
+            <a:r>
+              <a:rPr lang="ru-RU" smtClean="0"/>
+              <a:t>Монада вообще требует трёх функций:</a:t>
+            </a:r>
+          </a:p>
+          <a:p>
+            <a:r>
+              <a:rPr lang="ru-RU"/>
+              <a:t>(&gt;&gt;=) :: m a -&gt; (a -&gt; m b) -&gt; m </a:t>
+            </a:r>
+            <a:r>
+              <a:rPr lang="ru-RU" smtClean="0"/>
+              <a:t>b</a:t>
+            </a:r>
+          </a:p>
+          <a:p>
+            <a:r>
+              <a:rPr lang="ru-RU"/>
+              <a:t>(&gt;&gt;) :: m a -&gt; m b -&gt; m </a:t>
+            </a:r>
+            <a:r>
+              <a:rPr lang="ru-RU" smtClean="0"/>
+              <a:t>b </a:t>
+            </a:r>
+            <a:r>
+              <a:rPr lang="en-US" smtClean="0"/>
+              <a:t>(</a:t>
+            </a:r>
+            <a:r>
+              <a:rPr lang="ru-RU" smtClean="0"/>
+              <a:t>по умолчанию </a:t>
+            </a:r>
+            <a:r>
+              <a:rPr lang="ru-RU"/>
+              <a:t>a &gt;&gt; b = a &gt;&gt;= \_ -&gt; </a:t>
+            </a:r>
+            <a:r>
+              <a:rPr lang="ru-RU" smtClean="0"/>
+              <a:t>b)</a:t>
+            </a:r>
+          </a:p>
+          <a:p>
+            <a:r>
+              <a:rPr lang="ru-RU"/>
+              <a:t>return :: a -&gt; m </a:t>
+            </a:r>
+            <a:r>
+              <a:rPr lang="ru-RU" smtClean="0"/>
+              <a:t>a</a:t>
+            </a:r>
+          </a:p>
+          <a:p>
+            <a:pPr marL="45720" indent="0">
+              <a:buNone/>
+            </a:pPr>
+            <a:r>
+              <a:rPr lang="ru-RU" smtClean="0"/>
+              <a:t>Пример нетривиальной монады: </a:t>
+            </a:r>
+            <a:r>
+              <a:rPr lang="en-US" smtClean="0"/>
+              <a:t>List. </a:t>
+            </a:r>
+            <a:r>
+              <a:rPr lang="ru-RU" smtClean="0"/>
+              <a:t>При пустом списке вычисления прерываются, при непустом он отдается следующему поэлементному обработчику.</a:t>
+            </a:r>
+            <a:endParaRPr lang="en-US"/>
+          </a:p>
+        </p:txBody>
+      </p:sp>
+    </p:spTree>
+    <p:extLst>
+      <p:ext uri="{BB962C8B-B14F-4D97-AF65-F5344CB8AC3E}">
+        <p14:creationId xmlns:p14="http://schemas.microsoft.com/office/powerpoint/2010/main" val="168837027"/>
+      </p:ext>
+    </p:extLst>
+  </p:cSld>
+  <p:clrMapOvr>
+    <a:masterClrMapping/>
+  </p:clrMapOvr>
+</p:sld>
+</file>
+
+<file path=ppt/slides/slide64.xml><?xml version="1.0" encoding="utf-8"?>
+<p:sld xmlns:a="http://schemas.openxmlformats.org/drawingml/2006/main" xmlns:r="http://schemas.openxmlformats.org/officeDocument/2006/relationships" xmlns:p="http://schemas.openxmlformats.org/presentationml/2006/main">
+  <p:cSld>
+    <p:spTree>
+      <p:nvGrpSpPr>
+        <p:cNvPr id="1" name=""/>
+        <p:cNvGrpSpPr/>
+        <p:nvPr/>
+      </p:nvGrpSpPr>
+      <p:grpSpPr>
+        <a:xfrm>
+          <a:off x="0" y="0"/>
+          <a:ext cx="0" cy="0"/>
+          <a:chOff x="0" y="0"/>
+          <a:chExt cx="0" cy="0"/>
+        </a:xfrm>
+      </p:grpSpPr>
+      <p:sp>
+        <p:nvSpPr>
+          <p:cNvPr id="2" name="Title 1"/>
+          <p:cNvSpPr>
+            <a:spLocks noGrp="1"/>
+          </p:cNvSpPr>
+          <p:nvPr>
+            <p:ph type="title"/>
+          </p:nvPr>
+        </p:nvSpPr>
+        <p:spPr/>
+        <p:txBody>
+          <a:bodyPr/>
+          <a:lstStyle/>
+          <a:p>
+            <a:r>
+              <a:rPr lang="ru-RU" smtClean="0"/>
+              <a:t>Функциональный список</a:t>
+            </a:r>
+            <a:endParaRPr lang="en-US"/>
+          </a:p>
+        </p:txBody>
+      </p:sp>
+      <p:sp>
+        <p:nvSpPr>
+          <p:cNvPr id="3" name="Content Placeholder 2"/>
+          <p:cNvSpPr>
+            <a:spLocks noGrp="1"/>
+          </p:cNvSpPr>
+          <p:nvPr>
+            <p:ph idx="1"/>
+          </p:nvPr>
+        </p:nvSpPr>
+        <p:spPr/>
+        <p:txBody>
+          <a:bodyPr>
+            <a:normAutofit/>
+          </a:bodyPr>
+          <a:lstStyle/>
+          <a:p>
+            <a:pPr marL="45720" indent="0">
+              <a:buNone/>
+            </a:pPr>
+            <a:r>
+              <a:rPr lang="en-US" sz="2000">
+                <a:latin typeface="Consolas" panose="020B0609020204030204" pitchFamily="49" charset="0"/>
+              </a:rPr>
+              <a:t>auto List = [](auto ... xs) </a:t>
+            </a:r>
+            <a:r>
+              <a:rPr lang="en-US" sz="2000" smtClean="0">
+                <a:latin typeface="Consolas" panose="020B0609020204030204" pitchFamily="49" charset="0"/>
+              </a:rPr>
+              <a:t>{</a:t>
+            </a:r>
+            <a:br>
+              <a:rPr lang="en-US" sz="2000" smtClean="0">
+                <a:latin typeface="Consolas" panose="020B0609020204030204" pitchFamily="49" charset="0"/>
+              </a:rPr>
+            </a:br>
+            <a:r>
+              <a:rPr lang="en-US" sz="2000" smtClean="0">
+                <a:latin typeface="Consolas" panose="020B0609020204030204" pitchFamily="49" charset="0"/>
+              </a:rPr>
+              <a:t>  return </a:t>
+            </a:r>
+            <a:r>
+              <a:rPr lang="en-US" sz="2000">
+                <a:latin typeface="Consolas" panose="020B0609020204030204" pitchFamily="49" charset="0"/>
+              </a:rPr>
+              <a:t>[=](auto access) </a:t>
+            </a:r>
+            <a:r>
+              <a:rPr lang="en-US" sz="2000" smtClean="0">
+                <a:latin typeface="Consolas" panose="020B0609020204030204" pitchFamily="49" charset="0"/>
+              </a:rPr>
+              <a:t>{ return </a:t>
+            </a:r>
+            <a:r>
+              <a:rPr lang="en-US" sz="2000">
+                <a:latin typeface="Consolas" panose="020B0609020204030204" pitchFamily="49" charset="0"/>
+              </a:rPr>
+              <a:t>access(xs</a:t>
+            </a:r>
+            <a:r>
+              <a:rPr lang="en-US" sz="2000" smtClean="0">
+                <a:latin typeface="Consolas" panose="020B0609020204030204" pitchFamily="49" charset="0"/>
+              </a:rPr>
+              <a:t>...); };</a:t>
+            </a:r>
+            <a:br>
+              <a:rPr lang="en-US" sz="2000" smtClean="0">
+                <a:latin typeface="Consolas" panose="020B0609020204030204" pitchFamily="49" charset="0"/>
+              </a:rPr>
+            </a:br>
+            <a:r>
+              <a:rPr lang="en-US" sz="2000" smtClean="0">
+                <a:latin typeface="Consolas" panose="020B0609020204030204" pitchFamily="49" charset="0"/>
+              </a:rPr>
+              <a:t>};</a:t>
+            </a:r>
+            <a:endParaRPr lang="ru-RU" sz="2000" smtClean="0">
+              <a:latin typeface="Consolas" panose="020B0609020204030204" pitchFamily="49" charset="0"/>
+            </a:endParaRPr>
+          </a:p>
+          <a:p>
+            <a:pPr marL="45720" indent="0">
+              <a:buNone/>
+            </a:pPr>
+            <a:r>
+              <a:rPr lang="en-US" sz="2000" smtClean="0">
+                <a:latin typeface="Consolas" panose="020B0609020204030204" pitchFamily="49" charset="0"/>
+              </a:rPr>
+              <a:t>auto </a:t>
+            </a:r>
+            <a:r>
+              <a:rPr lang="en-US" sz="2000">
+                <a:latin typeface="Consolas" panose="020B0609020204030204" pitchFamily="49" charset="0"/>
+              </a:rPr>
+              <a:t>head = [](auto xs) </a:t>
+            </a:r>
+            <a:r>
+              <a:rPr lang="en-US" sz="2000" smtClean="0">
+                <a:latin typeface="Consolas" panose="020B0609020204030204" pitchFamily="49" charset="0"/>
+              </a:rPr>
+              <a:t>{</a:t>
+            </a:r>
+            <a:br>
+              <a:rPr lang="en-US" sz="2000" smtClean="0">
+                <a:latin typeface="Consolas" panose="020B0609020204030204" pitchFamily="49" charset="0"/>
+              </a:rPr>
+            </a:br>
+            <a:r>
+              <a:rPr lang="en-US" sz="2000" smtClean="0">
+                <a:latin typeface="Consolas" panose="020B0609020204030204" pitchFamily="49" charset="0"/>
+              </a:rPr>
+              <a:t>  </a:t>
+            </a:r>
+            <a:r>
+              <a:rPr lang="en-US" sz="2000">
+                <a:latin typeface="Consolas" panose="020B0609020204030204" pitchFamily="49" charset="0"/>
+              </a:rPr>
+              <a:t>return xs([](auto first, auto ... rest) { </a:t>
+            </a:r>
+            <a:r>
+              <a:rPr lang="en-US" sz="2000" smtClean="0">
+                <a:latin typeface="Consolas" panose="020B0609020204030204" pitchFamily="49" charset="0"/>
+              </a:rPr>
+              <a:t>return </a:t>
+            </a:r>
+            <a:r>
+              <a:rPr lang="en-US" sz="2000">
+                <a:latin typeface="Consolas" panose="020B0609020204030204" pitchFamily="49" charset="0"/>
+              </a:rPr>
+              <a:t>first</a:t>
+            </a:r>
+            <a:r>
+              <a:rPr lang="en-US" sz="2000" smtClean="0">
+                <a:latin typeface="Consolas" panose="020B0609020204030204" pitchFamily="49" charset="0"/>
+              </a:rPr>
+              <a:t>; });</a:t>
+            </a:r>
+            <a:br>
+              <a:rPr lang="en-US" sz="2000" smtClean="0">
+                <a:latin typeface="Consolas" panose="020B0609020204030204" pitchFamily="49" charset="0"/>
+              </a:rPr>
+            </a:br>
+            <a:r>
+              <a:rPr lang="en-US" sz="2000" smtClean="0">
+                <a:latin typeface="Consolas" panose="020B0609020204030204" pitchFamily="49" charset="0"/>
+              </a:rPr>
+              <a:t>};</a:t>
+            </a:r>
+          </a:p>
+          <a:p>
+            <a:pPr marL="45720" indent="0">
+              <a:buNone/>
+            </a:pPr>
+            <a:r>
+              <a:rPr lang="en-US" sz="2000" smtClean="0">
+                <a:latin typeface="Consolas" panose="020B0609020204030204" pitchFamily="49" charset="0"/>
+              </a:rPr>
+              <a:t>auto </a:t>
+            </a:r>
+            <a:r>
+              <a:rPr lang="en-US" sz="2000">
+                <a:latin typeface="Consolas" panose="020B0609020204030204" pitchFamily="49" charset="0"/>
+              </a:rPr>
+              <a:t>tail = [](auto xs) </a:t>
+            </a:r>
+            <a:r>
+              <a:rPr lang="en-US" sz="2000" smtClean="0">
+                <a:latin typeface="Consolas" panose="020B0609020204030204" pitchFamily="49" charset="0"/>
+              </a:rPr>
+              <a:t>{</a:t>
+            </a:r>
+            <a:br>
+              <a:rPr lang="en-US" sz="2000" smtClean="0">
+                <a:latin typeface="Consolas" panose="020B0609020204030204" pitchFamily="49" charset="0"/>
+              </a:rPr>
+            </a:br>
+            <a:r>
+              <a:rPr lang="en-US" sz="2000" smtClean="0">
+                <a:latin typeface="Consolas" panose="020B0609020204030204" pitchFamily="49" charset="0"/>
+              </a:rPr>
+              <a:t>  return </a:t>
+            </a:r>
+            <a:r>
+              <a:rPr lang="en-US" sz="2000">
+                <a:latin typeface="Consolas" panose="020B0609020204030204" pitchFamily="49" charset="0"/>
+              </a:rPr>
+              <a:t>xs([](auto first, auto ... rest) </a:t>
+            </a:r>
+            <a:r>
+              <a:rPr lang="en-US" sz="2000" smtClean="0">
+                <a:latin typeface="Consolas" panose="020B0609020204030204" pitchFamily="49" charset="0"/>
+              </a:rPr>
+              <a:t>{ return List(rest...); });</a:t>
+            </a:r>
+            <a:br>
+              <a:rPr lang="en-US" sz="2000" smtClean="0">
+                <a:latin typeface="Consolas" panose="020B0609020204030204" pitchFamily="49" charset="0"/>
+              </a:rPr>
+            </a:br>
+            <a:r>
+              <a:rPr lang="en-US" sz="2000" smtClean="0">
+                <a:latin typeface="Consolas" panose="020B0609020204030204" pitchFamily="49" charset="0"/>
+              </a:rPr>
+              <a:t>};</a:t>
+            </a:r>
+            <a:endParaRPr lang="ru-RU" sz="2000" smtClean="0">
+              <a:latin typeface="Consolas" panose="020B0609020204030204" pitchFamily="49" charset="0"/>
+            </a:endParaRPr>
+          </a:p>
+          <a:p>
+            <a:pPr marL="45720" indent="0">
+              <a:buNone/>
+            </a:pPr>
+            <a:r>
+              <a:rPr lang="en-US" sz="2000" smtClean="0">
+                <a:latin typeface="Consolas" panose="020B0609020204030204" pitchFamily="49" charset="0"/>
+              </a:rPr>
+              <a:t>auto </a:t>
+            </a:r>
+            <a:r>
+              <a:rPr lang="en-US" sz="2000">
+                <a:latin typeface="Consolas" panose="020B0609020204030204" pitchFamily="49" charset="0"/>
+              </a:rPr>
+              <a:t>length = [](auto xs) { </a:t>
+            </a:r>
+            <a:r>
+              <a:rPr lang="en-US" sz="2000" smtClean="0">
+                <a:latin typeface="Consolas" panose="020B0609020204030204" pitchFamily="49" charset="0"/>
+              </a:rPr>
+              <a:t/>
+            </a:r>
+            <a:br>
+              <a:rPr lang="en-US" sz="2000" smtClean="0">
+                <a:latin typeface="Consolas" panose="020B0609020204030204" pitchFamily="49" charset="0"/>
+              </a:rPr>
+            </a:br>
+            <a:r>
+              <a:rPr lang="en-US" sz="2000" smtClean="0">
+                <a:latin typeface="Consolas" panose="020B0609020204030204" pitchFamily="49" charset="0"/>
+              </a:rPr>
+              <a:t>  return </a:t>
+            </a:r>
+            <a:r>
+              <a:rPr lang="en-US" sz="2000">
+                <a:latin typeface="Consolas" panose="020B0609020204030204" pitchFamily="49" charset="0"/>
+              </a:rPr>
+              <a:t>xs([](auto ... z) { return sizeof...(z); </a:t>
+            </a:r>
+            <a:r>
+              <a:rPr lang="en-US" sz="2000" smtClean="0">
+                <a:latin typeface="Consolas" panose="020B0609020204030204" pitchFamily="49" charset="0"/>
+              </a:rPr>
+              <a:t>});</a:t>
+            </a:r>
+            <a:br>
+              <a:rPr lang="en-US" sz="2000" smtClean="0">
+                <a:latin typeface="Consolas" panose="020B0609020204030204" pitchFamily="49" charset="0"/>
+              </a:rPr>
+            </a:br>
+            <a:r>
+              <a:rPr lang="en-US" sz="2000" smtClean="0">
+                <a:latin typeface="Consolas" panose="020B0609020204030204" pitchFamily="49" charset="0"/>
+              </a:rPr>
+              <a:t>};</a:t>
+            </a:r>
+          </a:p>
+          <a:p>
+            <a:pPr marL="45720" indent="0">
+              <a:buNone/>
+            </a:pPr>
+            <a:r>
+              <a:rPr lang="en-US" sz="2000">
+                <a:latin typeface="Consolas" panose="020B0609020204030204" pitchFamily="49" charset="0"/>
+              </a:rPr>
+              <a:t>auto three = length(List(1, '2', "3"));</a:t>
+            </a:r>
+          </a:p>
+        </p:txBody>
+      </p:sp>
+    </p:spTree>
+    <p:extLst>
+      <p:ext uri="{BB962C8B-B14F-4D97-AF65-F5344CB8AC3E}">
+        <p14:creationId xmlns:p14="http://schemas.microsoft.com/office/powerpoint/2010/main" val="3788236051"/>
+      </p:ext>
+    </p:extLst>
+  </p:cSld>
+  <p:clrMapOvr>
+    <a:masterClrMapping/>
+  </p:clrMapOvr>
+</p:sld>
+</file>
+
+<file path=ppt/slides/slide65.xml><?xml version="1.0" encoding="utf-8"?>
+<p:sld xmlns:a="http://schemas.openxmlformats.org/drawingml/2006/main" xmlns:r="http://schemas.openxmlformats.org/officeDocument/2006/relationships" xmlns:p="http://schemas.openxmlformats.org/presentationml/2006/main">
+  <p:cSld>
+    <p:spTree>
+      <p:nvGrpSpPr>
+        <p:cNvPr id="1" name=""/>
+        <p:cNvGrpSpPr/>
+        <p:nvPr/>
+      </p:nvGrpSpPr>
+      <p:grpSpPr>
+        <a:xfrm>
+          <a:off x="0" y="0"/>
+          <a:ext cx="0" cy="0"/>
+          <a:chOff x="0" y="0"/>
+          <a:chExt cx="0" cy="0"/>
+        </a:xfrm>
+      </p:grpSpPr>
+      <p:sp>
+        <p:nvSpPr>
+          <p:cNvPr id="2" name="Title 1"/>
+          <p:cNvSpPr>
+            <a:spLocks noGrp="1"/>
+          </p:cNvSpPr>
+          <p:nvPr>
+            <p:ph type="title"/>
+          </p:nvPr>
+        </p:nvSpPr>
+        <p:spPr/>
+        <p:txBody>
+          <a:bodyPr/>
+          <a:lstStyle/>
+          <a:p>
+            <a:r>
+              <a:rPr lang="en-US" smtClean="0"/>
+              <a:t>Fmap</a:t>
+            </a:r>
+            <a:endParaRPr lang="en-US"/>
+          </a:p>
+        </p:txBody>
+      </p:sp>
+      <p:sp>
+        <p:nvSpPr>
+          <p:cNvPr id="3" name="Content Placeholder 2"/>
+          <p:cNvSpPr>
+            <a:spLocks noGrp="1"/>
+          </p:cNvSpPr>
+          <p:nvPr>
+            <p:ph idx="1"/>
+          </p:nvPr>
+        </p:nvSpPr>
+        <p:spPr/>
+        <p:txBody>
+          <a:bodyPr/>
+          <a:lstStyle/>
+          <a:p>
+            <a:r>
+              <a:rPr lang="ru-RU" smtClean="0"/>
+              <a:t>Функтор </a:t>
+            </a:r>
+            <a:r>
+              <a:rPr lang="en-US" smtClean="0"/>
+              <a:t>fmap:</a:t>
+            </a:r>
+            <a:r>
+              <a:rPr lang="ru-RU" smtClean="0"/>
+              <a:t> применяет функцию (первый аргумент) к списку (второй аргумент) поэлементно.</a:t>
+            </a:r>
+            <a:endParaRPr lang="en-US" smtClean="0"/>
+          </a:p>
+          <a:p>
+            <a:pPr marL="45720" indent="0">
+              <a:buNone/>
+            </a:pPr>
+            <a:r>
+              <a:rPr lang="en-US" sz="2000">
+                <a:latin typeface="Consolas" panose="020B0609020204030204" pitchFamily="49" charset="0"/>
+              </a:rPr>
+              <a:t>fmap: (a -&gt; b) -&gt; list[a] -&gt; list[b</a:t>
+            </a:r>
+            <a:r>
+              <a:rPr lang="en-US" sz="2000" smtClean="0">
+                <a:latin typeface="Consolas" panose="020B0609020204030204" pitchFamily="49" charset="0"/>
+              </a:rPr>
+              <a:t>]</a:t>
+            </a:r>
+          </a:p>
+          <a:p>
+            <a:pPr marL="45720" indent="0">
+              <a:buNone/>
+            </a:pPr>
+            <a:r>
+              <a:rPr lang="en-US" sz="2000">
+                <a:latin typeface="Consolas" panose="020B0609020204030204" pitchFamily="49" charset="0"/>
+              </a:rPr>
+              <a:t>auto fmap = [](auto func) </a:t>
+            </a:r>
+            <a:r>
+              <a:rPr lang="en-US" sz="2000" smtClean="0">
+                <a:latin typeface="Consolas" panose="020B0609020204030204" pitchFamily="49" charset="0"/>
+              </a:rPr>
+              <a:t>{</a:t>
+            </a:r>
+            <a:r>
+              <a:rPr lang="ru-RU" sz="2000">
+                <a:latin typeface="Consolas" panose="020B0609020204030204" pitchFamily="49" charset="0"/>
+              </a:rPr>
+              <a:t/>
+            </a:r>
+            <a:br>
+              <a:rPr lang="ru-RU" sz="2000">
+                <a:latin typeface="Consolas" panose="020B0609020204030204" pitchFamily="49" charset="0"/>
+              </a:rPr>
+            </a:br>
+            <a:r>
+              <a:rPr lang="ru-RU" sz="2000" smtClean="0">
+                <a:latin typeface="Consolas" panose="020B0609020204030204" pitchFamily="49" charset="0"/>
+              </a:rPr>
+              <a:t>  </a:t>
+            </a:r>
+            <a:r>
+              <a:rPr lang="en-US" sz="2000" smtClean="0">
+                <a:latin typeface="Consolas" panose="020B0609020204030204" pitchFamily="49" charset="0"/>
+              </a:rPr>
+              <a:t>return </a:t>
+            </a:r>
+            <a:r>
+              <a:rPr lang="en-US" sz="2000">
+                <a:latin typeface="Consolas" panose="020B0609020204030204" pitchFamily="49" charset="0"/>
+              </a:rPr>
+              <a:t>[func] (auto alist) </a:t>
+            </a:r>
+            <a:r>
+              <a:rPr lang="en-US" sz="2000" smtClean="0">
+                <a:latin typeface="Consolas" panose="020B0609020204030204" pitchFamily="49" charset="0"/>
+              </a:rPr>
+              <a:t>{</a:t>
+            </a:r>
+            <a:r>
+              <a:rPr lang="ru-RU" sz="2000" smtClean="0">
+                <a:latin typeface="Consolas" panose="020B0609020204030204" pitchFamily="49" charset="0"/>
+              </a:rPr>
+              <a:t/>
+            </a:r>
+            <a:br>
+              <a:rPr lang="ru-RU" sz="2000" smtClean="0">
+                <a:latin typeface="Consolas" panose="020B0609020204030204" pitchFamily="49" charset="0"/>
+              </a:rPr>
+            </a:br>
+            <a:r>
+              <a:rPr lang="ru-RU" sz="2000" smtClean="0">
+                <a:latin typeface="Consolas" panose="020B0609020204030204" pitchFamily="49" charset="0"/>
+              </a:rPr>
+              <a:t>    </a:t>
+            </a:r>
+            <a:r>
+              <a:rPr lang="en-US" sz="2000" smtClean="0">
+                <a:latin typeface="Consolas" panose="020B0609020204030204" pitchFamily="49" charset="0"/>
+              </a:rPr>
+              <a:t>return alist</a:t>
+            </a:r>
+            <a:r>
+              <a:rPr lang="ru-RU" sz="2000" smtClean="0">
+                <a:latin typeface="Consolas" panose="020B0609020204030204" pitchFamily="49" charset="0"/>
+              </a:rPr>
+              <a:t>(</a:t>
+            </a:r>
+            <a:r>
+              <a:rPr lang="en-US" sz="2000" smtClean="0">
+                <a:latin typeface="Consolas" panose="020B0609020204030204" pitchFamily="49" charset="0"/>
+              </a:rPr>
+              <a:t>[func</a:t>
+            </a:r>
+            <a:r>
+              <a:rPr lang="en-US" sz="2000">
+                <a:latin typeface="Consolas" panose="020B0609020204030204" pitchFamily="49" charset="0"/>
+              </a:rPr>
+              <a:t>](auto ... xs</a:t>
+            </a:r>
+            <a:r>
+              <a:rPr lang="en-US" sz="2000" smtClean="0">
+                <a:latin typeface="Consolas" panose="020B0609020204030204" pitchFamily="49" charset="0"/>
+              </a:rPr>
+              <a:t>) { return </a:t>
+            </a:r>
+            <a:r>
+              <a:rPr lang="en-US" sz="2000">
+                <a:latin typeface="Consolas" panose="020B0609020204030204" pitchFamily="49" charset="0"/>
+              </a:rPr>
+              <a:t>List(func(xs</a:t>
+            </a:r>
+            <a:r>
+              <a:rPr lang="en-US" sz="2000" smtClean="0">
+                <a:latin typeface="Consolas" panose="020B0609020204030204" pitchFamily="49" charset="0"/>
+              </a:rPr>
+              <a:t>)...); });</a:t>
+            </a:r>
+            <a:r>
+              <a:rPr lang="ru-RU" sz="2000" smtClean="0">
+                <a:latin typeface="Consolas" panose="020B0609020204030204" pitchFamily="49" charset="0"/>
+              </a:rPr>
+              <a:t/>
+            </a:r>
+            <a:br>
+              <a:rPr lang="ru-RU" sz="2000" smtClean="0">
+                <a:latin typeface="Consolas" panose="020B0609020204030204" pitchFamily="49" charset="0"/>
+              </a:rPr>
+            </a:br>
+            <a:r>
+              <a:rPr lang="ru-RU" sz="2000" smtClean="0">
+                <a:latin typeface="Consolas" panose="020B0609020204030204" pitchFamily="49" charset="0"/>
+              </a:rPr>
+              <a:t>  </a:t>
+            </a:r>
+            <a:r>
+              <a:rPr lang="en-US" sz="2000" smtClean="0">
+                <a:latin typeface="Consolas" panose="020B0609020204030204" pitchFamily="49" charset="0"/>
+              </a:rPr>
+              <a:t>};</a:t>
+            </a:r>
+            <a:r>
+              <a:rPr lang="ru-RU" sz="2000" smtClean="0">
+                <a:latin typeface="Consolas" panose="020B0609020204030204" pitchFamily="49" charset="0"/>
+              </a:rPr>
+              <a:t/>
+            </a:r>
+            <a:br>
+              <a:rPr lang="ru-RU" sz="2000" smtClean="0">
+                <a:latin typeface="Consolas" panose="020B0609020204030204" pitchFamily="49" charset="0"/>
+              </a:rPr>
+            </a:br>
+            <a:r>
+              <a:rPr lang="en-US" sz="2000" smtClean="0">
+                <a:latin typeface="Consolas" panose="020B0609020204030204" pitchFamily="49" charset="0"/>
+              </a:rPr>
+              <a:t>};</a:t>
+            </a:r>
+          </a:p>
+          <a:p>
+            <a:pPr marL="45720" indent="0">
+              <a:buNone/>
+            </a:pPr>
+            <a:r>
+              <a:rPr lang="it-IT" sz="2000">
+                <a:latin typeface="Consolas" panose="020B0609020204030204" pitchFamily="49" charset="0"/>
+              </a:rPr>
+              <a:t>auto twice = [](auto i) { return 2*i; </a:t>
+            </a:r>
+            <a:r>
+              <a:rPr lang="it-IT" sz="2000" smtClean="0">
+                <a:latin typeface="Consolas" panose="020B0609020204030204" pitchFamily="49" charset="0"/>
+              </a:rPr>
+              <a:t>};</a:t>
+            </a:r>
+            <a:br>
+              <a:rPr lang="it-IT" sz="2000" smtClean="0">
+                <a:latin typeface="Consolas" panose="020B0609020204030204" pitchFamily="49" charset="0"/>
+              </a:rPr>
+            </a:br>
+            <a:r>
+              <a:rPr lang="it-IT" sz="2000" smtClean="0">
+                <a:latin typeface="Consolas" panose="020B0609020204030204" pitchFamily="49" charset="0"/>
+              </a:rPr>
+              <a:t>auto </a:t>
+            </a:r>
+            <a:r>
+              <a:rPr lang="it-IT" sz="2000">
+                <a:latin typeface="Consolas" panose="020B0609020204030204" pitchFamily="49" charset="0"/>
+              </a:rPr>
+              <a:t>l1 = List(1, 2, 3, 4);</a:t>
+            </a:r>
+            <a:br>
+              <a:rPr lang="it-IT" sz="2000">
+                <a:latin typeface="Consolas" panose="020B0609020204030204" pitchFamily="49" charset="0"/>
+              </a:rPr>
+            </a:br>
+            <a:r>
+              <a:rPr lang="it-IT" sz="2000">
+                <a:latin typeface="Consolas" panose="020B0609020204030204" pitchFamily="49" charset="0"/>
+              </a:rPr>
+              <a:t>auto l2 = fmap(twice)(l1);</a:t>
+            </a:r>
+            <a:endParaRPr lang="en-US" sz="2000">
+              <a:latin typeface="Consolas" panose="020B0609020204030204" pitchFamily="49" charset="0"/>
+            </a:endParaRPr>
+          </a:p>
+        </p:txBody>
+      </p:sp>
+    </p:spTree>
+    <p:extLst>
+      <p:ext uri="{BB962C8B-B14F-4D97-AF65-F5344CB8AC3E}">
+        <p14:creationId xmlns:p14="http://schemas.microsoft.com/office/powerpoint/2010/main" val="72044502"/>
+      </p:ext>
+    </p:extLst>
+  </p:cSld>
+  <p:clrMapOvr>
+    <a:masterClrMapping/>
+  </p:clrMapOvr>
+</p:sld>
+</file>
+
+<file path=ppt/slides/slide66.xml><?xml version="1.0" encoding="utf-8"?>
+<p:sld xmlns:a="http://schemas.openxmlformats.org/drawingml/2006/main" xmlns:r="http://schemas.openxmlformats.org/officeDocument/2006/relationships" xmlns:p="http://schemas.openxmlformats.org/presentationml/2006/main">
+  <p:cSld>
+    <p:spTree>
+      <p:nvGrpSpPr>
+        <p:cNvPr id="1" name=""/>
+        <p:cNvGrpSpPr/>
+        <p:nvPr/>
+      </p:nvGrpSpPr>
+      <p:grpSpPr>
+        <a:xfrm>
+          <a:off x="0" y="0"/>
+          <a:ext cx="0" cy="0"/>
+          <a:chOff x="0" y="0"/>
+          <a:chExt cx="0" cy="0"/>
+        </a:xfrm>
+      </p:grpSpPr>
+      <p:sp>
+        <p:nvSpPr>
+          <p:cNvPr id="2" name="Title 1"/>
+          <p:cNvSpPr>
+            <a:spLocks noGrp="1"/>
+          </p:cNvSpPr>
+          <p:nvPr>
+            <p:ph type="title"/>
+          </p:nvPr>
+        </p:nvSpPr>
+        <p:spPr/>
+        <p:txBody>
+          <a:bodyPr/>
+          <a:lstStyle/>
+          <a:p>
+            <a:r>
+              <a:rPr lang="ru-RU" smtClean="0"/>
+              <a:t>Домашняя наработка</a:t>
+            </a:r>
+            <a:endParaRPr lang="en-US"/>
+          </a:p>
+        </p:txBody>
+      </p:sp>
+      <p:sp>
+        <p:nvSpPr>
+          <p:cNvPr id="3" name="Content Placeholder 2"/>
+          <p:cNvSpPr>
+            <a:spLocks noGrp="1"/>
+          </p:cNvSpPr>
+          <p:nvPr>
+            <p:ph idx="1"/>
+          </p:nvPr>
+        </p:nvSpPr>
+        <p:spPr/>
+        <p:txBody>
+          <a:bodyPr/>
+          <a:lstStyle/>
+          <a:p>
+            <a:r>
+              <a:rPr lang="ru-RU"/>
+              <a:t>Функтор </a:t>
+            </a:r>
+            <a:r>
+              <a:rPr lang="en-US" smtClean="0"/>
+              <a:t>flatmap</a:t>
+            </a:r>
+            <a:r>
+              <a:rPr lang="en-US"/>
+              <a:t>:</a:t>
+            </a:r>
+            <a:r>
+              <a:rPr lang="ru-RU"/>
+              <a:t> применяет функцию </a:t>
+            </a:r>
+            <a:r>
+              <a:rPr lang="ru-RU" smtClean="0"/>
+              <a:t>к </a:t>
+            </a:r>
+            <a:r>
+              <a:rPr lang="ru-RU"/>
+              <a:t>списку </a:t>
+            </a:r>
+            <a:r>
+              <a:rPr lang="ru-RU" smtClean="0"/>
+              <a:t>поэлементно</a:t>
+            </a:r>
+            <a:r>
+              <a:rPr lang="en-US" smtClean="0"/>
+              <a:t>, </a:t>
+            </a:r>
+            <a:r>
+              <a:rPr lang="ru-RU" smtClean="0"/>
+              <a:t>но результат каждой функции список, а общий результат -- единый список, сконкатенированный из полученных</a:t>
+            </a:r>
+            <a:endParaRPr lang="en-US" smtClean="0"/>
+          </a:p>
+          <a:p>
+            <a:pPr marL="45720" indent="0">
+              <a:buNone/>
+            </a:pPr>
+            <a:r>
+              <a:rPr lang="en-US"/>
+              <a:t>flatmap: (a -&gt; list[b]) -&gt; list[a] -&gt; list[b</a:t>
+            </a:r>
+            <a:r>
+              <a:rPr lang="en-US" smtClean="0"/>
+              <a:t>]</a:t>
+            </a:r>
+          </a:p>
+          <a:p>
+            <a:pPr marL="45720" indent="0">
+              <a:buNone/>
+            </a:pPr>
+            <a:r>
+              <a:rPr lang="en-US" sz="2000">
+                <a:latin typeface="Consolas" panose="020B0609020204030204" pitchFamily="49" charset="0"/>
+              </a:rPr>
+              <a:t>auto flatmap = [](auto func) </a:t>
+            </a:r>
+            <a:r>
+              <a:rPr lang="en-US" sz="2000" smtClean="0">
+                <a:latin typeface="Consolas" panose="020B0609020204030204" pitchFamily="49" charset="0"/>
+              </a:rPr>
+              <a:t>{</a:t>
+            </a:r>
+            <a:r>
+              <a:rPr lang="ru-RU" sz="2000" smtClean="0">
+                <a:latin typeface="Consolas" panose="020B0609020204030204" pitchFamily="49" charset="0"/>
+              </a:rPr>
+              <a:t/>
+            </a:r>
+            <a:br>
+              <a:rPr lang="ru-RU" sz="2000" smtClean="0">
+                <a:latin typeface="Consolas" panose="020B0609020204030204" pitchFamily="49" charset="0"/>
+              </a:rPr>
+            </a:br>
+            <a:r>
+              <a:rPr lang="en-US" sz="2000" smtClean="0">
+                <a:latin typeface="Consolas" panose="020B0609020204030204" pitchFamily="49" charset="0"/>
+              </a:rPr>
+              <a:t>  </a:t>
+            </a:r>
+            <a:r>
+              <a:rPr lang="en-US" sz="2000">
+                <a:latin typeface="Consolas" panose="020B0609020204030204" pitchFamily="49" charset="0"/>
+              </a:rPr>
+              <a:t>return [func](auto alist) </a:t>
+            </a:r>
+            <a:r>
+              <a:rPr lang="en-US" sz="2000" smtClean="0">
+                <a:latin typeface="Consolas" panose="020B0609020204030204" pitchFamily="49" charset="0"/>
+              </a:rPr>
+              <a:t>{</a:t>
+            </a:r>
+            <a:r>
+              <a:rPr lang="ru-RU" sz="2000" smtClean="0">
+                <a:latin typeface="Consolas" panose="020B0609020204030204" pitchFamily="49" charset="0"/>
+              </a:rPr>
+              <a:t/>
+            </a:r>
+            <a:br>
+              <a:rPr lang="ru-RU" sz="2000" smtClean="0">
+                <a:latin typeface="Consolas" panose="020B0609020204030204" pitchFamily="49" charset="0"/>
+              </a:rPr>
+            </a:br>
+            <a:r>
+              <a:rPr lang="en-US" sz="2000" smtClean="0">
+                <a:latin typeface="Consolas" panose="020B0609020204030204" pitchFamily="49" charset="0"/>
+              </a:rPr>
+              <a:t>    </a:t>
+            </a:r>
+            <a:r>
+              <a:rPr lang="en-US" sz="2000">
+                <a:latin typeface="Consolas" panose="020B0609020204030204" pitchFamily="49" charset="0"/>
+              </a:rPr>
+              <a:t>return alist</a:t>
+            </a:r>
+            <a:r>
+              <a:rPr lang="en-US" sz="2000" smtClean="0">
+                <a:latin typeface="Consolas" panose="020B0609020204030204" pitchFamily="49" charset="0"/>
+              </a:rPr>
+              <a:t>([</a:t>
+            </a:r>
+            <a:r>
+              <a:rPr lang="en-US" sz="2000">
+                <a:latin typeface="Consolas" panose="020B0609020204030204" pitchFamily="49" charset="0"/>
+              </a:rPr>
+              <a:t>func](auto... xs) </a:t>
+            </a:r>
+            <a:r>
+              <a:rPr lang="en-US" sz="2000" smtClean="0">
+                <a:latin typeface="Consolas" panose="020B0609020204030204" pitchFamily="49" charset="0"/>
+              </a:rPr>
+              <a:t>{return </a:t>
+            </a:r>
+            <a:r>
+              <a:rPr lang="en-US" sz="2000">
+                <a:solidFill>
+                  <a:srgbClr val="0000FF"/>
+                </a:solidFill>
+                <a:latin typeface="Consolas" panose="020B0609020204030204" pitchFamily="49" charset="0"/>
+              </a:rPr>
+              <a:t>flatten</a:t>
+            </a:r>
+            <a:r>
+              <a:rPr lang="en-US" sz="2000">
+                <a:latin typeface="Consolas" panose="020B0609020204030204" pitchFamily="49" charset="0"/>
+              </a:rPr>
+              <a:t>(func, xs</a:t>
+            </a:r>
+            <a:r>
+              <a:rPr lang="en-US" sz="2000" smtClean="0">
+                <a:latin typeface="Consolas" panose="020B0609020204030204" pitchFamily="49" charset="0"/>
+              </a:rPr>
+              <a:t>...);});</a:t>
+            </a:r>
+            <a:r>
+              <a:rPr lang="ru-RU" sz="2000" smtClean="0">
+                <a:latin typeface="Consolas" panose="020B0609020204030204" pitchFamily="49" charset="0"/>
+              </a:rPr>
+              <a:t/>
+            </a:r>
+            <a:br>
+              <a:rPr lang="ru-RU" sz="2000" smtClean="0">
+                <a:latin typeface="Consolas" panose="020B0609020204030204" pitchFamily="49" charset="0"/>
+              </a:rPr>
+            </a:br>
+            <a:r>
+              <a:rPr lang="en-US" sz="2000" smtClean="0">
+                <a:latin typeface="Consolas" panose="020B0609020204030204" pitchFamily="49" charset="0"/>
+              </a:rPr>
+              <a:t>  };</a:t>
+            </a:r>
+            <a:r>
+              <a:rPr lang="ru-RU" sz="2000" smtClean="0">
+                <a:latin typeface="Consolas" panose="020B0609020204030204" pitchFamily="49" charset="0"/>
+              </a:rPr>
+              <a:t/>
+            </a:r>
+            <a:br>
+              <a:rPr lang="ru-RU" sz="2000" smtClean="0">
+                <a:latin typeface="Consolas" panose="020B0609020204030204" pitchFamily="49" charset="0"/>
+              </a:rPr>
+            </a:br>
+            <a:r>
+              <a:rPr lang="en-US" sz="2000" smtClean="0">
+                <a:latin typeface="Consolas" panose="020B0609020204030204" pitchFamily="49" charset="0"/>
+              </a:rPr>
+              <a:t>};</a:t>
+            </a:r>
+            <a:endParaRPr lang="ru-RU" sz="2000" smtClean="0">
+              <a:latin typeface="Consolas" panose="020B0609020204030204" pitchFamily="49" charset="0"/>
+            </a:endParaRPr>
+          </a:p>
+          <a:p>
+            <a:pPr marL="45720" indent="0">
+              <a:buNone/>
+            </a:pPr>
+            <a:r>
+              <a:rPr lang="ru-RU" smtClean="0"/>
+              <a:t>Дома: написать функцию </a:t>
+            </a:r>
+            <a:r>
+              <a:rPr lang="en-US"/>
+              <a:t>flatten</a:t>
+            </a:r>
+            <a:br>
+              <a:rPr lang="en-US"/>
+            </a:br>
+            <a:r>
+              <a:rPr lang="en-US">
+                <a:latin typeface="Consolas" panose="020B0609020204030204" pitchFamily="49" charset="0"/>
+              </a:rPr>
+              <a:t>auto pair = [](auto i) { return List(-i, i); </a:t>
+            </a:r>
+            <a:r>
+              <a:rPr lang="en-US" smtClean="0">
+                <a:latin typeface="Consolas" panose="020B0609020204030204" pitchFamily="49" charset="0"/>
+              </a:rPr>
+              <a:t>};</a:t>
+            </a:r>
+            <a:br>
+              <a:rPr lang="en-US" smtClean="0">
+                <a:latin typeface="Consolas" panose="020B0609020204030204" pitchFamily="49" charset="0"/>
+              </a:rPr>
+            </a:br>
+            <a:r>
+              <a:rPr lang="pt-BR">
+                <a:latin typeface="Consolas" panose="020B0609020204030204" pitchFamily="49" charset="0"/>
+              </a:rPr>
+              <a:t>auto l4 = List(1, 2, 3</a:t>
+            </a:r>
+            <a:r>
+              <a:rPr lang="pt-BR" smtClean="0">
+                <a:latin typeface="Consolas" panose="020B0609020204030204" pitchFamily="49" charset="0"/>
+              </a:rPr>
+              <a:t>);</a:t>
+            </a:r>
+            <a:br>
+              <a:rPr lang="pt-BR" smtClean="0">
+                <a:latin typeface="Consolas" panose="020B0609020204030204" pitchFamily="49" charset="0"/>
+              </a:rPr>
+            </a:br>
+            <a:r>
+              <a:rPr lang="pt-BR" smtClean="0">
+                <a:latin typeface="Consolas" panose="020B0609020204030204" pitchFamily="49" charset="0"/>
+              </a:rPr>
+              <a:t>auto </a:t>
+            </a:r>
+            <a:r>
+              <a:rPr lang="pt-BR">
+                <a:latin typeface="Consolas" panose="020B0609020204030204" pitchFamily="49" charset="0"/>
+              </a:rPr>
+              <a:t>l5 = flatmap(pair)(l4);</a:t>
+            </a:r>
+            <a:endParaRPr lang="en-US">
+              <a:latin typeface="Consolas" panose="020B0609020204030204" pitchFamily="49" charset="0"/>
+            </a:endParaRPr>
+          </a:p>
+        </p:txBody>
+      </p:sp>
+    </p:spTree>
+    <p:extLst>
+      <p:ext uri="{BB962C8B-B14F-4D97-AF65-F5344CB8AC3E}">
+        <p14:creationId xmlns:p14="http://schemas.microsoft.com/office/powerpoint/2010/main" val="675037691"/>
+      </p:ext>
+    </p:extLst>
+  </p:cSld>
+  <p:clrMapOvr>
+    <a:masterClrMapping/>
+  </p:clrMapOvr>
+</p:sld>
+</file>
+
+<file path=ppt/slides/slide67.xml><?xml version="1.0" encoding="utf-8"?>
+<p:sld xmlns:a="http://schemas.openxmlformats.org/drawingml/2006/main" xmlns:r="http://schemas.openxmlformats.org/officeDocument/2006/relationships" xmlns:p="http://schemas.openxmlformats.org/presentationml/2006/main">
+  <p:cSld>
+    <p:spTree>
+      <p:nvGrpSpPr>
+        <p:cNvPr id="1" name=""/>
+        <p:cNvGrpSpPr/>
+        <p:nvPr/>
+      </p:nvGrpSpPr>
+      <p:grpSpPr>
+        <a:xfrm>
+          <a:off x="0" y="0"/>
+          <a:ext cx="0" cy="0"/>
+          <a:chOff x="0" y="0"/>
+          <a:chExt cx="0" cy="0"/>
+        </a:xfrm>
+      </p:grpSpPr>
+      <p:sp>
+        <p:nvSpPr>
+          <p:cNvPr id="2" name="Title 1"/>
+          <p:cNvSpPr>
+            <a:spLocks noGrp="1"/>
+          </p:cNvSpPr>
+          <p:nvPr>
+            <p:ph type="title"/>
+          </p:nvPr>
+        </p:nvSpPr>
+        <p:spPr/>
+        <p:txBody>
+          <a:bodyPr/>
+          <a:lstStyle/>
+          <a:p>
+            <a:r>
+              <a:rPr lang="ru-RU" smtClean="0"/>
+              <a:t>Итоговая монада</a:t>
+            </a:r>
+            <a:endParaRPr lang="en-US"/>
+          </a:p>
+        </p:txBody>
+      </p:sp>
+      <p:sp>
+        <p:nvSpPr>
+          <p:cNvPr id="3" name="Content Placeholder 2"/>
+          <p:cNvSpPr>
+            <a:spLocks noGrp="1"/>
+          </p:cNvSpPr>
+          <p:nvPr>
+            <p:ph idx="1"/>
+          </p:nvPr>
+        </p:nvSpPr>
+        <p:spPr/>
+        <p:txBody>
+          <a:bodyPr/>
+          <a:lstStyle/>
+          <a:p>
+            <a:pPr marL="45720" indent="0">
+              <a:buNone/>
+            </a:pPr>
+            <a:r>
+              <a:rPr lang="en-US">
+                <a:latin typeface="Consolas" panose="020B0609020204030204" pitchFamily="49" charset="0"/>
+              </a:rPr>
+              <a:t>template &lt;class LIST, class Func</a:t>
+            </a:r>
+            <a:r>
+              <a:rPr lang="en-US" smtClean="0">
+                <a:latin typeface="Consolas" panose="020B0609020204030204" pitchFamily="49" charset="0"/>
+              </a:rPr>
+              <a:t>&gt;</a:t>
+            </a:r>
+            <a:r>
+              <a:rPr lang="ru-RU" smtClean="0">
+                <a:latin typeface="Consolas" panose="020B0609020204030204" pitchFamily="49" charset="0"/>
+              </a:rPr>
+              <a:t/>
+            </a:r>
+            <a:br>
+              <a:rPr lang="ru-RU" smtClean="0">
+                <a:latin typeface="Consolas" panose="020B0609020204030204" pitchFamily="49" charset="0"/>
+              </a:rPr>
+            </a:br>
+            <a:r>
+              <a:rPr lang="en-US" smtClean="0">
+                <a:latin typeface="Consolas" panose="020B0609020204030204" pitchFamily="49" charset="0"/>
+              </a:rPr>
+              <a:t>auto </a:t>
+            </a:r>
+            <a:r>
+              <a:rPr lang="en-US">
+                <a:latin typeface="Consolas" panose="020B0609020204030204" pitchFamily="49" charset="0"/>
+              </a:rPr>
+              <a:t>operator &gt; (LIST l, Func f</a:t>
+            </a:r>
+            <a:r>
+              <a:rPr lang="en-US" smtClean="0">
+                <a:latin typeface="Consolas" panose="020B0609020204030204" pitchFamily="49" charset="0"/>
+              </a:rPr>
+              <a:t>)</a:t>
+            </a:r>
+            <a:r>
+              <a:rPr lang="ru-RU">
+                <a:latin typeface="Consolas" panose="020B0609020204030204" pitchFamily="49" charset="0"/>
+              </a:rPr>
+              <a:t> </a:t>
+            </a:r>
+            <a:r>
+              <a:rPr lang="en-US" smtClean="0">
+                <a:latin typeface="Consolas" panose="020B0609020204030204" pitchFamily="49" charset="0"/>
+              </a:rPr>
+              <a:t>{</a:t>
+            </a:r>
+            <a:r>
+              <a:rPr lang="ru-RU" smtClean="0">
+                <a:latin typeface="Consolas" panose="020B0609020204030204" pitchFamily="49" charset="0"/>
+              </a:rPr>
+              <a:t/>
+            </a:r>
+            <a:br>
+              <a:rPr lang="ru-RU" smtClean="0">
+                <a:latin typeface="Consolas" panose="020B0609020204030204" pitchFamily="49" charset="0"/>
+              </a:rPr>
+            </a:br>
+            <a:r>
+              <a:rPr lang="en-US" smtClean="0">
+                <a:latin typeface="Consolas" panose="020B0609020204030204" pitchFamily="49" charset="0"/>
+              </a:rPr>
+              <a:t>  </a:t>
+            </a:r>
+            <a:r>
+              <a:rPr lang="en-US">
+                <a:latin typeface="Consolas" panose="020B0609020204030204" pitchFamily="49" charset="0"/>
+              </a:rPr>
+              <a:t>return fmap(f)(l</a:t>
+            </a:r>
+            <a:r>
+              <a:rPr lang="en-US" smtClean="0">
+                <a:latin typeface="Consolas" panose="020B0609020204030204" pitchFamily="49" charset="0"/>
+              </a:rPr>
+              <a:t>);</a:t>
+            </a:r>
+            <a:r>
+              <a:rPr lang="ru-RU" smtClean="0">
+                <a:latin typeface="Consolas" panose="020B0609020204030204" pitchFamily="49" charset="0"/>
+              </a:rPr>
+              <a:t/>
+            </a:r>
+            <a:br>
+              <a:rPr lang="ru-RU" smtClean="0">
+                <a:latin typeface="Consolas" panose="020B0609020204030204" pitchFamily="49" charset="0"/>
+              </a:rPr>
+            </a:br>
+            <a:r>
+              <a:rPr lang="en-US" smtClean="0">
+                <a:latin typeface="Consolas" panose="020B0609020204030204" pitchFamily="49" charset="0"/>
+              </a:rPr>
+              <a:t>}</a:t>
+            </a:r>
+            <a:endParaRPr lang="ru-RU" smtClean="0">
+              <a:latin typeface="Consolas" panose="020B0609020204030204" pitchFamily="49" charset="0"/>
+            </a:endParaRPr>
+          </a:p>
+          <a:p>
+            <a:pPr marL="45720" indent="0">
+              <a:buNone/>
+            </a:pPr>
+            <a:r>
+              <a:rPr lang="en-US" smtClean="0">
+                <a:latin typeface="Consolas" panose="020B0609020204030204" pitchFamily="49" charset="0"/>
+              </a:rPr>
+              <a:t>template </a:t>
+            </a:r>
+            <a:r>
+              <a:rPr lang="en-US">
+                <a:latin typeface="Consolas" panose="020B0609020204030204" pitchFamily="49" charset="0"/>
+              </a:rPr>
+              <a:t>&lt;class LIST, class Func</a:t>
+            </a:r>
+            <a:r>
+              <a:rPr lang="en-US" smtClean="0">
+                <a:latin typeface="Consolas" panose="020B0609020204030204" pitchFamily="49" charset="0"/>
+              </a:rPr>
+              <a:t>&gt;</a:t>
+            </a:r>
+            <a:r>
+              <a:rPr lang="ru-RU" smtClean="0">
+                <a:latin typeface="Consolas" panose="020B0609020204030204" pitchFamily="49" charset="0"/>
+              </a:rPr>
+              <a:t/>
+            </a:r>
+            <a:br>
+              <a:rPr lang="ru-RU" smtClean="0">
+                <a:latin typeface="Consolas" panose="020B0609020204030204" pitchFamily="49" charset="0"/>
+              </a:rPr>
+            </a:br>
+            <a:r>
+              <a:rPr lang="en-US" smtClean="0">
+                <a:latin typeface="Consolas" panose="020B0609020204030204" pitchFamily="49" charset="0"/>
+              </a:rPr>
+              <a:t>auto </a:t>
+            </a:r>
+            <a:r>
+              <a:rPr lang="en-US">
+                <a:latin typeface="Consolas" panose="020B0609020204030204" pitchFamily="49" charset="0"/>
+              </a:rPr>
+              <a:t>operator &gt;= (LIST l, Func f</a:t>
+            </a:r>
+            <a:r>
+              <a:rPr lang="en-US" smtClean="0">
+                <a:latin typeface="Consolas" panose="020B0609020204030204" pitchFamily="49" charset="0"/>
+              </a:rPr>
+              <a:t>)</a:t>
+            </a:r>
+            <a:r>
+              <a:rPr lang="ru-RU">
+                <a:latin typeface="Consolas" panose="020B0609020204030204" pitchFamily="49" charset="0"/>
+              </a:rPr>
+              <a:t> </a:t>
+            </a:r>
+            <a:r>
+              <a:rPr lang="en-US" smtClean="0">
+                <a:latin typeface="Consolas" panose="020B0609020204030204" pitchFamily="49" charset="0"/>
+              </a:rPr>
+              <a:t>{</a:t>
+            </a:r>
+            <a:r>
+              <a:rPr lang="ru-RU" smtClean="0">
+                <a:latin typeface="Consolas" panose="020B0609020204030204" pitchFamily="49" charset="0"/>
+              </a:rPr>
+              <a:t/>
+            </a:r>
+            <a:br>
+              <a:rPr lang="ru-RU" smtClean="0">
+                <a:latin typeface="Consolas" panose="020B0609020204030204" pitchFamily="49" charset="0"/>
+              </a:rPr>
+            </a:br>
+            <a:r>
+              <a:rPr lang="en-US" smtClean="0">
+                <a:latin typeface="Consolas" panose="020B0609020204030204" pitchFamily="49" charset="0"/>
+              </a:rPr>
+              <a:t>  </a:t>
+            </a:r>
+            <a:r>
+              <a:rPr lang="en-US">
+                <a:latin typeface="Consolas" panose="020B0609020204030204" pitchFamily="49" charset="0"/>
+              </a:rPr>
+              <a:t>return flatmap(f)(l</a:t>
+            </a:r>
+            <a:r>
+              <a:rPr lang="en-US" smtClean="0">
+                <a:latin typeface="Consolas" panose="020B0609020204030204" pitchFamily="49" charset="0"/>
+              </a:rPr>
+              <a:t>);</a:t>
+            </a:r>
+            <a:r>
+              <a:rPr lang="ru-RU" smtClean="0">
+                <a:latin typeface="Consolas" panose="020B0609020204030204" pitchFamily="49" charset="0"/>
+              </a:rPr>
+              <a:t/>
+            </a:r>
+            <a:br>
+              <a:rPr lang="ru-RU" smtClean="0">
+                <a:latin typeface="Consolas" panose="020B0609020204030204" pitchFamily="49" charset="0"/>
+              </a:rPr>
+            </a:br>
+            <a:r>
+              <a:rPr lang="en-US" smtClean="0">
+                <a:latin typeface="Consolas" panose="020B0609020204030204" pitchFamily="49" charset="0"/>
+              </a:rPr>
+              <a:t>}</a:t>
+            </a:r>
+            <a:endParaRPr lang="ru-RU" smtClean="0">
+              <a:latin typeface="Consolas" panose="020B0609020204030204" pitchFamily="49" charset="0"/>
+            </a:endParaRPr>
+          </a:p>
+          <a:p>
+            <a:pPr marL="45720" indent="0">
+              <a:buNone/>
+            </a:pPr>
+            <a:r>
+              <a:rPr lang="en-US">
+                <a:latin typeface="Consolas" panose="020B0609020204030204" pitchFamily="49" charset="0"/>
+              </a:rPr>
+              <a:t>auto l7 </a:t>
+            </a:r>
+            <a:r>
+              <a:rPr lang="en-US" smtClean="0">
+                <a:latin typeface="Consolas" panose="020B0609020204030204" pitchFamily="49" charset="0"/>
+              </a:rPr>
+              <a:t>= </a:t>
+            </a:r>
+            <a:r>
+              <a:rPr lang="en-US">
+                <a:latin typeface="Consolas" panose="020B0609020204030204" pitchFamily="49" charset="0"/>
+              </a:rPr>
+              <a:t>List(1, 2, 3) &gt;= pair &gt; print;</a:t>
+            </a:r>
+          </a:p>
+        </p:txBody>
+      </p:sp>
+    </p:spTree>
+    <p:extLst>
+      <p:ext uri="{BB962C8B-B14F-4D97-AF65-F5344CB8AC3E}">
+        <p14:creationId xmlns:p14="http://schemas.microsoft.com/office/powerpoint/2010/main" val="3887864393"/>
+      </p:ext>
+    </p:extLst>
+  </p:cSld>
+  <p:clrMapOvr>
+    <a:masterClrMapping/>
+  </p:clrMapOvr>
+</p:sld>
+</file>
+
+<file path=ppt/slides/slide68.xml><?xml version="1.0" encoding="utf-8"?>
+<p:sld xmlns:a="http://schemas.openxmlformats.org/drawingml/2006/main" xmlns:r="http://schemas.openxmlformats.org/officeDocument/2006/relationships" xmlns:p="http://schemas.openxmlformats.org/presentationml/2006/main">
+  <p:cSld>
+    <p:spTree>
+      <p:nvGrpSpPr>
+        <p:cNvPr id="1" name=""/>
+        <p:cNvGrpSpPr/>
+        <p:nvPr/>
+      </p:nvGrpSpPr>
+      <p:grpSpPr>
+        <a:xfrm>
+          <a:off x="0" y="0"/>
+          <a:ext cx="0" cy="0"/>
+          <a:chOff x="0" y="0"/>
+          <a:chExt cx="0" cy="0"/>
+        </a:xfrm>
+      </p:grpSpPr>
+      <p:sp>
+        <p:nvSpPr>
+          <p:cNvPr id="2" name="Title 1"/>
+          <p:cNvSpPr>
+            <a:spLocks noGrp="1"/>
+          </p:cNvSpPr>
+          <p:nvPr>
+            <p:ph type="title"/>
+          </p:nvPr>
+        </p:nvSpPr>
+        <p:spPr/>
+        <p:txBody>
+          <a:bodyPr/>
+          <a:lstStyle/>
+          <a:p>
+            <a:r>
+              <a:rPr lang="ru-RU" smtClean="0"/>
+              <a:t>Обсуждение</a:t>
+            </a:r>
+            <a:endParaRPr lang="en-US"/>
+          </a:p>
+        </p:txBody>
+      </p:sp>
+      <p:sp>
+        <p:nvSpPr>
+          <p:cNvPr id="3" name="Content Placeholder 2"/>
+          <p:cNvSpPr>
+            <a:spLocks noGrp="1"/>
+          </p:cNvSpPr>
+          <p:nvPr>
+            <p:ph idx="1"/>
+          </p:nvPr>
+        </p:nvSpPr>
+        <p:spPr/>
+        <p:txBody>
+          <a:bodyPr/>
+          <a:lstStyle/>
+          <a:p>
+            <a:r>
+              <a:rPr lang="ru-RU" smtClean="0"/>
+              <a:t>С++ ведёт себя во время исполнения как императивный, а во время компиляции как функциональный язык. Это ещё сослужит хорошую службу при изучении метапрограммирования</a:t>
+            </a:r>
+            <a:endParaRPr lang="en-US"/>
+          </a:p>
+        </p:txBody>
+      </p:sp>
+    </p:spTree>
+    <p:extLst>
+      <p:ext uri="{BB962C8B-B14F-4D97-AF65-F5344CB8AC3E}">
+        <p14:creationId xmlns:p14="http://schemas.microsoft.com/office/powerpoint/2010/main" val="1498166284"/>
+      </p:ext>
+    </p:extLst>
+  </p:cSld>
+  <p:clrMapOvr>
+    <a:masterClrMapping/>
+  </p:clrMapOvr>
+</p:sld>
+</file>
+
+<file path=ppt/slides/slide69.xml><?xml version="1.0" encoding="utf-8"?>
+<p:sld xmlns:a="http://schemas.openxmlformats.org/drawingml/2006/main" xmlns:r="http://schemas.openxmlformats.org/officeDocument/2006/relationships" xmlns:p="http://schemas.openxmlformats.org/presentationml/2006/main">
+  <p:cSld>
+    <p:spTree>
+      <p:nvGrpSpPr>
+        <p:cNvPr id="1" name=""/>
+        <p:cNvGrpSpPr/>
+        <p:nvPr/>
+      </p:nvGrpSpPr>
+      <p:grpSpPr>
+        <a:xfrm>
+          <a:off x="0" y="0"/>
+          <a:ext cx="0" cy="0"/>
+          <a:chOff x="0" y="0"/>
+          <a:chExt cx="0" cy="0"/>
+        </a:xfrm>
+      </p:grpSpPr>
+      <p:sp>
+        <p:nvSpPr>
+          <p:cNvPr id="2" name="Title 1"/>
+          <p:cNvSpPr>
+            <a:spLocks noGrp="1"/>
+          </p:cNvSpPr>
+          <p:nvPr>
+            <p:ph type="title"/>
+          </p:nvPr>
+        </p:nvSpPr>
+        <p:spPr/>
+        <p:txBody>
+          <a:bodyPr/>
+          <a:lstStyle/>
+          <a:p>
+            <a:r>
+              <a:rPr lang="ru-RU" smtClean="0"/>
+              <a:t>Литература</a:t>
+            </a:r>
+            <a:endParaRPr lang="en-US"/>
+          </a:p>
+        </p:txBody>
+      </p:sp>
+      <p:sp>
+        <p:nvSpPr>
+          <p:cNvPr id="3" name="Content Placeholder 2"/>
+          <p:cNvSpPr>
+            <a:spLocks noGrp="1"/>
+          </p:cNvSpPr>
+          <p:nvPr>
+            <p:ph idx="1"/>
+          </p:nvPr>
+        </p:nvSpPr>
+        <p:spPr/>
+        <p:txBody>
+          <a:bodyPr/>
+          <a:lstStyle/>
+          <a:p>
+            <a:pPr lvl="0"/>
+            <a:r>
+              <a:rPr lang="en-US"/>
+              <a:t>ISO/IEC, "Information technology -- Programming languages – C++", ISO/IEC 14882:2014, 2014</a:t>
+            </a:r>
+          </a:p>
+          <a:p>
+            <a:pPr lvl="0"/>
+            <a:r>
+              <a:rPr lang="en-US"/>
+              <a:t>The C++ Programming Language (4th Edition</a:t>
+            </a:r>
+            <a:r>
+              <a:rPr lang="en-US" smtClean="0"/>
+              <a:t>)</a:t>
+            </a:r>
+          </a:p>
+          <a:p>
+            <a:pPr lvl="0"/>
+            <a:r>
+              <a:rPr lang="en-US" smtClean="0"/>
+              <a:t>H. Abelson, G. J. Sussman, Structure </a:t>
+            </a:r>
+            <a:r>
+              <a:rPr lang="en-US"/>
+              <a:t>and Interpretation of Computer </a:t>
+            </a:r>
+            <a:r>
+              <a:rPr lang="en-US" smtClean="0"/>
+              <a:t>Programs, </a:t>
+            </a:r>
+            <a:r>
+              <a:rPr lang="en-US"/>
+              <a:t>2nd </a:t>
+            </a:r>
+            <a:r>
+              <a:rPr lang="en-US" smtClean="0"/>
+              <a:t>Edition, MIT Press, 1996</a:t>
+            </a:r>
+          </a:p>
+          <a:p>
+            <a:pPr lvl="0"/>
+            <a:r>
+              <a:rPr lang="en-US" smtClean="0"/>
+              <a:t>Scott </a:t>
+            </a:r>
+            <a:r>
+              <a:rPr lang="en-US"/>
+              <a:t>Meyers, Effective STL, 50 specific ways to improve your use of the standard template </a:t>
+            </a:r>
+            <a:r>
+              <a:rPr lang="en-US" smtClean="0"/>
+              <a:t>library, Addison-Wesley, 2001</a:t>
+            </a:r>
+            <a:endParaRPr lang="ru-RU" smtClean="0"/>
+          </a:p>
+          <a:p>
+            <a:pPr lvl="0"/>
+            <a:r>
+              <a:rPr lang="en-US"/>
+              <a:t>D. Abrahams, Unifying Generic Functions and Function </a:t>
+            </a:r>
+            <a:r>
+              <a:rPr lang="en-US" smtClean="0"/>
+              <a:t>Objects, C++</a:t>
+            </a:r>
+            <a:r>
+              <a:rPr lang="en-US" smtClean="0"/>
+              <a:t>Next'2012</a:t>
+            </a:r>
+          </a:p>
+          <a:p>
+            <a:pPr lvl="0"/>
+            <a:r>
+              <a:rPr lang="en-US"/>
+              <a:t>S. Tambe, Fun with Lambdas: C++14 Style </a:t>
+            </a:r>
+            <a:endParaRPr lang="en-US"/>
+          </a:p>
+        </p:txBody>
+      </p:sp>
+    </p:spTree>
+    <p:extLst>
+      <p:ext uri="{BB962C8B-B14F-4D97-AF65-F5344CB8AC3E}">
+        <p14:creationId xmlns:p14="http://schemas.microsoft.com/office/powerpoint/2010/main" val="302305551"/>
       </p:ext>
     </p:extLst>
   </p:cSld>

--- a/slides/lec2-7-lambdas.pptx
+++ b/slides/lec2-7-lambdas.pptx
@@ -63,19 +63,23 @@
     <p:sldId id="282" r:id="rId57"/>
     <p:sldId id="284" r:id="rId58"/>
     <p:sldId id="283" r:id="rId59"/>
-    <p:sldId id="285" r:id="rId60"/>
-    <p:sldId id="322" r:id="rId61"/>
-    <p:sldId id="286" r:id="rId62"/>
-    <p:sldId id="287" r:id="rId63"/>
-    <p:sldId id="293" r:id="rId64"/>
-    <p:sldId id="319" r:id="rId65"/>
-    <p:sldId id="323" r:id="rId66"/>
-    <p:sldId id="324" r:id="rId67"/>
-    <p:sldId id="325" r:id="rId68"/>
-    <p:sldId id="326" r:id="rId69"/>
-    <p:sldId id="327" r:id="rId70"/>
-    <p:sldId id="328" r:id="rId71"/>
-    <p:sldId id="290" r:id="rId72"/>
+    <p:sldId id="333" r:id="rId60"/>
+    <p:sldId id="334" r:id="rId61"/>
+    <p:sldId id="285" r:id="rId62"/>
+    <p:sldId id="322" r:id="rId63"/>
+    <p:sldId id="286" r:id="rId64"/>
+    <p:sldId id="287" r:id="rId65"/>
+    <p:sldId id="293" r:id="rId66"/>
+    <p:sldId id="332" r:id="rId67"/>
+    <p:sldId id="319" r:id="rId68"/>
+    <p:sldId id="323" r:id="rId69"/>
+    <p:sldId id="331" r:id="rId70"/>
+    <p:sldId id="324" r:id="rId71"/>
+    <p:sldId id="325" r:id="rId72"/>
+    <p:sldId id="326" r:id="rId73"/>
+    <p:sldId id="327" r:id="rId74"/>
+    <p:sldId id="328" r:id="rId75"/>
+    <p:sldId id="290" r:id="rId76"/>
   </p:sldIdLst>
   <p:sldSz cx="12192000" cy="6858000"/>
   <p:notesSz cx="6858000" cy="9144000"/>
@@ -237,13 +241,17 @@
             <p14:sldId id="282"/>
             <p14:sldId id="284"/>
             <p14:sldId id="283"/>
+            <p14:sldId id="333"/>
+            <p14:sldId id="334"/>
             <p14:sldId id="285"/>
             <p14:sldId id="322"/>
             <p14:sldId id="286"/>
             <p14:sldId id="287"/>
             <p14:sldId id="293"/>
+            <p14:sldId id="332"/>
             <p14:sldId id="319"/>
             <p14:sldId id="323"/>
+            <p14:sldId id="331"/>
             <p14:sldId id="324"/>
             <p14:sldId id="325"/>
             <p14:sldId id="326"/>
@@ -1398,465 +1406,6 @@
       <dsp:cNvGrpSpPr/>
     </dsp:nvGrpSpPr>
     <dsp:grpSpPr/>
-    <dsp:sp modelId="{1147361A-DDDF-4CED-8C10-FB823EDBB715}">
-      <dsp:nvSpPr>
-        <dsp:cNvPr id="0" name=""/>
-        <dsp:cNvSpPr/>
-      </dsp:nvSpPr>
-      <dsp:spPr>
-        <a:xfrm rot="21168489">
-          <a:off x="1498480" y="1479998"/>
-          <a:ext cx="2783529" cy="2849528"/>
-        </a:xfrm>
-        <a:prstGeom prst="gear9">
-          <a:avLst/>
-        </a:prstGeom>
-        <a:solidFill>
-          <a:schemeClr val="accent1">
-            <a:hueOff val="0"/>
-            <a:satOff val="0"/>
-            <a:lumOff val="0"/>
-            <a:alphaOff val="0"/>
-          </a:schemeClr>
-        </a:solidFill>
-        <a:ln>
-          <a:solidFill>
-            <a:schemeClr val="accent1"/>
-          </a:solidFill>
-        </a:ln>
-        <a:effectLst>
-          <a:outerShdw blurRad="38100" dist="25400" dir="5400000" rotWithShape="0">
-            <a:srgbClr val="000000">
-              <a:alpha val="45000"/>
-            </a:srgbClr>
-          </a:outerShdw>
-        </a:effectLst>
-        <a:scene3d>
-          <a:camera prst="orthographicFront">
-            <a:rot lat="0" lon="0" rev="0"/>
-          </a:camera>
-          <a:lightRig rig="contrasting" dir="t">
-            <a:rot lat="0" lon="0" rev="1200000"/>
-          </a:lightRig>
-        </a:scene3d>
-        <a:sp3d contourW="19050" prstMaterial="metal">
-          <a:bevelT w="88900" h="203200"/>
-          <a:bevelB w="165100" h="254000"/>
-        </a:sp3d>
-      </dsp:spPr>
-      <dsp:style>
-        <a:lnRef idx="0">
-          <a:scrgbClr r="0" g="0" b="0"/>
-        </a:lnRef>
-        <a:fillRef idx="1">
-          <a:scrgbClr r="0" g="0" b="0"/>
-        </a:fillRef>
-        <a:effectRef idx="2">
-          <a:scrgbClr r="0" g="0" b="0"/>
-        </a:effectRef>
-        <a:fontRef idx="minor">
-          <a:schemeClr val="lt1"/>
-        </a:fontRef>
-      </dsp:style>
-      <dsp:txBody>
-        <a:bodyPr spcFirstLastPara="0" vert="horz" wrap="square" lIns="27940" tIns="27940" rIns="27940" bIns="27940" numCol="1" spcCol="1270" anchor="ctr" anchorCtr="0">
-          <a:noAutofit/>
-        </a:bodyPr>
-        <a:lstStyle/>
-        <a:p>
-          <a:pPr lvl="0" algn="ctr" defTabSz="977900">
-            <a:lnSpc>
-              <a:spcPct val="90000"/>
-            </a:lnSpc>
-            <a:spcBef>
-              <a:spcPct val="0"/>
-            </a:spcBef>
-            <a:spcAft>
-              <a:spcPct val="35000"/>
-            </a:spcAft>
-          </a:pPr>
-          <a:r>
-            <a:rPr lang="en-US" sz="2200" kern="1200" smtClean="0">
-              <a:latin typeface="Consolas" panose="020B0609020204030204" pitchFamily="49" charset="0"/>
-            </a:rPr>
-            <a:t>forward&lt;T&gt;</a:t>
-          </a:r>
-          <a:endParaRPr lang="en-US" sz="2200" kern="1200">
-            <a:latin typeface="Consolas" panose="020B0609020204030204" pitchFamily="49" charset="0"/>
-          </a:endParaRPr>
-        </a:p>
-      </dsp:txBody>
-      <dsp:txXfrm>
-        <a:off x="2054955" y="2143298"/>
-        <a:ext cx="1664303" cy="1473198"/>
-      </dsp:txXfrm>
-    </dsp:sp>
-    <dsp:sp modelId="{033F420A-68A8-467A-A6A3-A77018ACC816}">
-      <dsp:nvSpPr>
-        <dsp:cNvPr id="0" name=""/>
-        <dsp:cNvSpPr/>
-      </dsp:nvSpPr>
-      <dsp:spPr>
-        <a:xfrm>
-          <a:off x="581533" y="1408768"/>
-          <a:ext cx="1265814" cy="1225909"/>
-        </a:xfrm>
-        <a:prstGeom prst="gear6">
-          <a:avLst/>
-        </a:prstGeom>
-        <a:solidFill>
-          <a:schemeClr val="accent1">
-            <a:hueOff val="0"/>
-            <a:satOff val="0"/>
-            <a:lumOff val="0"/>
-            <a:alphaOff val="0"/>
-          </a:schemeClr>
-        </a:solidFill>
-        <a:ln>
-          <a:solidFill>
-            <a:schemeClr val="accent1"/>
-          </a:solidFill>
-        </a:ln>
-        <a:effectLst>
-          <a:outerShdw blurRad="38100" dist="25400" dir="5400000" rotWithShape="0">
-            <a:srgbClr val="000000">
-              <a:alpha val="45000"/>
-            </a:srgbClr>
-          </a:outerShdw>
-        </a:effectLst>
-        <a:scene3d>
-          <a:camera prst="orthographicFront">
-            <a:rot lat="0" lon="0" rev="0"/>
-          </a:camera>
-          <a:lightRig rig="contrasting" dir="t">
-            <a:rot lat="0" lon="0" rev="1200000"/>
-          </a:lightRig>
-        </a:scene3d>
-        <a:sp3d contourW="19050" prstMaterial="metal">
-          <a:bevelT w="88900" h="203200"/>
-          <a:bevelB w="165100" h="254000"/>
-        </a:sp3d>
-      </dsp:spPr>
-      <dsp:style>
-        <a:lnRef idx="0">
-          <a:scrgbClr r="0" g="0" b="0"/>
-        </a:lnRef>
-        <a:fillRef idx="1">
-          <a:scrgbClr r="0" g="0" b="0"/>
-        </a:fillRef>
-        <a:effectRef idx="2">
-          <a:scrgbClr r="0" g="0" b="0"/>
-        </a:effectRef>
-        <a:fontRef idx="minor">
-          <a:schemeClr val="lt1"/>
-        </a:fontRef>
-      </dsp:style>
-      <dsp:txBody>
-        <a:bodyPr spcFirstLastPara="0" vert="horz" wrap="square" lIns="27940" tIns="27940" rIns="27940" bIns="27940" numCol="1" spcCol="1270" anchor="ctr" anchorCtr="0">
-          <a:noAutofit/>
-        </a:bodyPr>
-        <a:lstStyle/>
-        <a:p>
-          <a:pPr lvl="0" algn="ctr" defTabSz="977900">
-            <a:lnSpc>
-              <a:spcPct val="90000"/>
-            </a:lnSpc>
-            <a:spcBef>
-              <a:spcPct val="0"/>
-            </a:spcBef>
-            <a:spcAft>
-              <a:spcPct val="35000"/>
-            </a:spcAft>
-          </a:pPr>
-          <a:r>
-            <a:rPr lang="en-US" sz="2200" kern="1200" smtClean="0">
-              <a:latin typeface="Consolas" panose="020B0609020204030204" pitchFamily="49" charset="0"/>
-            </a:rPr>
-            <a:t>T&amp;&amp;</a:t>
-          </a:r>
-          <a:endParaRPr lang="en-US" sz="2200" kern="1200">
-            <a:latin typeface="Consolas" panose="020B0609020204030204" pitchFamily="49" charset="0"/>
-          </a:endParaRPr>
-        </a:p>
-      </dsp:txBody>
-      <dsp:txXfrm>
-        <a:off x="895960" y="1719260"/>
-        <a:ext cx="636960" cy="604925"/>
-      </dsp:txXfrm>
-    </dsp:sp>
-    <dsp:sp modelId="{0B5017A3-596B-4037-873B-6769E4C82131}">
-      <dsp:nvSpPr>
-        <dsp:cNvPr id="0" name=""/>
-        <dsp:cNvSpPr/>
-      </dsp:nvSpPr>
-      <dsp:spPr>
-        <a:xfrm rot="20700000">
-          <a:off x="1385289" y="591146"/>
-          <a:ext cx="1106189" cy="1134172"/>
-        </a:xfrm>
-        <a:prstGeom prst="gear6">
-          <a:avLst/>
-        </a:prstGeom>
-        <a:solidFill>
-          <a:schemeClr val="accent1">
-            <a:hueOff val="0"/>
-            <a:satOff val="0"/>
-            <a:lumOff val="0"/>
-            <a:alphaOff val="0"/>
-          </a:schemeClr>
-        </a:solidFill>
-        <a:ln>
-          <a:solidFill>
-            <a:schemeClr val="accent1"/>
-          </a:solidFill>
-        </a:ln>
-        <a:effectLst>
-          <a:outerShdw blurRad="38100" dist="25400" dir="5400000" rotWithShape="0">
-            <a:srgbClr val="000000">
-              <a:alpha val="45000"/>
-            </a:srgbClr>
-          </a:outerShdw>
-        </a:effectLst>
-        <a:scene3d>
-          <a:camera prst="orthographicFront">
-            <a:rot lat="0" lon="0" rev="0"/>
-          </a:camera>
-          <a:lightRig rig="contrasting" dir="t">
-            <a:rot lat="0" lon="0" rev="1200000"/>
-          </a:lightRig>
-        </a:scene3d>
-        <a:sp3d contourW="19050" prstMaterial="metal">
-          <a:bevelT w="88900" h="203200"/>
-          <a:bevelB w="165100" h="254000"/>
-        </a:sp3d>
-      </dsp:spPr>
-      <dsp:style>
-        <a:lnRef idx="0">
-          <a:scrgbClr r="0" g="0" b="0"/>
-        </a:lnRef>
-        <a:fillRef idx="1">
-          <a:scrgbClr r="0" g="0" b="0"/>
-        </a:fillRef>
-        <a:effectRef idx="2">
-          <a:scrgbClr r="0" g="0" b="0"/>
-        </a:effectRef>
-        <a:fontRef idx="minor">
-          <a:schemeClr val="lt1"/>
-        </a:fontRef>
-      </dsp:style>
-      <dsp:txBody>
-        <a:bodyPr spcFirstLastPara="0" vert="horz" wrap="square" lIns="27940" tIns="27940" rIns="27940" bIns="27940" numCol="1" spcCol="1270" anchor="ctr" anchorCtr="0">
-          <a:noAutofit/>
-        </a:bodyPr>
-        <a:lstStyle/>
-        <a:p>
-          <a:pPr lvl="0" algn="ctr" defTabSz="977900">
-            <a:lnSpc>
-              <a:spcPct val="90000"/>
-            </a:lnSpc>
-            <a:spcBef>
-              <a:spcPct val="0"/>
-            </a:spcBef>
-            <a:spcAft>
-              <a:spcPct val="35000"/>
-            </a:spcAft>
-          </a:pPr>
-          <a:r>
-            <a:rPr lang="en-US" sz="2200" kern="1200" smtClean="0">
-              <a:latin typeface="Consolas" panose="020B0609020204030204" pitchFamily="49" charset="0"/>
-            </a:rPr>
-            <a:t>&lt;T&gt;</a:t>
-          </a:r>
-          <a:endParaRPr lang="en-US" sz="2200" kern="1200">
-            <a:latin typeface="Consolas" panose="020B0609020204030204" pitchFamily="49" charset="0"/>
-          </a:endParaRPr>
-        </a:p>
-      </dsp:txBody>
-      <dsp:txXfrm rot="-20700000">
-        <a:off x="1626249" y="841563"/>
-        <a:ext cx="624269" cy="633338"/>
-      </dsp:txXfrm>
-    </dsp:sp>
-    <dsp:sp modelId="{F7A6F3B2-D09A-4FD5-A9DE-8C59D6C97C08}">
-      <dsp:nvSpPr>
-        <dsp:cNvPr id="0" name=""/>
-        <dsp:cNvSpPr/>
-      </dsp:nvSpPr>
-      <dsp:spPr>
-        <a:xfrm>
-          <a:off x="1787724" y="1312757"/>
-          <a:ext cx="2937350" cy="2937350"/>
-        </a:xfrm>
-        <a:prstGeom prst="circularArrow">
-          <a:avLst>
-            <a:gd name="adj1" fmla="val 4687"/>
-            <a:gd name="adj2" fmla="val 299029"/>
-            <a:gd name="adj3" fmla="val 2515725"/>
-            <a:gd name="adj4" fmla="val 15862225"/>
-            <a:gd name="adj5" fmla="val 5469"/>
-          </a:avLst>
-        </a:prstGeom>
-        <a:solidFill>
-          <a:schemeClr val="accent1">
-            <a:tint val="60000"/>
-            <a:hueOff val="0"/>
-            <a:satOff val="0"/>
-            <a:lumOff val="0"/>
-            <a:alphaOff val="0"/>
-          </a:schemeClr>
-        </a:solidFill>
-        <a:ln>
-          <a:noFill/>
-        </a:ln>
-        <a:effectLst/>
-        <a:scene3d>
-          <a:camera prst="orthographicFront">
-            <a:rot lat="0" lon="0" rev="0"/>
-          </a:camera>
-          <a:lightRig rig="contrasting" dir="t">
-            <a:rot lat="0" lon="0" rev="1200000"/>
-          </a:lightRig>
-        </a:scene3d>
-        <a:sp3d z="-182000" contourW="19050" prstMaterial="metal">
-          <a:bevelT w="88900" h="203200"/>
-          <a:bevelB w="165100" h="254000"/>
-        </a:sp3d>
-      </dsp:spPr>
-      <dsp:style>
-        <a:lnRef idx="0">
-          <a:scrgbClr r="0" g="0" b="0"/>
-        </a:lnRef>
-        <a:fillRef idx="1">
-          <a:scrgbClr r="0" g="0" b="0"/>
-        </a:fillRef>
-        <a:effectRef idx="0">
-          <a:scrgbClr r="0" g="0" b="0"/>
-        </a:effectRef>
-        <a:fontRef idx="minor">
-          <a:schemeClr val="lt1"/>
-        </a:fontRef>
-      </dsp:style>
-    </dsp:sp>
-    <dsp:sp modelId="{F774AABA-E20F-4464-B0D6-5FE0D5812C80}">
-      <dsp:nvSpPr>
-        <dsp:cNvPr id="0" name=""/>
-        <dsp:cNvSpPr/>
-      </dsp:nvSpPr>
-      <dsp:spPr>
-        <a:xfrm>
-          <a:off x="176691" y="827297"/>
-          <a:ext cx="2134168" cy="2134168"/>
-        </a:xfrm>
-        <a:prstGeom prst="leftCircularArrow">
-          <a:avLst>
-            <a:gd name="adj1" fmla="val 6452"/>
-            <a:gd name="adj2" fmla="val 429999"/>
-            <a:gd name="adj3" fmla="val 10489124"/>
-            <a:gd name="adj4" fmla="val 14837806"/>
-            <a:gd name="adj5" fmla="val 7527"/>
-          </a:avLst>
-        </a:prstGeom>
-        <a:solidFill>
-          <a:schemeClr val="accent1">
-            <a:tint val="60000"/>
-            <a:hueOff val="0"/>
-            <a:satOff val="0"/>
-            <a:lumOff val="0"/>
-            <a:alphaOff val="0"/>
-          </a:schemeClr>
-        </a:solidFill>
-        <a:ln>
-          <a:noFill/>
-        </a:ln>
-        <a:effectLst/>
-        <a:scene3d>
-          <a:camera prst="orthographicFront">
-            <a:rot lat="0" lon="0" rev="0"/>
-          </a:camera>
-          <a:lightRig rig="contrasting" dir="t">
-            <a:rot lat="0" lon="0" rev="1200000"/>
-          </a:lightRig>
-        </a:scene3d>
-        <a:sp3d z="-182000" contourW="19050" prstMaterial="metal">
-          <a:bevelT w="88900" h="203200"/>
-          <a:bevelB w="165100" h="254000"/>
-        </a:sp3d>
-      </dsp:spPr>
-      <dsp:style>
-        <a:lnRef idx="0">
-          <a:scrgbClr r="0" g="0" b="0"/>
-        </a:lnRef>
-        <a:fillRef idx="1">
-          <a:scrgbClr r="0" g="0" b="0"/>
-        </a:fillRef>
-        <a:effectRef idx="0">
-          <a:scrgbClr r="0" g="0" b="0"/>
-        </a:effectRef>
-        <a:fontRef idx="minor">
-          <a:schemeClr val="lt1"/>
-        </a:fontRef>
-      </dsp:style>
-    </dsp:sp>
-    <dsp:sp modelId="{BE5D2B03-5DC9-43D2-82FE-CCC9458C6DD6}">
-      <dsp:nvSpPr>
-        <dsp:cNvPr id="0" name=""/>
-        <dsp:cNvSpPr/>
-      </dsp:nvSpPr>
-      <dsp:spPr>
-        <a:xfrm>
-          <a:off x="1084204" y="28630"/>
-          <a:ext cx="2301063" cy="2301063"/>
-        </a:xfrm>
-        <a:prstGeom prst="circularArrow">
-          <a:avLst>
-            <a:gd name="adj1" fmla="val 5984"/>
-            <a:gd name="adj2" fmla="val 394124"/>
-            <a:gd name="adj3" fmla="val 13313824"/>
-            <a:gd name="adj4" fmla="val 10508221"/>
-            <a:gd name="adj5" fmla="val 6981"/>
-          </a:avLst>
-        </a:prstGeom>
-        <a:solidFill>
-          <a:schemeClr val="accent1">
-            <a:tint val="60000"/>
-            <a:hueOff val="0"/>
-            <a:satOff val="0"/>
-            <a:lumOff val="0"/>
-            <a:alphaOff val="0"/>
-          </a:schemeClr>
-        </a:solidFill>
-        <a:ln>
-          <a:noFill/>
-        </a:ln>
-        <a:effectLst/>
-        <a:scene3d>
-          <a:camera prst="orthographicFront">
-            <a:rot lat="0" lon="0" rev="0"/>
-          </a:camera>
-          <a:lightRig rig="contrasting" dir="t">
-            <a:rot lat="0" lon="0" rev="1200000"/>
-          </a:lightRig>
-        </a:scene3d>
-        <a:sp3d z="-182000" contourW="19050" prstMaterial="metal">
-          <a:bevelT w="88900" h="203200"/>
-          <a:bevelB w="165100" h="254000"/>
-        </a:sp3d>
-      </dsp:spPr>
-      <dsp:style>
-        <a:lnRef idx="0">
-          <a:scrgbClr r="0" g="0" b="0"/>
-        </a:lnRef>
-        <a:fillRef idx="1">
-          <a:scrgbClr r="0" g="0" b="0"/>
-        </a:fillRef>
-        <a:effectRef idx="0">
-          <a:scrgbClr r="0" g="0" b="0"/>
-        </a:effectRef>
-        <a:fontRef idx="minor">
-          <a:schemeClr val="lt1"/>
-        </a:fontRef>
-      </dsp:style>
-    </dsp:sp>
   </dsp:spTree>
 </dsp:drawing>
 </file>
@@ -3861,7 +3410,7 @@
             <a:fld id="{96DFF08F-DC6B-4601-B491-B0F83F6DD2DA}" type="datetimeFigureOut">
               <a:rPr lang="en-US" dirty="0"/>
               <a:pPr/>
-              <a:t>3/24/2017</a:t>
+              <a:t>3/31/2017</a:t>
             </a:fld>
             <a:endParaRPr lang="en-US" dirty="0"/>
           </a:p>
@@ -4078,7 +3627,7 @@
           <a:p>
             <a:fld id="{96DFF08F-DC6B-4601-B491-B0F83F6DD2DA}" type="datetimeFigureOut">
               <a:rPr lang="en-US" dirty="0"/>
-              <a:t>3/24/2017</a:t>
+              <a:t>3/31/2017</a:t>
             </a:fld>
             <a:endParaRPr lang="en-US" dirty="0"/>
           </a:p>
@@ -4253,7 +3802,7 @@
           <a:p>
             <a:fld id="{96DFF08F-DC6B-4601-B491-B0F83F6DD2DA}" type="datetimeFigureOut">
               <a:rPr lang="en-US" dirty="0"/>
-              <a:t>3/24/2017</a:t>
+              <a:t>3/31/2017</a:t>
             </a:fld>
             <a:endParaRPr lang="en-US" dirty="0"/>
           </a:p>
@@ -4418,7 +3967,7 @@
           <a:p>
             <a:fld id="{96DFF08F-DC6B-4601-B491-B0F83F6DD2DA}" type="datetimeFigureOut">
               <a:rPr lang="en-US" dirty="0"/>
-              <a:t>3/24/2017</a:t>
+              <a:t>3/31/2017</a:t>
             </a:fld>
             <a:endParaRPr lang="en-US" dirty="0"/>
           </a:p>
@@ -4664,7 +4213,7 @@
           <a:p>
             <a:fld id="{96DFF08F-DC6B-4601-B491-B0F83F6DD2DA}" type="datetimeFigureOut">
               <a:rPr lang="en-US" dirty="0"/>
-              <a:t>3/24/2017</a:t>
+              <a:t>3/31/2017</a:t>
             </a:fld>
             <a:endParaRPr lang="en-US" dirty="0"/>
           </a:p>
@@ -4982,7 +4531,7 @@
           <a:p>
             <a:fld id="{96DFF08F-DC6B-4601-B491-B0F83F6DD2DA}" type="datetimeFigureOut">
               <a:rPr lang="en-US" dirty="0"/>
-              <a:t>3/24/2017</a:t>
+              <a:t>3/31/2017</a:t>
             </a:fld>
             <a:endParaRPr lang="en-US" dirty="0"/>
           </a:p>
@@ -5401,7 +4950,7 @@
           <a:p>
             <a:fld id="{96DFF08F-DC6B-4601-B491-B0F83F6DD2DA}" type="datetimeFigureOut">
               <a:rPr lang="en-US" dirty="0"/>
-              <a:t>3/24/2017</a:t>
+              <a:t>3/31/2017</a:t>
             </a:fld>
             <a:endParaRPr lang="en-US" dirty="0"/>
           </a:p>
@@ -5514,7 +5063,7 @@
           <a:p>
             <a:fld id="{96DFF08F-DC6B-4601-B491-B0F83F6DD2DA}" type="datetimeFigureOut">
               <a:rPr lang="en-US" dirty="0"/>
-              <a:t>3/24/2017</a:t>
+              <a:t>3/31/2017</a:t>
             </a:fld>
             <a:endParaRPr lang="en-US" dirty="0"/>
           </a:p>
@@ -5604,7 +5153,7 @@
           <a:p>
             <a:fld id="{96DFF08F-DC6B-4601-B491-B0F83F6DD2DA}" type="datetimeFigureOut">
               <a:rPr lang="en-US" dirty="0"/>
-              <a:t>3/24/2017</a:t>
+              <a:t>3/31/2017</a:t>
             </a:fld>
             <a:endParaRPr lang="en-US" dirty="0"/>
           </a:p>
@@ -5889,7 +5438,7 @@
           <a:p>
             <a:fld id="{96DFF08F-DC6B-4601-B491-B0F83F6DD2DA}" type="datetimeFigureOut">
               <a:rPr lang="en-US" dirty="0"/>
-              <a:t>3/24/2017</a:t>
+              <a:t>3/31/2017</a:t>
             </a:fld>
             <a:endParaRPr lang="en-US" dirty="0"/>
           </a:p>
@@ -6156,7 +5705,7 @@
           <a:p>
             <a:fld id="{96DFF08F-DC6B-4601-B491-B0F83F6DD2DA}" type="datetimeFigureOut">
               <a:rPr lang="en-US" dirty="0"/>
-              <a:t>3/24/2017</a:t>
+              <a:t>3/31/2017</a:t>
             </a:fld>
             <a:endParaRPr lang="en-US" dirty="0"/>
           </a:p>
@@ -6405,7 +5954,7 @@
             <a:fld id="{96DFF08F-DC6B-4601-B491-B0F83F6DD2DA}" type="datetimeFigureOut">
               <a:rPr lang="en-US" dirty="0"/>
               <a:pPr/>
-              <a:t>3/24/2017</a:t>
+              <a:t>3/31/2017</a:t>
             </a:fld>
             <a:endParaRPr lang="en-US" dirty="0"/>
           </a:p>
@@ -15062,7 +14611,13 @@
               <a:rPr lang="en-US" smtClean="0">
                 <a:latin typeface="Consolas" panose="020B0609020204030204" pitchFamily="49" charset="0"/>
               </a:rPr>
-              <a:t>*; };</a:t>
+              <a:t>*x; </a:t>
+            </a:r>
+            <a:r>
+              <a:rPr lang="en-US" smtClean="0">
+                <a:latin typeface="Consolas" panose="020B0609020204030204" pitchFamily="49" charset="0"/>
+              </a:rPr>
+              <a:t>};</a:t>
             </a:r>
             <a:endParaRPr lang="en-US">
               <a:latin typeface="Consolas" panose="020B0609020204030204" pitchFamily="49" charset="0"/>
@@ -15278,7 +14833,13 @@
               <a:rPr lang="en-US">
                 <a:latin typeface="Consolas" panose="020B0609020204030204" pitchFamily="49" charset="0"/>
               </a:rPr>
-              <a:t>](int x) { </a:t>
+              <a:t>](int x</a:t>
+            </a:r>
+            <a:r>
+              <a:rPr lang="en-US" smtClean="0">
+                <a:latin typeface="Consolas" panose="020B0609020204030204" pitchFamily="49" charset="0"/>
+              </a:rPr>
+              <a:t>) { return </a:t>
             </a:r>
             <a:r>
               <a:rPr lang="en-US" smtClean="0">
@@ -15293,13 +14854,19 @@
               <a:rPr lang="en-US" smtClean="0">
                 <a:latin typeface="Consolas" panose="020B0609020204030204" pitchFamily="49" charset="0"/>
               </a:rPr>
-              <a:t> += </a:t>
-            </a:r>
-            <a:r>
-              <a:rPr lang="en-US">
-                <a:latin typeface="Consolas" panose="020B0609020204030204" pitchFamily="49" charset="0"/>
-              </a:rPr>
-              <a:t>x; };</a:t>
+              <a:t> </a:t>
+            </a:r>
+            <a:r>
+              <a:rPr lang="en-US" smtClean="0">
+                <a:latin typeface="Consolas" panose="020B0609020204030204" pitchFamily="49" charset="0"/>
+              </a:rPr>
+              <a:t>+ x</a:t>
+            </a:r>
+            <a:r>
+              <a:rPr lang="en-US">
+                <a:latin typeface="Consolas" panose="020B0609020204030204" pitchFamily="49" charset="0"/>
+              </a:rPr>
+              <a:t>; };</a:t>
             </a:r>
             <a:br>
               <a:rPr lang="en-US">
@@ -18996,7 +18563,6 @@
               <a:rPr lang="en-US"/>
               <a:t>std::sort</a:t>
             </a:r>
-            <a:endParaRPr lang="en-US"/>
           </a:p>
         </p:txBody>
       </p:sp>
@@ -20503,7 +20069,31 @@
               <a:rPr lang="en-US">
                 <a:latin typeface="Consolas" panose="020B0609020204030204" pitchFamily="49" charset="0"/>
               </a:rPr>
-              <a:t>auto k = [&amp;mref = m] { cout &lt;&lt; "may use m here" &lt;&lt; endl; </a:t>
+              <a:t>auto k = [&amp;mref = m] { cout &lt;&lt; "</a:t>
+            </a:r>
+            <a:r>
+              <a:rPr lang="en-US" smtClean="0">
+                <a:latin typeface="Consolas" panose="020B0609020204030204" pitchFamily="49" charset="0"/>
+              </a:rPr>
+              <a:t>m = " &lt;&lt; </a:t>
+            </a:r>
+            <a:r>
+              <a:rPr lang="en-US">
+                <a:latin typeface="Consolas" panose="020B0609020204030204" pitchFamily="49" charset="0"/>
+              </a:rPr>
+              <a:t>m </a:t>
+            </a:r>
+            <a:r>
+              <a:rPr lang="en-US" smtClean="0">
+                <a:latin typeface="Consolas" panose="020B0609020204030204" pitchFamily="49" charset="0"/>
+              </a:rPr>
+              <a:t>&lt;&lt; </a:t>
+            </a:r>
+            <a:r>
+              <a:rPr lang="en-US">
+                <a:latin typeface="Consolas" panose="020B0609020204030204" pitchFamily="49" charset="0"/>
+              </a:rPr>
+              <a:t>endl; </a:t>
             </a:r>
             <a:r>
               <a:rPr lang="en-US" smtClean="0">
@@ -20958,25 +20548,13 @@
               <a:rPr lang="en-US" sz="2000" smtClean="0">
                 <a:latin typeface="Consolas" panose="020B0609020204030204" pitchFamily="49" charset="0"/>
               </a:rPr>
-              <a:t>cout </a:t>
+              <a:t>cout &lt;&lt; "m = " &lt;&lt; m &lt;&lt; </a:t>
             </a:r>
             <a:r>
               <a:rPr lang="en-US" sz="2000">
                 <a:latin typeface="Consolas" panose="020B0609020204030204" pitchFamily="49" charset="0"/>
               </a:rPr>
-              <a:t>&lt;&lt; "may use </a:t>
-            </a:r>
-            <a:r>
-              <a:rPr lang="en-US" sz="2000" smtClean="0">
-                <a:latin typeface="Consolas" panose="020B0609020204030204" pitchFamily="49" charset="0"/>
-              </a:rPr>
-              <a:t>m here" </a:t>
-            </a:r>
-            <a:r>
-              <a:rPr lang="en-US" sz="2000">
-                <a:latin typeface="Consolas" panose="020B0609020204030204" pitchFamily="49" charset="0"/>
-              </a:rPr>
-              <a:t>&lt;&lt; endl</a:t>
+              <a:t>endl</a:t>
             </a:r>
             <a:r>
               <a:rPr lang="en-US" sz="2000" smtClean="0">
@@ -21220,7 +20798,13 @@
               <a:rPr lang="en-US">
                 <a:latin typeface="Consolas" panose="020B0609020204030204" pitchFamily="49" charset="0"/>
               </a:rPr>
-              <a:t>void f (int,int,int</a:t>
+              <a:t>void f (int</a:t>
+            </a:r>
+            <a:r>
+              <a:rPr lang="en-US" smtClean="0">
+                <a:latin typeface="Consolas" panose="020B0609020204030204" pitchFamily="49" charset="0"/>
+              </a:rPr>
+              <a:t>, int, int</a:t>
             </a:r>
             <a:r>
               <a:rPr lang="en-US" smtClean="0">
@@ -21278,85 +20862,27 @@
               <a:rPr lang="en-US">
                 <a:latin typeface="Consolas" panose="020B0609020204030204" pitchFamily="49" charset="0"/>
               </a:rPr>
-              <a:t>(); //Equivalent to f (1,2,3</a:t>
-            </a:r>
-            <a:r>
-              <a:rPr lang="en-US" smtClean="0">
-                <a:latin typeface="Consolas" panose="020B0609020204030204" pitchFamily="49" charset="0"/>
-              </a:rPr>
-              <a:t>)</a:t>
+              <a:t>(); </a:t>
+            </a:r>
+            <a:r>
+              <a:rPr lang="en-US" smtClean="0">
+                <a:latin typeface="Consolas" panose="020B0609020204030204" pitchFamily="49" charset="0"/>
+              </a:rPr>
+              <a:t>// Equivalent </a:t>
+            </a:r>
+            <a:r>
+              <a:rPr lang="en-US">
+                <a:latin typeface="Consolas" panose="020B0609020204030204" pitchFamily="49" charset="0"/>
+              </a:rPr>
+              <a:t>to f (1</a:t>
+            </a:r>
+            <a:r>
+              <a:rPr lang="en-US" smtClean="0">
+                <a:latin typeface="Consolas" panose="020B0609020204030204" pitchFamily="49" charset="0"/>
+              </a:rPr>
+              <a:t>, 2, 3)</a:t>
             </a:r>
             <a:endParaRPr lang="ru-RU" smtClean="0">
-              <a:latin typeface="Consolas" panose="020B0609020204030204" pitchFamily="49" charset="0"/>
-            </a:endParaRPr>
-          </a:p>
-          <a:p>
-            <a:r>
-              <a:rPr lang="ru-RU" smtClean="0"/>
-              <a:t>Преимущество: </a:t>
-            </a:r>
-            <a:r>
-              <a:rPr lang="en-US" smtClean="0"/>
-              <a:t>std::placeholders</a:t>
-            </a:r>
-          </a:p>
-          <a:p>
-            <a:pPr marL="45720" indent="0">
-              <a:buNone/>
-            </a:pPr>
-            <a:r>
-              <a:rPr lang="en-US" smtClean="0">
-                <a:latin typeface="Consolas" panose="020B0609020204030204" pitchFamily="49" charset="0"/>
-              </a:rPr>
-              <a:t>using std::placeholders::_1;</a:t>
-            </a:r>
-          </a:p>
-          <a:p>
-            <a:pPr marL="45720" indent="0">
-              <a:buNone/>
-            </a:pPr>
-            <a:r>
-              <a:rPr lang="en-US" smtClean="0">
-                <a:latin typeface="Consolas" panose="020B0609020204030204" pitchFamily="49" charset="0"/>
-              </a:rPr>
-              <a:t>function&lt;void(int)&gt; </a:t>
-            </a:r>
-            <a:r>
-              <a:rPr lang="en-US">
-                <a:latin typeface="Consolas" panose="020B0609020204030204" pitchFamily="49" charset="0"/>
-              </a:rPr>
-              <a:t>f_call = bind (f, 1, </a:t>
-            </a:r>
-            <a:r>
-              <a:rPr lang="en-US" smtClean="0">
-                <a:latin typeface="Consolas" panose="020B0609020204030204" pitchFamily="49" charset="0"/>
-              </a:rPr>
-              <a:t>_1, </a:t>
-            </a:r>
-            <a:r>
-              <a:rPr lang="en-US">
-                <a:latin typeface="Consolas" panose="020B0609020204030204" pitchFamily="49" charset="0"/>
-              </a:rPr>
-              <a:t>3</a:t>
-            </a:r>
-            <a:r>
-              <a:rPr lang="en-US" smtClean="0">
-                <a:latin typeface="Consolas" panose="020B0609020204030204" pitchFamily="49" charset="0"/>
-              </a:rPr>
-              <a:t>);</a:t>
-            </a:r>
-            <a:br>
-              <a:rPr lang="en-US" smtClean="0">
-                <a:latin typeface="Consolas" panose="020B0609020204030204" pitchFamily="49" charset="0"/>
-              </a:rPr>
-            </a:br>
-            <a:r>
-              <a:rPr lang="en-US" smtClean="0">
-                <a:latin typeface="Consolas" panose="020B0609020204030204" pitchFamily="49" charset="0"/>
-              </a:rPr>
-              <a:t>f_call (2); // f (1, 2, 3)</a:t>
-            </a:r>
-            <a:endParaRPr lang="en-US">
               <a:latin typeface="Consolas" panose="020B0609020204030204" pitchFamily="49" charset="0"/>
             </a:endParaRPr>
           </a:p>
@@ -21409,7 +20935,7 @@
           <a:p>
             <a:r>
               <a:rPr lang="ru-RU" smtClean="0"/>
-              <a:t>Упражнение</a:t>
+              <a:t>Связывание</a:t>
             </a:r>
             <a:endParaRPr lang="en-US"/>
           </a:p>
@@ -21430,20 +20956,32 @@
           <a:bodyPr/>
           <a:lstStyle/>
           <a:p>
+            <a:r>
+              <a:rPr lang="ru-RU" smtClean="0"/>
+              <a:t>Простой вариант: каррирование возвращается</a:t>
+            </a:r>
+          </a:p>
+          <a:p>
             <a:pPr marL="45720" indent="0">
               <a:buNone/>
             </a:pPr>
             <a:r>
-              <a:rPr lang="pt-BR">
-                <a:latin typeface="Consolas" panose="020B0609020204030204" pitchFamily="49" charset="0"/>
-              </a:rPr>
-              <a:t>void f(int n1, int n2, int n3, const int&amp; n4, int n5) </a:t>
-            </a:r>
-            <a:r>
-              <a:rPr lang="pt-BR" smtClean="0">
-                <a:latin typeface="Consolas" panose="020B0609020204030204" pitchFamily="49" charset="0"/>
-              </a:rPr>
-              <a:t>{</a:t>
+              <a:rPr lang="en-US">
+                <a:latin typeface="Consolas" panose="020B0609020204030204" pitchFamily="49" charset="0"/>
+              </a:rPr>
+              <a:t>void f (int</a:t>
+            </a:r>
+            <a:r>
+              <a:rPr lang="en-US" smtClean="0">
+                <a:latin typeface="Consolas" panose="020B0609020204030204" pitchFamily="49" charset="0"/>
+              </a:rPr>
+              <a:t>, int, int</a:t>
+            </a:r>
+            <a:r>
+              <a:rPr lang="en-US" smtClean="0">
+                <a:latin typeface="Consolas" panose="020B0609020204030204" pitchFamily="49" charset="0"/>
+              </a:rPr>
+              <a:t>);</a:t>
             </a:r>
             <a:r>
               <a:rPr lang="ru-RU" smtClean="0">
@@ -21457,22 +20995,22 @@
               </a:rPr>
             </a:br>
             <a:r>
-              <a:rPr lang="pt-BR" smtClean="0">
-                <a:latin typeface="Consolas" panose="020B0609020204030204" pitchFamily="49" charset="0"/>
-              </a:rPr>
-              <a:t>  </a:t>
-            </a:r>
-            <a:r>
-              <a:rPr lang="pt-BR">
-                <a:latin typeface="Consolas" panose="020B0609020204030204" pitchFamily="49" charset="0"/>
-              </a:rPr>
-              <a:t>cout &lt;&lt; n1 &lt;&lt; ' ' &lt;&lt; n2 &lt;&lt; ' ' &lt;&lt; n3 &lt;&lt; ' </a:t>
-            </a:r>
-            <a:r>
-              <a:rPr lang="pt-BR" smtClean="0">
-                <a:latin typeface="Consolas" panose="020B0609020204030204" pitchFamily="49" charset="0"/>
-              </a:rPr>
-              <a:t>'</a:t>
+              <a:rPr lang="en-US" smtClean="0">
+                <a:latin typeface="Consolas" panose="020B0609020204030204" pitchFamily="49" charset="0"/>
+              </a:rPr>
+              <a:t>function&lt;void</a:t>
+            </a:r>
+            <a:r>
+              <a:rPr lang="en-US">
+                <a:latin typeface="Consolas" panose="020B0609020204030204" pitchFamily="49" charset="0"/>
+              </a:rPr>
+              <a:t>()&gt; f_call = bind (f, 1, 2, 3</a:t>
+            </a:r>
+            <a:r>
+              <a:rPr lang="en-US" smtClean="0">
+                <a:latin typeface="Consolas" panose="020B0609020204030204" pitchFamily="49" charset="0"/>
+              </a:rPr>
+              <a:t>);</a:t>
             </a:r>
             <a:r>
               <a:rPr lang="ru-RU" smtClean="0">
@@ -21486,68 +21024,102 @@
               </a:rPr>
             </a:br>
             <a:r>
-              <a:rPr lang="pt-BR" smtClean="0">
-                <a:latin typeface="Consolas" panose="020B0609020204030204" pitchFamily="49" charset="0"/>
-              </a:rPr>
-              <a:t>       </a:t>
-            </a:r>
-            <a:r>
-              <a:rPr lang="pt-BR">
-                <a:latin typeface="Consolas" panose="020B0609020204030204" pitchFamily="49" charset="0"/>
-              </a:rPr>
-              <a:t>&lt;&lt; n4 &lt;&lt; ' ' &lt;&lt; n5 &lt;&lt; endl</a:t>
-            </a:r>
-            <a:r>
-              <a:rPr lang="pt-BR" smtClean="0">
-                <a:latin typeface="Consolas" panose="020B0609020204030204" pitchFamily="49" charset="0"/>
-              </a:rPr>
-              <a:t>;</a:t>
-            </a:r>
-            <a:r>
-              <a:rPr lang="ru-RU" smtClean="0">
-                <a:latin typeface="Consolas" panose="020B0609020204030204" pitchFamily="49" charset="0"/>
-              </a:rPr>
-              <a:t/>
-            </a:r>
-            <a:br>
-              <a:rPr lang="ru-RU" smtClean="0">
-                <a:latin typeface="Consolas" panose="020B0609020204030204" pitchFamily="49" charset="0"/>
-              </a:rPr>
-            </a:br>
-            <a:r>
-              <a:rPr lang="pt-BR" smtClean="0">
-                <a:latin typeface="Consolas" panose="020B0609020204030204" pitchFamily="49" charset="0"/>
-              </a:rPr>
-              <a:t>}</a:t>
-            </a:r>
-            <a:endParaRPr lang="ru-RU">
+              <a:rPr lang="en-US" smtClean="0">
+                <a:latin typeface="Consolas" panose="020B0609020204030204" pitchFamily="49" charset="0"/>
+              </a:rPr>
+              <a:t>f_call </a:t>
+            </a:r>
+            <a:r>
+              <a:rPr lang="en-US">
+                <a:latin typeface="Consolas" panose="020B0609020204030204" pitchFamily="49" charset="0"/>
+              </a:rPr>
+              <a:t>(); </a:t>
+            </a:r>
+            <a:r>
+              <a:rPr lang="en-US" smtClean="0">
+                <a:latin typeface="Consolas" panose="020B0609020204030204" pitchFamily="49" charset="0"/>
+              </a:rPr>
+              <a:t>// Equivalent </a:t>
+            </a:r>
+            <a:r>
+              <a:rPr lang="en-US">
+                <a:latin typeface="Consolas" panose="020B0609020204030204" pitchFamily="49" charset="0"/>
+              </a:rPr>
+              <a:t>to f (1</a:t>
+            </a:r>
+            <a:r>
+              <a:rPr lang="en-US" smtClean="0">
+                <a:latin typeface="Consolas" panose="020B0609020204030204" pitchFamily="49" charset="0"/>
+              </a:rPr>
+              <a:t>, 2, 3</a:t>
+            </a:r>
+            <a:r>
+              <a:rPr lang="en-US" smtClean="0">
+                <a:latin typeface="Consolas" panose="020B0609020204030204" pitchFamily="49" charset="0"/>
+              </a:rPr>
+              <a:t>)</a:t>
+            </a:r>
+            <a:endParaRPr lang="ru-RU" smtClean="0">
               <a:latin typeface="Consolas" panose="020B0609020204030204" pitchFamily="49" charset="0"/>
             </a:endParaRPr>
           </a:p>
           <a:p>
+            <a:r>
+              <a:rPr lang="ru-RU" smtClean="0"/>
+              <a:t>Преимущество: </a:t>
+            </a:r>
+            <a:r>
+              <a:rPr lang="en-US" smtClean="0"/>
+              <a:t>std::placeholders</a:t>
+            </a:r>
+          </a:p>
+          <a:p>
             <a:pPr marL="45720" indent="0">
               <a:buNone/>
             </a:pPr>
             <a:r>
-              <a:rPr lang="en-US">
-                <a:latin typeface="Consolas" panose="020B0609020204030204" pitchFamily="49" charset="0"/>
-              </a:rPr>
-              <a:t>using namespace std::placeholders;  // for _1, _2, </a:t>
-            </a:r>
-            <a:r>
-              <a:rPr lang="en-US" smtClean="0">
-                <a:latin typeface="Consolas" panose="020B0609020204030204" pitchFamily="49" charset="0"/>
-              </a:rPr>
-              <a:t>...</a:t>
-            </a:r>
-            <a:r>
-              <a:rPr lang="ru-RU" smtClean="0">
-                <a:latin typeface="Consolas" panose="020B0609020204030204" pitchFamily="49" charset="0"/>
-              </a:rPr>
-              <a:t/>
+              <a:rPr lang="en-US" smtClean="0">
+                <a:latin typeface="Consolas" panose="020B0609020204030204" pitchFamily="49" charset="0"/>
+              </a:rPr>
+              <a:t>using std::placeholders::_1;</a:t>
+            </a:r>
+          </a:p>
+          <a:p>
+            <a:pPr marL="45720" indent="0">
+              <a:buNone/>
+            </a:pPr>
+            <a:r>
+              <a:rPr lang="en-US" smtClean="0">
+                <a:latin typeface="Consolas" panose="020B0609020204030204" pitchFamily="49" charset="0"/>
+              </a:rPr>
+              <a:t>function&lt;void(int)&gt; </a:t>
+            </a:r>
+            <a:r>
+              <a:rPr lang="en-US">
+                <a:latin typeface="Consolas" panose="020B0609020204030204" pitchFamily="49" charset="0"/>
+              </a:rPr>
+              <a:t>f_call = bind (f, 1, </a:t>
+            </a:r>
+            <a:r>
+              <a:rPr lang="en-US" smtClean="0">
+                <a:latin typeface="Consolas" panose="020B0609020204030204" pitchFamily="49" charset="0"/>
+              </a:rPr>
+              <a:t>_1, </a:t>
+            </a:r>
+            <a:r>
+              <a:rPr lang="en-US">
+                <a:latin typeface="Consolas" panose="020B0609020204030204" pitchFamily="49" charset="0"/>
+              </a:rPr>
+              <a:t>3</a:t>
+            </a:r>
+            <a:r>
+              <a:rPr lang="en-US" smtClean="0">
+                <a:latin typeface="Consolas" panose="020B0609020204030204" pitchFamily="49" charset="0"/>
+              </a:rPr>
+              <a:t>);</a:t>
             </a:r>
             <a:br>
-              <a:rPr lang="ru-RU" smtClean="0">
+              <a:rPr lang="en-US" smtClean="0">
                 <a:latin typeface="Consolas" panose="020B0609020204030204" pitchFamily="49" charset="0"/>
               </a:rPr>
             </a:br>
@@ -21555,130 +21127,7 @@
               <a:rPr lang="en-US" smtClean="0">
                 <a:latin typeface="Consolas" panose="020B0609020204030204" pitchFamily="49" charset="0"/>
               </a:rPr>
-              <a:t>int </a:t>
-            </a:r>
-            <a:r>
-              <a:rPr lang="en-US">
-                <a:latin typeface="Consolas" panose="020B0609020204030204" pitchFamily="49" charset="0"/>
-              </a:rPr>
-              <a:t>n = 7</a:t>
-            </a:r>
-            <a:r>
-              <a:rPr lang="en-US" smtClean="0">
-                <a:latin typeface="Consolas" panose="020B0609020204030204" pitchFamily="49" charset="0"/>
-              </a:rPr>
-              <a:t>;</a:t>
-            </a:r>
-            <a:r>
-              <a:rPr lang="ru-RU" smtClean="0">
-                <a:latin typeface="Consolas" panose="020B0609020204030204" pitchFamily="49" charset="0"/>
-              </a:rPr>
-              <a:t/>
-            </a:r>
-            <a:br>
-              <a:rPr lang="ru-RU" smtClean="0">
-                <a:latin typeface="Consolas" panose="020B0609020204030204" pitchFamily="49" charset="0"/>
-              </a:rPr>
-            </a:br>
-            <a:r>
-              <a:rPr lang="en-US" smtClean="0">
-                <a:latin typeface="Consolas" panose="020B0609020204030204" pitchFamily="49" charset="0"/>
-              </a:rPr>
-              <a:t>auto </a:t>
-            </a:r>
-            <a:r>
-              <a:rPr lang="en-US">
-                <a:latin typeface="Consolas" panose="020B0609020204030204" pitchFamily="49" charset="0"/>
-              </a:rPr>
-              <a:t>f1 = std::bind(f, _2, _1, 42, std::cref(n), n</a:t>
-            </a:r>
-            <a:r>
-              <a:rPr lang="en-US" smtClean="0">
-                <a:latin typeface="Consolas" panose="020B0609020204030204" pitchFamily="49" charset="0"/>
-              </a:rPr>
-              <a:t>);</a:t>
-            </a:r>
-            <a:r>
-              <a:rPr lang="ru-RU" smtClean="0">
-                <a:latin typeface="Consolas" panose="020B0609020204030204" pitchFamily="49" charset="0"/>
-              </a:rPr>
-              <a:t/>
-            </a:r>
-            <a:br>
-              <a:rPr lang="ru-RU" smtClean="0">
-                <a:latin typeface="Consolas" panose="020B0609020204030204" pitchFamily="49" charset="0"/>
-              </a:rPr>
-            </a:br>
-            <a:r>
-              <a:rPr lang="en-US" smtClean="0">
-                <a:latin typeface="Consolas" panose="020B0609020204030204" pitchFamily="49" charset="0"/>
-              </a:rPr>
-              <a:t>n </a:t>
-            </a:r>
-            <a:r>
-              <a:rPr lang="en-US">
-                <a:latin typeface="Consolas" panose="020B0609020204030204" pitchFamily="49" charset="0"/>
-              </a:rPr>
-              <a:t>= 10</a:t>
-            </a:r>
-            <a:r>
-              <a:rPr lang="en-US" smtClean="0">
-                <a:latin typeface="Consolas" panose="020B0609020204030204" pitchFamily="49" charset="0"/>
-              </a:rPr>
-              <a:t>;</a:t>
-            </a:r>
-            <a:r>
-              <a:rPr lang="ru-RU" smtClean="0">
-                <a:latin typeface="Consolas" panose="020B0609020204030204" pitchFamily="49" charset="0"/>
-              </a:rPr>
-              <a:t/>
-            </a:r>
-            <a:br>
-              <a:rPr lang="ru-RU" smtClean="0">
-                <a:latin typeface="Consolas" panose="020B0609020204030204" pitchFamily="49" charset="0"/>
-              </a:rPr>
-            </a:br>
-            <a:r>
-              <a:rPr lang="en-US" smtClean="0">
-                <a:latin typeface="Consolas" panose="020B0609020204030204" pitchFamily="49" charset="0"/>
-              </a:rPr>
-              <a:t>f1(1</a:t>
-            </a:r>
-            <a:r>
-              <a:rPr lang="en-US">
-                <a:latin typeface="Consolas" panose="020B0609020204030204" pitchFamily="49" charset="0"/>
-              </a:rPr>
-              <a:t>, 2, 1001</a:t>
-            </a:r>
-            <a:r>
-              <a:rPr lang="en-US" smtClean="0">
-                <a:latin typeface="Consolas" panose="020B0609020204030204" pitchFamily="49" charset="0"/>
-              </a:rPr>
-              <a:t>);</a:t>
-            </a:r>
-            <a:r>
-              <a:rPr lang="ru-RU" smtClean="0">
-                <a:latin typeface="Consolas" panose="020B0609020204030204" pitchFamily="49" charset="0"/>
-              </a:rPr>
-              <a:t> </a:t>
-            </a:r>
-            <a:r>
-              <a:rPr lang="en-US" smtClean="0">
-                <a:latin typeface="Consolas" panose="020B0609020204030204" pitchFamily="49" charset="0"/>
-              </a:rPr>
-              <a:t>// </a:t>
-            </a:r>
-            <a:r>
-              <a:rPr lang="ru-RU" smtClean="0">
-                <a:latin typeface="Consolas" panose="020B0609020204030204" pitchFamily="49" charset="0"/>
-              </a:rPr>
-              <a:t>что на экране?</a:t>
-            </a:r>
-            <a:r>
-              <a:rPr lang="en-US" smtClean="0">
-                <a:latin typeface="Consolas" panose="020B0609020204030204" pitchFamily="49" charset="0"/>
-              </a:rPr>
-              <a:t> </a:t>
+              <a:t>f_call (2); // f (1, 2, 3)</a:t>
             </a:r>
             <a:endParaRPr lang="en-US">
               <a:latin typeface="Consolas" panose="020B0609020204030204" pitchFamily="49" charset="0"/>
@@ -21689,7 +21138,7 @@
     </p:spTree>
     <p:extLst>
       <p:ext uri="{BB962C8B-B14F-4D97-AF65-F5344CB8AC3E}">
-        <p14:creationId xmlns:p14="http://schemas.microsoft.com/office/powerpoint/2010/main" val="31836218"/>
+        <p14:creationId xmlns:p14="http://schemas.microsoft.com/office/powerpoint/2010/main" val="2772884511"/>
       </p:ext>
     </p:extLst>
   </p:cSld>
@@ -21860,15 +21309,7 @@
           <a:p>
             <a:r>
               <a:rPr lang="ru-RU" smtClean="0"/>
-              <a:t>Упражнение</a:t>
-            </a:r>
-            <a:r>
-              <a:rPr lang="en-US" smtClean="0"/>
-              <a:t>: </a:t>
-            </a:r>
-            <a:r>
-              <a:rPr lang="ru-RU" smtClean="0"/>
-              <a:t>ответ</a:t>
+              <a:t>Пример: обращение списка аргументов</a:t>
             </a:r>
             <a:endParaRPr lang="en-US"/>
           </a:p>
@@ -21893,256 +21334,136 @@
               <a:buNone/>
             </a:pPr>
             <a:r>
-              <a:rPr lang="pt-BR">
-                <a:latin typeface="Consolas" panose="020B0609020204030204" pitchFamily="49" charset="0"/>
-              </a:rPr>
-              <a:t>void f(int n1, int n2, int n3, const int&amp; n4, int n5) </a:t>
-            </a:r>
-            <a:r>
-              <a:rPr lang="pt-BR" smtClean="0">
-                <a:latin typeface="Consolas" panose="020B0609020204030204" pitchFamily="49" charset="0"/>
-              </a:rPr>
-              <a:t>{</a:t>
+              <a:rPr lang="en-US" smtClean="0">
+                <a:latin typeface="Consolas" panose="020B0609020204030204" pitchFamily="49" charset="0"/>
+              </a:rPr>
+              <a:t>using namespace </a:t>
+            </a:r>
+            <a:r>
+              <a:rPr lang="en-US">
+                <a:latin typeface="Consolas" panose="020B0609020204030204" pitchFamily="49" charset="0"/>
+              </a:rPr>
+              <a:t>std</a:t>
+            </a:r>
+            <a:r>
+              <a:rPr lang="en-US">
+                <a:latin typeface="Consolas" panose="020B0609020204030204" pitchFamily="49" charset="0"/>
+              </a:rPr>
+              <a:t>::</a:t>
+            </a:r>
+            <a:r>
+              <a:rPr lang="en-US" smtClean="0">
+                <a:latin typeface="Consolas" panose="020B0609020204030204" pitchFamily="49" charset="0"/>
+              </a:rPr>
+              <a:t>placeholders; </a:t>
+            </a:r>
+            <a:r>
+              <a:rPr lang="en-US">
+                <a:latin typeface="Consolas" panose="020B0609020204030204" pitchFamily="49" charset="0"/>
+              </a:rPr>
+              <a:t>// for _1, _2</a:t>
+            </a:r>
+            <a:r>
+              <a:rPr lang="en-US">
+                <a:latin typeface="Consolas" panose="020B0609020204030204" pitchFamily="49" charset="0"/>
+              </a:rPr>
+              <a:t>, </a:t>
+            </a:r>
+            <a:r>
+              <a:rPr lang="en-US" smtClean="0">
+                <a:latin typeface="Consolas" panose="020B0609020204030204" pitchFamily="49" charset="0"/>
+              </a:rPr>
+              <a:t>.....</a:t>
+            </a:r>
+          </a:p>
+          <a:p>
+            <a:pPr marL="45720" indent="0">
+              <a:buNone/>
+            </a:pPr>
+            <a:r>
+              <a:rPr lang="en-US" smtClean="0">
+                <a:latin typeface="Consolas" panose="020B0609020204030204" pitchFamily="49" charset="0"/>
+              </a:rPr>
+              <a:t>void </a:t>
+            </a:r>
+            <a:r>
+              <a:rPr lang="en-US">
+                <a:latin typeface="Consolas" panose="020B0609020204030204" pitchFamily="49" charset="0"/>
+              </a:rPr>
+              <a:t>f </a:t>
+            </a:r>
+            <a:r>
+              <a:rPr lang="en-US">
+                <a:latin typeface="Consolas" panose="020B0609020204030204" pitchFamily="49" charset="0"/>
+              </a:rPr>
+              <a:t>(</a:t>
+            </a:r>
+            <a:r>
+              <a:rPr lang="en-US" smtClean="0">
+                <a:latin typeface="Consolas" panose="020B0609020204030204" pitchFamily="49" charset="0"/>
+              </a:rPr>
+              <a:t>int</a:t>
             </a:r>
             <a:r>
               <a:rPr lang="ru-RU" smtClean="0">
                 <a:latin typeface="Consolas" panose="020B0609020204030204" pitchFamily="49" charset="0"/>
               </a:rPr>
-              <a:t/>
-            </a:r>
-            <a:br>
-              <a:rPr lang="ru-RU" smtClean="0">
-                <a:latin typeface="Consolas" panose="020B0609020204030204" pitchFamily="49" charset="0"/>
-              </a:rPr>
-            </a:br>
-            <a:r>
-              <a:rPr lang="pt-BR" smtClean="0">
-                <a:latin typeface="Consolas" panose="020B0609020204030204" pitchFamily="49" charset="0"/>
-              </a:rPr>
-              <a:t>  </a:t>
-            </a:r>
-            <a:r>
-              <a:rPr lang="pt-BR">
-                <a:latin typeface="Consolas" panose="020B0609020204030204" pitchFamily="49" charset="0"/>
-              </a:rPr>
-              <a:t>cout &lt;&lt; n1 &lt;&lt; ' ' &lt;&lt; n2 &lt;&lt; ' ' &lt;&lt; n3 &lt;&lt; ' </a:t>
-            </a:r>
-            <a:r>
-              <a:rPr lang="pt-BR" smtClean="0">
-                <a:latin typeface="Consolas" panose="020B0609020204030204" pitchFamily="49" charset="0"/>
-              </a:rPr>
-              <a:t>'</a:t>
-            </a:r>
-            <a:r>
-              <a:rPr lang="ru-RU" smtClean="0">
-                <a:latin typeface="Consolas" panose="020B0609020204030204" pitchFamily="49" charset="0"/>
-              </a:rPr>
-              <a:t/>
-            </a:r>
-            <a:br>
-              <a:rPr lang="ru-RU" smtClean="0">
-                <a:latin typeface="Consolas" panose="020B0609020204030204" pitchFamily="49" charset="0"/>
-              </a:rPr>
-            </a:br>
-            <a:r>
-              <a:rPr lang="pt-BR" smtClean="0">
-                <a:latin typeface="Consolas" panose="020B0609020204030204" pitchFamily="49" charset="0"/>
-              </a:rPr>
-              <a:t>       </a:t>
-            </a:r>
-            <a:r>
-              <a:rPr lang="pt-BR">
-                <a:latin typeface="Consolas" panose="020B0609020204030204" pitchFamily="49" charset="0"/>
-              </a:rPr>
-              <a:t>&lt;&lt; n4 &lt;&lt; ' ' &lt;&lt; n5 &lt;&lt; endl</a:t>
-            </a:r>
-            <a:r>
-              <a:rPr lang="pt-BR" smtClean="0">
-                <a:latin typeface="Consolas" panose="020B0609020204030204" pitchFamily="49" charset="0"/>
-              </a:rPr>
-              <a:t>;</a:t>
-            </a:r>
-            <a:r>
-              <a:rPr lang="ru-RU" smtClean="0">
-                <a:latin typeface="Consolas" panose="020B0609020204030204" pitchFamily="49" charset="0"/>
-              </a:rPr>
-              <a:t/>
-            </a:r>
-            <a:br>
-              <a:rPr lang="ru-RU" smtClean="0">
-                <a:latin typeface="Consolas" panose="020B0609020204030204" pitchFamily="49" charset="0"/>
-              </a:rPr>
-            </a:br>
-            <a:r>
-              <a:rPr lang="pt-BR" smtClean="0">
-                <a:latin typeface="Consolas" panose="020B0609020204030204" pitchFamily="49" charset="0"/>
-              </a:rPr>
-              <a:t>}</a:t>
-            </a:r>
-            <a:endParaRPr lang="ru-RU">
-              <a:latin typeface="Consolas" panose="020B0609020204030204" pitchFamily="49" charset="0"/>
-            </a:endParaRPr>
+              <a:t> </a:t>
+            </a:r>
+            <a:r>
+              <a:rPr lang="en-US" smtClean="0">
+                <a:latin typeface="Consolas" panose="020B0609020204030204" pitchFamily="49" charset="0"/>
+              </a:rPr>
+              <a:t>x, int y, int z);</a:t>
+            </a:r>
           </a:p>
           <a:p>
             <a:pPr marL="45720" indent="0">
               <a:buNone/>
             </a:pPr>
             <a:r>
-              <a:rPr lang="en-US">
-                <a:latin typeface="Consolas" panose="020B0609020204030204" pitchFamily="49" charset="0"/>
-              </a:rPr>
-              <a:t>using namespace std::placeholders;  // for _1, _2, </a:t>
-            </a:r>
-            <a:r>
-              <a:rPr lang="en-US" smtClean="0">
-                <a:latin typeface="Consolas" panose="020B0609020204030204" pitchFamily="49" charset="0"/>
-              </a:rPr>
-              <a:t>...</a:t>
-            </a:r>
-            <a:r>
-              <a:rPr lang="ru-RU" smtClean="0">
-                <a:latin typeface="Consolas" panose="020B0609020204030204" pitchFamily="49" charset="0"/>
-              </a:rPr>
-              <a:t/>
-            </a:r>
-            <a:br>
-              <a:rPr lang="ru-RU" smtClean="0">
-                <a:latin typeface="Consolas" panose="020B0609020204030204" pitchFamily="49" charset="0"/>
-              </a:rPr>
-            </a:br>
-            <a:r>
-              <a:rPr lang="en-US" smtClean="0">
-                <a:latin typeface="Consolas" panose="020B0609020204030204" pitchFamily="49" charset="0"/>
-              </a:rPr>
-              <a:t>int </a:t>
-            </a:r>
-            <a:r>
-              <a:rPr lang="en-US">
-                <a:latin typeface="Consolas" panose="020B0609020204030204" pitchFamily="49" charset="0"/>
-              </a:rPr>
-              <a:t>n = 7</a:t>
-            </a:r>
-            <a:r>
-              <a:rPr lang="en-US" smtClean="0">
-                <a:latin typeface="Consolas" panose="020B0609020204030204" pitchFamily="49" charset="0"/>
-              </a:rPr>
-              <a:t>;</a:t>
-            </a:r>
-            <a:r>
-              <a:rPr lang="ru-RU" smtClean="0">
-                <a:latin typeface="Consolas" panose="020B0609020204030204" pitchFamily="49" charset="0"/>
-              </a:rPr>
-              <a:t/>
-            </a:r>
-            <a:br>
-              <a:rPr lang="ru-RU" smtClean="0">
-                <a:latin typeface="Consolas" panose="020B0609020204030204" pitchFamily="49" charset="0"/>
-              </a:rPr>
-            </a:br>
-            <a:r>
-              <a:rPr lang="en-US" smtClean="0">
-                <a:latin typeface="Consolas" panose="020B0609020204030204" pitchFamily="49" charset="0"/>
-              </a:rPr>
-              <a:t>auto </a:t>
-            </a:r>
-            <a:r>
-              <a:rPr lang="en-US">
-                <a:latin typeface="Consolas" panose="020B0609020204030204" pitchFamily="49" charset="0"/>
-              </a:rPr>
-              <a:t>f1 = std::bind(f, _2, _1, 42, std::cref(n), n</a:t>
-            </a:r>
-            <a:r>
-              <a:rPr lang="en-US" smtClean="0">
-                <a:latin typeface="Consolas" panose="020B0609020204030204" pitchFamily="49" charset="0"/>
-              </a:rPr>
-              <a:t>);</a:t>
-            </a:r>
-            <a:r>
-              <a:rPr lang="ru-RU" smtClean="0">
-                <a:latin typeface="Consolas" panose="020B0609020204030204" pitchFamily="49" charset="0"/>
-              </a:rPr>
-              <a:t/>
-            </a:r>
-            <a:br>
-              <a:rPr lang="ru-RU" smtClean="0">
-                <a:latin typeface="Consolas" panose="020B0609020204030204" pitchFamily="49" charset="0"/>
-              </a:rPr>
-            </a:br>
-            <a:r>
-              <a:rPr lang="en-US" smtClean="0">
-                <a:latin typeface="Consolas" panose="020B0609020204030204" pitchFamily="49" charset="0"/>
-              </a:rPr>
-              <a:t>n </a:t>
-            </a:r>
-            <a:r>
-              <a:rPr lang="en-US">
-                <a:latin typeface="Consolas" panose="020B0609020204030204" pitchFamily="49" charset="0"/>
-              </a:rPr>
-              <a:t>= 10</a:t>
-            </a:r>
-            <a:r>
-              <a:rPr lang="en-US" smtClean="0">
-                <a:latin typeface="Consolas" panose="020B0609020204030204" pitchFamily="49" charset="0"/>
-              </a:rPr>
-              <a:t>;</a:t>
-            </a:r>
-            <a:r>
-              <a:rPr lang="ru-RU" smtClean="0">
-                <a:latin typeface="Consolas" panose="020B0609020204030204" pitchFamily="49" charset="0"/>
-              </a:rPr>
-              <a:t/>
-            </a:r>
-            <a:br>
-              <a:rPr lang="ru-RU" smtClean="0">
-                <a:latin typeface="Consolas" panose="020B0609020204030204" pitchFamily="49" charset="0"/>
-              </a:rPr>
-            </a:br>
-            <a:r>
-              <a:rPr lang="en-US" smtClean="0">
-                <a:latin typeface="Consolas" panose="020B0609020204030204" pitchFamily="49" charset="0"/>
-              </a:rPr>
-              <a:t>f1(1</a:t>
-            </a:r>
-            <a:r>
-              <a:rPr lang="en-US">
-                <a:latin typeface="Consolas" panose="020B0609020204030204" pitchFamily="49" charset="0"/>
-              </a:rPr>
-              <a:t>, 2, 1001</a:t>
-            </a:r>
-            <a:r>
-              <a:rPr lang="en-US" smtClean="0">
-                <a:latin typeface="Consolas" panose="020B0609020204030204" pitchFamily="49" charset="0"/>
-              </a:rPr>
-              <a:t>);</a:t>
-            </a:r>
-            <a:r>
-              <a:rPr lang="ru-RU" smtClean="0">
-                <a:latin typeface="Consolas" panose="020B0609020204030204" pitchFamily="49" charset="0"/>
-              </a:rPr>
-              <a:t> </a:t>
-            </a:r>
-            <a:r>
-              <a:rPr lang="en-US" smtClean="0">
-                <a:latin typeface="Consolas" panose="020B0609020204030204" pitchFamily="49" charset="0"/>
-              </a:rPr>
-              <a:t>//</a:t>
-            </a:r>
-            <a:r>
-              <a:rPr lang="en-US" smtClean="0">
-                <a:solidFill>
-                  <a:srgbClr val="0000FF"/>
-                </a:solidFill>
-                <a:latin typeface="Consolas" panose="020B0609020204030204" pitchFamily="49" charset="0"/>
-              </a:rPr>
-              <a:t> 2, 1, 42, 10, 7</a:t>
-            </a:r>
+              <a:rPr lang="en-US" smtClean="0">
+                <a:latin typeface="Consolas" panose="020B0609020204030204" pitchFamily="49" charset="0"/>
+              </a:rPr>
+              <a:t>auto f_rev = bind </a:t>
+            </a:r>
+            <a:r>
+              <a:rPr lang="en-US">
+                <a:latin typeface="Consolas" panose="020B0609020204030204" pitchFamily="49" charset="0"/>
+              </a:rPr>
+              <a:t>(f</a:t>
+            </a:r>
+            <a:r>
+              <a:rPr lang="en-US">
+                <a:latin typeface="Consolas" panose="020B0609020204030204" pitchFamily="49" charset="0"/>
+              </a:rPr>
+              <a:t>, </a:t>
+            </a:r>
+            <a:r>
+              <a:rPr lang="en-US" smtClean="0">
+                <a:latin typeface="Consolas" panose="020B0609020204030204" pitchFamily="49" charset="0"/>
+              </a:rPr>
+              <a:t>_3, _2, _1);</a:t>
+            </a:r>
+          </a:p>
+          <a:p>
+            <a:pPr marL="45720" indent="0">
+              <a:buNone/>
+            </a:pPr>
+            <a:r>
+              <a:rPr lang="en-US" smtClean="0">
+                <a:latin typeface="Consolas" panose="020B0609020204030204" pitchFamily="49" charset="0"/>
+              </a:rPr>
+              <a:t>assert (f_rev (10, 20, 30) == f (30, 20, 10)); </a:t>
+            </a:r>
+            <a:endParaRPr lang="en-US"/>
           </a:p>
         </p:txBody>
       </p:sp>
     </p:spTree>
     <p:extLst>
       <p:ext uri="{BB962C8B-B14F-4D97-AF65-F5344CB8AC3E}">
-        <p14:creationId xmlns:p14="http://schemas.microsoft.com/office/powerpoint/2010/main" val="708707285"/>
+        <p14:creationId xmlns:p14="http://schemas.microsoft.com/office/powerpoint/2010/main" val="3043061038"/>
       </p:ext>
     </p:extLst>
   </p:cSld>
@@ -22186,7 +21507,7 @@
           <a:p>
             <a:r>
               <a:rPr lang="ru-RU" smtClean="0"/>
-              <a:t>Заглядывая вперед</a:t>
+              <a:t>Упражнение</a:t>
             </a:r>
             <a:endParaRPr lang="en-US"/>
           </a:p>
@@ -22211,16 +21532,91 @@
               <a:buNone/>
             </a:pPr>
             <a:r>
-              <a:rPr lang="en-US">
-                <a:latin typeface="Consolas" panose="020B0609020204030204" pitchFamily="49" charset="0"/>
-              </a:rPr>
-              <a:t>uniform_int_distribution&lt;&gt; d(0, 10</a:t>
-            </a:r>
-            <a:r>
-              <a:rPr lang="en-US" smtClean="0">
-                <a:latin typeface="Consolas" panose="020B0609020204030204" pitchFamily="49" charset="0"/>
-              </a:rPr>
-              <a:t>);</a:t>
+              <a:rPr lang="pt-BR">
+                <a:latin typeface="Consolas" panose="020B0609020204030204" pitchFamily="49" charset="0"/>
+              </a:rPr>
+              <a:t>void f(int n1, int n2, int n3, const int&amp; n4, int n5) </a:t>
+            </a:r>
+            <a:r>
+              <a:rPr lang="pt-BR" smtClean="0">
+                <a:latin typeface="Consolas" panose="020B0609020204030204" pitchFamily="49" charset="0"/>
+              </a:rPr>
+              <a:t>{</a:t>
+            </a:r>
+            <a:r>
+              <a:rPr lang="ru-RU" smtClean="0">
+                <a:latin typeface="Consolas" panose="020B0609020204030204" pitchFamily="49" charset="0"/>
+              </a:rPr>
+              <a:t/>
+            </a:r>
+            <a:br>
+              <a:rPr lang="ru-RU" smtClean="0">
+                <a:latin typeface="Consolas" panose="020B0609020204030204" pitchFamily="49" charset="0"/>
+              </a:rPr>
+            </a:br>
+            <a:r>
+              <a:rPr lang="pt-BR" smtClean="0">
+                <a:latin typeface="Consolas" panose="020B0609020204030204" pitchFamily="49" charset="0"/>
+              </a:rPr>
+              <a:t>  </a:t>
+            </a:r>
+            <a:r>
+              <a:rPr lang="pt-BR">
+                <a:latin typeface="Consolas" panose="020B0609020204030204" pitchFamily="49" charset="0"/>
+              </a:rPr>
+              <a:t>cout &lt;&lt; n1 &lt;&lt; ' ' &lt;&lt; n2 &lt;&lt; ' ' &lt;&lt; n3 &lt;&lt; ' </a:t>
+            </a:r>
+            <a:r>
+              <a:rPr lang="pt-BR" smtClean="0">
+                <a:latin typeface="Consolas" panose="020B0609020204030204" pitchFamily="49" charset="0"/>
+              </a:rPr>
+              <a:t>'</a:t>
+            </a:r>
+            <a:r>
+              <a:rPr lang="ru-RU" smtClean="0">
+                <a:latin typeface="Consolas" panose="020B0609020204030204" pitchFamily="49" charset="0"/>
+              </a:rPr>
+              <a:t/>
+            </a:r>
+            <a:br>
+              <a:rPr lang="ru-RU" smtClean="0">
+                <a:latin typeface="Consolas" panose="020B0609020204030204" pitchFamily="49" charset="0"/>
+              </a:rPr>
+            </a:br>
+            <a:r>
+              <a:rPr lang="pt-BR" smtClean="0">
+                <a:latin typeface="Consolas" panose="020B0609020204030204" pitchFamily="49" charset="0"/>
+              </a:rPr>
+              <a:t>       </a:t>
+            </a:r>
+            <a:r>
+              <a:rPr lang="pt-BR">
+                <a:latin typeface="Consolas" panose="020B0609020204030204" pitchFamily="49" charset="0"/>
+              </a:rPr>
+              <a:t>&lt;&lt; n4 &lt;&lt; ' ' &lt;&lt; n5 &lt;&lt; endl</a:t>
+            </a:r>
+            <a:r>
+              <a:rPr lang="pt-BR" smtClean="0">
+                <a:latin typeface="Consolas" panose="020B0609020204030204" pitchFamily="49" charset="0"/>
+              </a:rPr>
+              <a:t>;</a:t>
+            </a:r>
+            <a:r>
+              <a:rPr lang="ru-RU" smtClean="0">
+                <a:latin typeface="Consolas" panose="020B0609020204030204" pitchFamily="49" charset="0"/>
+              </a:rPr>
+              <a:t/>
+            </a:r>
+            <a:br>
+              <a:rPr lang="ru-RU" smtClean="0">
+                <a:latin typeface="Consolas" panose="020B0609020204030204" pitchFamily="49" charset="0"/>
+              </a:rPr>
+            </a:br>
+            <a:r>
+              <a:rPr lang="pt-BR" smtClean="0">
+                <a:latin typeface="Consolas" panose="020B0609020204030204" pitchFamily="49" charset="0"/>
+              </a:rPr>
+              <a:t>}</a:t>
             </a:r>
             <a:endParaRPr lang="ru-RU">
               <a:latin typeface="Consolas" panose="020B0609020204030204" pitchFamily="49" charset="0"/>
@@ -22231,12 +21627,12 @@
               <a:buNone/>
             </a:pPr>
             <a:r>
-              <a:rPr lang="en-US" smtClean="0">
-                <a:latin typeface="Consolas" panose="020B0609020204030204" pitchFamily="49" charset="0"/>
-              </a:rPr>
-              <a:t>default_random_engine e;</a:t>
-            </a:r>
-            <a:endParaRPr lang="ru-RU">
+              <a:rPr lang="en-US">
+                <a:latin typeface="Consolas" panose="020B0609020204030204" pitchFamily="49" charset="0"/>
+              </a:rPr>
+              <a:t>using namespace std::placeholders; </a:t>
+            </a:r>
+            <a:endParaRPr lang="en-US" smtClean="0">
               <a:latin typeface="Consolas" panose="020B0609020204030204" pitchFamily="49" charset="0"/>
             </a:endParaRPr>
           </a:p>
@@ -22248,21 +21644,132 @@
               <a:rPr lang="en-US" smtClean="0">
                 <a:latin typeface="Consolas" panose="020B0609020204030204" pitchFamily="49" charset="0"/>
               </a:rPr>
-              <a:t>function&lt;int</a:t>
-            </a:r>
-            <a:r>
-              <a:rPr lang="en-US">
-                <a:latin typeface="Consolas" panose="020B0609020204030204" pitchFamily="49" charset="0"/>
-              </a:rPr>
-              <a:t>()&gt; rnd = bind(d, e);</a:t>
-            </a:r>
+              <a:t>int </a:t>
+            </a:r>
+            <a:r>
+              <a:rPr lang="en-US">
+                <a:latin typeface="Consolas" panose="020B0609020204030204" pitchFamily="49" charset="0"/>
+              </a:rPr>
+              <a:t>n = </a:t>
+            </a:r>
+            <a:r>
+              <a:rPr lang="en-US" smtClean="0">
+                <a:latin typeface="Consolas" panose="020B0609020204030204" pitchFamily="49" charset="0"/>
+              </a:rPr>
+              <a:t>7;</a:t>
+            </a:r>
+            <a:endParaRPr lang="en-US">
+              <a:latin typeface="Consolas" panose="020B0609020204030204" pitchFamily="49" charset="0"/>
+            </a:endParaRPr>
+          </a:p>
+          <a:p>
+            <a:pPr marL="45720" indent="0">
+              <a:buNone/>
+            </a:pPr>
+            <a:r>
+              <a:rPr lang="en-US" smtClean="0">
+                <a:latin typeface="Consolas" panose="020B0609020204030204" pitchFamily="49" charset="0"/>
+              </a:rPr>
+              <a:t>auto </a:t>
+            </a:r>
+            <a:r>
+              <a:rPr lang="en-US">
+                <a:latin typeface="Consolas" panose="020B0609020204030204" pitchFamily="49" charset="0"/>
+              </a:rPr>
+              <a:t>f1 = std::bind(f, _2, _1, 42, std::cref(n), n</a:t>
+            </a:r>
+            <a:r>
+              <a:rPr lang="en-US" smtClean="0">
+                <a:latin typeface="Consolas" panose="020B0609020204030204" pitchFamily="49" charset="0"/>
+              </a:rPr>
+              <a:t>);</a:t>
+            </a:r>
+            <a:endParaRPr lang="en-US">
+              <a:latin typeface="Consolas" panose="020B0609020204030204" pitchFamily="49" charset="0"/>
+            </a:endParaRPr>
+          </a:p>
+          <a:p>
+            <a:pPr marL="45720" indent="0">
+              <a:buNone/>
+            </a:pPr>
+            <a:r>
+              <a:rPr lang="en-US" smtClean="0">
+                <a:latin typeface="Consolas" panose="020B0609020204030204" pitchFamily="49" charset="0"/>
+              </a:rPr>
+              <a:t>n </a:t>
+            </a:r>
+            <a:r>
+              <a:rPr lang="en-US">
+                <a:latin typeface="Consolas" panose="020B0609020204030204" pitchFamily="49" charset="0"/>
+              </a:rPr>
+              <a:t>= </a:t>
+            </a:r>
+            <a:r>
+              <a:rPr lang="en-US" smtClean="0">
+                <a:latin typeface="Consolas" panose="020B0609020204030204" pitchFamily="49" charset="0"/>
+              </a:rPr>
+              <a:t>10;</a:t>
+            </a:r>
+            <a:endParaRPr lang="en-US">
+              <a:latin typeface="Consolas" panose="020B0609020204030204" pitchFamily="49" charset="0"/>
+            </a:endParaRPr>
+          </a:p>
+          <a:p>
+            <a:pPr marL="45720" indent="0">
+              <a:buNone/>
+            </a:pPr>
+            <a:r>
+              <a:rPr lang="en-US" smtClean="0">
+                <a:latin typeface="Consolas" panose="020B0609020204030204" pitchFamily="49" charset="0"/>
+              </a:rPr>
+              <a:t>f1(1</a:t>
+            </a:r>
+            <a:r>
+              <a:rPr lang="en-US">
+                <a:latin typeface="Consolas" panose="020B0609020204030204" pitchFamily="49" charset="0"/>
+              </a:rPr>
+              <a:t>, 2, 1001</a:t>
+            </a:r>
+            <a:r>
+              <a:rPr lang="en-US" smtClean="0">
+                <a:latin typeface="Consolas" panose="020B0609020204030204" pitchFamily="49" charset="0"/>
+              </a:rPr>
+              <a:t>);</a:t>
+            </a:r>
+            <a:r>
+              <a:rPr lang="ru-RU" smtClean="0">
+                <a:latin typeface="Consolas" panose="020B0609020204030204" pitchFamily="49" charset="0"/>
+              </a:rPr>
+              <a:t> </a:t>
+            </a:r>
+            <a:r>
+              <a:rPr lang="en-US" smtClean="0">
+                <a:latin typeface="Consolas" panose="020B0609020204030204" pitchFamily="49" charset="0"/>
+              </a:rPr>
+              <a:t>// </a:t>
+            </a:r>
+            <a:r>
+              <a:rPr lang="ru-RU" smtClean="0">
+                <a:latin typeface="Consolas" panose="020B0609020204030204" pitchFamily="49" charset="0"/>
+              </a:rPr>
+              <a:t>что на экране?</a:t>
+            </a:r>
+            <a:r>
+              <a:rPr lang="en-US" smtClean="0">
+                <a:latin typeface="Consolas" panose="020B0609020204030204" pitchFamily="49" charset="0"/>
+              </a:rPr>
+              <a:t> </a:t>
+            </a:r>
+            <a:endParaRPr lang="en-US">
+              <a:latin typeface="Consolas" panose="020B0609020204030204" pitchFamily="49" charset="0"/>
+            </a:endParaRPr>
           </a:p>
         </p:txBody>
       </p:sp>
     </p:spTree>
     <p:extLst>
       <p:ext uri="{BB962C8B-B14F-4D97-AF65-F5344CB8AC3E}">
-        <p14:creationId xmlns:p14="http://schemas.microsoft.com/office/powerpoint/2010/main" val="33436026"/>
+        <p14:creationId xmlns:p14="http://schemas.microsoft.com/office/powerpoint/2010/main" val="31836218"/>
       </p:ext>
     </p:extLst>
   </p:cSld>
@@ -22306,7 +21813,15 @@
           <a:p>
             <a:r>
               <a:rPr lang="ru-RU" smtClean="0"/>
-              <a:t>Обсуждение</a:t>
+              <a:t>Упражнение</a:t>
+            </a:r>
+            <a:r>
+              <a:rPr lang="en-US" smtClean="0"/>
+              <a:t>: </a:t>
+            </a:r>
+            <a:r>
+              <a:rPr lang="ru-RU" smtClean="0"/>
+              <a:t>ответ</a:t>
             </a:r>
             <a:endParaRPr lang="en-US"/>
           </a:p>
@@ -22327,25 +21842,95 @@
           <a:bodyPr/>
           <a:lstStyle/>
           <a:p>
-            <a:r>
-              <a:rPr lang="ru-RU" smtClean="0"/>
-              <a:t>Майерс не советовал использовать </a:t>
-            </a:r>
-            <a:r>
-              <a:rPr lang="en-US" smtClean="0"/>
-              <a:t>bind</a:t>
-            </a:r>
-            <a:endParaRPr lang="ru-RU" smtClean="0"/>
-          </a:p>
-          <a:p>
             <a:pPr marL="45720" indent="0">
               <a:buNone/>
             </a:pPr>
             <a:r>
-              <a:rPr lang="en-US">
-                <a:latin typeface="Consolas" panose="020B0609020204030204" pitchFamily="49" charset="0"/>
-              </a:rPr>
-              <a:t>uniform_int_distribution&lt;&gt; d(0, 10);</a:t>
+              <a:rPr lang="pt-BR">
+                <a:latin typeface="Consolas" panose="020B0609020204030204" pitchFamily="49" charset="0"/>
+              </a:rPr>
+              <a:t>void f(int n1, int n2, int n3, const int&amp; n4, int n5) </a:t>
+            </a:r>
+            <a:r>
+              <a:rPr lang="pt-BR" smtClean="0">
+                <a:latin typeface="Consolas" panose="020B0609020204030204" pitchFamily="49" charset="0"/>
+              </a:rPr>
+              <a:t>{</a:t>
+            </a:r>
+            <a:r>
+              <a:rPr lang="ru-RU" smtClean="0">
+                <a:latin typeface="Consolas" panose="020B0609020204030204" pitchFamily="49" charset="0"/>
+              </a:rPr>
+              <a:t/>
+            </a:r>
+            <a:br>
+              <a:rPr lang="ru-RU" smtClean="0">
+                <a:latin typeface="Consolas" panose="020B0609020204030204" pitchFamily="49" charset="0"/>
+              </a:rPr>
+            </a:br>
+            <a:r>
+              <a:rPr lang="pt-BR" smtClean="0">
+                <a:latin typeface="Consolas" panose="020B0609020204030204" pitchFamily="49" charset="0"/>
+              </a:rPr>
+              <a:t>  </a:t>
+            </a:r>
+            <a:r>
+              <a:rPr lang="pt-BR">
+                <a:latin typeface="Consolas" panose="020B0609020204030204" pitchFamily="49" charset="0"/>
+              </a:rPr>
+              <a:t>cout &lt;&lt; n1 &lt;&lt; ' ' &lt;&lt; n2 &lt;&lt; ' ' &lt;&lt; n3 &lt;&lt; ' </a:t>
+            </a:r>
+            <a:r>
+              <a:rPr lang="pt-BR" smtClean="0">
+                <a:latin typeface="Consolas" panose="020B0609020204030204" pitchFamily="49" charset="0"/>
+              </a:rPr>
+              <a:t>'</a:t>
+            </a:r>
+            <a:r>
+              <a:rPr lang="ru-RU" smtClean="0">
+                <a:latin typeface="Consolas" panose="020B0609020204030204" pitchFamily="49" charset="0"/>
+              </a:rPr>
+              <a:t/>
+            </a:r>
+            <a:br>
+              <a:rPr lang="ru-RU" smtClean="0">
+                <a:latin typeface="Consolas" panose="020B0609020204030204" pitchFamily="49" charset="0"/>
+              </a:rPr>
+            </a:br>
+            <a:r>
+              <a:rPr lang="pt-BR" smtClean="0">
+                <a:latin typeface="Consolas" panose="020B0609020204030204" pitchFamily="49" charset="0"/>
+              </a:rPr>
+              <a:t>       </a:t>
+            </a:r>
+            <a:r>
+              <a:rPr lang="pt-BR">
+                <a:latin typeface="Consolas" panose="020B0609020204030204" pitchFamily="49" charset="0"/>
+              </a:rPr>
+              <a:t>&lt;&lt; n4 &lt;&lt; ' ' &lt;&lt; n5 &lt;&lt; endl</a:t>
+            </a:r>
+            <a:r>
+              <a:rPr lang="pt-BR" smtClean="0">
+                <a:latin typeface="Consolas" panose="020B0609020204030204" pitchFamily="49" charset="0"/>
+              </a:rPr>
+              <a:t>;</a:t>
+            </a:r>
+            <a:r>
+              <a:rPr lang="ru-RU" smtClean="0">
+                <a:latin typeface="Consolas" panose="020B0609020204030204" pitchFamily="49" charset="0"/>
+              </a:rPr>
+              <a:t/>
+            </a:r>
+            <a:br>
+              <a:rPr lang="ru-RU" smtClean="0">
+                <a:latin typeface="Consolas" panose="020B0609020204030204" pitchFamily="49" charset="0"/>
+              </a:rPr>
+            </a:br>
+            <a:r>
+              <a:rPr lang="pt-BR" smtClean="0">
+                <a:latin typeface="Consolas" panose="020B0609020204030204" pitchFamily="49" charset="0"/>
+              </a:rPr>
+              <a:t>}</a:t>
             </a:r>
             <a:endParaRPr lang="ru-RU">
               <a:latin typeface="Consolas" panose="020B0609020204030204" pitchFamily="49" charset="0"/>
@@ -22359,7 +21944,36 @@
               <a:rPr lang="en-US">
                 <a:latin typeface="Consolas" panose="020B0609020204030204" pitchFamily="49" charset="0"/>
               </a:rPr>
-              <a:t>default_random_engine e</a:t>
+              <a:t>using namespace std::placeholders;  // for _1, _2, </a:t>
+            </a:r>
+            <a:r>
+              <a:rPr lang="en-US" smtClean="0">
+                <a:latin typeface="Consolas" panose="020B0609020204030204" pitchFamily="49" charset="0"/>
+              </a:rPr>
+              <a:t>...</a:t>
+            </a:r>
+            <a:r>
+              <a:rPr lang="ru-RU" smtClean="0">
+                <a:latin typeface="Consolas" panose="020B0609020204030204" pitchFamily="49" charset="0"/>
+              </a:rPr>
+              <a:t/>
+            </a:r>
+            <a:br>
+              <a:rPr lang="ru-RU" smtClean="0">
+                <a:latin typeface="Consolas" panose="020B0609020204030204" pitchFamily="49" charset="0"/>
+              </a:rPr>
+            </a:br>
+            <a:r>
+              <a:rPr lang="en-US" smtClean="0">
+                <a:latin typeface="Consolas" panose="020B0609020204030204" pitchFamily="49" charset="0"/>
+              </a:rPr>
+              <a:t>int </a:t>
+            </a:r>
+            <a:r>
+              <a:rPr lang="en-US">
+                <a:latin typeface="Consolas" panose="020B0609020204030204" pitchFamily="49" charset="0"/>
+              </a:rPr>
+              <a:t>n = 7</a:t>
             </a:r>
             <a:r>
               <a:rPr lang="en-US" smtClean="0">
@@ -22367,54 +21981,121 @@
               </a:rPr>
               <a:t>;</a:t>
             </a:r>
-            <a:endParaRPr lang="ru-RU" smtClean="0">
-              <a:latin typeface="Consolas" panose="020B0609020204030204" pitchFamily="49" charset="0"/>
-            </a:endParaRPr>
-          </a:p>
-          <a:p>
-            <a:pPr marL="45720" indent="0">
-              <a:buNone/>
-            </a:pPr>
-            <a:r>
-              <a:rPr lang="en-US">
-                <a:latin typeface="Consolas" panose="020B0609020204030204" pitchFamily="49" charset="0"/>
-              </a:rPr>
-              <a:t>function&lt;int()&gt; </a:t>
-            </a:r>
-            <a:r>
-              <a:rPr lang="en-US" smtClean="0">
-                <a:latin typeface="Consolas" panose="020B0609020204030204" pitchFamily="49" charset="0"/>
-              </a:rPr>
-              <a:t>rnd</a:t>
-            </a:r>
             <a:r>
               <a:rPr lang="ru-RU" smtClean="0">
                 <a:latin typeface="Consolas" panose="020B0609020204030204" pitchFamily="49" charset="0"/>
               </a:rPr>
-              <a:t> = </a:t>
-            </a:r>
-            <a:r>
-              <a:rPr lang="en-US" smtClean="0">
-                <a:latin typeface="Consolas" panose="020B0609020204030204" pitchFamily="49" charset="0"/>
-              </a:rPr>
-              <a:t>[=]() { return d(e); }</a:t>
-            </a:r>
-            <a:endParaRPr lang="ru-RU">
-              <a:latin typeface="Consolas" panose="020B0609020204030204" pitchFamily="49" charset="0"/>
-            </a:endParaRPr>
-          </a:p>
-          <a:p>
-            <a:pPr marL="45720" indent="0">
-              <a:buNone/>
-            </a:pPr>
-            <a:endParaRPr lang="en-US"/>
+              <a:t/>
+            </a:r>
+            <a:br>
+              <a:rPr lang="ru-RU" smtClean="0">
+                <a:latin typeface="Consolas" panose="020B0609020204030204" pitchFamily="49" charset="0"/>
+              </a:rPr>
+            </a:br>
+            <a:r>
+              <a:rPr lang="en-US" smtClean="0">
+                <a:latin typeface="Consolas" panose="020B0609020204030204" pitchFamily="49" charset="0"/>
+              </a:rPr>
+              <a:t>auto </a:t>
+            </a:r>
+            <a:r>
+              <a:rPr lang="en-US">
+                <a:latin typeface="Consolas" panose="020B0609020204030204" pitchFamily="49" charset="0"/>
+              </a:rPr>
+              <a:t>f1 = std::bind(f, _2, _1, 42, std::cref(n), n</a:t>
+            </a:r>
+            <a:r>
+              <a:rPr lang="en-US" smtClean="0">
+                <a:latin typeface="Consolas" panose="020B0609020204030204" pitchFamily="49" charset="0"/>
+              </a:rPr>
+              <a:t>);</a:t>
+            </a:r>
+            <a:r>
+              <a:rPr lang="ru-RU" smtClean="0">
+                <a:latin typeface="Consolas" panose="020B0609020204030204" pitchFamily="49" charset="0"/>
+              </a:rPr>
+              <a:t/>
+            </a:r>
+            <a:br>
+              <a:rPr lang="ru-RU" smtClean="0">
+                <a:latin typeface="Consolas" panose="020B0609020204030204" pitchFamily="49" charset="0"/>
+              </a:rPr>
+            </a:br>
+            <a:r>
+              <a:rPr lang="en-US" smtClean="0">
+                <a:latin typeface="Consolas" panose="020B0609020204030204" pitchFamily="49" charset="0"/>
+              </a:rPr>
+              <a:t>n </a:t>
+            </a:r>
+            <a:r>
+              <a:rPr lang="en-US">
+                <a:latin typeface="Consolas" panose="020B0609020204030204" pitchFamily="49" charset="0"/>
+              </a:rPr>
+              <a:t>= 10</a:t>
+            </a:r>
+            <a:r>
+              <a:rPr lang="en-US" smtClean="0">
+                <a:latin typeface="Consolas" panose="020B0609020204030204" pitchFamily="49" charset="0"/>
+              </a:rPr>
+              <a:t>;</a:t>
+            </a:r>
+            <a:r>
+              <a:rPr lang="ru-RU" smtClean="0">
+                <a:latin typeface="Consolas" panose="020B0609020204030204" pitchFamily="49" charset="0"/>
+              </a:rPr>
+              <a:t/>
+            </a:r>
+            <a:br>
+              <a:rPr lang="ru-RU" smtClean="0">
+                <a:latin typeface="Consolas" panose="020B0609020204030204" pitchFamily="49" charset="0"/>
+              </a:rPr>
+            </a:br>
+            <a:r>
+              <a:rPr lang="en-US" smtClean="0">
+                <a:latin typeface="Consolas" panose="020B0609020204030204" pitchFamily="49" charset="0"/>
+              </a:rPr>
+              <a:t>f1(1</a:t>
+            </a:r>
+            <a:r>
+              <a:rPr lang="en-US">
+                <a:latin typeface="Consolas" panose="020B0609020204030204" pitchFamily="49" charset="0"/>
+              </a:rPr>
+              <a:t>, 2, 1001</a:t>
+            </a:r>
+            <a:r>
+              <a:rPr lang="en-US" smtClean="0">
+                <a:latin typeface="Consolas" panose="020B0609020204030204" pitchFamily="49" charset="0"/>
+              </a:rPr>
+              <a:t>);</a:t>
+            </a:r>
+            <a:r>
+              <a:rPr lang="ru-RU" smtClean="0">
+                <a:latin typeface="Consolas" panose="020B0609020204030204" pitchFamily="49" charset="0"/>
+              </a:rPr>
+              <a:t> </a:t>
+            </a:r>
+            <a:r>
+              <a:rPr lang="en-US" smtClean="0">
+                <a:latin typeface="Consolas" panose="020B0609020204030204" pitchFamily="49" charset="0"/>
+              </a:rPr>
+              <a:t>//</a:t>
+            </a:r>
+            <a:r>
+              <a:rPr lang="en-US" smtClean="0">
+                <a:solidFill>
+                  <a:srgbClr val="0000FF"/>
+                </a:solidFill>
+                <a:latin typeface="Consolas" panose="020B0609020204030204" pitchFamily="49" charset="0"/>
+              </a:rPr>
+              <a:t> 2, 1, 42, 10, 7</a:t>
+            </a:r>
           </a:p>
         </p:txBody>
       </p:sp>
     </p:spTree>
     <p:extLst>
       <p:ext uri="{BB962C8B-B14F-4D97-AF65-F5344CB8AC3E}">
-        <p14:creationId xmlns:p14="http://schemas.microsoft.com/office/powerpoint/2010/main" val="246834224"/>
+        <p14:creationId xmlns:p14="http://schemas.microsoft.com/office/powerpoint/2010/main" val="708707285"/>
       </p:ext>
     </p:extLst>
   </p:cSld>
@@ -22443,6 +22124,29 @@
       </p:grpSpPr>
       <p:sp>
         <p:nvSpPr>
+          <p:cNvPr id="2" name="Title 1"/>
+          <p:cNvSpPr>
+            <a:spLocks noGrp="1"/>
+          </p:cNvSpPr>
+          <p:nvPr>
+            <p:ph type="title"/>
+          </p:nvPr>
+        </p:nvSpPr>
+        <p:spPr/>
+        <p:txBody>
+          <a:bodyPr/>
+          <a:lstStyle/>
+          <a:p>
+            <a:r>
+              <a:rPr lang="ru-RU" smtClean="0"/>
+              <a:t>Заглядывая вперед</a:t>
+            </a:r>
+            <a:endParaRPr lang="en-US"/>
+          </a:p>
+        </p:txBody>
+      </p:sp>
+      <p:sp>
+        <p:nvSpPr>
           <p:cNvPr id="3" name="Content Placeholder 2"/>
           <p:cNvSpPr>
             <a:spLocks noGrp="1"/>
@@ -22451,82 +22155,59 @@
             <p:ph idx="1"/>
           </p:nvPr>
         </p:nvSpPr>
-        <p:spPr>
-          <a:xfrm>
-            <a:off x="1143000" y="742122"/>
-            <a:ext cx="9872871" cy="5353878"/>
-          </a:xfrm>
-        </p:spPr>
+        <p:spPr/>
         <p:txBody>
-          <a:bodyPr>
-            <a:noAutofit/>
-          </a:bodyPr>
+          <a:bodyPr/>
           <a:lstStyle/>
           <a:p>
-            <a:pPr>
-              <a:lnSpc>
-                <a:spcPct val="150000"/>
-              </a:lnSpc>
-              <a:buFont typeface="Wingdings" panose="05000000000000000000" pitchFamily="2" charset="2"/>
-              <a:buChar char="q"/>
+            <a:pPr marL="45720" indent="0">
+              <a:buNone/>
             </a:pPr>
             <a:r>
-              <a:rPr lang="ru-RU" sz="4800" smtClean="0"/>
-              <a:t> Базовые </a:t>
-            </a:r>
-            <a:r>
-              <a:rPr lang="ru-RU" sz="4800" smtClean="0">
-                <a:sym typeface="Symbol" panose="05050102010706020507" pitchFamily="18" charset="2"/>
-              </a:rPr>
-              <a:t>-</a:t>
-            </a:r>
-            <a:r>
-              <a:rPr lang="ru-RU" sz="4800" smtClean="0"/>
-              <a:t>выражения</a:t>
-            </a:r>
-          </a:p>
-          <a:p>
-            <a:pPr>
-              <a:lnSpc>
-                <a:spcPct val="150000"/>
-              </a:lnSpc>
-              <a:buFont typeface="Wingdings" panose="05000000000000000000" pitchFamily="2" charset="2"/>
-              <a:buChar char="q"/>
+              <a:rPr lang="en-US">
+                <a:latin typeface="Consolas" panose="020B0609020204030204" pitchFamily="49" charset="0"/>
+              </a:rPr>
+              <a:t>uniform_int_distribution&lt;&gt; d(0, 10</a:t>
+            </a:r>
+            <a:r>
+              <a:rPr lang="en-US" smtClean="0">
+                <a:latin typeface="Consolas" panose="020B0609020204030204" pitchFamily="49" charset="0"/>
+              </a:rPr>
+              <a:t>);</a:t>
+            </a:r>
+            <a:endParaRPr lang="ru-RU">
+              <a:latin typeface="Consolas" panose="020B0609020204030204" pitchFamily="49" charset="0"/>
+            </a:endParaRPr>
+          </a:p>
+          <a:p>
+            <a:pPr marL="45720" indent="0">
+              <a:buNone/>
             </a:pPr>
             <a:r>
-              <a:rPr lang="ru-RU" sz="4800" smtClean="0"/>
-              <a:t> Замыкания и захват</a:t>
-            </a:r>
-            <a:endParaRPr lang="en-US" sz="4800" smtClean="0"/>
-          </a:p>
-          <a:p>
-            <a:pPr>
-              <a:lnSpc>
-                <a:spcPct val="150000"/>
-              </a:lnSpc>
-              <a:buFont typeface="Wingdings" panose="05000000000000000000" pitchFamily="2" charset="2"/>
-              <a:buChar char="q"/>
+              <a:rPr lang="en-US" smtClean="0">
+                <a:latin typeface="Consolas" panose="020B0609020204030204" pitchFamily="49" charset="0"/>
+              </a:rPr>
+              <a:t>default_random_engine e;</a:t>
+            </a:r>
+            <a:endParaRPr lang="ru-RU">
+              <a:latin typeface="Consolas" panose="020B0609020204030204" pitchFamily="49" charset="0"/>
+            </a:endParaRPr>
+          </a:p>
+          <a:p>
+            <a:pPr marL="45720" indent="0">
+              <a:buNone/>
             </a:pPr>
             <a:r>
-              <a:rPr lang="en-US" sz="4800" smtClean="0"/>
-              <a:t> </a:t>
-            </a:r>
-            <a:r>
-              <a:rPr lang="ru-RU" sz="4800" smtClean="0"/>
-              <a:t>Типизация и связывание</a:t>
-            </a:r>
-          </a:p>
-          <a:p>
-            <a:pPr>
-              <a:lnSpc>
-                <a:spcPct val="150000"/>
-              </a:lnSpc>
-              <a:buFont typeface="Wingdings" panose="05000000000000000000" pitchFamily="2" charset="2"/>
-              <a:buChar char="Ø"/>
-            </a:pPr>
-            <a:r>
-              <a:rPr lang="ru-RU" sz="4800" smtClean="0"/>
-              <a:t> Функциональная подсистема</a:t>
+              <a:rPr lang="en-US" smtClean="0">
+                <a:latin typeface="Consolas" panose="020B0609020204030204" pitchFamily="49" charset="0"/>
+              </a:rPr>
+              <a:t>function&lt;int</a:t>
+            </a:r>
+            <a:r>
+              <a:rPr lang="en-US">
+                <a:latin typeface="Consolas" panose="020B0609020204030204" pitchFamily="49" charset="0"/>
+              </a:rPr>
+              <a:t>()&gt; rnd = bind(d, e);</a:t>
             </a:r>
           </a:p>
         </p:txBody>
@@ -22534,7 +22215,7 @@
     </p:spTree>
     <p:extLst>
       <p:ext uri="{BB962C8B-B14F-4D97-AF65-F5344CB8AC3E}">
-        <p14:creationId xmlns:p14="http://schemas.microsoft.com/office/powerpoint/2010/main" val="148657148"/>
+        <p14:creationId xmlns:p14="http://schemas.microsoft.com/office/powerpoint/2010/main" val="33436026"/>
       </p:ext>
     </p:extLst>
   </p:cSld>
@@ -22578,7 +22259,7 @@
           <a:p>
             <a:r>
               <a:rPr lang="ru-RU" smtClean="0"/>
-              <a:t>Последовательность исполнения</a:t>
+              <a:t>Обсуждение</a:t>
             </a:r>
             <a:endParaRPr lang="en-US"/>
           </a:p>
@@ -22586,7 +22267,7 @@
       </p:sp>
       <p:sp>
         <p:nvSpPr>
-          <p:cNvPr id="4" name="Content Placeholder 3"/>
+          <p:cNvPr id="3" name="Content Placeholder 2"/>
           <p:cNvSpPr>
             <a:spLocks noGrp="1"/>
           </p:cNvSpPr>
@@ -22596,225 +22277,97 @@
         </p:nvSpPr>
         <p:spPr/>
         <p:txBody>
-          <a:bodyPr>
-            <a:normAutofit/>
-          </a:bodyPr>
+          <a:bodyPr/>
           <a:lstStyle/>
           <a:p>
+            <a:r>
+              <a:rPr lang="ru-RU" smtClean="0"/>
+              <a:t>Майерс не советовал использовать </a:t>
+            </a:r>
+            <a:r>
+              <a:rPr lang="en-US" smtClean="0"/>
+              <a:t>bind</a:t>
+            </a:r>
+            <a:endParaRPr lang="ru-RU" smtClean="0"/>
+          </a:p>
+          <a:p>
             <a:pPr marL="45720" indent="0">
-              <a:lnSpc>
-                <a:spcPct val="150000"/>
-              </a:lnSpc>
               <a:buNone/>
             </a:pPr>
             <a:r>
-              <a:rPr lang="en-US" sz="3200" smtClean="0"/>
-              <a:t>y = buz</a:t>
-            </a:r>
-            <a:r>
-              <a:rPr lang="ru-RU" sz="3200" smtClean="0"/>
-              <a:t> (</a:t>
-            </a:r>
-            <a:r>
-              <a:rPr lang="en-US" sz="3200" smtClean="0"/>
-              <a:t>foo (), bar ())</a:t>
-            </a:r>
+              <a:rPr lang="en-US">
+                <a:latin typeface="Consolas" panose="020B0609020204030204" pitchFamily="49" charset="0"/>
+              </a:rPr>
+              <a:t>uniform_int_distribution&lt;&gt; d(0, 10);</a:t>
+            </a:r>
+            <a:endParaRPr lang="ru-RU">
+              <a:latin typeface="Consolas" panose="020B0609020204030204" pitchFamily="49" charset="0"/>
+            </a:endParaRPr>
           </a:p>
           <a:p>
             <a:pPr marL="45720" indent="0">
-              <a:lnSpc>
-                <a:spcPct val="150000"/>
-              </a:lnSpc>
               <a:buNone/>
             </a:pPr>
             <a:r>
-              <a:rPr lang="pl-PL" sz="3200" smtClean="0"/>
-              <a:t>x </a:t>
-            </a:r>
-            <a:r>
-              <a:rPr lang="pl-PL" sz="3200"/>
-              <a:t>= foo </a:t>
-            </a:r>
-            <a:r>
-              <a:rPr lang="pl-PL" sz="3200" smtClean="0"/>
-              <a:t>();</a:t>
-            </a:r>
-            <a:r>
-              <a:rPr lang="en-US" sz="3200" smtClean="0"/>
-              <a:t> </a:t>
-            </a:r>
-            <a:r>
-              <a:rPr lang="pl-PL" sz="3200" smtClean="0"/>
-              <a:t>z </a:t>
-            </a:r>
-            <a:r>
-              <a:rPr lang="pl-PL" sz="3200"/>
-              <a:t>= bar </a:t>
-            </a:r>
-            <a:r>
-              <a:rPr lang="pl-PL" sz="3200" smtClean="0"/>
-              <a:t>();</a:t>
-            </a:r>
-            <a:r>
-              <a:rPr lang="en-US" sz="3200" smtClean="0"/>
-              <a:t> </a:t>
-            </a:r>
-            <a:r>
-              <a:rPr lang="pl-PL" sz="3200" smtClean="0"/>
-              <a:t>y </a:t>
-            </a:r>
-            <a:r>
-              <a:rPr lang="pl-PL" sz="3200"/>
-              <a:t>= </a:t>
-            </a:r>
-            <a:r>
-              <a:rPr lang="pl-PL" sz="3200" smtClean="0"/>
-              <a:t>buz </a:t>
-            </a:r>
-            <a:r>
-              <a:rPr lang="pl-PL" sz="3200"/>
-              <a:t>(x, z</a:t>
-            </a:r>
-            <a:r>
-              <a:rPr lang="pl-PL" sz="3200" smtClean="0"/>
-              <a:t>);</a:t>
-            </a:r>
-            <a:r>
-              <a:rPr lang="en-US" sz="3200" smtClean="0"/>
-              <a:t> </a:t>
-            </a:r>
-            <a:r>
-              <a:rPr lang="en-US" sz="3200" smtClean="0">
-                <a:solidFill>
-                  <a:srgbClr val="0000FF"/>
-                </a:solidFill>
-              </a:rPr>
-              <a:t>// State</a:t>
-            </a:r>
+              <a:rPr lang="en-US">
+                <a:latin typeface="Consolas" panose="020B0609020204030204" pitchFamily="49" charset="0"/>
+              </a:rPr>
+              <a:t>default_random_engine e</a:t>
+            </a:r>
+            <a:r>
+              <a:rPr lang="en-US" smtClean="0">
+                <a:latin typeface="Consolas" panose="020B0609020204030204" pitchFamily="49" charset="0"/>
+              </a:rPr>
+              <a:t>;</a:t>
+            </a:r>
+            <a:endParaRPr lang="ru-RU" smtClean="0">
+              <a:latin typeface="Consolas" panose="020B0609020204030204" pitchFamily="49" charset="0"/>
+            </a:endParaRPr>
           </a:p>
           <a:p>
             <a:pPr marL="45720" indent="0">
-              <a:lnSpc>
-                <a:spcPct val="150000"/>
-              </a:lnSpc>
               <a:buNone/>
             </a:pPr>
             <a:r>
-              <a:rPr lang="en-US" sz="3200" smtClean="0"/>
-              <a:t>x </a:t>
-            </a:r>
-            <a:r>
-              <a:rPr lang="en-US" sz="3200"/>
-              <a:t>= </a:t>
-            </a:r>
-            <a:r>
-              <a:rPr lang="en-US" sz="3200" smtClean="0"/>
-              <a:t>foo () &amp;&amp; z </a:t>
-            </a:r>
-            <a:r>
-              <a:rPr lang="en-US" sz="3200"/>
-              <a:t>= </a:t>
-            </a:r>
-            <a:r>
-              <a:rPr lang="en-US" sz="3200" smtClean="0"/>
-              <a:t>bar () &amp;&amp; y </a:t>
-            </a:r>
-            <a:r>
-              <a:rPr lang="en-US" sz="3200"/>
-              <a:t>= </a:t>
-            </a:r>
-            <a:r>
-              <a:rPr lang="en-US" sz="3200" smtClean="0"/>
-              <a:t>buz (x, z); </a:t>
-            </a:r>
-            <a:r>
-              <a:rPr lang="en-US" sz="3200" smtClean="0">
-                <a:solidFill>
-                  <a:srgbClr val="0000FF"/>
-                </a:solidFill>
-              </a:rPr>
-              <a:t>// Maybe</a:t>
-            </a:r>
+              <a:rPr lang="en-US">
+                <a:latin typeface="Consolas" panose="020B0609020204030204" pitchFamily="49" charset="0"/>
+              </a:rPr>
+              <a:t>function&lt;int()&gt; </a:t>
+            </a:r>
+            <a:r>
+              <a:rPr lang="en-US" smtClean="0">
+                <a:latin typeface="Consolas" panose="020B0609020204030204" pitchFamily="49" charset="0"/>
+              </a:rPr>
+              <a:t>rnd</a:t>
+            </a:r>
+            <a:r>
+              <a:rPr lang="ru-RU" smtClean="0">
+                <a:latin typeface="Consolas" panose="020B0609020204030204" pitchFamily="49" charset="0"/>
+              </a:rPr>
+              <a:t> = </a:t>
+            </a:r>
+            <a:r>
+              <a:rPr lang="en-US" smtClean="0">
+                <a:latin typeface="Consolas" panose="020B0609020204030204" pitchFamily="49" charset="0"/>
+              </a:rPr>
+              <a:t>[=]() { return d(e); }</a:t>
+            </a:r>
+            <a:endParaRPr lang="ru-RU">
+              <a:latin typeface="Consolas" panose="020B0609020204030204" pitchFamily="49" charset="0"/>
+            </a:endParaRPr>
           </a:p>
           <a:p>
             <a:pPr marL="45720" indent="0">
-              <a:lnSpc>
-                <a:spcPct val="150000"/>
-              </a:lnSpc>
               <a:buNone/>
             </a:pPr>
-            <a:r>
-              <a:rPr lang="en-US" sz="3200" smtClean="0"/>
-              <a:t>x = foo () </a:t>
-            </a:r>
-            <a:r>
-              <a:rPr lang="en-US" sz="3200" smtClean="0">
-                <a:solidFill>
-                  <a:srgbClr val="0000FF"/>
-                </a:solidFill>
-                <a:sym typeface="Symbol" panose="05050102010706020507" pitchFamily="18" charset="2"/>
-              </a:rPr>
-              <a:t></a:t>
-            </a:r>
-            <a:r>
-              <a:rPr lang="en-US" sz="3200" smtClean="0">
-                <a:solidFill>
-                  <a:srgbClr val="0000FF"/>
-                </a:solidFill>
-              </a:rPr>
-              <a:t> </a:t>
-            </a:r>
-            <a:r>
-              <a:rPr lang="en-US" sz="3200"/>
-              <a:t>z = bar </a:t>
-            </a:r>
-            <a:r>
-              <a:rPr lang="en-US" sz="3200" smtClean="0"/>
-              <a:t>()</a:t>
-            </a:r>
-            <a:r>
-              <a:rPr lang="en-US" sz="3200">
-                <a:sym typeface="Symbol" panose="05050102010706020507" pitchFamily="18" charset="2"/>
-              </a:rPr>
-              <a:t> </a:t>
-            </a:r>
-            <a:r>
-              <a:rPr lang="en-US" sz="3200" smtClean="0">
-                <a:solidFill>
-                  <a:srgbClr val="0000FF"/>
-                </a:solidFill>
-                <a:sym typeface="Symbol" panose="05050102010706020507" pitchFamily="18" charset="2"/>
-              </a:rPr>
-              <a:t></a:t>
-            </a:r>
-            <a:r>
-              <a:rPr lang="en-US" sz="3200"/>
-              <a:t>y = buz (x, z</a:t>
-            </a:r>
-            <a:r>
-              <a:rPr lang="en-US" sz="3200" smtClean="0"/>
-              <a:t>); </a:t>
-            </a:r>
-            <a:r>
-              <a:rPr lang="en-US" sz="3200" smtClean="0">
-                <a:solidFill>
-                  <a:srgbClr val="0000FF"/>
-                </a:solidFill>
-              </a:rPr>
-              <a:t>// General monad</a:t>
-            </a:r>
-            <a:endParaRPr lang="en-US" sz="3200">
-              <a:solidFill>
-                <a:srgbClr val="0000FF"/>
-              </a:solidFill>
-            </a:endParaRPr>
+            <a:endParaRPr lang="en-US"/>
           </a:p>
         </p:txBody>
       </p:sp>
     </p:spTree>
     <p:extLst>
       <p:ext uri="{BB962C8B-B14F-4D97-AF65-F5344CB8AC3E}">
-        <p14:creationId xmlns:p14="http://schemas.microsoft.com/office/powerpoint/2010/main" val="1948899433"/>
+        <p14:creationId xmlns:p14="http://schemas.microsoft.com/office/powerpoint/2010/main" val="246834224"/>
       </p:ext>
     </p:extLst>
   </p:cSld>
@@ -22843,29 +22396,6 @@
       </p:grpSpPr>
       <p:sp>
         <p:nvSpPr>
-          <p:cNvPr id="2" name="Title 1"/>
-          <p:cNvSpPr>
-            <a:spLocks noGrp="1"/>
-          </p:cNvSpPr>
-          <p:nvPr>
-            <p:ph type="title"/>
-          </p:nvPr>
-        </p:nvSpPr>
-        <p:spPr/>
-        <p:txBody>
-          <a:bodyPr/>
-          <a:lstStyle/>
-          <a:p>
-            <a:r>
-              <a:rPr lang="ru-RU" smtClean="0"/>
-              <a:t>Монады</a:t>
-            </a:r>
-            <a:endParaRPr lang="en-US"/>
-          </a:p>
-        </p:txBody>
-      </p:sp>
-      <p:sp>
-        <p:nvSpPr>
           <p:cNvPr id="3" name="Content Placeholder 2"/>
           <p:cNvSpPr>
             <a:spLocks noGrp="1"/>
@@ -22874,89 +22404,90 @@
             <p:ph idx="1"/>
           </p:nvPr>
         </p:nvSpPr>
-        <p:spPr/>
+        <p:spPr>
+          <a:xfrm>
+            <a:off x="1143000" y="742122"/>
+            <a:ext cx="9872871" cy="5353878"/>
+          </a:xfrm>
+        </p:spPr>
         <p:txBody>
-          <a:bodyPr/>
+          <a:bodyPr>
+            <a:noAutofit/>
+          </a:bodyPr>
           <a:lstStyle/>
           <a:p>
-            <a:pPr marL="45720" indent="0">
-              <a:buNone/>
+            <a:pPr>
+              <a:lnSpc>
+                <a:spcPct val="150000"/>
+              </a:lnSpc>
+              <a:buFont typeface="Wingdings" panose="05000000000000000000" pitchFamily="2" charset="2"/>
+              <a:buChar char="q"/>
             </a:pPr>
             <a:r>
-              <a:rPr lang="ru-RU" smtClean="0"/>
-              <a:t>Монада вообще требует трёх функций:</a:t>
-            </a:r>
-          </a:p>
-          <a:p>
-            <a:r>
-              <a:rPr lang="ru-RU"/>
-              <a:t>(&gt;&gt;=) :: m a -&gt; (a -&gt; m b) -&gt; m </a:t>
-            </a:r>
-            <a:r>
-              <a:rPr lang="ru-RU" smtClean="0"/>
-              <a:t>b</a:t>
-            </a:r>
-          </a:p>
-          <a:p>
-            <a:r>
-              <a:rPr lang="ru-RU"/>
-              <a:t>(&gt;&gt;) :: m a -&gt; m b -&gt; m </a:t>
-            </a:r>
-            <a:r>
-              <a:rPr lang="ru-RU" smtClean="0"/>
-              <a:t>b </a:t>
-            </a:r>
-            <a:r>
-              <a:rPr lang="en-US" smtClean="0"/>
-              <a:t>(</a:t>
-            </a:r>
-            <a:r>
-              <a:rPr lang="ru-RU" smtClean="0"/>
-              <a:t>по умолчанию </a:t>
-            </a:r>
-            <a:r>
-              <a:rPr lang="ru-RU"/>
-              <a:t>a &gt;&gt; b = a &gt;&gt;= \_ -&gt; </a:t>
-            </a:r>
-            <a:r>
-              <a:rPr lang="ru-RU" smtClean="0"/>
-              <a:t>b)</a:t>
-            </a:r>
-          </a:p>
-          <a:p>
-            <a:r>
-              <a:rPr lang="ru-RU"/>
-              <a:t>return :: a -&gt; m </a:t>
-            </a:r>
-            <a:r>
-              <a:rPr lang="ru-RU" smtClean="0"/>
-              <a:t>a</a:t>
-            </a:r>
-          </a:p>
-          <a:p>
-            <a:pPr marL="45720" indent="0">
-              <a:buNone/>
+              <a:rPr lang="ru-RU" sz="4800" smtClean="0"/>
+              <a:t> Базовые </a:t>
+            </a:r>
+            <a:r>
+              <a:rPr lang="ru-RU" sz="4800" smtClean="0">
+                <a:sym typeface="Symbol" panose="05050102010706020507" pitchFamily="18" charset="2"/>
+              </a:rPr>
+              <a:t>-</a:t>
+            </a:r>
+            <a:r>
+              <a:rPr lang="ru-RU" sz="4800" smtClean="0"/>
+              <a:t>выражения</a:t>
+            </a:r>
+          </a:p>
+          <a:p>
+            <a:pPr>
+              <a:lnSpc>
+                <a:spcPct val="150000"/>
+              </a:lnSpc>
+              <a:buFont typeface="Wingdings" panose="05000000000000000000" pitchFamily="2" charset="2"/>
+              <a:buChar char="q"/>
             </a:pPr>
             <a:r>
-              <a:rPr lang="ru-RU" smtClean="0"/>
-              <a:t>Пример нетривиальной монады: </a:t>
-            </a:r>
-            <a:r>
-              <a:rPr lang="en-US" smtClean="0"/>
-              <a:t>List. </a:t>
-            </a:r>
-            <a:r>
-              <a:rPr lang="ru-RU" smtClean="0"/>
-              <a:t>При пустом списке вычисления прерываются, при непустом он отдается следующему поэлементному обработчику.</a:t>
-            </a:r>
-            <a:endParaRPr lang="en-US"/>
+              <a:rPr lang="ru-RU" sz="4800" smtClean="0"/>
+              <a:t> Замыкания и захват</a:t>
+            </a:r>
+            <a:endParaRPr lang="en-US" sz="4800" smtClean="0"/>
+          </a:p>
+          <a:p>
+            <a:pPr>
+              <a:lnSpc>
+                <a:spcPct val="150000"/>
+              </a:lnSpc>
+              <a:buFont typeface="Wingdings" panose="05000000000000000000" pitchFamily="2" charset="2"/>
+              <a:buChar char="q"/>
+            </a:pPr>
+            <a:r>
+              <a:rPr lang="en-US" sz="4800" smtClean="0"/>
+              <a:t> </a:t>
+            </a:r>
+            <a:r>
+              <a:rPr lang="ru-RU" sz="4800" smtClean="0"/>
+              <a:t>Типизация и связывание</a:t>
+            </a:r>
+          </a:p>
+          <a:p>
+            <a:pPr>
+              <a:lnSpc>
+                <a:spcPct val="150000"/>
+              </a:lnSpc>
+              <a:buFont typeface="Wingdings" panose="05000000000000000000" pitchFamily="2" charset="2"/>
+              <a:buChar char="Ø"/>
+            </a:pPr>
+            <a:r>
+              <a:rPr lang="ru-RU" sz="4800" smtClean="0"/>
+              <a:t> Функциональная подсистема</a:t>
+            </a:r>
           </a:p>
         </p:txBody>
       </p:sp>
     </p:spTree>
     <p:extLst>
       <p:ext uri="{BB962C8B-B14F-4D97-AF65-F5344CB8AC3E}">
-        <p14:creationId xmlns:p14="http://schemas.microsoft.com/office/powerpoint/2010/main" val="168837027"/>
+        <p14:creationId xmlns:p14="http://schemas.microsoft.com/office/powerpoint/2010/main" val="148657148"/>
       </p:ext>
     </p:extLst>
   </p:cSld>
@@ -23000,7 +22531,7 @@
           <a:p>
             <a:r>
               <a:rPr lang="ru-RU" smtClean="0"/>
-              <a:t>Функциональный список</a:t>
+              <a:t>Унифицированная запись функций</a:t>
             </a:r>
             <a:endParaRPr lang="en-US"/>
           </a:p>
@@ -23018,279 +22549,109 @@
         </p:nvSpPr>
         <p:spPr/>
         <p:txBody>
-          <a:bodyPr>
-            <a:normAutofit/>
-          </a:bodyPr>
+          <a:bodyPr/>
           <a:lstStyle/>
           <a:p>
+            <a:r>
+              <a:rPr lang="ru-RU" smtClean="0"/>
+              <a:t>Привычный синтаксис</a:t>
+            </a:r>
+          </a:p>
+          <a:p>
             <a:pPr marL="45720" indent="0">
               <a:buNone/>
             </a:pPr>
             <a:r>
-              <a:rPr lang="en-US" sz="2000">
-                <a:latin typeface="Consolas" panose="020B0609020204030204" pitchFamily="49" charset="0"/>
-              </a:rPr>
-              <a:t>auto List = [](auto ... xs) </a:t>
-            </a:r>
-            <a:r>
-              <a:rPr lang="en-US" sz="2000" smtClean="0">
-                <a:latin typeface="Consolas" panose="020B0609020204030204" pitchFamily="49" charset="0"/>
-              </a:rPr>
-              <a:t>{</a:t>
-            </a:r>
-            <a:br>
-              <a:rPr lang="en-US" sz="2000" smtClean="0">
-                <a:latin typeface="Consolas" panose="020B0609020204030204" pitchFamily="49" charset="0"/>
-              </a:rPr>
-            </a:br>
-            <a:r>
-              <a:rPr lang="en-US" sz="2000" smtClean="0">
-                <a:latin typeface="Consolas" panose="020B0609020204030204" pitchFamily="49" charset="0"/>
-              </a:rPr>
-              <a:t>  return </a:t>
-            </a:r>
-            <a:r>
-              <a:rPr lang="en-US" sz="2000">
-                <a:latin typeface="Consolas" panose="020B0609020204030204" pitchFamily="49" charset="0"/>
-              </a:rPr>
-              <a:t>[=](auto access) </a:t>
-            </a:r>
-            <a:r>
-              <a:rPr lang="en-US" sz="2000" smtClean="0">
-                <a:latin typeface="Consolas" panose="020B0609020204030204" pitchFamily="49" charset="0"/>
-              </a:rPr>
-              <a:t>{ return </a:t>
-            </a:r>
-            <a:r>
-              <a:rPr lang="en-US" sz="2000">
-                <a:latin typeface="Consolas" panose="020B0609020204030204" pitchFamily="49" charset="0"/>
-              </a:rPr>
-              <a:t>access(xs</a:t>
-            </a:r>
-            <a:r>
-              <a:rPr lang="en-US" sz="2000" smtClean="0">
-                <a:latin typeface="Consolas" panose="020B0609020204030204" pitchFamily="49" charset="0"/>
-              </a:rPr>
-              <a:t>...); };</a:t>
-            </a:r>
-            <a:br>
-              <a:rPr lang="en-US" sz="2000" smtClean="0">
-                <a:latin typeface="Consolas" panose="020B0609020204030204" pitchFamily="49" charset="0"/>
-              </a:rPr>
-            </a:br>
-            <a:r>
-              <a:rPr lang="en-US" sz="2000" smtClean="0">
-                <a:latin typeface="Consolas" panose="020B0609020204030204" pitchFamily="49" charset="0"/>
-              </a:rPr>
-              <a:t>};</a:t>
-            </a:r>
-            <a:endParaRPr lang="ru-RU" sz="2000" smtClean="0">
+              <a:rPr lang="en-US" smtClean="0">
+                <a:latin typeface="Consolas" panose="020B0609020204030204" pitchFamily="49" charset="0"/>
+              </a:rPr>
+              <a:t>auto foo (double, float, long long) -&gt; int;</a:t>
+            </a:r>
+          </a:p>
+          <a:p>
+            <a:r>
+              <a:rPr lang="ru-RU" smtClean="0"/>
+              <a:t>Но с учетом каррирования и </a:t>
+            </a:r>
+            <a:r>
+              <a:rPr lang="en-US" smtClean="0"/>
+              <a:t>bind, </a:t>
+            </a:r>
+            <a:r>
+              <a:rPr lang="ru-RU" smtClean="0"/>
+              <a:t>возможно частичное применение</a:t>
+            </a:r>
+          </a:p>
+          <a:p>
+            <a:pPr marL="45720" indent="0">
+              <a:buNone/>
+            </a:pPr>
+            <a:r>
+              <a:rPr lang="en-US" smtClean="0">
+                <a:latin typeface="Consolas" panose="020B0609020204030204" pitchFamily="49" charset="0"/>
+              </a:rPr>
+              <a:t>curry (foo, 1.0)</a:t>
+            </a:r>
+            <a:r>
+              <a:rPr lang="en-US"/>
+              <a:t> </a:t>
+            </a:r>
+            <a:r>
+              <a:rPr lang="en-US" smtClean="0"/>
+              <a:t>-&gt; </a:t>
+            </a:r>
+            <a:r>
+              <a:rPr lang="ru-RU" smtClean="0"/>
+              <a:t>функция </a:t>
+            </a:r>
+            <a:r>
+              <a:rPr lang="en-US" smtClean="0">
+                <a:latin typeface="Consolas" panose="020B0609020204030204" pitchFamily="49" charset="0"/>
+              </a:rPr>
+              <a:t>auto (float, long long) -&gt; int</a:t>
+            </a:r>
+          </a:p>
+          <a:p>
+            <a:r>
+              <a:rPr lang="ru-RU" smtClean="0"/>
+              <a:t>С учётом всех частичных применений, сигнатура функции</a:t>
+            </a:r>
+          </a:p>
+          <a:p>
+            <a:pPr marL="45720" indent="0">
+              <a:buNone/>
+            </a:pPr>
+            <a:r>
+              <a:rPr lang="en-US" smtClean="0">
+                <a:latin typeface="Consolas" panose="020B0609020204030204" pitchFamily="49" charset="0"/>
+              </a:rPr>
+              <a:t>foo :: double -&gt; float -&gt; long long -&gt; int</a:t>
+            </a:r>
+            <a:endParaRPr lang="ru-RU" smtClean="0">
               <a:latin typeface="Consolas" panose="020B0609020204030204" pitchFamily="49" charset="0"/>
             </a:endParaRPr>
           </a:p>
           <a:p>
-            <a:pPr marL="45720" indent="0">
-              <a:buNone/>
-            </a:pPr>
-            <a:r>
-              <a:rPr lang="en-US" sz="2000" smtClean="0">
-                <a:latin typeface="Consolas" panose="020B0609020204030204" pitchFamily="49" charset="0"/>
-              </a:rPr>
-              <a:t>auto </a:t>
-            </a:r>
-            <a:r>
-              <a:rPr lang="en-US" sz="2000">
-                <a:latin typeface="Consolas" panose="020B0609020204030204" pitchFamily="49" charset="0"/>
-              </a:rPr>
-              <a:t>head = [](auto xs) </a:t>
-            </a:r>
-            <a:r>
-              <a:rPr lang="en-US" sz="2000" smtClean="0">
-                <a:latin typeface="Consolas" panose="020B0609020204030204" pitchFamily="49" charset="0"/>
-              </a:rPr>
-              <a:t>{</a:t>
-            </a:r>
-            <a:br>
-              <a:rPr lang="en-US" sz="2000" smtClean="0">
-                <a:latin typeface="Consolas" panose="020B0609020204030204" pitchFamily="49" charset="0"/>
-              </a:rPr>
-            </a:br>
-            <a:r>
-              <a:rPr lang="en-US" sz="2000" smtClean="0">
-                <a:latin typeface="Consolas" panose="020B0609020204030204" pitchFamily="49" charset="0"/>
-              </a:rPr>
-              <a:t>  </a:t>
-            </a:r>
-            <a:r>
-              <a:rPr lang="en-US" sz="2000">
-                <a:latin typeface="Consolas" panose="020B0609020204030204" pitchFamily="49" charset="0"/>
-              </a:rPr>
-              <a:t>return xs([](auto first, auto ... rest) { </a:t>
-            </a:r>
-            <a:r>
-              <a:rPr lang="en-US" sz="2000" smtClean="0">
-                <a:latin typeface="Consolas" panose="020B0609020204030204" pitchFamily="49" charset="0"/>
-              </a:rPr>
-              <a:t>return </a:t>
-            </a:r>
-            <a:r>
-              <a:rPr lang="en-US" sz="2000">
-                <a:latin typeface="Consolas" panose="020B0609020204030204" pitchFamily="49" charset="0"/>
-              </a:rPr>
-              <a:t>first</a:t>
-            </a:r>
-            <a:r>
-              <a:rPr lang="en-US" sz="2000" smtClean="0">
-                <a:latin typeface="Consolas" panose="020B0609020204030204" pitchFamily="49" charset="0"/>
-              </a:rPr>
-              <a:t>; });</a:t>
-            </a:r>
-            <a:br>
-              <a:rPr lang="en-US" sz="2000" smtClean="0">
-                <a:latin typeface="Consolas" panose="020B0609020204030204" pitchFamily="49" charset="0"/>
-              </a:rPr>
-            </a:br>
-            <a:r>
-              <a:rPr lang="en-US" sz="2000" smtClean="0">
-                <a:latin typeface="Consolas" panose="020B0609020204030204" pitchFamily="49" charset="0"/>
-              </a:rPr>
-              <a:t>};</a:t>
-            </a:r>
-          </a:p>
-          <a:p>
-            <a:pPr marL="45720" indent="0">
-              <a:buNone/>
-            </a:pPr>
-            <a:r>
-              <a:rPr lang="en-US" sz="2000" smtClean="0">
-                <a:latin typeface="Consolas" panose="020B0609020204030204" pitchFamily="49" charset="0"/>
-              </a:rPr>
-              <a:t>auto </a:t>
-            </a:r>
-            <a:r>
-              <a:rPr lang="en-US" sz="2000">
-                <a:latin typeface="Consolas" panose="020B0609020204030204" pitchFamily="49" charset="0"/>
-              </a:rPr>
-              <a:t>tail = [](auto xs) </a:t>
-            </a:r>
-            <a:r>
-              <a:rPr lang="en-US" sz="2000" smtClean="0">
-                <a:latin typeface="Consolas" panose="020B0609020204030204" pitchFamily="49" charset="0"/>
-              </a:rPr>
-              <a:t>{</a:t>
-            </a:r>
-            <a:br>
-              <a:rPr lang="en-US" sz="2000" smtClean="0">
-                <a:latin typeface="Consolas" panose="020B0609020204030204" pitchFamily="49" charset="0"/>
-              </a:rPr>
-            </a:br>
-            <a:r>
-              <a:rPr lang="en-US" sz="2000" smtClean="0">
-                <a:latin typeface="Consolas" panose="020B0609020204030204" pitchFamily="49" charset="0"/>
-              </a:rPr>
-              <a:t>  return </a:t>
-            </a:r>
-            <a:r>
-              <a:rPr lang="en-US" sz="2000">
-                <a:latin typeface="Consolas" panose="020B0609020204030204" pitchFamily="49" charset="0"/>
-              </a:rPr>
-              <a:t>xs([](auto first, auto ... rest) </a:t>
-            </a:r>
-            <a:r>
-              <a:rPr lang="en-US" sz="2000" smtClean="0">
-                <a:latin typeface="Consolas" panose="020B0609020204030204" pitchFamily="49" charset="0"/>
-              </a:rPr>
-              <a:t>{ return List(rest...); });</a:t>
-            </a:r>
-            <a:br>
-              <a:rPr lang="en-US" sz="2000" smtClean="0">
-                <a:latin typeface="Consolas" panose="020B0609020204030204" pitchFamily="49" charset="0"/>
-              </a:rPr>
-            </a:br>
-            <a:r>
-              <a:rPr lang="en-US" sz="2000" smtClean="0">
-                <a:latin typeface="Consolas" panose="020B0609020204030204" pitchFamily="49" charset="0"/>
-              </a:rPr>
-              <a:t>};</a:t>
-            </a:r>
-            <a:endParaRPr lang="ru-RU" sz="2000" smtClean="0">
-              <a:latin typeface="Consolas" panose="020B0609020204030204" pitchFamily="49" charset="0"/>
-            </a:endParaRPr>
-          </a:p>
-          <a:p>
-            <a:pPr marL="45720" indent="0">
-              <a:buNone/>
-            </a:pPr>
-            <a:r>
-              <a:rPr lang="en-US" sz="2000" smtClean="0">
-                <a:latin typeface="Consolas" panose="020B0609020204030204" pitchFamily="49" charset="0"/>
-              </a:rPr>
-              <a:t>auto </a:t>
-            </a:r>
-            <a:r>
-              <a:rPr lang="en-US" sz="2000">
-                <a:latin typeface="Consolas" panose="020B0609020204030204" pitchFamily="49" charset="0"/>
-              </a:rPr>
-              <a:t>length = [](auto xs) { </a:t>
-            </a:r>
-            <a:r>
-              <a:rPr lang="en-US" sz="2000" smtClean="0">
-                <a:latin typeface="Consolas" panose="020B0609020204030204" pitchFamily="49" charset="0"/>
-              </a:rPr>
-              <a:t/>
-            </a:r>
-            <a:br>
-              <a:rPr lang="en-US" sz="2000" smtClean="0">
-                <a:latin typeface="Consolas" panose="020B0609020204030204" pitchFamily="49" charset="0"/>
-              </a:rPr>
-            </a:br>
-            <a:r>
-              <a:rPr lang="en-US" sz="2000" smtClean="0">
-                <a:latin typeface="Consolas" panose="020B0609020204030204" pitchFamily="49" charset="0"/>
-              </a:rPr>
-              <a:t>  return </a:t>
-            </a:r>
-            <a:r>
-              <a:rPr lang="en-US" sz="2000">
-                <a:latin typeface="Consolas" panose="020B0609020204030204" pitchFamily="49" charset="0"/>
-              </a:rPr>
-              <a:t>xs([](auto ... z) { return sizeof...(z); </a:t>
-            </a:r>
-            <a:r>
-              <a:rPr lang="en-US" sz="2000" smtClean="0">
-                <a:latin typeface="Consolas" panose="020B0609020204030204" pitchFamily="49" charset="0"/>
-              </a:rPr>
-              <a:t>});</a:t>
-            </a:r>
-            <a:br>
-              <a:rPr lang="en-US" sz="2000" smtClean="0">
-                <a:latin typeface="Consolas" panose="020B0609020204030204" pitchFamily="49" charset="0"/>
-              </a:rPr>
-            </a:br>
-            <a:r>
-              <a:rPr lang="en-US" sz="2000" smtClean="0">
-                <a:latin typeface="Consolas" panose="020B0609020204030204" pitchFamily="49" charset="0"/>
-              </a:rPr>
-              <a:t>};</a:t>
-            </a:r>
-          </a:p>
-          <a:p>
-            <a:pPr marL="45720" indent="0">
-              <a:buNone/>
-            </a:pPr>
-            <a:r>
-              <a:rPr lang="en-US" sz="2000">
-                <a:latin typeface="Consolas" panose="020B0609020204030204" pitchFamily="49" charset="0"/>
-              </a:rPr>
-              <a:t>auto three = length(List(1, '2', "3"));</a:t>
-            </a:r>
+            <a:r>
+              <a:rPr lang="ru-RU" smtClean="0"/>
+              <a:t>Это не корректный </a:t>
+            </a:r>
+            <a:r>
+              <a:rPr lang="en-US" smtClean="0"/>
+              <a:t>C++ </a:t>
+            </a:r>
+            <a:r>
+              <a:rPr lang="ru-RU" smtClean="0"/>
+              <a:t>код но он удобен для объяснения некоторых вещей</a:t>
+            </a:r>
+            <a:endParaRPr lang="en-US" smtClean="0"/>
           </a:p>
         </p:txBody>
       </p:sp>
     </p:spTree>
     <p:extLst>
       <p:ext uri="{BB962C8B-B14F-4D97-AF65-F5344CB8AC3E}">
-        <p14:creationId xmlns:p14="http://schemas.microsoft.com/office/powerpoint/2010/main" val="3788236051"/>
+        <p14:creationId xmlns:p14="http://schemas.microsoft.com/office/powerpoint/2010/main" val="1527777898"/>
       </p:ext>
     </p:extLst>
   </p:cSld>
@@ -23333,8 +22694,8 @@
           <a:lstStyle/>
           <a:p>
             <a:r>
-              <a:rPr lang="en-US" smtClean="0"/>
-              <a:t>Fmap</a:t>
+              <a:rPr lang="ru-RU" smtClean="0"/>
+              <a:t>Последовательность исполнения</a:t>
             </a:r>
             <a:endParaRPr lang="en-US"/>
           </a:p>
@@ -23342,7 +22703,7 @@
       </p:sp>
       <p:sp>
         <p:nvSpPr>
-          <p:cNvPr id="3" name="Content Placeholder 2"/>
+          <p:cNvPr id="4" name="Content Placeholder 3"/>
           <p:cNvSpPr>
             <a:spLocks noGrp="1"/>
           </p:cNvSpPr>
@@ -23352,237 +22713,221 @@
         </p:nvSpPr>
         <p:spPr/>
         <p:txBody>
-          <a:bodyPr/>
+          <a:bodyPr>
+            <a:normAutofit/>
+          </a:bodyPr>
           <a:lstStyle/>
           <a:p>
-            <a:r>
-              <a:rPr lang="ru-RU" smtClean="0"/>
-              <a:t>Функтор </a:t>
-            </a:r>
-            <a:r>
-              <a:rPr lang="en-US" smtClean="0"/>
-              <a:t>fmap:</a:t>
-            </a:r>
-            <a:r>
-              <a:rPr lang="ru-RU" smtClean="0"/>
-              <a:t> применяет функцию (первый аргумент) к списку (второй аргумент) поэлементно.</a:t>
-            </a:r>
-            <a:endParaRPr lang="en-US" smtClean="0"/>
-          </a:p>
-          <a:p>
             <a:pPr marL="45720" indent="0">
+              <a:lnSpc>
+                <a:spcPct val="150000"/>
+              </a:lnSpc>
               <a:buNone/>
             </a:pPr>
             <a:r>
-              <a:rPr lang="en-US" sz="2000">
-                <a:latin typeface="Consolas" panose="020B0609020204030204" pitchFamily="49" charset="0"/>
-              </a:rPr>
-              <a:t>fmap: (a -&gt; b) -&gt; list[a] -&gt; list[b</a:t>
-            </a:r>
-            <a:r>
-              <a:rPr lang="en-US" sz="2000" smtClean="0">
-                <a:latin typeface="Consolas" panose="020B0609020204030204" pitchFamily="49" charset="0"/>
-              </a:rPr>
-              <a:t>]</a:t>
+              <a:rPr lang="en-US" sz="3200" smtClean="0"/>
+              <a:t>y = buz</a:t>
+            </a:r>
+            <a:r>
+              <a:rPr lang="ru-RU" sz="3200" smtClean="0"/>
+              <a:t> (</a:t>
+            </a:r>
+            <a:r>
+              <a:rPr lang="en-US" sz="3200" smtClean="0"/>
+              <a:t>foo (), bar ())</a:t>
             </a:r>
           </a:p>
           <a:p>
             <a:pPr marL="45720" indent="0">
+              <a:lnSpc>
+                <a:spcPct val="150000"/>
+              </a:lnSpc>
               <a:buNone/>
             </a:pPr>
             <a:r>
-              <a:rPr lang="en-US" sz="2000">
-                <a:latin typeface="Consolas" panose="020B0609020204030204" pitchFamily="49" charset="0"/>
-              </a:rPr>
-              <a:t>auto fmap = [](auto func) </a:t>
-            </a:r>
-            <a:r>
-              <a:rPr lang="en-US" sz="2000" smtClean="0">
-                <a:latin typeface="Consolas" panose="020B0609020204030204" pitchFamily="49" charset="0"/>
-              </a:rPr>
-              <a:t>{</a:t>
-            </a:r>
-            <a:r>
-              <a:rPr lang="ru-RU" sz="2000">
-                <a:latin typeface="Consolas" panose="020B0609020204030204" pitchFamily="49" charset="0"/>
-              </a:rPr>
-              <a:t/>
-            </a:r>
-            <a:br>
-              <a:rPr lang="ru-RU" sz="2000">
-                <a:latin typeface="Consolas" panose="020B0609020204030204" pitchFamily="49" charset="0"/>
-              </a:rPr>
-            </a:br>
-            <a:r>
-              <a:rPr lang="ru-RU" sz="2000" smtClean="0">
-                <a:latin typeface="Consolas" panose="020B0609020204030204" pitchFamily="49" charset="0"/>
-              </a:rPr>
-              <a:t>  </a:t>
-            </a:r>
-            <a:r>
-              <a:rPr lang="en-US" sz="2000" smtClean="0">
-                <a:latin typeface="Consolas" panose="020B0609020204030204" pitchFamily="49" charset="0"/>
-              </a:rPr>
-              <a:t>return </a:t>
-            </a:r>
-            <a:r>
-              <a:rPr lang="en-US" sz="2000">
-                <a:latin typeface="Consolas" panose="020B0609020204030204" pitchFamily="49" charset="0"/>
-              </a:rPr>
-              <a:t>[func] (auto alist) </a:t>
-            </a:r>
-            <a:r>
-              <a:rPr lang="en-US" sz="2000" smtClean="0">
-                <a:latin typeface="Consolas" panose="020B0609020204030204" pitchFamily="49" charset="0"/>
-              </a:rPr>
-              <a:t>{</a:t>
-            </a:r>
-            <a:r>
-              <a:rPr lang="ru-RU" sz="2000" smtClean="0">
-                <a:latin typeface="Consolas" panose="020B0609020204030204" pitchFamily="49" charset="0"/>
-              </a:rPr>
-              <a:t/>
-            </a:r>
-            <a:br>
-              <a:rPr lang="ru-RU" sz="2000" smtClean="0">
-                <a:latin typeface="Consolas" panose="020B0609020204030204" pitchFamily="49" charset="0"/>
-              </a:rPr>
-            </a:br>
-            <a:r>
-              <a:rPr lang="ru-RU" sz="2000" smtClean="0">
-                <a:latin typeface="Consolas" panose="020B0609020204030204" pitchFamily="49" charset="0"/>
-              </a:rPr>
-              <a:t>    </a:t>
-            </a:r>
-            <a:r>
-              <a:rPr lang="en-US" sz="2000" smtClean="0">
-                <a:latin typeface="Consolas" panose="020B0609020204030204" pitchFamily="49" charset="0"/>
-              </a:rPr>
-              <a:t>return alist</a:t>
-            </a:r>
-            <a:r>
-              <a:rPr lang="ru-RU" sz="2000" smtClean="0">
-                <a:latin typeface="Consolas" panose="020B0609020204030204" pitchFamily="49" charset="0"/>
-              </a:rPr>
-              <a:t>(</a:t>
-            </a:r>
-            <a:r>
-              <a:rPr lang="en-US" sz="2000" smtClean="0">
-                <a:latin typeface="Consolas" panose="020B0609020204030204" pitchFamily="49" charset="0"/>
-              </a:rPr>
-              <a:t>[func</a:t>
-            </a:r>
-            <a:r>
-              <a:rPr lang="en-US" sz="2000">
-                <a:latin typeface="Consolas" panose="020B0609020204030204" pitchFamily="49" charset="0"/>
-              </a:rPr>
-              <a:t>](auto ... xs</a:t>
-            </a:r>
-            <a:r>
-              <a:rPr lang="en-US" sz="2000" smtClean="0">
-                <a:latin typeface="Consolas" panose="020B0609020204030204" pitchFamily="49" charset="0"/>
-              </a:rPr>
-              <a:t>) { return </a:t>
-            </a:r>
-            <a:r>
-              <a:rPr lang="en-US" sz="2000">
-                <a:latin typeface="Consolas" panose="020B0609020204030204" pitchFamily="49" charset="0"/>
-              </a:rPr>
-              <a:t>List(func(xs</a:t>
-            </a:r>
-            <a:r>
-              <a:rPr lang="en-US" sz="2000" smtClean="0">
-                <a:latin typeface="Consolas" panose="020B0609020204030204" pitchFamily="49" charset="0"/>
-              </a:rPr>
-              <a:t>)...); });</a:t>
-            </a:r>
-            <a:r>
-              <a:rPr lang="ru-RU" sz="2000" smtClean="0">
-                <a:latin typeface="Consolas" panose="020B0609020204030204" pitchFamily="49" charset="0"/>
-              </a:rPr>
-              <a:t/>
-            </a:r>
-            <a:br>
-              <a:rPr lang="ru-RU" sz="2000" smtClean="0">
-                <a:latin typeface="Consolas" panose="020B0609020204030204" pitchFamily="49" charset="0"/>
-              </a:rPr>
-            </a:br>
-            <a:r>
-              <a:rPr lang="ru-RU" sz="2000" smtClean="0">
-                <a:latin typeface="Consolas" panose="020B0609020204030204" pitchFamily="49" charset="0"/>
-              </a:rPr>
-              <a:t>  </a:t>
-            </a:r>
-            <a:r>
-              <a:rPr lang="en-US" sz="2000" smtClean="0">
-                <a:latin typeface="Consolas" panose="020B0609020204030204" pitchFamily="49" charset="0"/>
-              </a:rPr>
-              <a:t>};</a:t>
-            </a:r>
-            <a:r>
-              <a:rPr lang="ru-RU" sz="2000" smtClean="0">
-                <a:latin typeface="Consolas" panose="020B0609020204030204" pitchFamily="49" charset="0"/>
-              </a:rPr>
-              <a:t/>
-            </a:r>
-            <a:br>
-              <a:rPr lang="ru-RU" sz="2000" smtClean="0">
-                <a:latin typeface="Consolas" panose="020B0609020204030204" pitchFamily="49" charset="0"/>
-              </a:rPr>
-            </a:br>
-            <a:r>
-              <a:rPr lang="en-US" sz="2000" smtClean="0">
-                <a:latin typeface="Consolas" panose="020B0609020204030204" pitchFamily="49" charset="0"/>
-              </a:rPr>
-              <a:t>};</a:t>
+              <a:rPr lang="pl-PL" sz="3200" smtClean="0"/>
+              <a:t>x </a:t>
+            </a:r>
+            <a:r>
+              <a:rPr lang="pl-PL" sz="3200"/>
+              <a:t>= foo </a:t>
+            </a:r>
+            <a:r>
+              <a:rPr lang="pl-PL" sz="3200" smtClean="0"/>
+              <a:t>();</a:t>
+            </a:r>
+            <a:r>
+              <a:rPr lang="en-US" sz="3200" smtClean="0"/>
+              <a:t> </a:t>
+            </a:r>
+            <a:r>
+              <a:rPr lang="pl-PL" sz="3200" smtClean="0"/>
+              <a:t>z </a:t>
+            </a:r>
+            <a:r>
+              <a:rPr lang="pl-PL" sz="3200"/>
+              <a:t>= bar </a:t>
+            </a:r>
+            <a:r>
+              <a:rPr lang="pl-PL" sz="3200" smtClean="0"/>
+              <a:t>();</a:t>
+            </a:r>
+            <a:r>
+              <a:rPr lang="en-US" sz="3200" smtClean="0"/>
+              <a:t> </a:t>
+            </a:r>
+            <a:r>
+              <a:rPr lang="pl-PL" sz="3200" smtClean="0"/>
+              <a:t>y </a:t>
+            </a:r>
+            <a:r>
+              <a:rPr lang="pl-PL" sz="3200"/>
+              <a:t>= </a:t>
+            </a:r>
+            <a:r>
+              <a:rPr lang="pl-PL" sz="3200" smtClean="0"/>
+              <a:t>buz </a:t>
+            </a:r>
+            <a:r>
+              <a:rPr lang="pl-PL" sz="3200"/>
+              <a:t>(x, z</a:t>
+            </a:r>
+            <a:r>
+              <a:rPr lang="pl-PL" sz="3200" smtClean="0"/>
+              <a:t>);</a:t>
+            </a:r>
+            <a:r>
+              <a:rPr lang="en-US" sz="3200" smtClean="0"/>
+              <a:t> </a:t>
+            </a:r>
+            <a:r>
+              <a:rPr lang="en-US" sz="3200" smtClean="0">
+                <a:solidFill>
+                  <a:srgbClr val="0000FF"/>
+                </a:solidFill>
+              </a:rPr>
+              <a:t>// State</a:t>
             </a:r>
           </a:p>
           <a:p>
             <a:pPr marL="45720" indent="0">
+              <a:lnSpc>
+                <a:spcPct val="150000"/>
+              </a:lnSpc>
               <a:buNone/>
             </a:pPr>
             <a:r>
-              <a:rPr lang="it-IT" sz="2000">
-                <a:latin typeface="Consolas" panose="020B0609020204030204" pitchFamily="49" charset="0"/>
-              </a:rPr>
-              <a:t>auto twice = [](auto i) { return 2*i; </a:t>
-            </a:r>
-            <a:r>
-              <a:rPr lang="it-IT" sz="2000" smtClean="0">
-                <a:latin typeface="Consolas" panose="020B0609020204030204" pitchFamily="49" charset="0"/>
-              </a:rPr>
-              <a:t>};</a:t>
-            </a:r>
-            <a:br>
-              <a:rPr lang="it-IT" sz="2000" smtClean="0">
-                <a:latin typeface="Consolas" panose="020B0609020204030204" pitchFamily="49" charset="0"/>
-              </a:rPr>
-            </a:br>
-            <a:r>
-              <a:rPr lang="it-IT" sz="2000" smtClean="0">
-                <a:latin typeface="Consolas" panose="020B0609020204030204" pitchFamily="49" charset="0"/>
-              </a:rPr>
-              <a:t>auto </a:t>
-            </a:r>
-            <a:r>
-              <a:rPr lang="it-IT" sz="2000">
-                <a:latin typeface="Consolas" panose="020B0609020204030204" pitchFamily="49" charset="0"/>
-              </a:rPr>
-              <a:t>l1 = List(1, 2, 3, 4);</a:t>
-            </a:r>
-            <a:br>
-              <a:rPr lang="it-IT" sz="2000">
-                <a:latin typeface="Consolas" panose="020B0609020204030204" pitchFamily="49" charset="0"/>
-              </a:rPr>
-            </a:br>
-            <a:r>
-              <a:rPr lang="it-IT" sz="2000">
-                <a:latin typeface="Consolas" panose="020B0609020204030204" pitchFamily="49" charset="0"/>
-              </a:rPr>
-              <a:t>auto l2 = fmap(twice)(l1);</a:t>
-            </a:r>
-            <a:endParaRPr lang="en-US" sz="2000">
-              <a:latin typeface="Consolas" panose="020B0609020204030204" pitchFamily="49" charset="0"/>
+              <a:rPr lang="en-US" sz="3200" smtClean="0"/>
+              <a:t>x </a:t>
+            </a:r>
+            <a:r>
+              <a:rPr lang="en-US" sz="3200"/>
+              <a:t>= </a:t>
+            </a:r>
+            <a:r>
+              <a:rPr lang="en-US" sz="3200" smtClean="0"/>
+              <a:t>foo () &amp;&amp; z </a:t>
+            </a:r>
+            <a:r>
+              <a:rPr lang="en-US" sz="3200"/>
+              <a:t>= </a:t>
+            </a:r>
+            <a:r>
+              <a:rPr lang="en-US" sz="3200" smtClean="0"/>
+              <a:t>bar () &amp;&amp; y </a:t>
+            </a:r>
+            <a:r>
+              <a:rPr lang="en-US" sz="3200"/>
+              <a:t>= </a:t>
+            </a:r>
+            <a:r>
+              <a:rPr lang="en-US" sz="3200" smtClean="0"/>
+              <a:t>buz (x, z); </a:t>
+            </a:r>
+            <a:r>
+              <a:rPr lang="en-US" sz="3200" smtClean="0">
+                <a:solidFill>
+                  <a:srgbClr val="0000FF"/>
+                </a:solidFill>
+              </a:rPr>
+              <a:t>// Maybe</a:t>
+            </a:r>
+          </a:p>
+          <a:p>
+            <a:pPr marL="45720" indent="0">
+              <a:lnSpc>
+                <a:spcPct val="150000"/>
+              </a:lnSpc>
+              <a:buNone/>
+            </a:pPr>
+            <a:r>
+              <a:rPr lang="en-US" sz="3200" smtClean="0"/>
+              <a:t>x = foo () </a:t>
+            </a:r>
+            <a:r>
+              <a:rPr lang="en-US" sz="3200" smtClean="0">
+                <a:solidFill>
+                  <a:srgbClr val="0000FF"/>
+                </a:solidFill>
+                <a:sym typeface="Symbol" panose="05050102010706020507" pitchFamily="18" charset="2"/>
+              </a:rPr>
+              <a:t></a:t>
+            </a:r>
+            <a:r>
+              <a:rPr lang="en-US" sz="3200" smtClean="0">
+                <a:solidFill>
+                  <a:srgbClr val="0000FF"/>
+                </a:solidFill>
+              </a:rPr>
+              <a:t> </a:t>
+            </a:r>
+            <a:r>
+              <a:rPr lang="en-US" sz="3200"/>
+              <a:t>z = bar </a:t>
+            </a:r>
+            <a:r>
+              <a:rPr lang="en-US" sz="3200" smtClean="0"/>
+              <a:t>()</a:t>
+            </a:r>
+            <a:r>
+              <a:rPr lang="en-US" sz="3200">
+                <a:sym typeface="Symbol" panose="05050102010706020507" pitchFamily="18" charset="2"/>
+              </a:rPr>
+              <a:t> </a:t>
+            </a:r>
+            <a:r>
+              <a:rPr lang="en-US" sz="3200">
+                <a:solidFill>
+                  <a:srgbClr val="0000FF"/>
+                </a:solidFill>
+                <a:sym typeface="Symbol" panose="05050102010706020507" pitchFamily="18" charset="2"/>
+              </a:rPr>
+              <a:t> </a:t>
+            </a:r>
+            <a:r>
+              <a:rPr lang="en-US" sz="3200" smtClean="0"/>
+              <a:t>y </a:t>
+            </a:r>
+            <a:r>
+              <a:rPr lang="en-US" sz="3200"/>
+              <a:t>= buz (x, z</a:t>
+            </a:r>
+            <a:r>
+              <a:rPr lang="en-US" sz="3200" smtClean="0"/>
+              <a:t>); </a:t>
+            </a:r>
+            <a:r>
+              <a:rPr lang="en-US" sz="3200" smtClean="0">
+                <a:solidFill>
+                  <a:srgbClr val="0000FF"/>
+                </a:solidFill>
+              </a:rPr>
+              <a:t>// General monad</a:t>
+            </a:r>
+            <a:endParaRPr lang="en-US" sz="3200">
+              <a:solidFill>
+                <a:srgbClr val="0000FF"/>
+              </a:solidFill>
             </a:endParaRPr>
           </a:p>
         </p:txBody>
@@ -23590,7 +22935,7 @@
     </p:spTree>
     <p:extLst>
       <p:ext uri="{BB962C8B-B14F-4D97-AF65-F5344CB8AC3E}">
-        <p14:creationId xmlns:p14="http://schemas.microsoft.com/office/powerpoint/2010/main" val="72044502"/>
+        <p14:creationId xmlns:p14="http://schemas.microsoft.com/office/powerpoint/2010/main" val="1948899433"/>
       </p:ext>
     </p:extLst>
   </p:cSld>
@@ -23634,7 +22979,7 @@
           <a:p>
             <a:r>
               <a:rPr lang="ru-RU" smtClean="0"/>
-              <a:t>Домашняя наработка</a:t>
+              <a:t>Монады</a:t>
             </a:r>
             <a:endParaRPr lang="en-US"/>
           </a:p>
@@ -23650,267 +22995,305 @@
             <p:ph idx="1"/>
           </p:nvPr>
         </p:nvSpPr>
-        <p:spPr/>
+        <p:spPr>
+          <a:xfrm>
+            <a:off x="1143000" y="2057400"/>
+            <a:ext cx="9872871" cy="4425778"/>
+          </a:xfrm>
+        </p:spPr>
         <p:txBody>
           <a:bodyPr/>
           <a:lstStyle/>
           <a:p>
-            <a:r>
-              <a:rPr lang="ru-RU"/>
-              <a:t>Функтор </a:t>
+            <a:pPr marL="45720" indent="0">
+              <a:buNone/>
+            </a:pPr>
+            <a:r>
+              <a:rPr lang="ru-RU" smtClean="0"/>
+              <a:t>Монада вообще требует трёх функций:</a:t>
+            </a:r>
+          </a:p>
+          <a:p>
+            <a:r>
+              <a:rPr lang="ru-RU">
+                <a:latin typeface="Consolas" panose="020B0609020204030204" pitchFamily="49" charset="0"/>
+              </a:rPr>
+              <a:t>(&gt;&gt;=) :: m a -&gt; (a -&gt; m b) -&gt; m </a:t>
+            </a:r>
+            <a:r>
+              <a:rPr lang="ru-RU" smtClean="0">
+                <a:latin typeface="Consolas" panose="020B0609020204030204" pitchFamily="49" charset="0"/>
+              </a:rPr>
+              <a:t>b</a:t>
+            </a:r>
+          </a:p>
+          <a:p>
+            <a:r>
+              <a:rPr lang="ru-RU">
+                <a:latin typeface="Consolas" panose="020B0609020204030204" pitchFamily="49" charset="0"/>
+              </a:rPr>
+              <a:t>(&gt;&gt;) :: m a -&gt; m b -&gt; m </a:t>
+            </a:r>
+            <a:r>
+              <a:rPr lang="ru-RU" smtClean="0">
+                <a:latin typeface="Consolas" panose="020B0609020204030204" pitchFamily="49" charset="0"/>
+              </a:rPr>
+              <a:t>b </a:t>
             </a:r>
             <a:r>
               <a:rPr lang="en-US" smtClean="0"/>
-              <a:t>flatmap</a:t>
-            </a:r>
-            <a:r>
-              <a:rPr lang="en-US"/>
-              <a:t>:</a:t>
-            </a:r>
-            <a:r>
-              <a:rPr lang="ru-RU"/>
-              <a:t> применяет функцию </a:t>
+              <a:t>(</a:t>
             </a:r>
             <a:r>
               <a:rPr lang="ru-RU" smtClean="0"/>
-              <a:t>к </a:t>
-            </a:r>
-            <a:r>
-              <a:rPr lang="ru-RU"/>
-              <a:t>списку </a:t>
+              <a:t>по умолчанию </a:t>
+            </a:r>
+            <a:r>
+              <a:rPr lang="ru-RU">
+                <a:latin typeface="Consolas" panose="020B0609020204030204" pitchFamily="49" charset="0"/>
+              </a:rPr>
+              <a:t>a &gt;&gt; b = a &gt;&gt;= \_ -&gt; </a:t>
+            </a:r>
+            <a:r>
+              <a:rPr lang="ru-RU" smtClean="0">
+                <a:latin typeface="Consolas" panose="020B0609020204030204" pitchFamily="49" charset="0"/>
+              </a:rPr>
+              <a:t>b</a:t>
             </a:r>
             <a:r>
               <a:rPr lang="ru-RU" smtClean="0"/>
-              <a:t>поэлементно</a:t>
-            </a:r>
-            <a:r>
-              <a:rPr lang="en-US" smtClean="0"/>
-              <a:t>, </a:t>
-            </a:r>
+              <a:t>)</a:t>
+            </a:r>
+          </a:p>
+          <a:p>
+            <a:r>
+              <a:rPr lang="en-US" smtClean="0">
+                <a:latin typeface="Consolas" panose="020B0609020204030204" pitchFamily="49" charset="0"/>
+              </a:rPr>
+              <a:t>wrapup </a:t>
+            </a:r>
+            <a:r>
+              <a:rPr lang="ru-RU" smtClean="0">
+                <a:latin typeface="Consolas" panose="020B0609020204030204" pitchFamily="49" charset="0"/>
+              </a:rPr>
+              <a:t>:: </a:t>
+            </a:r>
+            <a:r>
+              <a:rPr lang="ru-RU">
+                <a:latin typeface="Consolas" panose="020B0609020204030204" pitchFamily="49" charset="0"/>
+              </a:rPr>
+              <a:t>a -&gt; m </a:t>
+            </a:r>
+            <a:r>
+              <a:rPr lang="ru-RU" smtClean="0">
+                <a:latin typeface="Consolas" panose="020B0609020204030204" pitchFamily="49" charset="0"/>
+              </a:rPr>
+              <a:t>a</a:t>
+            </a:r>
+            <a:endParaRPr lang="ru-RU" smtClean="0"/>
+          </a:p>
+          <a:p>
+            <a:pPr marL="45720" indent="0">
+              <a:buNone/>
+            </a:pPr>
             <a:r>
               <a:rPr lang="ru-RU" smtClean="0"/>
-              <a:t>но результат каждой функции список, а общий результат -- единый список, сконкатенированный из полученных</a:t>
-            </a:r>
-            <a:endParaRPr lang="en-US" smtClean="0"/>
-          </a:p>
-          <a:p>
-            <a:pPr marL="45720" indent="0">
-              <a:buNone/>
-            </a:pPr>
-            <a:r>
-              <a:rPr lang="en-US"/>
-              <a:t>flatmap: (a -&gt; list[b]) -&gt; list[a] -&gt; list[b</a:t>
-            </a:r>
-            <a:r>
-              <a:rPr lang="en-US" smtClean="0"/>
-              <a:t>]</a:t>
-            </a:r>
-          </a:p>
-          <a:p>
-            <a:pPr marL="45720" indent="0">
-              <a:buNone/>
-            </a:pPr>
-            <a:r>
-              <a:rPr lang="en-US" sz="2000">
-                <a:latin typeface="Consolas" panose="020B0609020204030204" pitchFamily="49" charset="0"/>
-              </a:rPr>
-              <a:t>auto flatmap = [](auto func) </a:t>
-            </a:r>
-            <a:r>
-              <a:rPr lang="en-US" sz="2000" smtClean="0">
-                <a:latin typeface="Consolas" panose="020B0609020204030204" pitchFamily="49" charset="0"/>
-              </a:rPr>
-              <a:t>{</a:t>
-            </a:r>
-            <a:r>
-              <a:rPr lang="ru-RU" sz="2000" smtClean="0">
-                <a:latin typeface="Consolas" panose="020B0609020204030204" pitchFamily="49" charset="0"/>
-              </a:rPr>
-              <a:t/>
-            </a:r>
-            <a:br>
-              <a:rPr lang="ru-RU" sz="2000" smtClean="0">
-                <a:latin typeface="Consolas" panose="020B0609020204030204" pitchFamily="49" charset="0"/>
-              </a:rPr>
-            </a:br>
-            <a:r>
-              <a:rPr lang="en-US" sz="2000" smtClean="0">
-                <a:latin typeface="Consolas" panose="020B0609020204030204" pitchFamily="49" charset="0"/>
-              </a:rPr>
-              <a:t>  </a:t>
-            </a:r>
-            <a:r>
-              <a:rPr lang="en-US" sz="2000">
-                <a:latin typeface="Consolas" panose="020B0609020204030204" pitchFamily="49" charset="0"/>
-              </a:rPr>
-              <a:t>return [func](auto alist) </a:t>
-            </a:r>
-            <a:r>
-              <a:rPr lang="en-US" sz="2000" smtClean="0">
-                <a:latin typeface="Consolas" panose="020B0609020204030204" pitchFamily="49" charset="0"/>
-              </a:rPr>
-              <a:t>{</a:t>
-            </a:r>
-            <a:r>
-              <a:rPr lang="ru-RU" sz="2000" smtClean="0">
-                <a:latin typeface="Consolas" panose="020B0609020204030204" pitchFamily="49" charset="0"/>
-              </a:rPr>
-              <a:t/>
-            </a:r>
-            <a:br>
-              <a:rPr lang="ru-RU" sz="2000" smtClean="0">
-                <a:latin typeface="Consolas" panose="020B0609020204030204" pitchFamily="49" charset="0"/>
-              </a:rPr>
-            </a:br>
-            <a:r>
-              <a:rPr lang="en-US" sz="2000" smtClean="0">
-                <a:latin typeface="Consolas" panose="020B0609020204030204" pitchFamily="49" charset="0"/>
-              </a:rPr>
-              <a:t>    </a:t>
-            </a:r>
-            <a:r>
-              <a:rPr lang="en-US" sz="2000">
-                <a:latin typeface="Consolas" panose="020B0609020204030204" pitchFamily="49" charset="0"/>
-              </a:rPr>
-              <a:t>return alist</a:t>
-            </a:r>
-            <a:r>
-              <a:rPr lang="en-US" sz="2000" smtClean="0">
-                <a:latin typeface="Consolas" panose="020B0609020204030204" pitchFamily="49" charset="0"/>
-              </a:rPr>
-              <a:t>([</a:t>
-            </a:r>
-            <a:r>
-              <a:rPr lang="en-US" sz="2000">
-                <a:latin typeface="Consolas" panose="020B0609020204030204" pitchFamily="49" charset="0"/>
-              </a:rPr>
-              <a:t>func](auto... xs) </a:t>
-            </a:r>
-            <a:r>
-              <a:rPr lang="en-US" sz="2000" smtClean="0">
-                <a:latin typeface="Consolas" panose="020B0609020204030204" pitchFamily="49" charset="0"/>
-              </a:rPr>
-              <a:t>{return </a:t>
-            </a:r>
-            <a:r>
-              <a:rPr lang="en-US" sz="2000">
-                <a:solidFill>
-                  <a:srgbClr val="0000FF"/>
-                </a:solidFill>
-                <a:latin typeface="Consolas" panose="020B0609020204030204" pitchFamily="49" charset="0"/>
-              </a:rPr>
-              <a:t>flatten</a:t>
-            </a:r>
-            <a:r>
-              <a:rPr lang="en-US" sz="2000">
-                <a:latin typeface="Consolas" panose="020B0609020204030204" pitchFamily="49" charset="0"/>
-              </a:rPr>
-              <a:t>(func, xs</a:t>
-            </a:r>
-            <a:r>
-              <a:rPr lang="en-US" sz="2000" smtClean="0">
-                <a:latin typeface="Consolas" panose="020B0609020204030204" pitchFamily="49" charset="0"/>
-              </a:rPr>
-              <a:t>...);});</a:t>
-            </a:r>
-            <a:r>
-              <a:rPr lang="ru-RU" sz="2000" smtClean="0">
-                <a:latin typeface="Consolas" panose="020B0609020204030204" pitchFamily="49" charset="0"/>
-              </a:rPr>
-              <a:t/>
-            </a:r>
-            <a:br>
-              <a:rPr lang="ru-RU" sz="2000" smtClean="0">
-                <a:latin typeface="Consolas" panose="020B0609020204030204" pitchFamily="49" charset="0"/>
-              </a:rPr>
-            </a:br>
-            <a:r>
-              <a:rPr lang="en-US" sz="2000" smtClean="0">
-                <a:latin typeface="Consolas" panose="020B0609020204030204" pitchFamily="49" charset="0"/>
-              </a:rPr>
-              <a:t>  };</a:t>
-            </a:r>
-            <a:r>
-              <a:rPr lang="ru-RU" sz="2000" smtClean="0">
-                <a:latin typeface="Consolas" panose="020B0609020204030204" pitchFamily="49" charset="0"/>
-              </a:rPr>
-              <a:t/>
-            </a:r>
-            <a:br>
-              <a:rPr lang="ru-RU" sz="2000" smtClean="0">
-                <a:latin typeface="Consolas" panose="020B0609020204030204" pitchFamily="49" charset="0"/>
-              </a:rPr>
-            </a:br>
-            <a:r>
-              <a:rPr lang="en-US" sz="2000" smtClean="0">
-                <a:latin typeface="Consolas" panose="020B0609020204030204" pitchFamily="49" charset="0"/>
-              </a:rPr>
-              <a:t>};</a:t>
-            </a:r>
-            <a:endParaRPr lang="ru-RU" sz="2000" smtClean="0">
+              <a:t>Должны соблюдаться три монадических закона</a:t>
+            </a:r>
+          </a:p>
+          <a:p>
+            <a:r>
+              <a:rPr lang="en-US">
+                <a:latin typeface="Consolas" panose="020B0609020204030204" pitchFamily="49" charset="0"/>
+              </a:rPr>
+              <a:t>wrapup </a:t>
+            </a:r>
+            <a:r>
+              <a:rPr lang="pt-BR" smtClean="0">
+                <a:latin typeface="Consolas" panose="020B0609020204030204" pitchFamily="49" charset="0"/>
+              </a:rPr>
+              <a:t>a</a:t>
+            </a:r>
+            <a:r>
+              <a:rPr lang="pt-BR">
+                <a:latin typeface="Consolas" panose="020B0609020204030204" pitchFamily="49" charset="0"/>
+              </a:rPr>
+              <a:t> &gt;&gt;= </a:t>
+            </a:r>
+            <a:r>
+              <a:rPr lang="pt-BR">
+                <a:latin typeface="Consolas" panose="020B0609020204030204" pitchFamily="49" charset="0"/>
+              </a:rPr>
+              <a:t>k </a:t>
+            </a:r>
+            <a:r>
+              <a:rPr lang="pt-BR" smtClean="0">
+                <a:latin typeface="Consolas" panose="020B0609020204030204" pitchFamily="49" charset="0"/>
+              </a:rPr>
+              <a:t>=</a:t>
+            </a:r>
+            <a:r>
+              <a:rPr lang="ru-RU" smtClean="0">
+                <a:latin typeface="Consolas" panose="020B0609020204030204" pitchFamily="49" charset="0"/>
+              </a:rPr>
+              <a:t>=</a:t>
+            </a:r>
+            <a:r>
+              <a:rPr lang="pt-BR">
+                <a:latin typeface="Consolas" panose="020B0609020204030204" pitchFamily="49" charset="0"/>
+              </a:rPr>
+              <a:t> </a:t>
+            </a:r>
+            <a:r>
+              <a:rPr lang="pt-BR">
+                <a:latin typeface="Consolas" panose="020B0609020204030204" pitchFamily="49" charset="0"/>
+              </a:rPr>
+              <a:t>k </a:t>
+            </a:r>
+            <a:r>
+              <a:rPr lang="pt-BR" smtClean="0">
+                <a:latin typeface="Consolas" panose="020B0609020204030204" pitchFamily="49" charset="0"/>
+              </a:rPr>
+              <a:t>a</a:t>
+            </a:r>
+            <a:endParaRPr lang="ru-RU" smtClean="0">
               <a:latin typeface="Consolas" panose="020B0609020204030204" pitchFamily="49" charset="0"/>
             </a:endParaRPr>
           </a:p>
           <a:p>
+            <a:r>
+              <a:rPr lang="pt-BR" smtClean="0">
+                <a:latin typeface="Consolas" panose="020B0609020204030204" pitchFamily="49" charset="0"/>
+              </a:rPr>
+              <a:t>m</a:t>
+            </a:r>
+            <a:r>
+              <a:rPr lang="pt-BR">
+                <a:latin typeface="Consolas" panose="020B0609020204030204" pitchFamily="49" charset="0"/>
+              </a:rPr>
+              <a:t> &gt;&gt;=</a:t>
+            </a:r>
+            <a:r>
+              <a:rPr lang="pt-BR">
+                <a:latin typeface="Consolas" panose="020B0609020204030204" pitchFamily="49" charset="0"/>
+              </a:rPr>
+              <a:t> </a:t>
+            </a:r>
+            <a:r>
+              <a:rPr lang="en-US" smtClean="0">
+                <a:latin typeface="Consolas" panose="020B0609020204030204" pitchFamily="49" charset="0"/>
+              </a:rPr>
+              <a:t>wrapup</a:t>
+            </a:r>
+            <a:r>
+              <a:rPr lang="pt-BR">
+                <a:latin typeface="Consolas" panose="020B0609020204030204" pitchFamily="49" charset="0"/>
+              </a:rPr>
+              <a:t> </a:t>
+            </a:r>
+            <a:r>
+              <a:rPr lang="pt-BR" smtClean="0">
+                <a:latin typeface="Consolas" panose="020B0609020204030204" pitchFamily="49" charset="0"/>
+              </a:rPr>
+              <a:t>=</a:t>
+            </a:r>
+            <a:r>
+              <a:rPr lang="ru-RU" smtClean="0">
+                <a:latin typeface="Consolas" panose="020B0609020204030204" pitchFamily="49" charset="0"/>
+              </a:rPr>
+              <a:t>=</a:t>
+            </a:r>
+            <a:r>
+              <a:rPr lang="pt-BR">
+                <a:latin typeface="Consolas" panose="020B0609020204030204" pitchFamily="49" charset="0"/>
+              </a:rPr>
+              <a:t> </a:t>
+            </a:r>
+            <a:r>
+              <a:rPr lang="pt-BR" smtClean="0">
+                <a:latin typeface="Consolas" panose="020B0609020204030204" pitchFamily="49" charset="0"/>
+              </a:rPr>
+              <a:t>m</a:t>
+            </a:r>
+            <a:endParaRPr lang="ru-RU" smtClean="0">
+              <a:latin typeface="Consolas" panose="020B0609020204030204" pitchFamily="49" charset="0"/>
+            </a:endParaRPr>
+          </a:p>
+          <a:p>
+            <a:r>
+              <a:rPr lang="pt-BR" smtClean="0">
+                <a:latin typeface="Consolas" panose="020B0609020204030204" pitchFamily="49" charset="0"/>
+              </a:rPr>
+              <a:t>m</a:t>
+            </a:r>
+            <a:r>
+              <a:rPr lang="pt-BR">
+                <a:latin typeface="Consolas" panose="020B0609020204030204" pitchFamily="49" charset="0"/>
+              </a:rPr>
+              <a:t> &gt;&gt;= (\x -&gt; k x &gt;&gt;= </a:t>
+            </a:r>
+            <a:r>
+              <a:rPr lang="pt-BR">
+                <a:latin typeface="Consolas" panose="020B0609020204030204" pitchFamily="49" charset="0"/>
+              </a:rPr>
+              <a:t>h</a:t>
+            </a:r>
+            <a:r>
+              <a:rPr lang="pt-BR" smtClean="0">
+                <a:latin typeface="Consolas" panose="020B0609020204030204" pitchFamily="49" charset="0"/>
+              </a:rPr>
+              <a:t>)</a:t>
+            </a:r>
+            <a:r>
+              <a:rPr lang="pt-BR">
+                <a:latin typeface="Consolas" panose="020B0609020204030204" pitchFamily="49" charset="0"/>
+              </a:rPr>
+              <a:t> </a:t>
+            </a:r>
+            <a:r>
+              <a:rPr lang="ru-RU" smtClean="0">
+                <a:latin typeface="Consolas" panose="020B0609020204030204" pitchFamily="49" charset="0"/>
+              </a:rPr>
+              <a:t>=</a:t>
+            </a:r>
+            <a:r>
+              <a:rPr lang="pt-BR" smtClean="0">
+                <a:latin typeface="Consolas" panose="020B0609020204030204" pitchFamily="49" charset="0"/>
+              </a:rPr>
+              <a:t>=</a:t>
+            </a:r>
+            <a:r>
+              <a:rPr lang="pt-BR">
+                <a:latin typeface="Consolas" panose="020B0609020204030204" pitchFamily="49" charset="0"/>
+              </a:rPr>
+              <a:t> (m &gt;&gt;= k) &gt;&gt;=</a:t>
+            </a:r>
+            <a:r>
+              <a:rPr lang="pt-BR">
+                <a:latin typeface="Consolas" panose="020B0609020204030204" pitchFamily="49" charset="0"/>
+              </a:rPr>
+              <a:t> </a:t>
+            </a:r>
+            <a:r>
+              <a:rPr lang="pt-BR" smtClean="0">
+                <a:latin typeface="Consolas" panose="020B0609020204030204" pitchFamily="49" charset="0"/>
+              </a:rPr>
+              <a:t>h</a:t>
+            </a:r>
+          </a:p>
+          <a:p>
             <a:pPr marL="45720" indent="0">
               <a:buNone/>
             </a:pPr>
             <a:r>
               <a:rPr lang="ru-RU" smtClean="0"/>
-              <a:t>Дома: написать функцию </a:t>
-            </a:r>
-            <a:r>
-              <a:rPr lang="en-US"/>
-              <a:t>flatten</a:t>
-            </a:r>
-            <a:br>
-              <a:rPr lang="en-US"/>
-            </a:br>
-            <a:r>
-              <a:rPr lang="en-US">
-                <a:latin typeface="Consolas" panose="020B0609020204030204" pitchFamily="49" charset="0"/>
-              </a:rPr>
-              <a:t>auto pair = [](auto i) { return List(-i, i); </a:t>
-            </a:r>
-            <a:r>
-              <a:rPr lang="en-US" smtClean="0">
-                <a:latin typeface="Consolas" panose="020B0609020204030204" pitchFamily="49" charset="0"/>
-              </a:rPr>
-              <a:t>};</a:t>
-            </a:r>
-            <a:br>
-              <a:rPr lang="en-US" smtClean="0">
-                <a:latin typeface="Consolas" panose="020B0609020204030204" pitchFamily="49" charset="0"/>
-              </a:rPr>
-            </a:br>
-            <a:r>
-              <a:rPr lang="pt-BR">
-                <a:latin typeface="Consolas" panose="020B0609020204030204" pitchFamily="49" charset="0"/>
-              </a:rPr>
-              <a:t>auto l4 = List(1, 2, 3</a:t>
-            </a:r>
-            <a:r>
-              <a:rPr lang="pt-BR" smtClean="0">
-                <a:latin typeface="Consolas" panose="020B0609020204030204" pitchFamily="49" charset="0"/>
-              </a:rPr>
-              <a:t>);</a:t>
-            </a:r>
-            <a:br>
-              <a:rPr lang="pt-BR" smtClean="0">
-                <a:latin typeface="Consolas" panose="020B0609020204030204" pitchFamily="49" charset="0"/>
-              </a:rPr>
-            </a:br>
-            <a:r>
-              <a:rPr lang="pt-BR" smtClean="0">
-                <a:latin typeface="Consolas" panose="020B0609020204030204" pitchFamily="49" charset="0"/>
-              </a:rPr>
-              <a:t>auto </a:t>
-            </a:r>
-            <a:r>
-              <a:rPr lang="pt-BR">
-                <a:latin typeface="Consolas" panose="020B0609020204030204" pitchFamily="49" charset="0"/>
-              </a:rPr>
-              <a:t>l5 = flatmap(pair)(l4);</a:t>
+              <a:t>Основная идея </a:t>
+            </a:r>
+            <a:r>
+              <a:rPr lang="en-US">
+                <a:latin typeface="Consolas" panose="020B0609020204030204" pitchFamily="49" charset="0"/>
+              </a:rPr>
+              <a:t>(wrapup a) &gt;&gt;= f1 &gt;&gt;= f2 &gt;&gt;= f3 &gt;&gt; f4</a:t>
             </a:r>
             <a:endParaRPr lang="en-US">
               <a:latin typeface="Consolas" panose="020B0609020204030204" pitchFamily="49" charset="0"/>
@@ -23921,7 +23304,7 @@
     </p:spTree>
     <p:extLst>
       <p:ext uri="{BB962C8B-B14F-4D97-AF65-F5344CB8AC3E}">
-        <p14:creationId xmlns:p14="http://schemas.microsoft.com/office/powerpoint/2010/main" val="675037691"/>
+        <p14:creationId xmlns:p14="http://schemas.microsoft.com/office/powerpoint/2010/main" val="168837027"/>
       </p:ext>
     </p:extLst>
   </p:cSld>
@@ -23965,7 +23348,7 @@
           <a:p>
             <a:r>
               <a:rPr lang="ru-RU" smtClean="0"/>
-              <a:t>Итоговая монада</a:t>
+              <a:t>Примеры монад</a:t>
             </a:r>
             <a:endParaRPr lang="en-US"/>
           </a:p>
@@ -23986,254 +23369,109 @@
           <a:bodyPr/>
           <a:lstStyle/>
           <a:p>
-            <a:pPr marL="45720" indent="0">
-              <a:buNone/>
-            </a:pPr>
-            <a:r>
-              <a:rPr lang="en-US">
-                <a:latin typeface="Consolas" panose="020B0609020204030204" pitchFamily="49" charset="0"/>
-              </a:rPr>
-              <a:t>template &lt;class LIST, class Func</a:t>
-            </a:r>
-            <a:r>
-              <a:rPr lang="en-US" smtClean="0">
-                <a:latin typeface="Consolas" panose="020B0609020204030204" pitchFamily="49" charset="0"/>
-              </a:rPr>
-              <a:t>&gt;</a:t>
-            </a:r>
-            <a:r>
-              <a:rPr lang="ru-RU" smtClean="0">
-                <a:latin typeface="Consolas" panose="020B0609020204030204" pitchFamily="49" charset="0"/>
-              </a:rPr>
-              <a:t/>
-            </a:r>
-            <a:br>
-              <a:rPr lang="ru-RU" smtClean="0">
-                <a:latin typeface="Consolas" panose="020B0609020204030204" pitchFamily="49" charset="0"/>
-              </a:rPr>
-            </a:br>
-            <a:r>
-              <a:rPr lang="en-US" smtClean="0">
-                <a:latin typeface="Consolas" panose="020B0609020204030204" pitchFamily="49" charset="0"/>
-              </a:rPr>
-              <a:t>auto </a:t>
-            </a:r>
-            <a:r>
-              <a:rPr lang="en-US">
-                <a:latin typeface="Consolas" panose="020B0609020204030204" pitchFamily="49" charset="0"/>
-              </a:rPr>
-              <a:t>operator &gt; (LIST l, Func f</a:t>
-            </a:r>
-            <a:r>
-              <a:rPr lang="en-US" smtClean="0">
-                <a:latin typeface="Consolas" panose="020B0609020204030204" pitchFamily="49" charset="0"/>
-              </a:rPr>
-              <a:t>)</a:t>
-            </a:r>
-            <a:r>
-              <a:rPr lang="ru-RU">
-                <a:latin typeface="Consolas" panose="020B0609020204030204" pitchFamily="49" charset="0"/>
-              </a:rPr>
+            <a:r>
+              <a:rPr lang="en-US" smtClean="0"/>
+              <a:t>State. </a:t>
+            </a:r>
+            <a:r>
+              <a:rPr lang="ru-RU" smtClean="0"/>
+              <a:t>Для </a:t>
+            </a:r>
+            <a:r>
+              <a:rPr lang="en-US" smtClean="0"/>
+              <a:t>C++ </a:t>
+            </a:r>
+            <a:r>
+              <a:rPr lang="ru-RU" smtClean="0"/>
+              <a:t>это семантика </a:t>
+            </a:r>
+            <a:r>
+              <a:rPr lang="en-US" smtClean="0"/>
+              <a:t>";"</a:t>
+            </a:r>
+            <a:r>
+              <a:rPr lang="ru-RU" smtClean="0"/>
+              <a:t> т.е.</a:t>
+            </a:r>
+            <a:r>
+              <a:rPr lang="en-US" smtClean="0"/>
               <a:t> </a:t>
             </a:r>
             <a:r>
-              <a:rPr lang="en-US" smtClean="0">
-                <a:latin typeface="Consolas" panose="020B0609020204030204" pitchFamily="49" charset="0"/>
-              </a:rPr>
-              <a:t>{</a:t>
-            </a:r>
-            <a:r>
-              <a:rPr lang="ru-RU" smtClean="0">
-                <a:latin typeface="Consolas" panose="020B0609020204030204" pitchFamily="49" charset="0"/>
-              </a:rPr>
-              <a:t/>
-            </a:r>
-            <a:br>
-              <a:rPr lang="ru-RU" smtClean="0">
-                <a:latin typeface="Consolas" panose="020B0609020204030204" pitchFamily="49" charset="0"/>
-              </a:rPr>
-            </a:br>
-            <a:r>
-              <a:rPr lang="en-US" smtClean="0">
-                <a:latin typeface="Consolas" panose="020B0609020204030204" pitchFamily="49" charset="0"/>
-              </a:rPr>
-              <a:t>  </a:t>
-            </a:r>
-            <a:r>
-              <a:rPr lang="en-US">
-                <a:latin typeface="Consolas" panose="020B0609020204030204" pitchFamily="49" charset="0"/>
-              </a:rPr>
-              <a:t>return fmap(f)(l</a:t>
-            </a:r>
-            <a:r>
-              <a:rPr lang="en-US" smtClean="0">
-                <a:latin typeface="Consolas" panose="020B0609020204030204" pitchFamily="49" charset="0"/>
-              </a:rPr>
-              <a:t>);</a:t>
-            </a:r>
-            <a:r>
-              <a:rPr lang="ru-RU" smtClean="0">
-                <a:latin typeface="Consolas" panose="020B0609020204030204" pitchFamily="49" charset="0"/>
-              </a:rPr>
-              <a:t/>
-            </a:r>
-            <a:br>
-              <a:rPr lang="ru-RU" smtClean="0">
-                <a:latin typeface="Consolas" panose="020B0609020204030204" pitchFamily="49" charset="0"/>
-              </a:rPr>
-            </a:br>
-            <a:r>
-              <a:rPr lang="en-US" smtClean="0">
-                <a:latin typeface="Consolas" panose="020B0609020204030204" pitchFamily="49" charset="0"/>
-              </a:rPr>
-              <a:t>}</a:t>
-            </a:r>
-            <a:endParaRPr lang="ru-RU" smtClean="0">
-              <a:latin typeface="Consolas" panose="020B0609020204030204" pitchFamily="49" charset="0"/>
-            </a:endParaRPr>
-          </a:p>
-          <a:p>
-            <a:pPr marL="45720" indent="0">
-              <a:buNone/>
-            </a:pPr>
-            <a:r>
-              <a:rPr lang="en-US" smtClean="0">
-                <a:latin typeface="Consolas" panose="020B0609020204030204" pitchFamily="49" charset="0"/>
-              </a:rPr>
-              <a:t>template </a:t>
-            </a:r>
-            <a:r>
-              <a:rPr lang="en-US">
-                <a:latin typeface="Consolas" panose="020B0609020204030204" pitchFamily="49" charset="0"/>
-              </a:rPr>
-              <a:t>&lt;class LIST, class Func</a:t>
-            </a:r>
-            <a:r>
-              <a:rPr lang="en-US" smtClean="0">
-                <a:latin typeface="Consolas" panose="020B0609020204030204" pitchFamily="49" charset="0"/>
-              </a:rPr>
-              <a:t>&gt;</a:t>
-            </a:r>
-            <a:r>
-              <a:rPr lang="ru-RU" smtClean="0">
-                <a:latin typeface="Consolas" panose="020B0609020204030204" pitchFamily="49" charset="0"/>
-              </a:rPr>
-              <a:t/>
-            </a:r>
-            <a:br>
-              <a:rPr lang="ru-RU" smtClean="0">
-                <a:latin typeface="Consolas" panose="020B0609020204030204" pitchFamily="49" charset="0"/>
-              </a:rPr>
-            </a:br>
-            <a:r>
-              <a:rPr lang="en-US" smtClean="0">
-                <a:latin typeface="Consolas" panose="020B0609020204030204" pitchFamily="49" charset="0"/>
-              </a:rPr>
-              <a:t>auto </a:t>
-            </a:r>
-            <a:r>
-              <a:rPr lang="en-US">
-                <a:latin typeface="Consolas" panose="020B0609020204030204" pitchFamily="49" charset="0"/>
-              </a:rPr>
-              <a:t>operator &gt;= (LIST l, Func f</a:t>
-            </a:r>
-            <a:r>
-              <a:rPr lang="en-US" smtClean="0">
-                <a:latin typeface="Consolas" panose="020B0609020204030204" pitchFamily="49" charset="0"/>
-              </a:rPr>
-              <a:t>)</a:t>
-            </a:r>
-            <a:r>
-              <a:rPr lang="ru-RU">
-                <a:latin typeface="Consolas" panose="020B0609020204030204" pitchFamily="49" charset="0"/>
-              </a:rPr>
-              <a:t> </a:t>
-            </a:r>
-            <a:r>
-              <a:rPr lang="en-US" smtClean="0">
-                <a:latin typeface="Consolas" panose="020B0609020204030204" pitchFamily="49" charset="0"/>
-              </a:rPr>
-              <a:t>{</a:t>
-            </a:r>
-            <a:r>
-              <a:rPr lang="ru-RU" smtClean="0">
-                <a:latin typeface="Consolas" panose="020B0609020204030204" pitchFamily="49" charset="0"/>
-              </a:rPr>
-              <a:t/>
-            </a:r>
-            <a:br>
-              <a:rPr lang="ru-RU" smtClean="0">
-                <a:latin typeface="Consolas" panose="020B0609020204030204" pitchFamily="49" charset="0"/>
-              </a:rPr>
-            </a:br>
-            <a:r>
-              <a:rPr lang="en-US" smtClean="0">
-                <a:latin typeface="Consolas" panose="020B0609020204030204" pitchFamily="49" charset="0"/>
-              </a:rPr>
-              <a:t>  </a:t>
-            </a:r>
-            <a:r>
-              <a:rPr lang="en-US">
-                <a:latin typeface="Consolas" panose="020B0609020204030204" pitchFamily="49" charset="0"/>
-              </a:rPr>
-              <a:t>return flatmap(f)(l</a:t>
-            </a:r>
-            <a:r>
-              <a:rPr lang="en-US" smtClean="0">
-                <a:latin typeface="Consolas" panose="020B0609020204030204" pitchFamily="49" charset="0"/>
-              </a:rPr>
-              <a:t>);</a:t>
-            </a:r>
-            <a:r>
-              <a:rPr lang="ru-RU" smtClean="0">
-                <a:latin typeface="Consolas" panose="020B0609020204030204" pitchFamily="49" charset="0"/>
-              </a:rPr>
-              <a:t/>
-            </a:r>
-            <a:br>
-              <a:rPr lang="ru-RU" smtClean="0">
-                <a:latin typeface="Consolas" panose="020B0609020204030204" pitchFamily="49" charset="0"/>
-              </a:rPr>
-            </a:br>
-            <a:r>
-              <a:rPr lang="en-US" smtClean="0">
-                <a:latin typeface="Consolas" panose="020B0609020204030204" pitchFamily="49" charset="0"/>
-              </a:rPr>
-              <a:t>}</a:t>
-            </a:r>
-            <a:endParaRPr lang="ru-RU" smtClean="0">
-              <a:latin typeface="Consolas" panose="020B0609020204030204" pitchFamily="49" charset="0"/>
-            </a:endParaRPr>
-          </a:p>
-          <a:p>
-            <a:pPr marL="45720" indent="0">
-              <a:buNone/>
-            </a:pPr>
-            <a:r>
-              <a:rPr lang="en-US">
-                <a:latin typeface="Consolas" panose="020B0609020204030204" pitchFamily="49" charset="0"/>
-              </a:rPr>
-              <a:t>auto l7 </a:t>
-            </a:r>
-            <a:r>
-              <a:rPr lang="en-US" smtClean="0">
-                <a:latin typeface="Consolas" panose="020B0609020204030204" pitchFamily="49" charset="0"/>
-              </a:rPr>
-              <a:t>= </a:t>
-            </a:r>
-            <a:r>
-              <a:rPr lang="en-US">
-                <a:latin typeface="Consolas" panose="020B0609020204030204" pitchFamily="49" charset="0"/>
-              </a:rPr>
-              <a:t>List(1, 2, 3) &gt;= pair &gt; print;</a:t>
-            </a:r>
+              <a:rPr lang="ru-RU" smtClean="0"/>
+              <a:t>простая последовательность.</a:t>
+            </a:r>
+            <a:endParaRPr lang="en-US" smtClean="0"/>
+          </a:p>
+          <a:p>
+            <a:r>
+              <a:rPr lang="en-US" smtClean="0"/>
+              <a:t>IO. </a:t>
+            </a:r>
+            <a:r>
+              <a:rPr lang="ru-RU" smtClean="0"/>
+              <a:t>Упорядочение сайд-эффектов при вводе и выводе</a:t>
+            </a:r>
+          </a:p>
+          <a:p>
+            <a:r>
+              <a:rPr lang="en-US" smtClean="0"/>
+              <a:t>Maybe. </a:t>
+            </a:r>
+            <a:r>
+              <a:rPr lang="ru-RU" smtClean="0"/>
+              <a:t>Если прошлое вычисление успешно, проводится следующее вычисление, иначе вся цепочка игнорируется</a:t>
+            </a:r>
+          </a:p>
+          <a:p>
+            <a:r>
+              <a:rPr lang="en-US" smtClean="0"/>
+              <a:t>Either. </a:t>
+            </a:r>
+            <a:r>
+              <a:rPr lang="ru-RU" smtClean="0"/>
+              <a:t>Почти как </a:t>
+            </a:r>
+            <a:r>
+              <a:rPr lang="en-US" smtClean="0"/>
+              <a:t>Maybe, </a:t>
+            </a:r>
+            <a:r>
+              <a:rPr lang="ru-RU" smtClean="0"/>
+              <a:t>но позволяет обработку по второй ветке</a:t>
+            </a:r>
+          </a:p>
+          <a:p>
+            <a:r>
+              <a:rPr lang="en-US" smtClean="0"/>
+              <a:t>Continuation. </a:t>
+            </a:r>
+            <a:r>
+              <a:rPr lang="ru-RU" smtClean="0"/>
+              <a:t>Комбинирует цепочки отложенных вычислений</a:t>
+            </a:r>
+          </a:p>
+          <a:p>
+            <a:r>
+              <a:rPr lang="en-US" smtClean="0"/>
+              <a:t>List</a:t>
+            </a:r>
+            <a:r>
+              <a:rPr lang="en-US"/>
+              <a:t>. </a:t>
+            </a:r>
+            <a:r>
+              <a:rPr lang="ru-RU"/>
+              <a:t>При пустом списке вычисления прерываются, при непустом он отдается следующему поэлементному обработчику.</a:t>
+            </a:r>
+            <a:endParaRPr lang="en-US"/>
           </a:p>
         </p:txBody>
       </p:sp>
     </p:spTree>
     <p:extLst>
       <p:ext uri="{BB962C8B-B14F-4D97-AF65-F5344CB8AC3E}">
-        <p14:creationId xmlns:p14="http://schemas.microsoft.com/office/powerpoint/2010/main" val="3887864393"/>
+        <p14:creationId xmlns:p14="http://schemas.microsoft.com/office/powerpoint/2010/main" val="3905464293"/>
       </p:ext>
     </p:extLst>
   </p:cSld>
@@ -24440,7 +23678,341 @@
           <a:p>
             <a:r>
               <a:rPr lang="ru-RU" smtClean="0"/>
-              <a:t>Обсуждение</a:t>
+              <a:t>Функциональный список</a:t>
+            </a:r>
+            <a:endParaRPr lang="en-US"/>
+          </a:p>
+        </p:txBody>
+      </p:sp>
+      <p:sp>
+        <p:nvSpPr>
+          <p:cNvPr id="3" name="Content Placeholder 2"/>
+          <p:cNvSpPr>
+            <a:spLocks noGrp="1"/>
+          </p:cNvSpPr>
+          <p:nvPr>
+            <p:ph idx="1"/>
+          </p:nvPr>
+        </p:nvSpPr>
+        <p:spPr/>
+        <p:txBody>
+          <a:bodyPr>
+            <a:normAutofit/>
+          </a:bodyPr>
+          <a:lstStyle/>
+          <a:p>
+            <a:pPr marL="45720" indent="0">
+              <a:buNone/>
+            </a:pPr>
+            <a:r>
+              <a:rPr lang="en-US" sz="2000">
+                <a:latin typeface="Consolas" panose="020B0609020204030204" pitchFamily="49" charset="0"/>
+              </a:rPr>
+              <a:t>auto List = [](auto ... xs) </a:t>
+            </a:r>
+            <a:r>
+              <a:rPr lang="en-US" sz="2000" smtClean="0">
+                <a:latin typeface="Consolas" panose="020B0609020204030204" pitchFamily="49" charset="0"/>
+              </a:rPr>
+              <a:t>{</a:t>
+            </a:r>
+            <a:br>
+              <a:rPr lang="en-US" sz="2000" smtClean="0">
+                <a:latin typeface="Consolas" panose="020B0609020204030204" pitchFamily="49" charset="0"/>
+              </a:rPr>
+            </a:br>
+            <a:r>
+              <a:rPr lang="en-US" sz="2000" smtClean="0">
+                <a:latin typeface="Consolas" panose="020B0609020204030204" pitchFamily="49" charset="0"/>
+              </a:rPr>
+              <a:t>  return </a:t>
+            </a:r>
+            <a:r>
+              <a:rPr lang="en-US" sz="2000">
+                <a:latin typeface="Consolas" panose="020B0609020204030204" pitchFamily="49" charset="0"/>
+              </a:rPr>
+              <a:t>[=](auto access) </a:t>
+            </a:r>
+            <a:r>
+              <a:rPr lang="en-US" sz="2000" smtClean="0">
+                <a:latin typeface="Consolas" panose="020B0609020204030204" pitchFamily="49" charset="0"/>
+              </a:rPr>
+              <a:t>{ return </a:t>
+            </a:r>
+            <a:r>
+              <a:rPr lang="en-US" sz="2000">
+                <a:latin typeface="Consolas" panose="020B0609020204030204" pitchFamily="49" charset="0"/>
+              </a:rPr>
+              <a:t>access(xs</a:t>
+            </a:r>
+            <a:r>
+              <a:rPr lang="en-US" sz="2000" smtClean="0">
+                <a:latin typeface="Consolas" panose="020B0609020204030204" pitchFamily="49" charset="0"/>
+              </a:rPr>
+              <a:t>...); };</a:t>
+            </a:r>
+            <a:br>
+              <a:rPr lang="en-US" sz="2000" smtClean="0">
+                <a:latin typeface="Consolas" panose="020B0609020204030204" pitchFamily="49" charset="0"/>
+              </a:rPr>
+            </a:br>
+            <a:r>
+              <a:rPr lang="en-US" sz="2000" smtClean="0">
+                <a:latin typeface="Consolas" panose="020B0609020204030204" pitchFamily="49" charset="0"/>
+              </a:rPr>
+              <a:t>};</a:t>
+            </a:r>
+            <a:endParaRPr lang="ru-RU" sz="2000" smtClean="0">
+              <a:latin typeface="Consolas" panose="020B0609020204030204" pitchFamily="49" charset="0"/>
+            </a:endParaRPr>
+          </a:p>
+          <a:p>
+            <a:pPr marL="45720" indent="0">
+              <a:buNone/>
+            </a:pPr>
+            <a:r>
+              <a:rPr lang="en-US" sz="2000" smtClean="0">
+                <a:latin typeface="Consolas" panose="020B0609020204030204" pitchFamily="49" charset="0"/>
+              </a:rPr>
+              <a:t>auto </a:t>
+            </a:r>
+            <a:r>
+              <a:rPr lang="en-US" sz="2000">
+                <a:latin typeface="Consolas" panose="020B0609020204030204" pitchFamily="49" charset="0"/>
+              </a:rPr>
+              <a:t>head = [](auto xs) </a:t>
+            </a:r>
+            <a:r>
+              <a:rPr lang="en-US" sz="2000" smtClean="0">
+                <a:latin typeface="Consolas" panose="020B0609020204030204" pitchFamily="49" charset="0"/>
+              </a:rPr>
+              <a:t>{</a:t>
+            </a:r>
+            <a:br>
+              <a:rPr lang="en-US" sz="2000" smtClean="0">
+                <a:latin typeface="Consolas" panose="020B0609020204030204" pitchFamily="49" charset="0"/>
+              </a:rPr>
+            </a:br>
+            <a:r>
+              <a:rPr lang="en-US" sz="2000" smtClean="0">
+                <a:latin typeface="Consolas" panose="020B0609020204030204" pitchFamily="49" charset="0"/>
+              </a:rPr>
+              <a:t>  </a:t>
+            </a:r>
+            <a:r>
+              <a:rPr lang="en-US" sz="2000">
+                <a:latin typeface="Consolas" panose="020B0609020204030204" pitchFamily="49" charset="0"/>
+              </a:rPr>
+              <a:t>return xs([](auto first, auto ... rest) { </a:t>
+            </a:r>
+            <a:r>
+              <a:rPr lang="en-US" sz="2000" smtClean="0">
+                <a:latin typeface="Consolas" panose="020B0609020204030204" pitchFamily="49" charset="0"/>
+              </a:rPr>
+              <a:t>return </a:t>
+            </a:r>
+            <a:r>
+              <a:rPr lang="en-US" sz="2000">
+                <a:latin typeface="Consolas" panose="020B0609020204030204" pitchFamily="49" charset="0"/>
+              </a:rPr>
+              <a:t>first</a:t>
+            </a:r>
+            <a:r>
+              <a:rPr lang="en-US" sz="2000" smtClean="0">
+                <a:latin typeface="Consolas" panose="020B0609020204030204" pitchFamily="49" charset="0"/>
+              </a:rPr>
+              <a:t>; });</a:t>
+            </a:r>
+            <a:br>
+              <a:rPr lang="en-US" sz="2000" smtClean="0">
+                <a:latin typeface="Consolas" panose="020B0609020204030204" pitchFamily="49" charset="0"/>
+              </a:rPr>
+            </a:br>
+            <a:r>
+              <a:rPr lang="en-US" sz="2000" smtClean="0">
+                <a:latin typeface="Consolas" panose="020B0609020204030204" pitchFamily="49" charset="0"/>
+              </a:rPr>
+              <a:t>};</a:t>
+            </a:r>
+          </a:p>
+          <a:p>
+            <a:pPr marL="45720" indent="0">
+              <a:buNone/>
+            </a:pPr>
+            <a:r>
+              <a:rPr lang="en-US" sz="2000" smtClean="0">
+                <a:latin typeface="Consolas" panose="020B0609020204030204" pitchFamily="49" charset="0"/>
+              </a:rPr>
+              <a:t>auto </a:t>
+            </a:r>
+            <a:r>
+              <a:rPr lang="en-US" sz="2000">
+                <a:latin typeface="Consolas" panose="020B0609020204030204" pitchFamily="49" charset="0"/>
+              </a:rPr>
+              <a:t>tail = [](auto xs) </a:t>
+            </a:r>
+            <a:r>
+              <a:rPr lang="en-US" sz="2000" smtClean="0">
+                <a:latin typeface="Consolas" panose="020B0609020204030204" pitchFamily="49" charset="0"/>
+              </a:rPr>
+              <a:t>{</a:t>
+            </a:r>
+            <a:br>
+              <a:rPr lang="en-US" sz="2000" smtClean="0">
+                <a:latin typeface="Consolas" panose="020B0609020204030204" pitchFamily="49" charset="0"/>
+              </a:rPr>
+            </a:br>
+            <a:r>
+              <a:rPr lang="en-US" sz="2000" smtClean="0">
+                <a:latin typeface="Consolas" panose="020B0609020204030204" pitchFamily="49" charset="0"/>
+              </a:rPr>
+              <a:t>  return </a:t>
+            </a:r>
+            <a:r>
+              <a:rPr lang="en-US" sz="2000">
+                <a:latin typeface="Consolas" panose="020B0609020204030204" pitchFamily="49" charset="0"/>
+              </a:rPr>
+              <a:t>xs([](auto first, auto ... rest) </a:t>
+            </a:r>
+            <a:r>
+              <a:rPr lang="en-US" sz="2000" smtClean="0">
+                <a:latin typeface="Consolas" panose="020B0609020204030204" pitchFamily="49" charset="0"/>
+              </a:rPr>
+              <a:t>{ return List(rest...); });</a:t>
+            </a:r>
+            <a:br>
+              <a:rPr lang="en-US" sz="2000" smtClean="0">
+                <a:latin typeface="Consolas" panose="020B0609020204030204" pitchFamily="49" charset="0"/>
+              </a:rPr>
+            </a:br>
+            <a:r>
+              <a:rPr lang="en-US" sz="2000" smtClean="0">
+                <a:latin typeface="Consolas" panose="020B0609020204030204" pitchFamily="49" charset="0"/>
+              </a:rPr>
+              <a:t>};</a:t>
+            </a:r>
+            <a:endParaRPr lang="ru-RU" sz="2000" smtClean="0">
+              <a:latin typeface="Consolas" panose="020B0609020204030204" pitchFamily="49" charset="0"/>
+            </a:endParaRPr>
+          </a:p>
+          <a:p>
+            <a:pPr marL="45720" indent="0">
+              <a:buNone/>
+            </a:pPr>
+            <a:r>
+              <a:rPr lang="en-US" sz="2000" smtClean="0">
+                <a:latin typeface="Consolas" panose="020B0609020204030204" pitchFamily="49" charset="0"/>
+              </a:rPr>
+              <a:t>auto </a:t>
+            </a:r>
+            <a:r>
+              <a:rPr lang="en-US" sz="2000">
+                <a:latin typeface="Consolas" panose="020B0609020204030204" pitchFamily="49" charset="0"/>
+              </a:rPr>
+              <a:t>length = [](auto xs) { </a:t>
+            </a:r>
+            <a:r>
+              <a:rPr lang="en-US" sz="2000" smtClean="0">
+                <a:latin typeface="Consolas" panose="020B0609020204030204" pitchFamily="49" charset="0"/>
+              </a:rPr>
+              <a:t/>
+            </a:r>
+            <a:br>
+              <a:rPr lang="en-US" sz="2000" smtClean="0">
+                <a:latin typeface="Consolas" panose="020B0609020204030204" pitchFamily="49" charset="0"/>
+              </a:rPr>
+            </a:br>
+            <a:r>
+              <a:rPr lang="en-US" sz="2000" smtClean="0">
+                <a:latin typeface="Consolas" panose="020B0609020204030204" pitchFamily="49" charset="0"/>
+              </a:rPr>
+              <a:t>  return </a:t>
+            </a:r>
+            <a:r>
+              <a:rPr lang="en-US" sz="2000">
+                <a:latin typeface="Consolas" panose="020B0609020204030204" pitchFamily="49" charset="0"/>
+              </a:rPr>
+              <a:t>xs([](auto ... z) { return sizeof...(z); </a:t>
+            </a:r>
+            <a:r>
+              <a:rPr lang="en-US" sz="2000" smtClean="0">
+                <a:latin typeface="Consolas" panose="020B0609020204030204" pitchFamily="49" charset="0"/>
+              </a:rPr>
+              <a:t>});</a:t>
+            </a:r>
+            <a:br>
+              <a:rPr lang="en-US" sz="2000" smtClean="0">
+                <a:latin typeface="Consolas" panose="020B0609020204030204" pitchFamily="49" charset="0"/>
+              </a:rPr>
+            </a:br>
+            <a:r>
+              <a:rPr lang="en-US" sz="2000" smtClean="0">
+                <a:latin typeface="Consolas" panose="020B0609020204030204" pitchFamily="49" charset="0"/>
+              </a:rPr>
+              <a:t>};</a:t>
+            </a:r>
+          </a:p>
+          <a:p>
+            <a:pPr marL="45720" indent="0">
+              <a:buNone/>
+            </a:pPr>
+            <a:r>
+              <a:rPr lang="en-US" sz="2000">
+                <a:latin typeface="Consolas" panose="020B0609020204030204" pitchFamily="49" charset="0"/>
+              </a:rPr>
+              <a:t>auto three = length(List(1, '2', "3"));</a:t>
+            </a:r>
+          </a:p>
+        </p:txBody>
+      </p:sp>
+    </p:spTree>
+    <p:extLst>
+      <p:ext uri="{BB962C8B-B14F-4D97-AF65-F5344CB8AC3E}">
+        <p14:creationId xmlns:p14="http://schemas.microsoft.com/office/powerpoint/2010/main" val="3788236051"/>
+      </p:ext>
+    </p:extLst>
+  </p:cSld>
+  <p:clrMapOvr>
+    <a:masterClrMapping/>
+  </p:clrMapOvr>
+</p:sld>
+</file>
+
+<file path=ppt/slides/slide71.xml><?xml version="1.0" encoding="utf-8"?>
+<p:sld xmlns:a="http://schemas.openxmlformats.org/drawingml/2006/main" xmlns:r="http://schemas.openxmlformats.org/officeDocument/2006/relationships" xmlns:p="http://schemas.openxmlformats.org/presentationml/2006/main">
+  <p:cSld>
+    <p:spTree>
+      <p:nvGrpSpPr>
+        <p:cNvPr id="1" name=""/>
+        <p:cNvGrpSpPr/>
+        <p:nvPr/>
+      </p:nvGrpSpPr>
+      <p:grpSpPr>
+        <a:xfrm>
+          <a:off x="0" y="0"/>
+          <a:ext cx="0" cy="0"/>
+          <a:chOff x="0" y="0"/>
+          <a:chExt cx="0" cy="0"/>
+        </a:xfrm>
+      </p:grpSpPr>
+      <p:sp>
+        <p:nvSpPr>
+          <p:cNvPr id="2" name="Title 1"/>
+          <p:cNvSpPr>
+            <a:spLocks noGrp="1"/>
+          </p:cNvSpPr>
+          <p:nvPr>
+            <p:ph type="title"/>
+          </p:nvPr>
+        </p:nvSpPr>
+        <p:spPr/>
+        <p:txBody>
+          <a:bodyPr/>
+          <a:lstStyle/>
+          <a:p>
+            <a:r>
+              <a:rPr lang="en-US" smtClean="0"/>
+              <a:t>Fmap</a:t>
             </a:r>
             <a:endParaRPr lang="en-US"/>
           </a:p>
@@ -24463,6 +24035,949 @@
           <a:p>
             <a:r>
               <a:rPr lang="ru-RU" smtClean="0"/>
+              <a:t>Функтор </a:t>
+            </a:r>
+            <a:r>
+              <a:rPr lang="en-US" smtClean="0"/>
+              <a:t>fmap:</a:t>
+            </a:r>
+            <a:r>
+              <a:rPr lang="ru-RU" smtClean="0"/>
+              <a:t> применяет функцию (первый аргумент) к списку (второй аргумент) поэлементно.</a:t>
+            </a:r>
+            <a:endParaRPr lang="en-US" smtClean="0"/>
+          </a:p>
+          <a:p>
+            <a:pPr marL="45720" indent="0">
+              <a:buNone/>
+            </a:pPr>
+            <a:r>
+              <a:rPr lang="en-US" sz="2000">
+                <a:latin typeface="Consolas" panose="020B0609020204030204" pitchFamily="49" charset="0"/>
+              </a:rPr>
+              <a:t>fmap: (a -&gt; b) -&gt; list[a] -&gt; list[b</a:t>
+            </a:r>
+            <a:r>
+              <a:rPr lang="en-US" sz="2000" smtClean="0">
+                <a:latin typeface="Consolas" panose="020B0609020204030204" pitchFamily="49" charset="0"/>
+              </a:rPr>
+              <a:t>]</a:t>
+            </a:r>
+          </a:p>
+          <a:p>
+            <a:pPr marL="45720" indent="0">
+              <a:buNone/>
+            </a:pPr>
+            <a:r>
+              <a:rPr lang="en-US" sz="2000">
+                <a:latin typeface="Consolas" panose="020B0609020204030204" pitchFamily="49" charset="0"/>
+              </a:rPr>
+              <a:t>auto fmap = [](auto func) </a:t>
+            </a:r>
+            <a:r>
+              <a:rPr lang="en-US" sz="2000" smtClean="0">
+                <a:latin typeface="Consolas" panose="020B0609020204030204" pitchFamily="49" charset="0"/>
+              </a:rPr>
+              <a:t>{</a:t>
+            </a:r>
+            <a:r>
+              <a:rPr lang="ru-RU" sz="2000">
+                <a:latin typeface="Consolas" panose="020B0609020204030204" pitchFamily="49" charset="0"/>
+              </a:rPr>
+              <a:t/>
+            </a:r>
+            <a:br>
+              <a:rPr lang="ru-RU" sz="2000">
+                <a:latin typeface="Consolas" panose="020B0609020204030204" pitchFamily="49" charset="0"/>
+              </a:rPr>
+            </a:br>
+            <a:r>
+              <a:rPr lang="ru-RU" sz="2000" smtClean="0">
+                <a:latin typeface="Consolas" panose="020B0609020204030204" pitchFamily="49" charset="0"/>
+              </a:rPr>
+              <a:t>  </a:t>
+            </a:r>
+            <a:r>
+              <a:rPr lang="en-US" sz="2000" smtClean="0">
+                <a:latin typeface="Consolas" panose="020B0609020204030204" pitchFamily="49" charset="0"/>
+              </a:rPr>
+              <a:t>return </a:t>
+            </a:r>
+            <a:r>
+              <a:rPr lang="en-US" sz="2000">
+                <a:latin typeface="Consolas" panose="020B0609020204030204" pitchFamily="49" charset="0"/>
+              </a:rPr>
+              <a:t>[func] (auto alist) </a:t>
+            </a:r>
+            <a:r>
+              <a:rPr lang="en-US" sz="2000" smtClean="0">
+                <a:latin typeface="Consolas" panose="020B0609020204030204" pitchFamily="49" charset="0"/>
+              </a:rPr>
+              <a:t>{</a:t>
+            </a:r>
+            <a:r>
+              <a:rPr lang="ru-RU" sz="2000" smtClean="0">
+                <a:latin typeface="Consolas" panose="020B0609020204030204" pitchFamily="49" charset="0"/>
+              </a:rPr>
+              <a:t/>
+            </a:r>
+            <a:br>
+              <a:rPr lang="ru-RU" sz="2000" smtClean="0">
+                <a:latin typeface="Consolas" panose="020B0609020204030204" pitchFamily="49" charset="0"/>
+              </a:rPr>
+            </a:br>
+            <a:r>
+              <a:rPr lang="ru-RU" sz="2000" smtClean="0">
+                <a:latin typeface="Consolas" panose="020B0609020204030204" pitchFamily="49" charset="0"/>
+              </a:rPr>
+              <a:t>    </a:t>
+            </a:r>
+            <a:r>
+              <a:rPr lang="en-US" sz="2000" smtClean="0">
+                <a:latin typeface="Consolas" panose="020B0609020204030204" pitchFamily="49" charset="0"/>
+              </a:rPr>
+              <a:t>return alist</a:t>
+            </a:r>
+            <a:r>
+              <a:rPr lang="ru-RU" sz="2000" smtClean="0">
+                <a:latin typeface="Consolas" panose="020B0609020204030204" pitchFamily="49" charset="0"/>
+              </a:rPr>
+              <a:t>(</a:t>
+            </a:r>
+            <a:r>
+              <a:rPr lang="en-US" sz="2000" smtClean="0">
+                <a:latin typeface="Consolas" panose="020B0609020204030204" pitchFamily="49" charset="0"/>
+              </a:rPr>
+              <a:t>[func</a:t>
+            </a:r>
+            <a:r>
+              <a:rPr lang="en-US" sz="2000">
+                <a:latin typeface="Consolas" panose="020B0609020204030204" pitchFamily="49" charset="0"/>
+              </a:rPr>
+              <a:t>](auto ... xs</a:t>
+            </a:r>
+            <a:r>
+              <a:rPr lang="en-US" sz="2000" smtClean="0">
+                <a:latin typeface="Consolas" panose="020B0609020204030204" pitchFamily="49" charset="0"/>
+              </a:rPr>
+              <a:t>) { return </a:t>
+            </a:r>
+            <a:r>
+              <a:rPr lang="en-US" sz="2000">
+                <a:latin typeface="Consolas" panose="020B0609020204030204" pitchFamily="49" charset="0"/>
+              </a:rPr>
+              <a:t>List(func(xs</a:t>
+            </a:r>
+            <a:r>
+              <a:rPr lang="en-US" sz="2000" smtClean="0">
+                <a:latin typeface="Consolas" panose="020B0609020204030204" pitchFamily="49" charset="0"/>
+              </a:rPr>
+              <a:t>)...); });</a:t>
+            </a:r>
+            <a:r>
+              <a:rPr lang="ru-RU" sz="2000" smtClean="0">
+                <a:latin typeface="Consolas" panose="020B0609020204030204" pitchFamily="49" charset="0"/>
+              </a:rPr>
+              <a:t/>
+            </a:r>
+            <a:br>
+              <a:rPr lang="ru-RU" sz="2000" smtClean="0">
+                <a:latin typeface="Consolas" panose="020B0609020204030204" pitchFamily="49" charset="0"/>
+              </a:rPr>
+            </a:br>
+            <a:r>
+              <a:rPr lang="ru-RU" sz="2000" smtClean="0">
+                <a:latin typeface="Consolas" panose="020B0609020204030204" pitchFamily="49" charset="0"/>
+              </a:rPr>
+              <a:t>  </a:t>
+            </a:r>
+            <a:r>
+              <a:rPr lang="en-US" sz="2000" smtClean="0">
+                <a:latin typeface="Consolas" panose="020B0609020204030204" pitchFamily="49" charset="0"/>
+              </a:rPr>
+              <a:t>};</a:t>
+            </a:r>
+            <a:r>
+              <a:rPr lang="ru-RU" sz="2000" smtClean="0">
+                <a:latin typeface="Consolas" panose="020B0609020204030204" pitchFamily="49" charset="0"/>
+              </a:rPr>
+              <a:t/>
+            </a:r>
+            <a:br>
+              <a:rPr lang="ru-RU" sz="2000" smtClean="0">
+                <a:latin typeface="Consolas" panose="020B0609020204030204" pitchFamily="49" charset="0"/>
+              </a:rPr>
+            </a:br>
+            <a:r>
+              <a:rPr lang="en-US" sz="2000" smtClean="0">
+                <a:latin typeface="Consolas" panose="020B0609020204030204" pitchFamily="49" charset="0"/>
+              </a:rPr>
+              <a:t>};</a:t>
+            </a:r>
+          </a:p>
+          <a:p>
+            <a:pPr marL="45720" indent="0">
+              <a:buNone/>
+            </a:pPr>
+            <a:r>
+              <a:rPr lang="it-IT" sz="2000">
+                <a:latin typeface="Consolas" panose="020B0609020204030204" pitchFamily="49" charset="0"/>
+              </a:rPr>
+              <a:t>auto twice = [](auto i) { return 2*i; </a:t>
+            </a:r>
+            <a:r>
+              <a:rPr lang="it-IT" sz="2000" smtClean="0">
+                <a:latin typeface="Consolas" panose="020B0609020204030204" pitchFamily="49" charset="0"/>
+              </a:rPr>
+              <a:t>};</a:t>
+            </a:r>
+            <a:br>
+              <a:rPr lang="it-IT" sz="2000" smtClean="0">
+                <a:latin typeface="Consolas" panose="020B0609020204030204" pitchFamily="49" charset="0"/>
+              </a:rPr>
+            </a:br>
+            <a:r>
+              <a:rPr lang="it-IT" sz="2000" smtClean="0">
+                <a:latin typeface="Consolas" panose="020B0609020204030204" pitchFamily="49" charset="0"/>
+              </a:rPr>
+              <a:t>auto </a:t>
+            </a:r>
+            <a:r>
+              <a:rPr lang="it-IT" sz="2000">
+                <a:latin typeface="Consolas" panose="020B0609020204030204" pitchFamily="49" charset="0"/>
+              </a:rPr>
+              <a:t>l1 = List(1, 2, 3, 4);</a:t>
+            </a:r>
+            <a:br>
+              <a:rPr lang="it-IT" sz="2000">
+                <a:latin typeface="Consolas" panose="020B0609020204030204" pitchFamily="49" charset="0"/>
+              </a:rPr>
+            </a:br>
+            <a:r>
+              <a:rPr lang="it-IT" sz="2000">
+                <a:latin typeface="Consolas" panose="020B0609020204030204" pitchFamily="49" charset="0"/>
+              </a:rPr>
+              <a:t>auto l2 = fmap(twice)(l1);</a:t>
+            </a:r>
+            <a:endParaRPr lang="en-US" sz="2000">
+              <a:latin typeface="Consolas" panose="020B0609020204030204" pitchFamily="49" charset="0"/>
+            </a:endParaRPr>
+          </a:p>
+        </p:txBody>
+      </p:sp>
+    </p:spTree>
+    <p:extLst>
+      <p:ext uri="{BB962C8B-B14F-4D97-AF65-F5344CB8AC3E}">
+        <p14:creationId xmlns:p14="http://schemas.microsoft.com/office/powerpoint/2010/main" val="72044502"/>
+      </p:ext>
+    </p:extLst>
+  </p:cSld>
+  <p:clrMapOvr>
+    <a:masterClrMapping/>
+  </p:clrMapOvr>
+</p:sld>
+</file>
+
+<file path=ppt/slides/slide72.xml><?xml version="1.0" encoding="utf-8"?>
+<p:sld xmlns:a="http://schemas.openxmlformats.org/drawingml/2006/main" xmlns:r="http://schemas.openxmlformats.org/officeDocument/2006/relationships" xmlns:p="http://schemas.openxmlformats.org/presentationml/2006/main">
+  <p:cSld>
+    <p:spTree>
+      <p:nvGrpSpPr>
+        <p:cNvPr id="1" name=""/>
+        <p:cNvGrpSpPr/>
+        <p:nvPr/>
+      </p:nvGrpSpPr>
+      <p:grpSpPr>
+        <a:xfrm>
+          <a:off x="0" y="0"/>
+          <a:ext cx="0" cy="0"/>
+          <a:chOff x="0" y="0"/>
+          <a:chExt cx="0" cy="0"/>
+        </a:xfrm>
+      </p:grpSpPr>
+      <p:sp>
+        <p:nvSpPr>
+          <p:cNvPr id="2" name="Title 1"/>
+          <p:cNvSpPr>
+            <a:spLocks noGrp="1"/>
+          </p:cNvSpPr>
+          <p:nvPr>
+            <p:ph type="title"/>
+          </p:nvPr>
+        </p:nvSpPr>
+        <p:spPr/>
+        <p:txBody>
+          <a:bodyPr/>
+          <a:lstStyle/>
+          <a:p>
+            <a:r>
+              <a:rPr lang="ru-RU" smtClean="0"/>
+              <a:t>Домашняя наработка</a:t>
+            </a:r>
+            <a:endParaRPr lang="en-US"/>
+          </a:p>
+        </p:txBody>
+      </p:sp>
+      <p:sp>
+        <p:nvSpPr>
+          <p:cNvPr id="3" name="Content Placeholder 2"/>
+          <p:cNvSpPr>
+            <a:spLocks noGrp="1"/>
+          </p:cNvSpPr>
+          <p:nvPr>
+            <p:ph idx="1"/>
+          </p:nvPr>
+        </p:nvSpPr>
+        <p:spPr/>
+        <p:txBody>
+          <a:bodyPr/>
+          <a:lstStyle/>
+          <a:p>
+            <a:r>
+              <a:rPr lang="ru-RU"/>
+              <a:t>Функтор </a:t>
+            </a:r>
+            <a:r>
+              <a:rPr lang="en-US" smtClean="0"/>
+              <a:t>flatmap</a:t>
+            </a:r>
+            <a:r>
+              <a:rPr lang="en-US"/>
+              <a:t>:</a:t>
+            </a:r>
+            <a:r>
+              <a:rPr lang="ru-RU"/>
+              <a:t> применяет функцию </a:t>
+            </a:r>
+            <a:r>
+              <a:rPr lang="ru-RU" smtClean="0"/>
+              <a:t>к </a:t>
+            </a:r>
+            <a:r>
+              <a:rPr lang="ru-RU"/>
+              <a:t>списку </a:t>
+            </a:r>
+            <a:r>
+              <a:rPr lang="ru-RU" smtClean="0"/>
+              <a:t>поэлементно</a:t>
+            </a:r>
+            <a:r>
+              <a:rPr lang="en-US" smtClean="0"/>
+              <a:t>, </a:t>
+            </a:r>
+            <a:r>
+              <a:rPr lang="ru-RU" smtClean="0"/>
+              <a:t>но результат каждой функции список, а общий результат -- единый список, сконкатенированный из полученных</a:t>
+            </a:r>
+            <a:endParaRPr lang="en-US" smtClean="0"/>
+          </a:p>
+          <a:p>
+            <a:pPr marL="45720" indent="0">
+              <a:buNone/>
+            </a:pPr>
+            <a:r>
+              <a:rPr lang="en-US"/>
+              <a:t>flatmap: (a -&gt; list[b]) -&gt; list[a] -&gt; list[b</a:t>
+            </a:r>
+            <a:r>
+              <a:rPr lang="en-US" smtClean="0"/>
+              <a:t>]</a:t>
+            </a:r>
+          </a:p>
+          <a:p>
+            <a:pPr marL="45720" indent="0">
+              <a:buNone/>
+            </a:pPr>
+            <a:r>
+              <a:rPr lang="en-US" sz="2000">
+                <a:latin typeface="Consolas" panose="020B0609020204030204" pitchFamily="49" charset="0"/>
+              </a:rPr>
+              <a:t>auto flatmap = [](auto func) </a:t>
+            </a:r>
+            <a:r>
+              <a:rPr lang="en-US" sz="2000" smtClean="0">
+                <a:latin typeface="Consolas" panose="020B0609020204030204" pitchFamily="49" charset="0"/>
+              </a:rPr>
+              <a:t>{</a:t>
+            </a:r>
+            <a:r>
+              <a:rPr lang="ru-RU" sz="2000" smtClean="0">
+                <a:latin typeface="Consolas" panose="020B0609020204030204" pitchFamily="49" charset="0"/>
+              </a:rPr>
+              <a:t/>
+            </a:r>
+            <a:br>
+              <a:rPr lang="ru-RU" sz="2000" smtClean="0">
+                <a:latin typeface="Consolas" panose="020B0609020204030204" pitchFamily="49" charset="0"/>
+              </a:rPr>
+            </a:br>
+            <a:r>
+              <a:rPr lang="en-US" sz="2000" smtClean="0">
+                <a:latin typeface="Consolas" panose="020B0609020204030204" pitchFamily="49" charset="0"/>
+              </a:rPr>
+              <a:t>  </a:t>
+            </a:r>
+            <a:r>
+              <a:rPr lang="en-US" sz="2000">
+                <a:latin typeface="Consolas" panose="020B0609020204030204" pitchFamily="49" charset="0"/>
+              </a:rPr>
+              <a:t>return [func](auto alist) </a:t>
+            </a:r>
+            <a:r>
+              <a:rPr lang="en-US" sz="2000" smtClean="0">
+                <a:latin typeface="Consolas" panose="020B0609020204030204" pitchFamily="49" charset="0"/>
+              </a:rPr>
+              <a:t>{</a:t>
+            </a:r>
+            <a:r>
+              <a:rPr lang="ru-RU" sz="2000" smtClean="0">
+                <a:latin typeface="Consolas" panose="020B0609020204030204" pitchFamily="49" charset="0"/>
+              </a:rPr>
+              <a:t/>
+            </a:r>
+            <a:br>
+              <a:rPr lang="ru-RU" sz="2000" smtClean="0">
+                <a:latin typeface="Consolas" panose="020B0609020204030204" pitchFamily="49" charset="0"/>
+              </a:rPr>
+            </a:br>
+            <a:r>
+              <a:rPr lang="en-US" sz="2000" smtClean="0">
+                <a:latin typeface="Consolas" panose="020B0609020204030204" pitchFamily="49" charset="0"/>
+              </a:rPr>
+              <a:t>    </a:t>
+            </a:r>
+            <a:r>
+              <a:rPr lang="en-US" sz="2000">
+                <a:latin typeface="Consolas" panose="020B0609020204030204" pitchFamily="49" charset="0"/>
+              </a:rPr>
+              <a:t>return alist</a:t>
+            </a:r>
+            <a:r>
+              <a:rPr lang="en-US" sz="2000" smtClean="0">
+                <a:latin typeface="Consolas" panose="020B0609020204030204" pitchFamily="49" charset="0"/>
+              </a:rPr>
+              <a:t>([</a:t>
+            </a:r>
+            <a:r>
+              <a:rPr lang="en-US" sz="2000">
+                <a:latin typeface="Consolas" panose="020B0609020204030204" pitchFamily="49" charset="0"/>
+              </a:rPr>
+              <a:t>func](auto... xs) </a:t>
+            </a:r>
+            <a:r>
+              <a:rPr lang="en-US" sz="2000" smtClean="0">
+                <a:latin typeface="Consolas" panose="020B0609020204030204" pitchFamily="49" charset="0"/>
+              </a:rPr>
+              <a:t>{return </a:t>
+            </a:r>
+            <a:r>
+              <a:rPr lang="en-US" sz="2000">
+                <a:solidFill>
+                  <a:srgbClr val="0000FF"/>
+                </a:solidFill>
+                <a:latin typeface="Consolas" panose="020B0609020204030204" pitchFamily="49" charset="0"/>
+              </a:rPr>
+              <a:t>flatten</a:t>
+            </a:r>
+            <a:r>
+              <a:rPr lang="en-US" sz="2000">
+                <a:latin typeface="Consolas" panose="020B0609020204030204" pitchFamily="49" charset="0"/>
+              </a:rPr>
+              <a:t>(func, xs</a:t>
+            </a:r>
+            <a:r>
+              <a:rPr lang="en-US" sz="2000" smtClean="0">
+                <a:latin typeface="Consolas" panose="020B0609020204030204" pitchFamily="49" charset="0"/>
+              </a:rPr>
+              <a:t>...);});</a:t>
+            </a:r>
+            <a:r>
+              <a:rPr lang="ru-RU" sz="2000" smtClean="0">
+                <a:latin typeface="Consolas" panose="020B0609020204030204" pitchFamily="49" charset="0"/>
+              </a:rPr>
+              <a:t/>
+            </a:r>
+            <a:br>
+              <a:rPr lang="ru-RU" sz="2000" smtClean="0">
+                <a:latin typeface="Consolas" panose="020B0609020204030204" pitchFamily="49" charset="0"/>
+              </a:rPr>
+            </a:br>
+            <a:r>
+              <a:rPr lang="en-US" sz="2000" smtClean="0">
+                <a:latin typeface="Consolas" panose="020B0609020204030204" pitchFamily="49" charset="0"/>
+              </a:rPr>
+              <a:t>  };</a:t>
+            </a:r>
+            <a:r>
+              <a:rPr lang="ru-RU" sz="2000" smtClean="0">
+                <a:latin typeface="Consolas" panose="020B0609020204030204" pitchFamily="49" charset="0"/>
+              </a:rPr>
+              <a:t/>
+            </a:r>
+            <a:br>
+              <a:rPr lang="ru-RU" sz="2000" smtClean="0">
+                <a:latin typeface="Consolas" panose="020B0609020204030204" pitchFamily="49" charset="0"/>
+              </a:rPr>
+            </a:br>
+            <a:r>
+              <a:rPr lang="en-US" sz="2000" smtClean="0">
+                <a:latin typeface="Consolas" panose="020B0609020204030204" pitchFamily="49" charset="0"/>
+              </a:rPr>
+              <a:t>};</a:t>
+            </a:r>
+            <a:endParaRPr lang="ru-RU" sz="2000" smtClean="0">
+              <a:latin typeface="Consolas" panose="020B0609020204030204" pitchFamily="49" charset="0"/>
+            </a:endParaRPr>
+          </a:p>
+          <a:p>
+            <a:pPr marL="45720" indent="0">
+              <a:buNone/>
+            </a:pPr>
+            <a:r>
+              <a:rPr lang="ru-RU" smtClean="0"/>
+              <a:t>Дома: написать функцию </a:t>
+            </a:r>
+            <a:r>
+              <a:rPr lang="en-US"/>
+              <a:t>flatten</a:t>
+            </a:r>
+            <a:br>
+              <a:rPr lang="en-US"/>
+            </a:br>
+            <a:r>
+              <a:rPr lang="en-US">
+                <a:latin typeface="Consolas" panose="020B0609020204030204" pitchFamily="49" charset="0"/>
+              </a:rPr>
+              <a:t>auto pair = [](auto i) { return List(-i, i); </a:t>
+            </a:r>
+            <a:r>
+              <a:rPr lang="en-US" smtClean="0">
+                <a:latin typeface="Consolas" panose="020B0609020204030204" pitchFamily="49" charset="0"/>
+              </a:rPr>
+              <a:t>};</a:t>
+            </a:r>
+            <a:br>
+              <a:rPr lang="en-US" smtClean="0">
+                <a:latin typeface="Consolas" panose="020B0609020204030204" pitchFamily="49" charset="0"/>
+              </a:rPr>
+            </a:br>
+            <a:r>
+              <a:rPr lang="pt-BR">
+                <a:latin typeface="Consolas" panose="020B0609020204030204" pitchFamily="49" charset="0"/>
+              </a:rPr>
+              <a:t>auto l4 = List(1, 2, 3</a:t>
+            </a:r>
+            <a:r>
+              <a:rPr lang="pt-BR" smtClean="0">
+                <a:latin typeface="Consolas" panose="020B0609020204030204" pitchFamily="49" charset="0"/>
+              </a:rPr>
+              <a:t>);</a:t>
+            </a:r>
+            <a:br>
+              <a:rPr lang="pt-BR" smtClean="0">
+                <a:latin typeface="Consolas" panose="020B0609020204030204" pitchFamily="49" charset="0"/>
+              </a:rPr>
+            </a:br>
+            <a:r>
+              <a:rPr lang="pt-BR" smtClean="0">
+                <a:latin typeface="Consolas" panose="020B0609020204030204" pitchFamily="49" charset="0"/>
+              </a:rPr>
+              <a:t>auto </a:t>
+            </a:r>
+            <a:r>
+              <a:rPr lang="pt-BR">
+                <a:latin typeface="Consolas" panose="020B0609020204030204" pitchFamily="49" charset="0"/>
+              </a:rPr>
+              <a:t>l5 = flatmap(pair)(l4);</a:t>
+            </a:r>
+            <a:endParaRPr lang="en-US">
+              <a:latin typeface="Consolas" panose="020B0609020204030204" pitchFamily="49" charset="0"/>
+            </a:endParaRPr>
+          </a:p>
+        </p:txBody>
+      </p:sp>
+    </p:spTree>
+    <p:extLst>
+      <p:ext uri="{BB962C8B-B14F-4D97-AF65-F5344CB8AC3E}">
+        <p14:creationId xmlns:p14="http://schemas.microsoft.com/office/powerpoint/2010/main" val="675037691"/>
+      </p:ext>
+    </p:extLst>
+  </p:cSld>
+  <p:clrMapOvr>
+    <a:masterClrMapping/>
+  </p:clrMapOvr>
+</p:sld>
+</file>
+
+<file path=ppt/slides/slide73.xml><?xml version="1.0" encoding="utf-8"?>
+<p:sld xmlns:a="http://schemas.openxmlformats.org/drawingml/2006/main" xmlns:r="http://schemas.openxmlformats.org/officeDocument/2006/relationships" xmlns:p="http://schemas.openxmlformats.org/presentationml/2006/main">
+  <p:cSld>
+    <p:spTree>
+      <p:nvGrpSpPr>
+        <p:cNvPr id="1" name=""/>
+        <p:cNvGrpSpPr/>
+        <p:nvPr/>
+      </p:nvGrpSpPr>
+      <p:grpSpPr>
+        <a:xfrm>
+          <a:off x="0" y="0"/>
+          <a:ext cx="0" cy="0"/>
+          <a:chOff x="0" y="0"/>
+          <a:chExt cx="0" cy="0"/>
+        </a:xfrm>
+      </p:grpSpPr>
+      <p:sp>
+        <p:nvSpPr>
+          <p:cNvPr id="2" name="Title 1"/>
+          <p:cNvSpPr>
+            <a:spLocks noGrp="1"/>
+          </p:cNvSpPr>
+          <p:nvPr>
+            <p:ph type="title"/>
+          </p:nvPr>
+        </p:nvSpPr>
+        <p:spPr/>
+        <p:txBody>
+          <a:bodyPr/>
+          <a:lstStyle/>
+          <a:p>
+            <a:r>
+              <a:rPr lang="ru-RU" smtClean="0"/>
+              <a:t>Итоговая монада</a:t>
+            </a:r>
+            <a:endParaRPr lang="en-US"/>
+          </a:p>
+        </p:txBody>
+      </p:sp>
+      <p:sp>
+        <p:nvSpPr>
+          <p:cNvPr id="3" name="Content Placeholder 2"/>
+          <p:cNvSpPr>
+            <a:spLocks noGrp="1"/>
+          </p:cNvSpPr>
+          <p:nvPr>
+            <p:ph idx="1"/>
+          </p:nvPr>
+        </p:nvSpPr>
+        <p:spPr/>
+        <p:txBody>
+          <a:bodyPr/>
+          <a:lstStyle/>
+          <a:p>
+            <a:pPr marL="45720" indent="0">
+              <a:buNone/>
+            </a:pPr>
+            <a:r>
+              <a:rPr lang="en-US">
+                <a:latin typeface="Consolas" panose="020B0609020204030204" pitchFamily="49" charset="0"/>
+              </a:rPr>
+              <a:t>template &lt;class LIST, class Func</a:t>
+            </a:r>
+            <a:r>
+              <a:rPr lang="en-US" smtClean="0">
+                <a:latin typeface="Consolas" panose="020B0609020204030204" pitchFamily="49" charset="0"/>
+              </a:rPr>
+              <a:t>&gt;</a:t>
+            </a:r>
+            <a:r>
+              <a:rPr lang="ru-RU" smtClean="0">
+                <a:latin typeface="Consolas" panose="020B0609020204030204" pitchFamily="49" charset="0"/>
+              </a:rPr>
+              <a:t/>
+            </a:r>
+            <a:br>
+              <a:rPr lang="ru-RU" smtClean="0">
+                <a:latin typeface="Consolas" panose="020B0609020204030204" pitchFamily="49" charset="0"/>
+              </a:rPr>
+            </a:br>
+            <a:r>
+              <a:rPr lang="en-US" smtClean="0">
+                <a:latin typeface="Consolas" panose="020B0609020204030204" pitchFamily="49" charset="0"/>
+              </a:rPr>
+              <a:t>auto </a:t>
+            </a:r>
+            <a:r>
+              <a:rPr lang="en-US">
+                <a:latin typeface="Consolas" panose="020B0609020204030204" pitchFamily="49" charset="0"/>
+              </a:rPr>
+              <a:t>operator &gt; (LIST l, Func f</a:t>
+            </a:r>
+            <a:r>
+              <a:rPr lang="en-US" smtClean="0">
+                <a:latin typeface="Consolas" panose="020B0609020204030204" pitchFamily="49" charset="0"/>
+              </a:rPr>
+              <a:t>)</a:t>
+            </a:r>
+            <a:r>
+              <a:rPr lang="ru-RU">
+                <a:latin typeface="Consolas" panose="020B0609020204030204" pitchFamily="49" charset="0"/>
+              </a:rPr>
+              <a:t> </a:t>
+            </a:r>
+            <a:r>
+              <a:rPr lang="en-US" smtClean="0">
+                <a:latin typeface="Consolas" panose="020B0609020204030204" pitchFamily="49" charset="0"/>
+              </a:rPr>
+              <a:t>{</a:t>
+            </a:r>
+            <a:r>
+              <a:rPr lang="ru-RU" smtClean="0">
+                <a:latin typeface="Consolas" panose="020B0609020204030204" pitchFamily="49" charset="0"/>
+              </a:rPr>
+              <a:t/>
+            </a:r>
+            <a:br>
+              <a:rPr lang="ru-RU" smtClean="0">
+                <a:latin typeface="Consolas" panose="020B0609020204030204" pitchFamily="49" charset="0"/>
+              </a:rPr>
+            </a:br>
+            <a:r>
+              <a:rPr lang="en-US" smtClean="0">
+                <a:latin typeface="Consolas" panose="020B0609020204030204" pitchFamily="49" charset="0"/>
+              </a:rPr>
+              <a:t>  </a:t>
+            </a:r>
+            <a:r>
+              <a:rPr lang="en-US">
+                <a:latin typeface="Consolas" panose="020B0609020204030204" pitchFamily="49" charset="0"/>
+              </a:rPr>
+              <a:t>return fmap(f)(l</a:t>
+            </a:r>
+            <a:r>
+              <a:rPr lang="en-US" smtClean="0">
+                <a:latin typeface="Consolas" panose="020B0609020204030204" pitchFamily="49" charset="0"/>
+              </a:rPr>
+              <a:t>);</a:t>
+            </a:r>
+            <a:r>
+              <a:rPr lang="ru-RU" smtClean="0">
+                <a:latin typeface="Consolas" panose="020B0609020204030204" pitchFamily="49" charset="0"/>
+              </a:rPr>
+              <a:t/>
+            </a:r>
+            <a:br>
+              <a:rPr lang="ru-RU" smtClean="0">
+                <a:latin typeface="Consolas" panose="020B0609020204030204" pitchFamily="49" charset="0"/>
+              </a:rPr>
+            </a:br>
+            <a:r>
+              <a:rPr lang="en-US" smtClean="0">
+                <a:latin typeface="Consolas" panose="020B0609020204030204" pitchFamily="49" charset="0"/>
+              </a:rPr>
+              <a:t>}</a:t>
+            </a:r>
+            <a:endParaRPr lang="ru-RU" smtClean="0">
+              <a:latin typeface="Consolas" panose="020B0609020204030204" pitchFamily="49" charset="0"/>
+            </a:endParaRPr>
+          </a:p>
+          <a:p>
+            <a:pPr marL="45720" indent="0">
+              <a:buNone/>
+            </a:pPr>
+            <a:r>
+              <a:rPr lang="en-US" smtClean="0">
+                <a:latin typeface="Consolas" panose="020B0609020204030204" pitchFamily="49" charset="0"/>
+              </a:rPr>
+              <a:t>template </a:t>
+            </a:r>
+            <a:r>
+              <a:rPr lang="en-US">
+                <a:latin typeface="Consolas" panose="020B0609020204030204" pitchFamily="49" charset="0"/>
+              </a:rPr>
+              <a:t>&lt;class LIST, class Func</a:t>
+            </a:r>
+            <a:r>
+              <a:rPr lang="en-US" smtClean="0">
+                <a:latin typeface="Consolas" panose="020B0609020204030204" pitchFamily="49" charset="0"/>
+              </a:rPr>
+              <a:t>&gt;</a:t>
+            </a:r>
+            <a:r>
+              <a:rPr lang="ru-RU" smtClean="0">
+                <a:latin typeface="Consolas" panose="020B0609020204030204" pitchFamily="49" charset="0"/>
+              </a:rPr>
+              <a:t/>
+            </a:r>
+            <a:br>
+              <a:rPr lang="ru-RU" smtClean="0">
+                <a:latin typeface="Consolas" panose="020B0609020204030204" pitchFamily="49" charset="0"/>
+              </a:rPr>
+            </a:br>
+            <a:r>
+              <a:rPr lang="en-US" smtClean="0">
+                <a:latin typeface="Consolas" panose="020B0609020204030204" pitchFamily="49" charset="0"/>
+              </a:rPr>
+              <a:t>auto </a:t>
+            </a:r>
+            <a:r>
+              <a:rPr lang="en-US">
+                <a:latin typeface="Consolas" panose="020B0609020204030204" pitchFamily="49" charset="0"/>
+              </a:rPr>
+              <a:t>operator &gt;= (LIST l, Func f</a:t>
+            </a:r>
+            <a:r>
+              <a:rPr lang="en-US" smtClean="0">
+                <a:latin typeface="Consolas" panose="020B0609020204030204" pitchFamily="49" charset="0"/>
+              </a:rPr>
+              <a:t>)</a:t>
+            </a:r>
+            <a:r>
+              <a:rPr lang="ru-RU">
+                <a:latin typeface="Consolas" panose="020B0609020204030204" pitchFamily="49" charset="0"/>
+              </a:rPr>
+              <a:t> </a:t>
+            </a:r>
+            <a:r>
+              <a:rPr lang="en-US" smtClean="0">
+                <a:latin typeface="Consolas" panose="020B0609020204030204" pitchFamily="49" charset="0"/>
+              </a:rPr>
+              <a:t>{</a:t>
+            </a:r>
+            <a:r>
+              <a:rPr lang="ru-RU" smtClean="0">
+                <a:latin typeface="Consolas" panose="020B0609020204030204" pitchFamily="49" charset="0"/>
+              </a:rPr>
+              <a:t/>
+            </a:r>
+            <a:br>
+              <a:rPr lang="ru-RU" smtClean="0">
+                <a:latin typeface="Consolas" panose="020B0609020204030204" pitchFamily="49" charset="0"/>
+              </a:rPr>
+            </a:br>
+            <a:r>
+              <a:rPr lang="en-US" smtClean="0">
+                <a:latin typeface="Consolas" panose="020B0609020204030204" pitchFamily="49" charset="0"/>
+              </a:rPr>
+              <a:t>  </a:t>
+            </a:r>
+            <a:r>
+              <a:rPr lang="en-US">
+                <a:latin typeface="Consolas" panose="020B0609020204030204" pitchFamily="49" charset="0"/>
+              </a:rPr>
+              <a:t>return flatmap(f)(l</a:t>
+            </a:r>
+            <a:r>
+              <a:rPr lang="en-US" smtClean="0">
+                <a:latin typeface="Consolas" panose="020B0609020204030204" pitchFamily="49" charset="0"/>
+              </a:rPr>
+              <a:t>);</a:t>
+            </a:r>
+            <a:r>
+              <a:rPr lang="ru-RU" smtClean="0">
+                <a:latin typeface="Consolas" panose="020B0609020204030204" pitchFamily="49" charset="0"/>
+              </a:rPr>
+              <a:t/>
+            </a:r>
+            <a:br>
+              <a:rPr lang="ru-RU" smtClean="0">
+                <a:latin typeface="Consolas" panose="020B0609020204030204" pitchFamily="49" charset="0"/>
+              </a:rPr>
+            </a:br>
+            <a:r>
+              <a:rPr lang="en-US" smtClean="0">
+                <a:latin typeface="Consolas" panose="020B0609020204030204" pitchFamily="49" charset="0"/>
+              </a:rPr>
+              <a:t>}</a:t>
+            </a:r>
+            <a:endParaRPr lang="ru-RU" smtClean="0">
+              <a:latin typeface="Consolas" panose="020B0609020204030204" pitchFamily="49" charset="0"/>
+            </a:endParaRPr>
+          </a:p>
+          <a:p>
+            <a:pPr marL="45720" indent="0">
+              <a:buNone/>
+            </a:pPr>
+            <a:r>
+              <a:rPr lang="en-US">
+                <a:latin typeface="Consolas" panose="020B0609020204030204" pitchFamily="49" charset="0"/>
+              </a:rPr>
+              <a:t>auto l7 </a:t>
+            </a:r>
+            <a:r>
+              <a:rPr lang="en-US" smtClean="0">
+                <a:latin typeface="Consolas" panose="020B0609020204030204" pitchFamily="49" charset="0"/>
+              </a:rPr>
+              <a:t>= </a:t>
+            </a:r>
+            <a:r>
+              <a:rPr lang="en-US">
+                <a:latin typeface="Consolas" panose="020B0609020204030204" pitchFamily="49" charset="0"/>
+              </a:rPr>
+              <a:t>List(1, 2, 3) &gt;= pair &gt; print;</a:t>
+            </a:r>
+          </a:p>
+        </p:txBody>
+      </p:sp>
+    </p:spTree>
+    <p:extLst>
+      <p:ext uri="{BB962C8B-B14F-4D97-AF65-F5344CB8AC3E}">
+        <p14:creationId xmlns:p14="http://schemas.microsoft.com/office/powerpoint/2010/main" val="3887864393"/>
+      </p:ext>
+    </p:extLst>
+  </p:cSld>
+  <p:clrMapOvr>
+    <a:masterClrMapping/>
+  </p:clrMapOvr>
+</p:sld>
+</file>
+
+<file path=ppt/slides/slide74.xml><?xml version="1.0" encoding="utf-8"?>
+<p:sld xmlns:a="http://schemas.openxmlformats.org/drawingml/2006/main" xmlns:r="http://schemas.openxmlformats.org/officeDocument/2006/relationships" xmlns:p="http://schemas.openxmlformats.org/presentationml/2006/main">
+  <p:cSld>
+    <p:spTree>
+      <p:nvGrpSpPr>
+        <p:cNvPr id="1" name=""/>
+        <p:cNvGrpSpPr/>
+        <p:nvPr/>
+      </p:nvGrpSpPr>
+      <p:grpSpPr>
+        <a:xfrm>
+          <a:off x="0" y="0"/>
+          <a:ext cx="0" cy="0"/>
+          <a:chOff x="0" y="0"/>
+          <a:chExt cx="0" cy="0"/>
+        </a:xfrm>
+      </p:grpSpPr>
+      <p:sp>
+        <p:nvSpPr>
+          <p:cNvPr id="2" name="Title 1"/>
+          <p:cNvSpPr>
+            <a:spLocks noGrp="1"/>
+          </p:cNvSpPr>
+          <p:nvPr>
+            <p:ph type="title"/>
+          </p:nvPr>
+        </p:nvSpPr>
+        <p:spPr/>
+        <p:txBody>
+          <a:bodyPr/>
+          <a:lstStyle/>
+          <a:p>
+            <a:r>
+              <a:rPr lang="ru-RU" smtClean="0"/>
+              <a:t>Обсуждение</a:t>
+            </a:r>
+            <a:endParaRPr lang="en-US"/>
+          </a:p>
+        </p:txBody>
+      </p:sp>
+      <p:sp>
+        <p:nvSpPr>
+          <p:cNvPr id="3" name="Content Placeholder 2"/>
+          <p:cNvSpPr>
+            <a:spLocks noGrp="1"/>
+          </p:cNvSpPr>
+          <p:nvPr>
+            <p:ph idx="1"/>
+          </p:nvPr>
+        </p:nvSpPr>
+        <p:spPr/>
+        <p:txBody>
+          <a:bodyPr/>
+          <a:lstStyle/>
+          <a:p>
+            <a:r>
+              <a:rPr lang="ru-RU" smtClean="0"/>
               <a:t>С++ ведёт себя во время исполнения как императивный, а во время компиляции как функциональный язык. Это ещё сослужит хорошую службу при изучении метапрограммирования</a:t>
             </a:r>
             <a:endParaRPr lang="en-US"/>
@@ -24482,7 +24997,7 @@
 </p:sld>
 </file>
 
-<file path=ppt/slides/slide71.xml><?xml version="1.0" encoding="utf-8"?>
+<file path=ppt/slides/slide75.xml><?xml version="1.0" encoding="utf-8"?>
 <p:sld xmlns:a="http://schemas.openxmlformats.org/drawingml/2006/main" xmlns:r="http://schemas.openxmlformats.org/officeDocument/2006/relationships" xmlns:p="http://schemas.openxmlformats.org/presentationml/2006/main">
   <p:cSld>
     <p:spTree>
